--- a/docs/システム構成図_GCP.pptx
+++ b/docs/システム構成図_GCP.pptx
@@ -3258,10 +3258,10 @@
       </p:grpSpPr>
       <p:grpSp>
         <p:nvGrpSpPr>
-          <p:cNvPr id="1048" name="グループ化 1047">
+          <p:cNvPr id="1050" name="グループ化 1049">
             <a:extLst>
               <a:ext uri="{FF2B5EF4-FFF2-40B4-BE49-F238E27FC236}">
-                <a16:creationId xmlns:a16="http://schemas.microsoft.com/office/drawing/2014/main" id="{7027217A-B3C2-48F1-A79C-043CF3C84295}"/>
+                <a16:creationId xmlns:a16="http://schemas.microsoft.com/office/drawing/2014/main" id="{D3EBB7F9-A705-4E1F-B147-529368784AF0}"/>
               </a:ext>
             </a:extLst>
           </p:cNvPr>
@@ -3270,179 +3270,18 @@
         </p:nvGrpSpPr>
         <p:grpSpPr>
           <a:xfrm>
-            <a:off x="1403296" y="479885"/>
-            <a:ext cx="19766070" cy="12000579"/>
-            <a:chOff x="1002082" y="274172"/>
-            <a:chExt cx="19766070" cy="12000579"/>
+            <a:off x="764694" y="194634"/>
+            <a:ext cx="20705524" cy="12425819"/>
+            <a:chOff x="764694" y="194634"/>
+            <a:chExt cx="20705524" cy="12425819"/>
           </a:xfrm>
         </p:grpSpPr>
-        <p:grpSp>
-          <p:nvGrpSpPr>
-            <p:cNvPr id="1033" name="グループ化 1032">
+        <p:sp>
+          <p:nvSpPr>
+            <p:cNvPr id="1049" name="正方形/長方形 1048">
               <a:extLst>
                 <a:ext uri="{FF2B5EF4-FFF2-40B4-BE49-F238E27FC236}">
-                  <a16:creationId xmlns:a16="http://schemas.microsoft.com/office/drawing/2014/main" id="{DBF999E4-0C85-4CAC-A45B-74627799D47B}"/>
-                </a:ext>
-              </a:extLst>
-            </p:cNvPr>
-            <p:cNvGrpSpPr/>
-            <p:nvPr/>
-          </p:nvGrpSpPr>
-          <p:grpSpPr>
-            <a:xfrm>
-              <a:off x="4643665" y="5643473"/>
-              <a:ext cx="2284238" cy="1362596"/>
-              <a:chOff x="6030683" y="4587744"/>
-              <a:chExt cx="2284238" cy="1362596"/>
-            </a:xfrm>
-          </p:grpSpPr>
-          <p:sp>
-            <p:nvSpPr>
-              <p:cNvPr id="85" name="正方形/長方形 84">
-                <a:extLst>
-                  <a:ext uri="{FF2B5EF4-FFF2-40B4-BE49-F238E27FC236}">
-                    <a16:creationId xmlns:a16="http://schemas.microsoft.com/office/drawing/2014/main" id="{1C849B83-4921-4225-8549-1B42F62319BF}"/>
-                  </a:ext>
-                </a:extLst>
-              </p:cNvPr>
-              <p:cNvSpPr/>
-              <p:nvPr/>
-            </p:nvSpPr>
-            <p:spPr>
-              <a:xfrm>
-                <a:off x="6030683" y="4587744"/>
-                <a:ext cx="2284238" cy="1362596"/>
-              </a:xfrm>
-              <a:prstGeom prst="rect">
-                <a:avLst/>
-              </a:prstGeom>
-              <a:solidFill>
-                <a:srgbClr val="FDF3ED"/>
-              </a:solidFill>
-            </p:spPr>
-            <p:style>
-              <a:lnRef idx="0">
-                <a:schemeClr val="accent2"/>
-              </a:lnRef>
-              <a:fillRef idx="3">
-                <a:schemeClr val="accent2"/>
-              </a:fillRef>
-              <a:effectRef idx="3">
-                <a:schemeClr val="accent2"/>
-              </a:effectRef>
-              <a:fontRef idx="minor">
-                <a:schemeClr val="lt1"/>
-              </a:fontRef>
-            </p:style>
-            <p:txBody>
-              <a:bodyPr rot="0" spcFirstLastPara="0" vertOverflow="overflow" horzOverflow="overflow" vert="horz" wrap="square" lIns="91440" tIns="45720" rIns="91440" bIns="45720" numCol="1" spcCol="0" rtlCol="0" fromWordArt="0" anchor="ctr" anchorCtr="0" forceAA="0" compatLnSpc="1">
-                <a:prstTxWarp prst="textNoShape">
-                  <a:avLst/>
-                </a:prstTxWarp>
-                <a:noAutofit/>
-              </a:bodyPr>
-              <a:lstStyle/>
-              <a:p>
-                <a:pPr algn="ctr"/>
-                <a:endParaRPr kumimoji="1" lang="ja-JP" altLang="en-US" dirty="0"/>
-              </a:p>
-            </p:txBody>
-          </p:sp>
-          <p:pic>
-            <p:nvPicPr>
-              <p:cNvPr id="1026" name="Picture 2" descr="https://previews.us-east-1.widencdn.net/preview/48045879/assets/asset-view/8588de84-f8ed-4488-a456-45ba986280ee/thumbnail/eyJ3IjoyMDQ4LCJoIjoyMDQ4LCJzY29wZSI6ImFwcCJ9?sig.ver=1&amp;sig.keyId=us-east-1.20240821&amp;sig.expires=1768888800&amp;sig=3Mfj63EvT3S_G2babOafFoOBsnu2hJiFiomn7IR-Q3g">
-                <a:extLst>
-                  <a:ext uri="{FF2B5EF4-FFF2-40B4-BE49-F238E27FC236}">
-                    <a16:creationId xmlns:a16="http://schemas.microsoft.com/office/drawing/2014/main" id="{F5457915-13CB-4366-8D5E-AED8CCEC5C95}"/>
-                  </a:ext>
-                </a:extLst>
-              </p:cNvPr>
-              <p:cNvPicPr>
-                <a:picLocks noChangeAspect="1" noChangeArrowheads="1"/>
-              </p:cNvPicPr>
-              <p:nvPr/>
-            </p:nvPicPr>
-            <p:blipFill rotWithShape="1">
-              <a:blip r:embed="rId2">
-                <a:extLst>
-                  <a:ext uri="{28A0092B-C50C-407E-A947-70E740481C1C}">
-                    <a14:useLocalDpi xmlns:a14="http://schemas.microsoft.com/office/drawing/2010/main" val="0"/>
-                  </a:ext>
-                </a:extLst>
-              </a:blip>
-              <a:srcRect l="-1213" t="-4693" r="73510" b="29075"/>
-              <a:stretch/>
-            </p:blipFill>
-            <p:spPr bwMode="auto">
-              <a:xfrm>
-                <a:off x="6185204" y="4725556"/>
-                <a:ext cx="1063406" cy="1037841"/>
-              </a:xfrm>
-              <a:prstGeom prst="rect">
-                <a:avLst/>
-              </a:prstGeom>
-              <a:noFill/>
-              <a:extLst>
-                <a:ext uri="{909E8E84-426E-40DD-AFC4-6F175D3DCCD1}">
-                  <a14:hiddenFill xmlns:a14="http://schemas.microsoft.com/office/drawing/2010/main">
-                    <a:solidFill>
-                      <a:srgbClr val="FFFFFF"/>
-                    </a:solidFill>
-                  </a14:hiddenFill>
-                </a:ext>
-              </a:extLst>
-            </p:spPr>
-          </p:pic>
-          <p:sp>
-            <p:nvSpPr>
-              <p:cNvPr id="29" name="テキスト ボックス 28">
-                <a:extLst>
-                  <a:ext uri="{FF2B5EF4-FFF2-40B4-BE49-F238E27FC236}">
-                    <a16:creationId xmlns:a16="http://schemas.microsoft.com/office/drawing/2014/main" id="{AD1B9559-D7F5-424A-923F-8F829A6174FC}"/>
-                  </a:ext>
-                </a:extLst>
-              </p:cNvPr>
-              <p:cNvSpPr txBox="1"/>
-              <p:nvPr/>
-            </p:nvSpPr>
-            <p:spPr>
-              <a:xfrm>
-                <a:off x="7373232" y="5121536"/>
-                <a:ext cx="782320" cy="753411"/>
-              </a:xfrm>
-              <a:prstGeom prst="rect">
-                <a:avLst/>
-              </a:prstGeom>
-              <a:noFill/>
-            </p:spPr>
-            <p:txBody>
-              <a:bodyPr wrap="square" rtlCol="0">
-                <a:spAutoFit/>
-              </a:bodyPr>
-              <a:lstStyle/>
-              <a:p>
-                <a:r>
-                  <a:rPr lang="en-US" altLang="ja-JP" dirty="0">
-                    <a:solidFill>
-                      <a:schemeClr val="bg1">
-                        <a:lumMod val="50000"/>
-                      </a:schemeClr>
-                    </a:solidFill>
-                    <a:latin typeface="Arial" panose="020B0604020202020204" pitchFamily="34" charset="0"/>
-                    <a:cs typeface="Arial" panose="020B0604020202020204" pitchFamily="34" charset="0"/>
-                  </a:rPr>
-                  <a:t>Slack</a:t>
-                </a:r>
-              </a:p>
-            </p:txBody>
-          </p:sp>
-        </p:grpSp>
-        <p:sp>
-          <p:nvSpPr>
-            <p:cNvPr id="78" name="正方形/長方形 77">
-              <a:extLst>
-                <a:ext uri="{FF2B5EF4-FFF2-40B4-BE49-F238E27FC236}">
-                  <a16:creationId xmlns:a16="http://schemas.microsoft.com/office/drawing/2014/main" id="{86B1C22E-AF8A-4D94-9FF0-896E5D234084}"/>
+                  <a16:creationId xmlns:a16="http://schemas.microsoft.com/office/drawing/2014/main" id="{882CBE2D-4072-4B34-9264-83BA23AB8141}"/>
                 </a:ext>
               </a:extLst>
             </p:cNvPr>
@@ -3451,128 +3290,19 @@
           </p:nvSpPr>
           <p:spPr>
             <a:xfrm>
-              <a:off x="11286331" y="4767322"/>
-              <a:ext cx="9232818" cy="2871730"/>
+              <a:off x="764694" y="194634"/>
+              <a:ext cx="20705524" cy="12425819"/>
             </a:xfrm>
             <a:prstGeom prst="rect">
               <a:avLst/>
             </a:prstGeom>
             <a:solidFill>
-              <a:srgbClr val="DCE5F4"/>
+              <a:schemeClr val="bg1"/>
             </a:solidFill>
-            <a:ln w="3175"/>
-          </p:spPr>
-          <p:style>
-            <a:lnRef idx="2">
-              <a:schemeClr val="accent1">
-                <a:shade val="50000"/>
-              </a:schemeClr>
-            </a:lnRef>
-            <a:fillRef idx="1">
-              <a:schemeClr val="accent1"/>
-            </a:fillRef>
-            <a:effectRef idx="0">
-              <a:schemeClr val="accent1"/>
-            </a:effectRef>
-            <a:fontRef idx="minor">
-              <a:schemeClr val="lt1"/>
-            </a:fontRef>
-          </p:style>
-          <p:txBody>
-            <a:bodyPr rot="0" spcFirstLastPara="0" vertOverflow="overflow" horzOverflow="overflow" vert="horz" wrap="square" lIns="91440" tIns="45720" rIns="91440" bIns="45720" numCol="1" spcCol="0" rtlCol="0" fromWordArt="0" anchor="t" anchorCtr="0" forceAA="0" compatLnSpc="1">
-              <a:prstTxWarp prst="textNoShape">
-                <a:avLst/>
-              </a:prstTxWarp>
-              <a:noAutofit/>
-            </a:bodyPr>
-            <a:lstStyle/>
-            <a:p>
-              <a:r>
-                <a:rPr kumimoji="1" lang="en-US" altLang="ja-JP" dirty="0">
-                  <a:solidFill>
-                    <a:schemeClr val="bg1"/>
-                  </a:solidFill>
-                  <a:highlight>
-                    <a:srgbClr val="27477B"/>
-                  </a:highlight>
-                  <a:latin typeface="Arial" panose="020B0604020202020204" pitchFamily="34" charset="0"/>
-                  <a:ea typeface="HGPｺﾞｼｯｸM" panose="020B0600000000000000" pitchFamily="50" charset="-128"/>
-                  <a:cs typeface="Arial" panose="020B0604020202020204" pitchFamily="34" charset="0"/>
-                </a:rPr>
-                <a:t>Region (asia-northeast1 / </a:t>
-              </a:r>
-              <a:r>
-                <a:rPr kumimoji="1" lang="ja-JP" altLang="en-US" dirty="0">
-                  <a:solidFill>
-                    <a:schemeClr val="bg1"/>
-                  </a:solidFill>
-                  <a:highlight>
-                    <a:srgbClr val="27477B"/>
-                  </a:highlight>
-                  <a:latin typeface="Arial" panose="020B0604020202020204" pitchFamily="34" charset="0"/>
-                  <a:ea typeface="HGPｺﾞｼｯｸM" panose="020B0600000000000000" pitchFamily="50" charset="-128"/>
-                  <a:cs typeface="Arial" panose="020B0604020202020204" pitchFamily="34" charset="0"/>
-                </a:rPr>
-                <a:t>東京</a:t>
-              </a:r>
-              <a:r>
-                <a:rPr kumimoji="1" lang="en-US" altLang="ja-JP" dirty="0">
-                  <a:solidFill>
-                    <a:schemeClr val="bg1"/>
-                  </a:solidFill>
-                  <a:highlight>
-                    <a:srgbClr val="27477B"/>
-                  </a:highlight>
-                  <a:latin typeface="Arial" panose="020B0604020202020204" pitchFamily="34" charset="0"/>
-                  <a:ea typeface="HGPｺﾞｼｯｸM" panose="020B0600000000000000" pitchFamily="50" charset="-128"/>
-                  <a:cs typeface="Arial" panose="020B0604020202020204" pitchFamily="34" charset="0"/>
-                </a:rPr>
-                <a:t>)</a:t>
-              </a:r>
-              <a:endParaRPr kumimoji="1" lang="ja-JP" altLang="en-US" dirty="0">
-                <a:solidFill>
-                  <a:schemeClr val="bg1"/>
-                </a:solidFill>
-                <a:highlight>
-                  <a:srgbClr val="27477B"/>
-                </a:highlight>
-                <a:latin typeface="Arial" panose="020B0604020202020204" pitchFamily="34" charset="0"/>
-                <a:ea typeface="HGPｺﾞｼｯｸM" panose="020B0600000000000000" pitchFamily="50" charset="-128"/>
-                <a:cs typeface="Arial" panose="020B0604020202020204" pitchFamily="34" charset="0"/>
-              </a:endParaRPr>
-            </a:p>
-          </p:txBody>
-        </p:sp>
-        <p:sp>
-          <p:nvSpPr>
-            <p:cNvPr id="1027" name="正方形/長方形 1026">
-              <a:extLst>
-                <a:ext uri="{FF2B5EF4-FFF2-40B4-BE49-F238E27FC236}">
-                  <a16:creationId xmlns:a16="http://schemas.microsoft.com/office/drawing/2014/main" id="{0C1D5D69-975F-419D-8A54-490A7585736C}"/>
-                </a:ext>
-              </a:extLst>
-            </p:cNvPr>
-            <p:cNvSpPr/>
-            <p:nvPr/>
-          </p:nvSpPr>
-          <p:spPr>
-            <a:xfrm>
-              <a:off x="1002082" y="1308894"/>
-              <a:ext cx="15445476" cy="2540564"/>
-            </a:xfrm>
-            <a:prstGeom prst="rect">
-              <a:avLst/>
-            </a:prstGeom>
-            <a:solidFill>
-              <a:schemeClr val="accent2">
-                <a:lumMod val="20000"/>
-                <a:lumOff val="80000"/>
-              </a:schemeClr>
-            </a:solidFill>
-            <a:ln w="3175">
+            <a:ln>
               <a:solidFill>
-                <a:schemeClr val="accent2">
-                  <a:lumMod val="50000"/>
+                <a:schemeClr val="bg1">
+                  <a:lumMod val="65000"/>
                 </a:schemeClr>
               </a:solidFill>
             </a:ln>
@@ -3594,12 +3324,7 @@
             </a:fontRef>
           </p:style>
           <p:txBody>
-            <a:bodyPr rot="0" spcFirstLastPara="0" vertOverflow="overflow" horzOverflow="overflow" vert="horz" wrap="square" lIns="91440" tIns="45720" rIns="91440" bIns="45720" numCol="1" spcCol="0" rtlCol="0" fromWordArt="0" anchor="ctr" anchorCtr="0" forceAA="0" compatLnSpc="1">
-              <a:prstTxWarp prst="textNoShape">
-                <a:avLst/>
-              </a:prstTxWarp>
-              <a:noAutofit/>
-            </a:bodyPr>
+            <a:bodyPr rtlCol="0" anchor="ctr"/>
             <a:lstStyle/>
             <a:p>
               <a:pPr algn="ctr"/>
@@ -3609,10 +3334,10 @@
         </p:sp>
         <p:grpSp>
           <p:nvGrpSpPr>
-            <p:cNvPr id="47" name="グループ化 46">
+            <p:cNvPr id="1048" name="グループ化 1047">
               <a:extLst>
                 <a:ext uri="{FF2B5EF4-FFF2-40B4-BE49-F238E27FC236}">
-                  <a16:creationId xmlns:a16="http://schemas.microsoft.com/office/drawing/2014/main" id="{E1B4269C-8FD0-42DF-B04E-040FEE7496FF}"/>
+                  <a16:creationId xmlns:a16="http://schemas.microsoft.com/office/drawing/2014/main" id="{7027217A-B3C2-48F1-A79C-043CF3C84295}"/>
                 </a:ext>
               </a:extLst>
             </p:cNvPr>
@@ -3621,18 +3346,179 @@
           </p:nvGrpSpPr>
           <p:grpSpPr>
             <a:xfrm>
-              <a:off x="9003261" y="1545460"/>
-              <a:ext cx="2284238" cy="1362596"/>
-              <a:chOff x="7811676" y="207325"/>
-              <a:chExt cx="2284238" cy="1362596"/>
+              <a:off x="1234421" y="479885"/>
+              <a:ext cx="19766070" cy="12000579"/>
+              <a:chOff x="1002082" y="274172"/>
+              <a:chExt cx="19766070" cy="12000579"/>
             </a:xfrm>
           </p:grpSpPr>
+          <p:grpSp>
+            <p:nvGrpSpPr>
+              <p:cNvPr id="1033" name="グループ化 1032">
+                <a:extLst>
+                  <a:ext uri="{FF2B5EF4-FFF2-40B4-BE49-F238E27FC236}">
+                    <a16:creationId xmlns:a16="http://schemas.microsoft.com/office/drawing/2014/main" id="{DBF999E4-0C85-4CAC-A45B-74627799D47B}"/>
+                  </a:ext>
+                </a:extLst>
+              </p:cNvPr>
+              <p:cNvGrpSpPr/>
+              <p:nvPr/>
+            </p:nvGrpSpPr>
+            <p:grpSpPr>
+              <a:xfrm>
+                <a:off x="4643665" y="5643473"/>
+                <a:ext cx="2284238" cy="1362596"/>
+                <a:chOff x="6030683" y="4587744"/>
+                <a:chExt cx="2284238" cy="1362596"/>
+              </a:xfrm>
+            </p:grpSpPr>
+            <p:sp>
+              <p:nvSpPr>
+                <p:cNvPr id="85" name="正方形/長方形 84">
+                  <a:extLst>
+                    <a:ext uri="{FF2B5EF4-FFF2-40B4-BE49-F238E27FC236}">
+                      <a16:creationId xmlns:a16="http://schemas.microsoft.com/office/drawing/2014/main" id="{1C849B83-4921-4225-8549-1B42F62319BF}"/>
+                    </a:ext>
+                  </a:extLst>
+                </p:cNvPr>
+                <p:cNvSpPr/>
+                <p:nvPr/>
+              </p:nvSpPr>
+              <p:spPr>
+                <a:xfrm>
+                  <a:off x="6030683" y="4587744"/>
+                  <a:ext cx="2284238" cy="1362596"/>
+                </a:xfrm>
+                <a:prstGeom prst="rect">
+                  <a:avLst/>
+                </a:prstGeom>
+                <a:solidFill>
+                  <a:srgbClr val="FDF3ED"/>
+                </a:solidFill>
+              </p:spPr>
+              <p:style>
+                <a:lnRef idx="0">
+                  <a:schemeClr val="accent2"/>
+                </a:lnRef>
+                <a:fillRef idx="3">
+                  <a:schemeClr val="accent2"/>
+                </a:fillRef>
+                <a:effectRef idx="3">
+                  <a:schemeClr val="accent2"/>
+                </a:effectRef>
+                <a:fontRef idx="minor">
+                  <a:schemeClr val="lt1"/>
+                </a:fontRef>
+              </p:style>
+              <p:txBody>
+                <a:bodyPr rot="0" spcFirstLastPara="0" vertOverflow="overflow" horzOverflow="overflow" vert="horz" wrap="square" lIns="91440" tIns="45720" rIns="91440" bIns="45720" numCol="1" spcCol="0" rtlCol="0" fromWordArt="0" anchor="ctr" anchorCtr="0" forceAA="0" compatLnSpc="1">
+                  <a:prstTxWarp prst="textNoShape">
+                    <a:avLst/>
+                  </a:prstTxWarp>
+                  <a:noAutofit/>
+                </a:bodyPr>
+                <a:lstStyle/>
+                <a:p>
+                  <a:pPr algn="ctr"/>
+                  <a:endParaRPr kumimoji="1" lang="ja-JP" altLang="en-US" dirty="0"/>
+                </a:p>
+              </p:txBody>
+            </p:sp>
+            <p:pic>
+              <p:nvPicPr>
+                <p:cNvPr id="1026" name="Picture 2" descr="https://previews.us-east-1.widencdn.net/preview/48045879/assets/asset-view/8588de84-f8ed-4488-a456-45ba986280ee/thumbnail/eyJ3IjoyMDQ4LCJoIjoyMDQ4LCJzY29wZSI6ImFwcCJ9?sig.ver=1&amp;sig.keyId=us-east-1.20240821&amp;sig.expires=1768888800&amp;sig=3Mfj63EvT3S_G2babOafFoOBsnu2hJiFiomn7IR-Q3g">
+                  <a:extLst>
+                    <a:ext uri="{FF2B5EF4-FFF2-40B4-BE49-F238E27FC236}">
+                      <a16:creationId xmlns:a16="http://schemas.microsoft.com/office/drawing/2014/main" id="{F5457915-13CB-4366-8D5E-AED8CCEC5C95}"/>
+                    </a:ext>
+                  </a:extLst>
+                </p:cNvPr>
+                <p:cNvPicPr>
+                  <a:picLocks noChangeAspect="1" noChangeArrowheads="1"/>
+                </p:cNvPicPr>
+                <p:nvPr/>
+              </p:nvPicPr>
+              <p:blipFill rotWithShape="1">
+                <a:blip r:embed="rId2">
+                  <a:extLst>
+                    <a:ext uri="{28A0092B-C50C-407E-A947-70E740481C1C}">
+                      <a14:useLocalDpi xmlns:a14="http://schemas.microsoft.com/office/drawing/2010/main" val="0"/>
+                    </a:ext>
+                  </a:extLst>
+                </a:blip>
+                <a:srcRect l="-1213" t="-4693" r="73510" b="29075"/>
+                <a:stretch/>
+              </p:blipFill>
+              <p:spPr bwMode="auto">
+                <a:xfrm>
+                  <a:off x="6185204" y="4725556"/>
+                  <a:ext cx="1063406" cy="1037841"/>
+                </a:xfrm>
+                <a:prstGeom prst="rect">
+                  <a:avLst/>
+                </a:prstGeom>
+                <a:noFill/>
+                <a:extLst>
+                  <a:ext uri="{909E8E84-426E-40DD-AFC4-6F175D3DCCD1}">
+                    <a14:hiddenFill xmlns:a14="http://schemas.microsoft.com/office/drawing/2010/main">
+                      <a:solidFill>
+                        <a:srgbClr val="FFFFFF"/>
+                      </a:solidFill>
+                    </a14:hiddenFill>
+                  </a:ext>
+                </a:extLst>
+              </p:spPr>
+            </p:pic>
+            <p:sp>
+              <p:nvSpPr>
+                <p:cNvPr id="29" name="テキスト ボックス 28">
+                  <a:extLst>
+                    <a:ext uri="{FF2B5EF4-FFF2-40B4-BE49-F238E27FC236}">
+                      <a16:creationId xmlns:a16="http://schemas.microsoft.com/office/drawing/2014/main" id="{AD1B9559-D7F5-424A-923F-8F829A6174FC}"/>
+                    </a:ext>
+                  </a:extLst>
+                </p:cNvPr>
+                <p:cNvSpPr txBox="1"/>
+                <p:nvPr/>
+              </p:nvSpPr>
+              <p:spPr>
+                <a:xfrm>
+                  <a:off x="7373232" y="5121536"/>
+                  <a:ext cx="782320" cy="753411"/>
+                </a:xfrm>
+                <a:prstGeom prst="rect">
+                  <a:avLst/>
+                </a:prstGeom>
+                <a:noFill/>
+              </p:spPr>
+              <p:txBody>
+                <a:bodyPr wrap="square" rtlCol="0">
+                  <a:spAutoFit/>
+                </a:bodyPr>
+                <a:lstStyle/>
+                <a:p>
+                  <a:r>
+                    <a:rPr lang="en-US" altLang="ja-JP" dirty="0">
+                      <a:solidFill>
+                        <a:schemeClr val="bg1">
+                          <a:lumMod val="50000"/>
+                        </a:schemeClr>
+                      </a:solidFill>
+                      <a:latin typeface="Arial" panose="020B0604020202020204" pitchFamily="34" charset="0"/>
+                      <a:cs typeface="Arial" panose="020B0604020202020204" pitchFamily="34" charset="0"/>
+                    </a:rPr>
+                    <a:t>Slack</a:t>
+                  </a:r>
+                </a:p>
+              </p:txBody>
+            </p:sp>
+          </p:grpSp>
           <p:sp>
             <p:nvSpPr>
-              <p:cNvPr id="42" name="正方形/長方形 41">
+              <p:cNvPr id="78" name="正方形/長方形 77">
                 <a:extLst>
                   <a:ext uri="{FF2B5EF4-FFF2-40B4-BE49-F238E27FC236}">
-                    <a16:creationId xmlns:a16="http://schemas.microsoft.com/office/drawing/2014/main" id="{08787F34-3549-4018-86CE-BB432F55D0FF}"/>
+                    <a16:creationId xmlns:a16="http://schemas.microsoft.com/office/drawing/2014/main" id="{86B1C22E-AF8A-4D94-9FF0-896E5D234084}"/>
                   </a:ext>
                 </a:extLst>
               </p:cNvPr>
@@ -3641,25 +3527,143 @@
             </p:nvSpPr>
             <p:spPr>
               <a:xfrm>
-                <a:off x="7811676" y="207325"/>
-                <a:ext cx="2284238" cy="1362596"/>
+                <a:off x="11286331" y="4767322"/>
+                <a:ext cx="9232818" cy="2871730"/>
               </a:xfrm>
               <a:prstGeom prst="rect">
                 <a:avLst/>
               </a:prstGeom>
               <a:solidFill>
-                <a:srgbClr val="FDF3ED"/>
+                <a:srgbClr val="DCE5F4"/>
               </a:solidFill>
+              <a:ln w="3175"/>
             </p:spPr>
             <p:style>
-              <a:lnRef idx="0">
-                <a:schemeClr val="accent2"/>
+              <a:lnRef idx="2">
+                <a:schemeClr val="accent1">
+                  <a:shade val="50000"/>
+                </a:schemeClr>
               </a:lnRef>
-              <a:fillRef idx="3">
-                <a:schemeClr val="accent2"/>
+              <a:fillRef idx="1">
+                <a:schemeClr val="accent1"/>
               </a:fillRef>
-              <a:effectRef idx="3">
-                <a:schemeClr val="accent2"/>
+              <a:effectRef idx="0">
+                <a:schemeClr val="accent1"/>
+              </a:effectRef>
+              <a:fontRef idx="minor">
+                <a:schemeClr val="lt1"/>
+              </a:fontRef>
+            </p:style>
+            <p:txBody>
+              <a:bodyPr rot="0" spcFirstLastPara="0" vertOverflow="overflow" horzOverflow="overflow" vert="horz" wrap="square" lIns="91440" tIns="45720" rIns="91440" bIns="45720" numCol="1" spcCol="0" rtlCol="0" fromWordArt="0" anchor="t" anchorCtr="0" forceAA="0" compatLnSpc="1">
+                <a:prstTxWarp prst="textNoShape">
+                  <a:avLst/>
+                </a:prstTxWarp>
+                <a:noAutofit/>
+              </a:bodyPr>
+              <a:lstStyle/>
+              <a:p>
+                <a:r>
+                  <a:rPr kumimoji="1" lang="en-US" altLang="ja-JP" dirty="0">
+                    <a:solidFill>
+                      <a:schemeClr val="bg1"/>
+                    </a:solidFill>
+                    <a:highlight>
+                      <a:srgbClr val="27477B"/>
+                    </a:highlight>
+                    <a:latin typeface="Arial" panose="020B0604020202020204" pitchFamily="34" charset="0"/>
+                    <a:ea typeface="HGPｺﾞｼｯｸM" panose="020B0600000000000000" pitchFamily="50" charset="-128"/>
+                    <a:cs typeface="Arial" panose="020B0604020202020204" pitchFamily="34" charset="0"/>
+                  </a:rPr>
+                  <a:t>Region (asia-northeast1 / </a:t>
+                </a:r>
+                <a:r>
+                  <a:rPr kumimoji="1" lang="ja-JP" altLang="en-US" dirty="0">
+                    <a:solidFill>
+                      <a:schemeClr val="bg1"/>
+                    </a:solidFill>
+                    <a:highlight>
+                      <a:srgbClr val="27477B"/>
+                    </a:highlight>
+                    <a:latin typeface="Arial" panose="020B0604020202020204" pitchFamily="34" charset="0"/>
+                    <a:ea typeface="HGPｺﾞｼｯｸM" panose="020B0600000000000000" pitchFamily="50" charset="-128"/>
+                    <a:cs typeface="Arial" panose="020B0604020202020204" pitchFamily="34" charset="0"/>
+                  </a:rPr>
+                  <a:t>東京</a:t>
+                </a:r>
+                <a:r>
+                  <a:rPr kumimoji="1" lang="en-US" altLang="ja-JP" dirty="0">
+                    <a:solidFill>
+                      <a:schemeClr val="bg1"/>
+                    </a:solidFill>
+                    <a:highlight>
+                      <a:srgbClr val="27477B"/>
+                    </a:highlight>
+                    <a:latin typeface="Arial" panose="020B0604020202020204" pitchFamily="34" charset="0"/>
+                    <a:ea typeface="HGPｺﾞｼｯｸM" panose="020B0600000000000000" pitchFamily="50" charset="-128"/>
+                    <a:cs typeface="Arial" panose="020B0604020202020204" pitchFamily="34" charset="0"/>
+                  </a:rPr>
+                  <a:t>)</a:t>
+                </a:r>
+                <a:endParaRPr kumimoji="1" lang="ja-JP" altLang="en-US" dirty="0">
+                  <a:solidFill>
+                    <a:schemeClr val="bg1"/>
+                  </a:solidFill>
+                  <a:highlight>
+                    <a:srgbClr val="27477B"/>
+                  </a:highlight>
+                  <a:latin typeface="Arial" panose="020B0604020202020204" pitchFamily="34" charset="0"/>
+                  <a:ea typeface="HGPｺﾞｼｯｸM" panose="020B0600000000000000" pitchFamily="50" charset="-128"/>
+                  <a:cs typeface="Arial" panose="020B0604020202020204" pitchFamily="34" charset="0"/>
+                </a:endParaRPr>
+              </a:p>
+            </p:txBody>
+          </p:sp>
+          <p:sp>
+            <p:nvSpPr>
+              <p:cNvPr id="1027" name="正方形/長方形 1026">
+                <a:extLst>
+                  <a:ext uri="{FF2B5EF4-FFF2-40B4-BE49-F238E27FC236}">
+                    <a16:creationId xmlns:a16="http://schemas.microsoft.com/office/drawing/2014/main" id="{0C1D5D69-975F-419D-8A54-490A7585736C}"/>
+                  </a:ext>
+                </a:extLst>
+              </p:cNvPr>
+              <p:cNvSpPr/>
+              <p:nvPr/>
+            </p:nvSpPr>
+            <p:spPr>
+              <a:xfrm>
+                <a:off x="1002082" y="1308894"/>
+                <a:ext cx="15445476" cy="2540564"/>
+              </a:xfrm>
+              <a:prstGeom prst="rect">
+                <a:avLst/>
+              </a:prstGeom>
+              <a:solidFill>
+                <a:schemeClr val="accent2">
+                  <a:lumMod val="20000"/>
+                  <a:lumOff val="80000"/>
+                </a:schemeClr>
+              </a:solidFill>
+              <a:ln w="3175">
+                <a:solidFill>
+                  <a:schemeClr val="accent2">
+                    <a:lumMod val="50000"/>
+                  </a:schemeClr>
+                </a:solidFill>
+              </a:ln>
+            </p:spPr>
+            <p:style>
+              <a:lnRef idx="2">
+                <a:schemeClr val="accent1">
+                  <a:shade val="50000"/>
+                </a:schemeClr>
+              </a:lnRef>
+              <a:fillRef idx="1">
+                <a:schemeClr val="accent1"/>
+              </a:fillRef>
+              <a:effectRef idx="0">
+                <a:schemeClr val="accent1"/>
               </a:effectRef>
               <a:fontRef idx="minor">
                 <a:schemeClr val="lt1"/>
@@ -3679,42 +3683,336 @@
               </a:p>
             </p:txBody>
           </p:sp>
-          <p:pic>
-            <p:nvPicPr>
-              <p:cNvPr id="4" name="図 3">
+          <p:grpSp>
+            <p:nvGrpSpPr>
+              <p:cNvPr id="47" name="グループ化 46">
                 <a:extLst>
                   <a:ext uri="{FF2B5EF4-FFF2-40B4-BE49-F238E27FC236}">
-                    <a16:creationId xmlns:a16="http://schemas.microsoft.com/office/drawing/2014/main" id="{1959D133-E280-4CCE-870B-37FAE2261C0C}"/>
+                    <a16:creationId xmlns:a16="http://schemas.microsoft.com/office/drawing/2014/main" id="{E1B4269C-8FD0-42DF-B04E-040FEE7496FF}"/>
                   </a:ext>
                 </a:extLst>
               </p:cNvPr>
-              <p:cNvPicPr>
-                <a:picLocks noChangeAspect="1"/>
-              </p:cNvPicPr>
+              <p:cNvGrpSpPr/>
               <p:nvPr/>
-            </p:nvPicPr>
-            <p:blipFill>
-              <a:blip r:embed="rId3"/>
-              <a:stretch>
-                <a:fillRect/>
-              </a:stretch>
-            </p:blipFill>
-            <p:spPr>
+            </p:nvGrpSpPr>
+            <p:grpSpPr>
               <a:xfrm>
-                <a:off x="7907515" y="334809"/>
-                <a:ext cx="1063412" cy="1063412"/>
+                <a:off x="9003261" y="1545460"/>
+                <a:ext cx="2284238" cy="1362596"/>
+                <a:chOff x="7811676" y="207325"/>
+                <a:chExt cx="2284238" cy="1362596"/>
               </a:xfrm>
-              <a:prstGeom prst="rect">
-                <a:avLst/>
-              </a:prstGeom>
-            </p:spPr>
-          </p:pic>
+            </p:grpSpPr>
+            <p:sp>
+              <p:nvSpPr>
+                <p:cNvPr id="42" name="正方形/長方形 41">
+                  <a:extLst>
+                    <a:ext uri="{FF2B5EF4-FFF2-40B4-BE49-F238E27FC236}">
+                      <a16:creationId xmlns:a16="http://schemas.microsoft.com/office/drawing/2014/main" id="{08787F34-3549-4018-86CE-BB432F55D0FF}"/>
+                    </a:ext>
+                  </a:extLst>
+                </p:cNvPr>
+                <p:cNvSpPr/>
+                <p:nvPr/>
+              </p:nvSpPr>
+              <p:spPr>
+                <a:xfrm>
+                  <a:off x="7811676" y="207325"/>
+                  <a:ext cx="2284238" cy="1362596"/>
+                </a:xfrm>
+                <a:prstGeom prst="rect">
+                  <a:avLst/>
+                </a:prstGeom>
+                <a:solidFill>
+                  <a:srgbClr val="FDF3ED"/>
+                </a:solidFill>
+              </p:spPr>
+              <p:style>
+                <a:lnRef idx="0">
+                  <a:schemeClr val="accent2"/>
+                </a:lnRef>
+                <a:fillRef idx="3">
+                  <a:schemeClr val="accent2"/>
+                </a:fillRef>
+                <a:effectRef idx="3">
+                  <a:schemeClr val="accent2"/>
+                </a:effectRef>
+                <a:fontRef idx="minor">
+                  <a:schemeClr val="lt1"/>
+                </a:fontRef>
+              </p:style>
+              <p:txBody>
+                <a:bodyPr rot="0" spcFirstLastPara="0" vertOverflow="overflow" horzOverflow="overflow" vert="horz" wrap="square" lIns="91440" tIns="45720" rIns="91440" bIns="45720" numCol="1" spcCol="0" rtlCol="0" fromWordArt="0" anchor="ctr" anchorCtr="0" forceAA="0" compatLnSpc="1">
+                  <a:prstTxWarp prst="textNoShape">
+                    <a:avLst/>
+                  </a:prstTxWarp>
+                  <a:noAutofit/>
+                </a:bodyPr>
+                <a:lstStyle/>
+                <a:p>
+                  <a:pPr algn="ctr"/>
+                  <a:endParaRPr kumimoji="1" lang="ja-JP" altLang="en-US"/>
+                </a:p>
+              </p:txBody>
+            </p:sp>
+            <p:pic>
+              <p:nvPicPr>
+                <p:cNvPr id="4" name="図 3">
+                  <a:extLst>
+                    <a:ext uri="{FF2B5EF4-FFF2-40B4-BE49-F238E27FC236}">
+                      <a16:creationId xmlns:a16="http://schemas.microsoft.com/office/drawing/2014/main" id="{1959D133-E280-4CCE-870B-37FAE2261C0C}"/>
+                    </a:ext>
+                  </a:extLst>
+                </p:cNvPr>
+                <p:cNvPicPr>
+                  <a:picLocks noChangeAspect="1"/>
+                </p:cNvPicPr>
+                <p:nvPr/>
+              </p:nvPicPr>
+              <p:blipFill>
+                <a:blip r:embed="rId3"/>
+                <a:stretch>
+                  <a:fillRect/>
+                </a:stretch>
+              </p:blipFill>
+              <p:spPr>
+                <a:xfrm>
+                  <a:off x="7907515" y="334809"/>
+                  <a:ext cx="1063412" cy="1063412"/>
+                </a:xfrm>
+                <a:prstGeom prst="rect">
+                  <a:avLst/>
+                </a:prstGeom>
+              </p:spPr>
+            </p:pic>
+            <p:sp>
+              <p:nvSpPr>
+                <p:cNvPr id="5" name="テキスト ボックス 4">
+                  <a:extLst>
+                    <a:ext uri="{FF2B5EF4-FFF2-40B4-BE49-F238E27FC236}">
+                      <a16:creationId xmlns:a16="http://schemas.microsoft.com/office/drawing/2014/main" id="{63F66351-F35A-4A75-A893-7975F9B7186A}"/>
+                    </a:ext>
+                  </a:extLst>
+                </p:cNvPr>
+                <p:cNvSpPr txBox="1"/>
+                <p:nvPr/>
+              </p:nvSpPr>
+              <p:spPr>
+                <a:xfrm>
+                  <a:off x="9038425" y="565457"/>
+                  <a:ext cx="972464" cy="753411"/>
+                </a:xfrm>
+                <a:prstGeom prst="rect">
+                  <a:avLst/>
+                </a:prstGeom>
+                <a:noFill/>
+              </p:spPr>
+              <p:txBody>
+                <a:bodyPr wrap="square" rtlCol="0">
+                  <a:spAutoFit/>
+                </a:bodyPr>
+                <a:lstStyle/>
+                <a:p>
+                  <a:r>
+                    <a:rPr lang="en-US" altLang="ja-JP" dirty="0">
+                      <a:solidFill>
+                        <a:schemeClr val="bg1">
+                          <a:lumMod val="50000"/>
+                        </a:schemeClr>
+                      </a:solidFill>
+                      <a:latin typeface="Arial" panose="020B0604020202020204" pitchFamily="34" charset="0"/>
+                      <a:cs typeface="Arial" panose="020B0604020202020204" pitchFamily="34" charset="0"/>
+                    </a:rPr>
+                    <a:t>Cloud</a:t>
+                  </a:r>
+                </a:p>
+                <a:p>
+                  <a:r>
+                    <a:rPr lang="en-US" altLang="ja-JP" dirty="0">
+                      <a:solidFill>
+                        <a:schemeClr val="bg1">
+                          <a:lumMod val="50000"/>
+                        </a:schemeClr>
+                      </a:solidFill>
+                      <a:latin typeface="Arial" panose="020B0604020202020204" pitchFamily="34" charset="0"/>
+                      <a:cs typeface="Arial" panose="020B0604020202020204" pitchFamily="34" charset="0"/>
+                    </a:rPr>
+                    <a:t>Build</a:t>
+                  </a:r>
+                  <a:endParaRPr lang="ja-JP" altLang="en-US" dirty="0">
+                    <a:solidFill>
+                      <a:schemeClr val="bg1">
+                        <a:lumMod val="50000"/>
+                      </a:schemeClr>
+                    </a:solidFill>
+                    <a:latin typeface="Arial" panose="020B0604020202020204" pitchFamily="34" charset="0"/>
+                    <a:cs typeface="Arial" panose="020B0604020202020204" pitchFamily="34" charset="0"/>
+                  </a:endParaRPr>
+                </a:p>
+              </p:txBody>
+            </p:sp>
+          </p:grpSp>
+          <p:grpSp>
+            <p:nvGrpSpPr>
+              <p:cNvPr id="48" name="グループ化 47">
+                <a:extLst>
+                  <a:ext uri="{FF2B5EF4-FFF2-40B4-BE49-F238E27FC236}">
+                    <a16:creationId xmlns:a16="http://schemas.microsoft.com/office/drawing/2014/main" id="{5D3248F9-69C6-406F-B1D6-1D2998BE0DE2}"/>
+                  </a:ext>
+                </a:extLst>
+              </p:cNvPr>
+              <p:cNvGrpSpPr/>
+              <p:nvPr/>
+            </p:nvGrpSpPr>
+            <p:grpSpPr>
+              <a:xfrm>
+                <a:off x="13494928" y="1553778"/>
+                <a:ext cx="2284238" cy="1446177"/>
+                <a:chOff x="9255485" y="5637245"/>
+                <a:chExt cx="2284238" cy="1446177"/>
+              </a:xfrm>
+            </p:grpSpPr>
+            <p:sp>
+              <p:nvSpPr>
+                <p:cNvPr id="50" name="正方形/長方形 49">
+                  <a:extLst>
+                    <a:ext uri="{FF2B5EF4-FFF2-40B4-BE49-F238E27FC236}">
+                      <a16:creationId xmlns:a16="http://schemas.microsoft.com/office/drawing/2014/main" id="{D8F20FCF-5DA1-497F-8473-A275BB8E8237}"/>
+                    </a:ext>
+                  </a:extLst>
+                </p:cNvPr>
+                <p:cNvSpPr/>
+                <p:nvPr/>
+              </p:nvSpPr>
+              <p:spPr>
+                <a:xfrm>
+                  <a:off x="9255485" y="5637245"/>
+                  <a:ext cx="2284238" cy="1362596"/>
+                </a:xfrm>
+                <a:prstGeom prst="rect">
+                  <a:avLst/>
+                </a:prstGeom>
+                <a:solidFill>
+                  <a:srgbClr val="FDF3ED"/>
+                </a:solidFill>
+              </p:spPr>
+              <p:style>
+                <a:lnRef idx="0">
+                  <a:schemeClr val="accent2"/>
+                </a:lnRef>
+                <a:fillRef idx="3">
+                  <a:schemeClr val="accent2"/>
+                </a:fillRef>
+                <a:effectRef idx="3">
+                  <a:schemeClr val="accent2"/>
+                </a:effectRef>
+                <a:fontRef idx="minor">
+                  <a:schemeClr val="lt1"/>
+                </a:fontRef>
+              </p:style>
+              <p:txBody>
+                <a:bodyPr rot="0" spcFirstLastPara="0" vertOverflow="overflow" horzOverflow="overflow" vert="horz" wrap="square" lIns="91440" tIns="45720" rIns="91440" bIns="45720" numCol="1" spcCol="0" rtlCol="0" fromWordArt="0" anchor="ctr" anchorCtr="0" forceAA="0" compatLnSpc="1">
+                  <a:prstTxWarp prst="textNoShape">
+                    <a:avLst/>
+                  </a:prstTxWarp>
+                  <a:noAutofit/>
+                </a:bodyPr>
+                <a:lstStyle/>
+                <a:p>
+                  <a:pPr algn="ctr"/>
+                  <a:endParaRPr kumimoji="1" lang="ja-JP" altLang="en-US" dirty="0"/>
+                </a:p>
+              </p:txBody>
+            </p:sp>
+            <p:pic>
+              <p:nvPicPr>
+                <p:cNvPr id="11" name="図 10">
+                  <a:extLst>
+                    <a:ext uri="{FF2B5EF4-FFF2-40B4-BE49-F238E27FC236}">
+                      <a16:creationId xmlns:a16="http://schemas.microsoft.com/office/drawing/2014/main" id="{0030308D-2499-48A0-AC1D-6AA381285356}"/>
+                    </a:ext>
+                  </a:extLst>
+                </p:cNvPr>
+                <p:cNvPicPr>
+                  <a:picLocks noChangeAspect="1"/>
+                </p:cNvPicPr>
+                <p:nvPr/>
+              </p:nvPicPr>
+              <p:blipFill>
+                <a:blip r:embed="rId4"/>
+                <a:stretch>
+                  <a:fillRect/>
+                </a:stretch>
+              </p:blipFill>
+              <p:spPr>
+                <a:xfrm>
+                  <a:off x="9421439" y="5790929"/>
+                  <a:ext cx="1063412" cy="1063412"/>
+                </a:xfrm>
+                <a:prstGeom prst="rect">
+                  <a:avLst/>
+                </a:prstGeom>
+              </p:spPr>
+            </p:pic>
+            <p:sp>
+              <p:nvSpPr>
+                <p:cNvPr id="12" name="テキスト ボックス 11">
+                  <a:extLst>
+                    <a:ext uri="{FF2B5EF4-FFF2-40B4-BE49-F238E27FC236}">
+                      <a16:creationId xmlns:a16="http://schemas.microsoft.com/office/drawing/2014/main" id="{9726CD11-1D52-47B1-921C-526833A22A88}"/>
+                    </a:ext>
+                  </a:extLst>
+                </p:cNvPr>
+                <p:cNvSpPr txBox="1"/>
+                <p:nvPr/>
+              </p:nvSpPr>
+              <p:spPr>
+                <a:xfrm>
+                  <a:off x="10504730" y="5999471"/>
+                  <a:ext cx="1034993" cy="1083951"/>
+                </a:xfrm>
+                <a:prstGeom prst="rect">
+                  <a:avLst/>
+                </a:prstGeom>
+                <a:noFill/>
+              </p:spPr>
+              <p:txBody>
+                <a:bodyPr wrap="square" rtlCol="0">
+                  <a:spAutoFit/>
+                </a:bodyPr>
+                <a:lstStyle/>
+                <a:p>
+                  <a:r>
+                    <a:rPr lang="en-US" altLang="ja-JP" dirty="0">
+                      <a:solidFill>
+                        <a:schemeClr val="bg1">
+                          <a:lumMod val="50000"/>
+                        </a:schemeClr>
+                      </a:solidFill>
+                      <a:latin typeface="Arial" panose="020B0604020202020204" pitchFamily="34" charset="0"/>
+                      <a:cs typeface="Arial" panose="020B0604020202020204" pitchFamily="34" charset="0"/>
+                    </a:rPr>
+                    <a:t>Artifact Registry</a:t>
+                  </a:r>
+                  <a:endParaRPr lang="ja-JP" altLang="en-US" dirty="0">
+                    <a:solidFill>
+                      <a:schemeClr val="bg1">
+                        <a:lumMod val="50000"/>
+                      </a:schemeClr>
+                    </a:solidFill>
+                    <a:latin typeface="Arial" panose="020B0604020202020204" pitchFamily="34" charset="0"/>
+                    <a:cs typeface="Arial" panose="020B0604020202020204" pitchFamily="34" charset="0"/>
+                  </a:endParaRPr>
+                </a:p>
+              </p:txBody>
+            </p:sp>
+          </p:grpSp>
           <p:sp>
             <p:nvSpPr>
-              <p:cNvPr id="5" name="テキスト ボックス 4">
+              <p:cNvPr id="13" name="テキスト ボックス 12">
                 <a:extLst>
                   <a:ext uri="{FF2B5EF4-FFF2-40B4-BE49-F238E27FC236}">
-                    <a16:creationId xmlns:a16="http://schemas.microsoft.com/office/drawing/2014/main" id="{63F66351-F35A-4A75-A893-7975F9B7186A}"/>
+                    <a16:creationId xmlns:a16="http://schemas.microsoft.com/office/drawing/2014/main" id="{8C4F84A3-D11D-49FA-B769-38E412A50325}"/>
                   </a:ext>
                 </a:extLst>
               </p:cNvPr>
@@ -3723,8 +4021,8 @@
             </p:nvSpPr>
             <p:spPr>
               <a:xfrm>
-                <a:off x="9038425" y="565457"/>
-                <a:ext cx="972464" cy="753411"/>
+                <a:off x="13362057" y="2954281"/>
+                <a:ext cx="2724474" cy="753411"/>
               </a:xfrm>
               <a:prstGeom prst="rect">
                 <a:avLst/>
@@ -3738,7 +4036,397 @@
               <a:lstStyle/>
               <a:p>
                 <a:r>
-                  <a:rPr lang="en-US" altLang="ja-JP" dirty="0">
+                  <a:rPr lang="ja-JP" altLang="en-US" dirty="0">
+                    <a:solidFill>
+                      <a:schemeClr val="bg1">
+                        <a:lumMod val="50000"/>
+                      </a:schemeClr>
+                    </a:solidFill>
+                    <a:latin typeface="HGPｺﾞｼｯｸM" panose="020B0600000000000000" pitchFamily="50" charset="-128"/>
+                    <a:ea typeface="HGPｺﾞｼｯｸM" panose="020B0600000000000000" pitchFamily="50" charset="-128"/>
+                    <a:cs typeface="Arial" panose="020B0604020202020204" pitchFamily="34" charset="0"/>
+                  </a:rPr>
+                  <a:t>ビルド済コンテナイメージの保存・管理</a:t>
+                </a:r>
+                <a:endParaRPr lang="en-US" altLang="ja-JP" dirty="0">
+                  <a:solidFill>
+                    <a:schemeClr val="bg1">
+                      <a:lumMod val="50000"/>
+                    </a:schemeClr>
+                  </a:solidFill>
+                  <a:latin typeface="HGPｺﾞｼｯｸM" panose="020B0600000000000000" pitchFamily="50" charset="-128"/>
+                  <a:ea typeface="HGPｺﾞｼｯｸM" panose="020B0600000000000000" pitchFamily="50" charset="-128"/>
+                  <a:cs typeface="Arial" panose="020B0604020202020204" pitchFamily="34" charset="0"/>
+                </a:endParaRPr>
+              </a:p>
+            </p:txBody>
+          </p:sp>
+          <p:cxnSp>
+            <p:nvCxnSpPr>
+              <p:cNvPr id="14" name="直線矢印コネクタ 13">
+                <a:extLst>
+                  <a:ext uri="{FF2B5EF4-FFF2-40B4-BE49-F238E27FC236}">
+                    <a16:creationId xmlns:a16="http://schemas.microsoft.com/office/drawing/2014/main" id="{45B930A2-4E43-4B13-93B6-2BBB27B0FFED}"/>
+                  </a:ext>
+                </a:extLst>
+              </p:cNvPr>
+              <p:cNvCxnSpPr>
+                <a:cxnSpLocks/>
+              </p:cNvCxnSpPr>
+              <p:nvPr/>
+            </p:nvCxnSpPr>
+            <p:spPr>
+              <a:xfrm>
+                <a:off x="16072139" y="7099006"/>
+                <a:ext cx="2353946" cy="2353947"/>
+              </a:xfrm>
+              <a:prstGeom prst="straightConnector1">
+                <a:avLst/>
+              </a:prstGeom>
+              <a:ln>
+                <a:tailEnd type="triangle"/>
+              </a:ln>
+            </p:spPr>
+            <p:style>
+              <a:lnRef idx="1">
+                <a:schemeClr val="accent1"/>
+              </a:lnRef>
+              <a:fillRef idx="0">
+                <a:schemeClr val="accent1"/>
+              </a:fillRef>
+              <a:effectRef idx="0">
+                <a:schemeClr val="accent1"/>
+              </a:effectRef>
+              <a:fontRef idx="minor">
+                <a:schemeClr val="tx1"/>
+              </a:fontRef>
+            </p:style>
+          </p:cxnSp>
+          <p:grpSp>
+            <p:nvGrpSpPr>
+              <p:cNvPr id="55" name="グループ化 54">
+                <a:extLst>
+                  <a:ext uri="{FF2B5EF4-FFF2-40B4-BE49-F238E27FC236}">
+                    <a16:creationId xmlns:a16="http://schemas.microsoft.com/office/drawing/2014/main" id="{548E97A1-62C3-46C2-89AB-812A999DB698}"/>
+                  </a:ext>
+                </a:extLst>
+              </p:cNvPr>
+              <p:cNvGrpSpPr/>
+              <p:nvPr/>
+            </p:nvGrpSpPr>
+            <p:grpSpPr>
+              <a:xfrm>
+                <a:off x="14709535" y="3677847"/>
+                <a:ext cx="1079757" cy="1781387"/>
+                <a:chOff x="12863008" y="2405271"/>
+                <a:chExt cx="1079757" cy="1781387"/>
+              </a:xfrm>
+            </p:grpSpPr>
+            <p:cxnSp>
+              <p:nvCxnSpPr>
+                <p:cNvPr id="9" name="直線矢印コネクタ 8">
+                  <a:extLst>
+                    <a:ext uri="{FF2B5EF4-FFF2-40B4-BE49-F238E27FC236}">
+                      <a16:creationId xmlns:a16="http://schemas.microsoft.com/office/drawing/2014/main" id="{8294E087-3790-4228-BD6E-23B673B2C566}"/>
+                    </a:ext>
+                  </a:extLst>
+                </p:cNvPr>
+                <p:cNvCxnSpPr>
+                  <a:cxnSpLocks/>
+                </p:cNvCxnSpPr>
+                <p:nvPr/>
+              </p:nvCxnSpPr>
+              <p:spPr>
+                <a:xfrm rot="5400000">
+                  <a:off x="11972314" y="3295965"/>
+                  <a:ext cx="1781387" cy="0"/>
+                </a:xfrm>
+                <a:prstGeom prst="straightConnector1">
+                  <a:avLst/>
+                </a:prstGeom>
+                <a:ln>
+                  <a:tailEnd type="triangle"/>
+                </a:ln>
+              </p:spPr>
+              <p:style>
+                <a:lnRef idx="1">
+                  <a:schemeClr val="accent1"/>
+                </a:lnRef>
+                <a:fillRef idx="0">
+                  <a:schemeClr val="accent1"/>
+                </a:fillRef>
+                <a:effectRef idx="0">
+                  <a:schemeClr val="accent1"/>
+                </a:effectRef>
+                <a:fontRef idx="minor">
+                  <a:schemeClr val="tx1"/>
+                </a:fontRef>
+              </p:style>
+            </p:cxnSp>
+            <p:sp>
+              <p:nvSpPr>
+                <p:cNvPr id="16" name="テキスト ボックス 15">
+                  <a:extLst>
+                    <a:ext uri="{FF2B5EF4-FFF2-40B4-BE49-F238E27FC236}">
+                      <a16:creationId xmlns:a16="http://schemas.microsoft.com/office/drawing/2014/main" id="{96439FE2-B64F-4B4A-AEB4-72A9195079F1}"/>
+                    </a:ext>
+                  </a:extLst>
+                </p:cNvPr>
+                <p:cNvSpPr txBox="1"/>
+                <p:nvPr/>
+              </p:nvSpPr>
+              <p:spPr>
+                <a:xfrm>
+                  <a:off x="12879353" y="2881532"/>
+                  <a:ext cx="1063412" cy="422873"/>
+                </a:xfrm>
+                <a:prstGeom prst="rect">
+                  <a:avLst/>
+                </a:prstGeom>
+                <a:noFill/>
+              </p:spPr>
+              <p:txBody>
+                <a:bodyPr wrap="square" rtlCol="0">
+                  <a:spAutoFit/>
+                </a:bodyPr>
+                <a:lstStyle/>
+                <a:p>
+                  <a:r>
+                    <a:rPr lang="ja-JP" altLang="en-US" dirty="0">
+                      <a:solidFill>
+                        <a:schemeClr val="bg1">
+                          <a:lumMod val="50000"/>
+                        </a:schemeClr>
+                      </a:solidFill>
+                      <a:latin typeface="HGPｺﾞｼｯｸM" panose="020B0600000000000000" pitchFamily="50" charset="-128"/>
+                      <a:ea typeface="HGPｺﾞｼｯｸM" panose="020B0600000000000000" pitchFamily="50" charset="-128"/>
+                      <a:cs typeface="Arial" panose="020B0604020202020204" pitchFamily="34" charset="0"/>
+                    </a:rPr>
+                    <a:t>デプロイ</a:t>
+                  </a:r>
+                  <a:endParaRPr lang="en-US" altLang="ja-JP" dirty="0">
+                    <a:solidFill>
+                      <a:schemeClr val="bg1">
+                        <a:lumMod val="50000"/>
+                      </a:schemeClr>
+                    </a:solidFill>
+                    <a:latin typeface="HGPｺﾞｼｯｸM" panose="020B0600000000000000" pitchFamily="50" charset="-128"/>
+                    <a:ea typeface="HGPｺﾞｼｯｸM" panose="020B0600000000000000" pitchFamily="50" charset="-128"/>
+                    <a:cs typeface="Arial" panose="020B0604020202020204" pitchFamily="34" charset="0"/>
+                  </a:endParaRPr>
+                </a:p>
+              </p:txBody>
+            </p:sp>
+          </p:grpSp>
+          <p:grpSp>
+            <p:nvGrpSpPr>
+              <p:cNvPr id="1025" name="グループ化 1024">
+                <a:extLst>
+                  <a:ext uri="{FF2B5EF4-FFF2-40B4-BE49-F238E27FC236}">
+                    <a16:creationId xmlns:a16="http://schemas.microsoft.com/office/drawing/2014/main" id="{0BF7BAA2-F8E9-4D8D-8126-C3AE55C13BAD}"/>
+                  </a:ext>
+                </a:extLst>
+              </p:cNvPr>
+              <p:cNvGrpSpPr/>
+              <p:nvPr/>
+            </p:nvGrpSpPr>
+            <p:grpSpPr>
+              <a:xfrm>
+                <a:off x="13494928" y="5520533"/>
+                <a:ext cx="2403938" cy="1612961"/>
+                <a:chOff x="11694703" y="4440238"/>
+                <a:chExt cx="2403938" cy="1612961"/>
+              </a:xfrm>
+            </p:grpSpPr>
+            <p:sp>
+              <p:nvSpPr>
+                <p:cNvPr id="68" name="正方形/長方形 67">
+                  <a:extLst>
+                    <a:ext uri="{FF2B5EF4-FFF2-40B4-BE49-F238E27FC236}">
+                      <a16:creationId xmlns:a16="http://schemas.microsoft.com/office/drawing/2014/main" id="{72A3CAE9-B75B-4C64-B854-3B12CEB3EF7F}"/>
+                    </a:ext>
+                  </a:extLst>
+                </p:cNvPr>
+                <p:cNvSpPr/>
+                <p:nvPr/>
+              </p:nvSpPr>
+              <p:spPr>
+                <a:xfrm>
+                  <a:off x="11814403" y="4440238"/>
+                  <a:ext cx="2284238" cy="1362596"/>
+                </a:xfrm>
+                <a:prstGeom prst="rect">
+                  <a:avLst/>
+                </a:prstGeom>
+                <a:solidFill>
+                  <a:srgbClr val="FDF3ED"/>
+                </a:solidFill>
+              </p:spPr>
+              <p:style>
+                <a:lnRef idx="0">
+                  <a:schemeClr val="accent2"/>
+                </a:lnRef>
+                <a:fillRef idx="3">
+                  <a:schemeClr val="accent2"/>
+                </a:fillRef>
+                <a:effectRef idx="3">
+                  <a:schemeClr val="accent2"/>
+                </a:effectRef>
+                <a:fontRef idx="minor">
+                  <a:schemeClr val="lt1"/>
+                </a:fontRef>
+              </p:style>
+              <p:txBody>
+                <a:bodyPr rot="0" spcFirstLastPara="0" vertOverflow="overflow" horzOverflow="overflow" vert="horz" wrap="square" lIns="91440" tIns="45720" rIns="91440" bIns="45720" numCol="1" spcCol="0" rtlCol="0" fromWordArt="0" anchor="ctr" anchorCtr="0" forceAA="0" compatLnSpc="1">
+                  <a:prstTxWarp prst="textNoShape">
+                    <a:avLst/>
+                  </a:prstTxWarp>
+                  <a:noAutofit/>
+                </a:bodyPr>
+                <a:lstStyle/>
+                <a:p>
+                  <a:pPr algn="ctr"/>
+                  <a:endParaRPr kumimoji="1" lang="ja-JP" altLang="en-US" dirty="0"/>
+                </a:p>
+              </p:txBody>
+            </p:sp>
+            <p:sp>
+              <p:nvSpPr>
+                <p:cNvPr id="59" name="正方形/長方形 58">
+                  <a:extLst>
+                    <a:ext uri="{FF2B5EF4-FFF2-40B4-BE49-F238E27FC236}">
+                      <a16:creationId xmlns:a16="http://schemas.microsoft.com/office/drawing/2014/main" id="{F45C3853-42BE-4FDB-A1F5-FACA32B84C74}"/>
+                    </a:ext>
+                  </a:extLst>
+                </p:cNvPr>
+                <p:cNvSpPr/>
+                <p:nvPr/>
+              </p:nvSpPr>
+              <p:spPr>
+                <a:xfrm>
+                  <a:off x="11694703" y="4563179"/>
+                  <a:ext cx="2284238" cy="1362596"/>
+                </a:xfrm>
+                <a:prstGeom prst="rect">
+                  <a:avLst/>
+                </a:prstGeom>
+                <a:solidFill>
+                  <a:srgbClr val="FDF3ED"/>
+                </a:solidFill>
+              </p:spPr>
+              <p:style>
+                <a:lnRef idx="0">
+                  <a:schemeClr val="accent2"/>
+                </a:lnRef>
+                <a:fillRef idx="3">
+                  <a:schemeClr val="accent2"/>
+                </a:fillRef>
+                <a:effectRef idx="3">
+                  <a:schemeClr val="accent2"/>
+                </a:effectRef>
+                <a:fontRef idx="minor">
+                  <a:schemeClr val="lt1"/>
+                </a:fontRef>
+              </p:style>
+              <p:txBody>
+                <a:bodyPr rot="0" spcFirstLastPara="0" vertOverflow="overflow" horzOverflow="overflow" vert="horz" wrap="square" lIns="91440" tIns="45720" rIns="91440" bIns="45720" numCol="1" spcCol="0" rtlCol="0" fromWordArt="0" anchor="ctr" anchorCtr="0" forceAA="0" compatLnSpc="1">
+                  <a:prstTxWarp prst="textNoShape">
+                    <a:avLst/>
+                  </a:prstTxWarp>
+                  <a:noAutofit/>
+                </a:bodyPr>
+                <a:lstStyle/>
+                <a:p>
+                  <a:pPr algn="ctr"/>
+                  <a:endParaRPr kumimoji="1" lang="ja-JP" altLang="en-US" dirty="0"/>
+                </a:p>
+              </p:txBody>
+            </p:sp>
+            <p:pic>
+              <p:nvPicPr>
+                <p:cNvPr id="17" name="図 16">
+                  <a:extLst>
+                    <a:ext uri="{FF2B5EF4-FFF2-40B4-BE49-F238E27FC236}">
+                      <a16:creationId xmlns:a16="http://schemas.microsoft.com/office/drawing/2014/main" id="{65783604-5095-424A-963C-65E92B5446A2}"/>
+                    </a:ext>
+                  </a:extLst>
+                </p:cNvPr>
+                <p:cNvPicPr>
+                  <a:picLocks noChangeAspect="1"/>
+                </p:cNvPicPr>
+                <p:nvPr/>
+              </p:nvPicPr>
+              <p:blipFill>
+                <a:blip r:embed="rId5"/>
+                <a:stretch>
+                  <a:fillRect/>
+                </a:stretch>
+              </p:blipFill>
+              <p:spPr>
+                <a:xfrm>
+                  <a:off x="11799692" y="4716863"/>
+                  <a:ext cx="1063406" cy="1063406"/>
+                </a:xfrm>
+                <a:prstGeom prst="rect">
+                  <a:avLst/>
+                </a:prstGeom>
+              </p:spPr>
+            </p:pic>
+            <p:sp>
+              <p:nvSpPr>
+                <p:cNvPr id="18" name="テキスト ボックス 17">
+                  <a:extLst>
+                    <a:ext uri="{FF2B5EF4-FFF2-40B4-BE49-F238E27FC236}">
+                      <a16:creationId xmlns:a16="http://schemas.microsoft.com/office/drawing/2014/main" id="{9EE703A7-E1B1-4B5A-9293-6C51349F80EC}"/>
+                    </a:ext>
+                  </a:extLst>
+                </p:cNvPr>
+                <p:cNvSpPr txBox="1"/>
+                <p:nvPr/>
+              </p:nvSpPr>
+              <p:spPr>
+                <a:xfrm>
+                  <a:off x="12985023" y="4969248"/>
+                  <a:ext cx="877147" cy="1083951"/>
+                </a:xfrm>
+                <a:prstGeom prst="rect">
+                  <a:avLst/>
+                </a:prstGeom>
+                <a:noFill/>
+              </p:spPr>
+              <p:txBody>
+                <a:bodyPr wrap="square" rtlCol="0">
+                  <a:spAutoFit/>
+                </a:bodyPr>
+                <a:lstStyle/>
+                <a:p>
+                  <a:r>
+                    <a:rPr lang="en-US" altLang="ja-JP" dirty="0">
+                      <a:solidFill>
+                        <a:schemeClr val="bg1">
+                          <a:lumMod val="50000"/>
+                        </a:schemeClr>
+                      </a:solidFill>
+                      <a:latin typeface="Arial" panose="020B0604020202020204" pitchFamily="34" charset="0"/>
+                      <a:cs typeface="Arial" panose="020B0604020202020204" pitchFamily="34" charset="0"/>
+                    </a:rPr>
+                    <a:t>Cloud</a:t>
+                  </a:r>
+                </a:p>
+                <a:p>
+                  <a:r>
+                    <a:rPr lang="en-US" altLang="ja-JP" dirty="0">
+                      <a:solidFill>
+                        <a:schemeClr val="bg1">
+                          <a:lumMod val="50000"/>
+                        </a:schemeClr>
+                      </a:solidFill>
+                      <a:latin typeface="Arial" panose="020B0604020202020204" pitchFamily="34" charset="0"/>
+                      <a:cs typeface="Arial" panose="020B0604020202020204" pitchFamily="34" charset="0"/>
+                    </a:rPr>
+                    <a:t>Run</a:t>
+                  </a:r>
+                  <a:endParaRPr lang="ja-JP" altLang="en-US" dirty="0">
                     <a:solidFill>
                       <a:schemeClr val="bg1">
                         <a:lumMod val="50000"/>
@@ -3746,11 +4434,645 @@
                     </a:solidFill>
                     <a:latin typeface="Arial" panose="020B0604020202020204" pitchFamily="34" charset="0"/>
                     <a:cs typeface="Arial" panose="020B0604020202020204" pitchFamily="34" charset="0"/>
+                  </a:endParaRPr>
+                </a:p>
+              </p:txBody>
+            </p:sp>
+          </p:grpSp>
+          <p:grpSp>
+            <p:nvGrpSpPr>
+              <p:cNvPr id="43" name="グループ化 42">
+                <a:extLst>
+                  <a:ext uri="{FF2B5EF4-FFF2-40B4-BE49-F238E27FC236}">
+                    <a16:creationId xmlns:a16="http://schemas.microsoft.com/office/drawing/2014/main" id="{FF08C1FB-9CFE-4418-AE7F-769A2F112943}"/>
+                  </a:ext>
+                </a:extLst>
+              </p:cNvPr>
+              <p:cNvGrpSpPr/>
+              <p:nvPr/>
+            </p:nvGrpSpPr>
+            <p:grpSpPr>
+              <a:xfrm>
+                <a:off x="3864574" y="1553777"/>
+                <a:ext cx="2380077" cy="1362596"/>
+                <a:chOff x="3511017" y="235859"/>
+                <a:chExt cx="2380077" cy="1362596"/>
+              </a:xfrm>
+            </p:grpSpPr>
+            <p:sp>
+              <p:nvSpPr>
+                <p:cNvPr id="40" name="正方形/長方形 39">
+                  <a:extLst>
+                    <a:ext uri="{FF2B5EF4-FFF2-40B4-BE49-F238E27FC236}">
+                      <a16:creationId xmlns:a16="http://schemas.microsoft.com/office/drawing/2014/main" id="{61586DDC-FCBF-4DA7-97DD-EAF06BD5AF76}"/>
+                    </a:ext>
+                  </a:extLst>
+                </p:cNvPr>
+                <p:cNvSpPr/>
+                <p:nvPr/>
+              </p:nvSpPr>
+              <p:spPr>
+                <a:xfrm>
+                  <a:off x="3511017" y="235859"/>
+                  <a:ext cx="2284238" cy="1362596"/>
+                </a:xfrm>
+                <a:prstGeom prst="rect">
+                  <a:avLst/>
+                </a:prstGeom>
+                <a:solidFill>
+                  <a:srgbClr val="FDF3ED"/>
+                </a:solidFill>
+              </p:spPr>
+              <p:style>
+                <a:lnRef idx="0">
+                  <a:schemeClr val="accent2"/>
+                </a:lnRef>
+                <a:fillRef idx="3">
+                  <a:schemeClr val="accent2"/>
+                </a:fillRef>
+                <a:effectRef idx="3">
+                  <a:schemeClr val="accent2"/>
+                </a:effectRef>
+                <a:fontRef idx="minor">
+                  <a:schemeClr val="lt1"/>
+                </a:fontRef>
+              </p:style>
+              <p:txBody>
+                <a:bodyPr rot="0" spcFirstLastPara="0" vertOverflow="overflow" horzOverflow="overflow" vert="horz" wrap="square" lIns="91440" tIns="45720" rIns="91440" bIns="45720" numCol="1" spcCol="0" rtlCol="0" fromWordArt="0" anchor="ctr" anchorCtr="0" forceAA="0" compatLnSpc="1">
+                  <a:prstTxWarp prst="textNoShape">
+                    <a:avLst/>
+                  </a:prstTxWarp>
+                  <a:noAutofit/>
+                </a:bodyPr>
+                <a:lstStyle/>
+                <a:p>
+                  <a:pPr algn="ctr"/>
+                  <a:endParaRPr kumimoji="1" lang="ja-JP" altLang="en-US"/>
+                </a:p>
+              </p:txBody>
+            </p:sp>
+            <p:pic>
+              <p:nvPicPr>
+                <p:cNvPr id="20" name="図 19">
+                  <a:extLst>
+                    <a:ext uri="{FF2B5EF4-FFF2-40B4-BE49-F238E27FC236}">
+                      <a16:creationId xmlns:a16="http://schemas.microsoft.com/office/drawing/2014/main" id="{054A0BBD-6CF2-4932-8E89-39A30AF89657}"/>
+                    </a:ext>
+                  </a:extLst>
+                </p:cNvPr>
+                <p:cNvPicPr>
+                  <a:picLocks noChangeAspect="1"/>
+                </p:cNvPicPr>
+                <p:nvPr/>
+              </p:nvPicPr>
+              <p:blipFill>
+                <a:blip r:embed="rId6">
+                  <a:extLst>
+                    <a:ext uri="{28A0092B-C50C-407E-A947-70E740481C1C}">
+                      <a14:useLocalDpi xmlns:a14="http://schemas.microsoft.com/office/drawing/2010/main" val="0"/>
+                    </a:ext>
+                  </a:extLst>
+                </a:blip>
+                <a:stretch>
+                  <a:fillRect/>
+                </a:stretch>
+              </p:blipFill>
+              <p:spPr>
+                <a:xfrm>
+                  <a:off x="3718743" y="431558"/>
+                  <a:ext cx="974451" cy="954564"/>
+                </a:xfrm>
+                <a:prstGeom prst="rect">
+                  <a:avLst/>
+                </a:prstGeom>
+              </p:spPr>
+            </p:pic>
+            <p:sp>
+              <p:nvSpPr>
+                <p:cNvPr id="23" name="テキスト ボックス 22">
+                  <a:extLst>
+                    <a:ext uri="{FF2B5EF4-FFF2-40B4-BE49-F238E27FC236}">
+                      <a16:creationId xmlns:a16="http://schemas.microsoft.com/office/drawing/2014/main" id="{1AF63369-5588-4258-81BC-26B4F80DF332}"/>
+                    </a:ext>
+                  </a:extLst>
+                </p:cNvPr>
+                <p:cNvSpPr txBox="1"/>
+                <p:nvPr/>
+              </p:nvSpPr>
+              <p:spPr>
+                <a:xfrm>
+                  <a:off x="4785356" y="762363"/>
+                  <a:ext cx="1105738" cy="422873"/>
+                </a:xfrm>
+                <a:prstGeom prst="rect">
+                  <a:avLst/>
+                </a:prstGeom>
+                <a:noFill/>
+              </p:spPr>
+              <p:txBody>
+                <a:bodyPr wrap="square" rtlCol="0">
+                  <a:spAutoFit/>
+                </a:bodyPr>
+                <a:lstStyle/>
+                <a:p>
+                  <a:r>
+                    <a:rPr lang="en-US" altLang="ja-JP" dirty="0">
+                      <a:solidFill>
+                        <a:schemeClr val="bg1">
+                          <a:lumMod val="50000"/>
+                        </a:schemeClr>
+                      </a:solidFill>
+                      <a:latin typeface="Arial" panose="020B0604020202020204" pitchFamily="34" charset="0"/>
+                      <a:cs typeface="Arial" panose="020B0604020202020204" pitchFamily="34" charset="0"/>
+                    </a:rPr>
+                    <a:t>GitHub</a:t>
+                  </a:r>
+                  <a:endParaRPr lang="ja-JP" altLang="en-US" dirty="0">
+                    <a:solidFill>
+                      <a:schemeClr val="bg1">
+                        <a:lumMod val="50000"/>
+                      </a:schemeClr>
+                    </a:solidFill>
+                    <a:latin typeface="Arial" panose="020B0604020202020204" pitchFamily="34" charset="0"/>
+                    <a:cs typeface="Arial" panose="020B0604020202020204" pitchFamily="34" charset="0"/>
+                  </a:endParaRPr>
+                </a:p>
+              </p:txBody>
+            </p:sp>
+          </p:grpSp>
+          <p:grpSp>
+            <p:nvGrpSpPr>
+              <p:cNvPr id="46" name="グループ化 45">
+                <a:extLst>
+                  <a:ext uri="{FF2B5EF4-FFF2-40B4-BE49-F238E27FC236}">
+                    <a16:creationId xmlns:a16="http://schemas.microsoft.com/office/drawing/2014/main" id="{DD55D376-C6D2-4CB6-BBC4-17B22D114671}"/>
+                  </a:ext>
+                </a:extLst>
+              </p:cNvPr>
+              <p:cNvGrpSpPr/>
+              <p:nvPr/>
+            </p:nvGrpSpPr>
+            <p:grpSpPr>
+              <a:xfrm>
+                <a:off x="6368929" y="2173457"/>
+                <a:ext cx="2473641" cy="768057"/>
+                <a:chOff x="5198840" y="870289"/>
+                <a:chExt cx="2473641" cy="768057"/>
+              </a:xfrm>
+            </p:grpSpPr>
+            <p:cxnSp>
+              <p:nvCxnSpPr>
+                <p:cNvPr id="24" name="直線矢印コネクタ 23">
+                  <a:extLst>
+                    <a:ext uri="{FF2B5EF4-FFF2-40B4-BE49-F238E27FC236}">
+                      <a16:creationId xmlns:a16="http://schemas.microsoft.com/office/drawing/2014/main" id="{C99783A5-70AD-4A13-97BA-1CC807C6E570}"/>
+                    </a:ext>
+                  </a:extLst>
+                </p:cNvPr>
+                <p:cNvCxnSpPr>
+                  <a:cxnSpLocks/>
+                </p:cNvCxnSpPr>
+                <p:nvPr/>
+              </p:nvCxnSpPr>
+              <p:spPr>
+                <a:xfrm>
+                  <a:off x="5198840" y="870289"/>
+                  <a:ext cx="2473641" cy="0"/>
+                </a:xfrm>
+                <a:prstGeom prst="straightConnector1">
+                  <a:avLst/>
+                </a:prstGeom>
+                <a:ln>
+                  <a:headEnd type="triangle" w="med" len="med"/>
+                  <a:tailEnd type="triangle" w="med" len="med"/>
+                </a:ln>
+              </p:spPr>
+              <p:style>
+                <a:lnRef idx="1">
+                  <a:schemeClr val="accent1"/>
+                </a:lnRef>
+                <a:fillRef idx="0">
+                  <a:schemeClr val="accent1"/>
+                </a:fillRef>
+                <a:effectRef idx="0">
+                  <a:schemeClr val="accent1"/>
+                </a:effectRef>
+                <a:fontRef idx="minor">
+                  <a:schemeClr val="tx1"/>
+                </a:fontRef>
+              </p:style>
+            </p:cxnSp>
+            <p:sp>
+              <p:nvSpPr>
+                <p:cNvPr id="25" name="テキスト ボックス 24">
+                  <a:extLst>
+                    <a:ext uri="{FF2B5EF4-FFF2-40B4-BE49-F238E27FC236}">
+                      <a16:creationId xmlns:a16="http://schemas.microsoft.com/office/drawing/2014/main" id="{9773E2AC-7C5A-4230-AD0A-A4044C0EB088}"/>
+                    </a:ext>
+                  </a:extLst>
+                </p:cNvPr>
+                <p:cNvSpPr txBox="1"/>
+                <p:nvPr/>
+              </p:nvSpPr>
+              <p:spPr>
+                <a:xfrm>
+                  <a:off x="5369845" y="884935"/>
+                  <a:ext cx="1669625" cy="753411"/>
+                </a:xfrm>
+                <a:prstGeom prst="rect">
+                  <a:avLst/>
+                </a:prstGeom>
+                <a:noFill/>
+              </p:spPr>
+              <p:txBody>
+                <a:bodyPr wrap="square" rtlCol="0">
+                  <a:spAutoFit/>
+                </a:bodyPr>
+                <a:lstStyle/>
+                <a:p>
+                  <a:pPr algn="ctr"/>
+                  <a:r>
+                    <a:rPr lang="ja-JP" altLang="en-US" dirty="0">
+                      <a:solidFill>
+                        <a:schemeClr val="bg1">
+                          <a:lumMod val="50000"/>
+                        </a:schemeClr>
+                      </a:solidFill>
+                      <a:latin typeface="Arial" panose="020B0604020202020204" pitchFamily="34" charset="0"/>
+                      <a:ea typeface="HGPｺﾞｼｯｸM" panose="020B0600000000000000" pitchFamily="50" charset="-128"/>
+                      <a:cs typeface="Arial" panose="020B0604020202020204" pitchFamily="34" charset="0"/>
+                    </a:rPr>
+                    <a:t>変更を</a:t>
+                  </a:r>
+                  <a:endParaRPr lang="en-US" altLang="ja-JP" dirty="0">
+                    <a:solidFill>
+                      <a:schemeClr val="bg1">
+                        <a:lumMod val="50000"/>
+                      </a:schemeClr>
+                    </a:solidFill>
+                    <a:latin typeface="Arial" panose="020B0604020202020204" pitchFamily="34" charset="0"/>
+                    <a:ea typeface="HGPｺﾞｼｯｸM" panose="020B0600000000000000" pitchFamily="50" charset="-128"/>
+                    <a:cs typeface="Arial" panose="020B0604020202020204" pitchFamily="34" charset="0"/>
+                  </a:endParaRPr>
+                </a:p>
+                <a:p>
+                  <a:pPr algn="ctr"/>
+                  <a:r>
+                    <a:rPr lang="ja-JP" altLang="en-US" dirty="0">
+                      <a:solidFill>
+                        <a:schemeClr val="bg1">
+                          <a:lumMod val="50000"/>
+                        </a:schemeClr>
+                      </a:solidFill>
+                      <a:latin typeface="Arial" panose="020B0604020202020204" pitchFamily="34" charset="0"/>
+                      <a:ea typeface="HGPｺﾞｼｯｸM" panose="020B0600000000000000" pitchFamily="50" charset="-128"/>
+                      <a:cs typeface="Arial" panose="020B0604020202020204" pitchFamily="34" charset="0"/>
+                    </a:rPr>
+                    <a:t>検知・監視</a:t>
+                  </a:r>
+                  <a:endParaRPr lang="en-US" altLang="ja-JP" dirty="0">
+                    <a:solidFill>
+                      <a:schemeClr val="bg1">
+                        <a:lumMod val="50000"/>
+                      </a:schemeClr>
+                    </a:solidFill>
+                    <a:latin typeface="Arial" panose="020B0604020202020204" pitchFamily="34" charset="0"/>
+                    <a:ea typeface="HGPｺﾞｼｯｸM" panose="020B0600000000000000" pitchFamily="50" charset="-128"/>
+                    <a:cs typeface="Arial" panose="020B0604020202020204" pitchFamily="34" charset="0"/>
+                  </a:endParaRPr>
+                </a:p>
+              </p:txBody>
+            </p:sp>
+          </p:grpSp>
+          <p:grpSp>
+            <p:nvGrpSpPr>
+              <p:cNvPr id="44" name="グループ化 43">
+                <a:extLst>
+                  <a:ext uri="{FF2B5EF4-FFF2-40B4-BE49-F238E27FC236}">
+                    <a16:creationId xmlns:a16="http://schemas.microsoft.com/office/drawing/2014/main" id="{0A8EDBAD-1306-4C3E-A67C-8A42A1E05BA1}"/>
+                  </a:ext>
+                </a:extLst>
+              </p:cNvPr>
+              <p:cNvGrpSpPr/>
+              <p:nvPr/>
+            </p:nvGrpSpPr>
+            <p:grpSpPr>
+              <a:xfrm>
+                <a:off x="2405653" y="2198426"/>
+                <a:ext cx="1187766" cy="805032"/>
+                <a:chOff x="1296782" y="886939"/>
+                <a:chExt cx="1187766" cy="805032"/>
+              </a:xfrm>
+            </p:grpSpPr>
+            <p:cxnSp>
+              <p:nvCxnSpPr>
+                <p:cNvPr id="26" name="直線矢印コネクタ 25">
+                  <a:extLst>
+                    <a:ext uri="{FF2B5EF4-FFF2-40B4-BE49-F238E27FC236}">
+                      <a16:creationId xmlns:a16="http://schemas.microsoft.com/office/drawing/2014/main" id="{F15314EF-5B6D-4A35-A5DE-1F77DEEAE861}"/>
+                    </a:ext>
+                  </a:extLst>
+                </p:cNvPr>
+                <p:cNvCxnSpPr>
+                  <a:cxnSpLocks/>
+                </p:cNvCxnSpPr>
+                <p:nvPr/>
+              </p:nvCxnSpPr>
+              <p:spPr>
+                <a:xfrm>
+                  <a:off x="1296782" y="886939"/>
+                  <a:ext cx="1174192" cy="0"/>
+                </a:xfrm>
+                <a:prstGeom prst="straightConnector1">
+                  <a:avLst/>
+                </a:prstGeom>
+                <a:ln>
+                  <a:tailEnd type="triangle"/>
+                </a:ln>
+              </p:spPr>
+              <p:style>
+                <a:lnRef idx="1">
+                  <a:schemeClr val="accent1"/>
+                </a:lnRef>
+                <a:fillRef idx="0">
+                  <a:schemeClr val="accent1"/>
+                </a:fillRef>
+                <a:effectRef idx="0">
+                  <a:schemeClr val="accent1"/>
+                </a:effectRef>
+                <a:fontRef idx="minor">
+                  <a:schemeClr val="tx1"/>
+                </a:fontRef>
+              </p:style>
+            </p:cxnSp>
+            <p:sp>
+              <p:nvSpPr>
+                <p:cNvPr id="27" name="テキスト ボックス 26">
+                  <a:extLst>
+                    <a:ext uri="{FF2B5EF4-FFF2-40B4-BE49-F238E27FC236}">
+                      <a16:creationId xmlns:a16="http://schemas.microsoft.com/office/drawing/2014/main" id="{4CC4C144-4C33-41BA-8B2B-CD406552EA1A}"/>
+                    </a:ext>
+                  </a:extLst>
+                </p:cNvPr>
+                <p:cNvSpPr txBox="1"/>
+                <p:nvPr/>
+              </p:nvSpPr>
+              <p:spPr>
+                <a:xfrm>
+                  <a:off x="1296782" y="938560"/>
+                  <a:ext cx="1187766" cy="753411"/>
+                </a:xfrm>
+                <a:prstGeom prst="rect">
+                  <a:avLst/>
+                </a:prstGeom>
+                <a:noFill/>
+              </p:spPr>
+              <p:txBody>
+                <a:bodyPr wrap="square" rtlCol="0">
+                  <a:spAutoFit/>
+                </a:bodyPr>
+                <a:lstStyle/>
+                <a:p>
+                  <a:r>
+                    <a:rPr lang="ja-JP" altLang="en-US" dirty="0">
+                      <a:solidFill>
+                        <a:schemeClr val="bg1">
+                          <a:lumMod val="50000"/>
+                        </a:schemeClr>
+                      </a:solidFill>
+                      <a:latin typeface="Arial" panose="020B0604020202020204" pitchFamily="34" charset="0"/>
+                      <a:cs typeface="Arial" panose="020B0604020202020204" pitchFamily="34" charset="0"/>
+                    </a:rPr>
+                    <a:t>ソースの更新</a:t>
+                  </a:r>
+                </a:p>
+              </p:txBody>
+            </p:sp>
+          </p:grpSp>
+          <p:grpSp>
+            <p:nvGrpSpPr>
+              <p:cNvPr id="62" name="グループ化 61">
+                <a:extLst>
+                  <a:ext uri="{FF2B5EF4-FFF2-40B4-BE49-F238E27FC236}">
+                    <a16:creationId xmlns:a16="http://schemas.microsoft.com/office/drawing/2014/main" id="{E9C0712E-BE93-4375-8345-72CCDFF3D171}"/>
+                  </a:ext>
+                </a:extLst>
+              </p:cNvPr>
+              <p:cNvGrpSpPr/>
+              <p:nvPr/>
+            </p:nvGrpSpPr>
+            <p:grpSpPr>
+              <a:xfrm>
+                <a:off x="17966828" y="1553777"/>
+                <a:ext cx="2284238" cy="1457338"/>
+                <a:chOff x="4373241" y="8848876"/>
+                <a:chExt cx="2284238" cy="1457338"/>
+              </a:xfrm>
+            </p:grpSpPr>
+            <p:sp>
+              <p:nvSpPr>
+                <p:cNvPr id="63" name="正方形/長方形 62">
+                  <a:extLst>
+                    <a:ext uri="{FF2B5EF4-FFF2-40B4-BE49-F238E27FC236}">
+                      <a16:creationId xmlns:a16="http://schemas.microsoft.com/office/drawing/2014/main" id="{E461E8AD-8C3A-4B25-9D4C-CED71EB13644}"/>
+                    </a:ext>
+                  </a:extLst>
+                </p:cNvPr>
+                <p:cNvSpPr/>
+                <p:nvPr/>
+              </p:nvSpPr>
+              <p:spPr>
+                <a:xfrm>
+                  <a:off x="4373241" y="8848876"/>
+                  <a:ext cx="2284238" cy="1362596"/>
+                </a:xfrm>
+                <a:prstGeom prst="rect">
+                  <a:avLst/>
+                </a:prstGeom>
+                <a:solidFill>
+                  <a:srgbClr val="FDF3ED"/>
+                </a:solidFill>
+              </p:spPr>
+              <p:style>
+                <a:lnRef idx="0">
+                  <a:schemeClr val="accent2"/>
+                </a:lnRef>
+                <a:fillRef idx="3">
+                  <a:schemeClr val="accent2"/>
+                </a:fillRef>
+                <a:effectRef idx="3">
+                  <a:schemeClr val="accent2"/>
+                </a:effectRef>
+                <a:fontRef idx="minor">
+                  <a:schemeClr val="lt1"/>
+                </a:fontRef>
+              </p:style>
+              <p:txBody>
+                <a:bodyPr rot="0" spcFirstLastPara="0" vertOverflow="overflow" horzOverflow="overflow" vert="horz" wrap="square" lIns="91440" tIns="45720" rIns="91440" bIns="45720" numCol="1" spcCol="0" rtlCol="0" fromWordArt="0" anchor="ctr" anchorCtr="0" forceAA="0" compatLnSpc="1">
+                  <a:prstTxWarp prst="textNoShape">
+                    <a:avLst/>
+                  </a:prstTxWarp>
+                  <a:noAutofit/>
+                </a:bodyPr>
+                <a:lstStyle/>
+                <a:p>
+                  <a:pPr algn="ctr"/>
+                  <a:endParaRPr kumimoji="1" lang="ja-JP" altLang="en-US" dirty="0"/>
+                </a:p>
+              </p:txBody>
+            </p:sp>
+            <p:pic>
+              <p:nvPicPr>
+                <p:cNvPr id="21" name="図 20">
+                  <a:extLst>
+                    <a:ext uri="{FF2B5EF4-FFF2-40B4-BE49-F238E27FC236}">
+                      <a16:creationId xmlns:a16="http://schemas.microsoft.com/office/drawing/2014/main" id="{BB54CDFE-7E87-4E14-8CE6-C106011630B3}"/>
+                    </a:ext>
+                  </a:extLst>
+                </p:cNvPr>
+                <p:cNvPicPr>
+                  <a:picLocks noChangeAspect="1"/>
+                </p:cNvPicPr>
+                <p:nvPr/>
+              </p:nvPicPr>
+              <p:blipFill>
+                <a:blip r:embed="rId7"/>
+                <a:stretch>
+                  <a:fillRect/>
+                </a:stretch>
+              </p:blipFill>
+              <p:spPr>
+                <a:xfrm>
+                  <a:off x="4405344" y="8998469"/>
+                  <a:ext cx="1063413" cy="1063413"/>
+                </a:xfrm>
+                <a:prstGeom prst="rect">
+                  <a:avLst/>
+                </a:prstGeom>
+              </p:spPr>
+            </p:pic>
+            <p:sp>
+              <p:nvSpPr>
+                <p:cNvPr id="31" name="テキスト ボックス 30">
+                  <a:extLst>
+                    <a:ext uri="{FF2B5EF4-FFF2-40B4-BE49-F238E27FC236}">
+                      <a16:creationId xmlns:a16="http://schemas.microsoft.com/office/drawing/2014/main" id="{F876EF95-AC6B-4D85-943E-27CC01D5AD64}"/>
+                    </a:ext>
+                  </a:extLst>
+                </p:cNvPr>
+                <p:cNvSpPr txBox="1"/>
+                <p:nvPr/>
+              </p:nvSpPr>
+              <p:spPr>
+                <a:xfrm>
+                  <a:off x="5386104" y="9222263"/>
+                  <a:ext cx="1271375" cy="1083951"/>
+                </a:xfrm>
+                <a:prstGeom prst="rect">
+                  <a:avLst/>
+                </a:prstGeom>
+                <a:noFill/>
+              </p:spPr>
+              <p:txBody>
+                <a:bodyPr wrap="square" rtlCol="0">
+                  <a:spAutoFit/>
+                </a:bodyPr>
+                <a:lstStyle/>
+                <a:p>
+                  <a:r>
+                    <a:rPr lang="en-US" altLang="ja-JP" dirty="0">
+                      <a:solidFill>
+                        <a:schemeClr val="bg1">
+                          <a:lumMod val="50000"/>
+                        </a:schemeClr>
+                      </a:solidFill>
+                      <a:latin typeface="Arial" panose="020B0604020202020204" pitchFamily="34" charset="0"/>
+                      <a:cs typeface="Arial" panose="020B0604020202020204" pitchFamily="34" charset="0"/>
+                    </a:rPr>
+                    <a:t>Cloud</a:t>
+                  </a:r>
+                </a:p>
+                <a:p>
+                  <a:r>
+                    <a:rPr lang="en-US" altLang="ja-JP" dirty="0">
+                      <a:solidFill>
+                        <a:schemeClr val="bg1">
+                          <a:lumMod val="50000"/>
+                        </a:schemeClr>
+                      </a:solidFill>
+                      <a:latin typeface="Arial" panose="020B0604020202020204" pitchFamily="34" charset="0"/>
+                      <a:cs typeface="Arial" panose="020B0604020202020204" pitchFamily="34" charset="0"/>
+                    </a:rPr>
+                    <a:t>Scheduler</a:t>
+                  </a:r>
+                  <a:endParaRPr lang="ja-JP" altLang="en-US" dirty="0">
+                    <a:solidFill>
+                      <a:schemeClr val="bg1">
+                        <a:lumMod val="50000"/>
+                      </a:schemeClr>
+                    </a:solidFill>
+                    <a:latin typeface="Arial" panose="020B0604020202020204" pitchFamily="34" charset="0"/>
+                    <a:cs typeface="Arial" panose="020B0604020202020204" pitchFamily="34" charset="0"/>
+                  </a:endParaRPr>
+                </a:p>
+              </p:txBody>
+            </p:sp>
+          </p:grpSp>
+          <p:sp>
+            <p:nvSpPr>
+              <p:cNvPr id="33" name="テキスト ボックス 32">
+                <a:extLst>
+                  <a:ext uri="{FF2B5EF4-FFF2-40B4-BE49-F238E27FC236}">
+                    <a16:creationId xmlns:a16="http://schemas.microsoft.com/office/drawing/2014/main" id="{046EF8E9-D397-4A94-9278-7B47188F1665}"/>
+                  </a:ext>
+                </a:extLst>
+              </p:cNvPr>
+              <p:cNvSpPr txBox="1"/>
+              <p:nvPr/>
+            </p:nvSpPr>
+            <p:spPr>
+              <a:xfrm>
+                <a:off x="16774454" y="3940194"/>
+                <a:ext cx="3303262" cy="646331"/>
+              </a:xfrm>
+              <a:prstGeom prst="rect">
+                <a:avLst/>
+              </a:prstGeom>
+              <a:noFill/>
+            </p:spPr>
+            <p:txBody>
+              <a:bodyPr wrap="square" rtlCol="0">
+                <a:spAutoFit/>
+              </a:bodyPr>
+              <a:lstStyle/>
+              <a:p>
+                <a:pPr algn="ctr"/>
+                <a:r>
+                  <a:rPr lang="ja-JP" altLang="en-US" dirty="0">
+                    <a:solidFill>
+                      <a:schemeClr val="bg1">
+                        <a:lumMod val="50000"/>
+                      </a:schemeClr>
+                    </a:solidFill>
+                    <a:latin typeface="Arial" panose="020B0604020202020204" pitchFamily="34" charset="0"/>
+                    <a:ea typeface="HGPｺﾞｼｯｸM" panose="020B0600000000000000" pitchFamily="50" charset="-128"/>
+                    <a:cs typeface="Arial" panose="020B0604020202020204" pitchFamily="34" charset="0"/>
                   </a:rPr>
-                  <a:t>Cloud</a:t>
+                  <a:t>定期レポート作成要求</a:t>
                 </a:r>
+                <a:endParaRPr lang="en-US" altLang="ja-JP" dirty="0">
+                  <a:solidFill>
+                    <a:schemeClr val="bg1">
+                      <a:lumMod val="50000"/>
+                    </a:schemeClr>
+                  </a:solidFill>
+                  <a:latin typeface="Arial" panose="020B0604020202020204" pitchFamily="34" charset="0"/>
+                  <a:ea typeface="HGPｺﾞｼｯｸM" panose="020B0600000000000000" pitchFamily="50" charset="-128"/>
+                  <a:cs typeface="Arial" panose="020B0604020202020204" pitchFamily="34" charset="0"/>
+                </a:endParaRPr>
               </a:p>
               <a:p>
+                <a:pPr algn="ctr"/>
                 <a:r>
                   <a:rPr lang="en-US" altLang="ja-JP" dirty="0">
                     <a:solidFill>
@@ -3759,131 +5081,46 @@
                       </a:schemeClr>
                     </a:solidFill>
                     <a:latin typeface="Arial" panose="020B0604020202020204" pitchFamily="34" charset="0"/>
+                    <a:ea typeface="HGPｺﾞｼｯｸM" panose="020B0600000000000000" pitchFamily="50" charset="-128"/>
                     <a:cs typeface="Arial" panose="020B0604020202020204" pitchFamily="34" charset="0"/>
                   </a:rPr>
-                  <a:t>Build</a:t>
+                  <a:t>HTTP</a:t>
                 </a:r>
-                <a:endParaRPr lang="ja-JP" altLang="en-US" dirty="0">
-                  <a:solidFill>
-                    <a:schemeClr val="bg1">
-                      <a:lumMod val="50000"/>
-                    </a:schemeClr>
-                  </a:solidFill>
-                  <a:latin typeface="Arial" panose="020B0604020202020204" pitchFamily="34" charset="0"/>
-                  <a:cs typeface="Arial" panose="020B0604020202020204" pitchFamily="34" charset="0"/>
-                </a:endParaRPr>
+                <a:r>
+                  <a:rPr lang="ja-JP" altLang="en-US" dirty="0">
+                    <a:solidFill>
+                      <a:schemeClr val="bg1">
+                        <a:lumMod val="50000"/>
+                      </a:schemeClr>
+                    </a:solidFill>
+                    <a:latin typeface="Arial" panose="020B0604020202020204" pitchFamily="34" charset="0"/>
+                    <a:ea typeface="HGPｺﾞｼｯｸM" panose="020B0600000000000000" pitchFamily="50" charset="-128"/>
+                    <a:cs typeface="Arial" panose="020B0604020202020204" pitchFamily="34" charset="0"/>
+                  </a:rPr>
+                  <a:t>リクエスト </a:t>
+                </a:r>
+                <a:r>
+                  <a:rPr lang="en-US" altLang="ja-JP" dirty="0">
+                    <a:solidFill>
+                      <a:schemeClr val="bg1">
+                        <a:lumMod val="50000"/>
+                      </a:schemeClr>
+                    </a:solidFill>
+                    <a:latin typeface="Arial" panose="020B0604020202020204" pitchFamily="34" charset="0"/>
+                    <a:ea typeface="HGPｺﾞｼｯｸM" panose="020B0600000000000000" pitchFamily="50" charset="-128"/>
+                    <a:cs typeface="Arial" panose="020B0604020202020204" pitchFamily="34" charset="0"/>
+                  </a:rPr>
+                  <a:t>(/job/report)</a:t>
+                </a:r>
               </a:p>
             </p:txBody>
           </p:sp>
-        </p:grpSp>
-        <p:grpSp>
-          <p:nvGrpSpPr>
-            <p:cNvPr id="48" name="グループ化 47">
-              <a:extLst>
-                <a:ext uri="{FF2B5EF4-FFF2-40B4-BE49-F238E27FC236}">
-                  <a16:creationId xmlns:a16="http://schemas.microsoft.com/office/drawing/2014/main" id="{5D3248F9-69C6-406F-B1D6-1D2998BE0DE2}"/>
-                </a:ext>
-              </a:extLst>
-            </p:cNvPr>
-            <p:cNvGrpSpPr/>
-            <p:nvPr/>
-          </p:nvGrpSpPr>
-          <p:grpSpPr>
-            <a:xfrm>
-              <a:off x="13494928" y="1553778"/>
-              <a:ext cx="2284238" cy="1446177"/>
-              <a:chOff x="9255485" y="5637245"/>
-              <a:chExt cx="2284238" cy="1446177"/>
-            </a:xfrm>
-          </p:grpSpPr>
           <p:sp>
             <p:nvSpPr>
-              <p:cNvPr id="50" name="正方形/長方形 49">
+              <p:cNvPr id="35" name="テキスト ボックス 34">
                 <a:extLst>
                   <a:ext uri="{FF2B5EF4-FFF2-40B4-BE49-F238E27FC236}">
-                    <a16:creationId xmlns:a16="http://schemas.microsoft.com/office/drawing/2014/main" id="{D8F20FCF-5DA1-497F-8473-A275BB8E8237}"/>
-                  </a:ext>
-                </a:extLst>
-              </p:cNvPr>
-              <p:cNvSpPr/>
-              <p:nvPr/>
-            </p:nvSpPr>
-            <p:spPr>
-              <a:xfrm>
-                <a:off x="9255485" y="5637245"/>
-                <a:ext cx="2284238" cy="1362596"/>
-              </a:xfrm>
-              <a:prstGeom prst="rect">
-                <a:avLst/>
-              </a:prstGeom>
-              <a:solidFill>
-                <a:srgbClr val="FDF3ED"/>
-              </a:solidFill>
-            </p:spPr>
-            <p:style>
-              <a:lnRef idx="0">
-                <a:schemeClr val="accent2"/>
-              </a:lnRef>
-              <a:fillRef idx="3">
-                <a:schemeClr val="accent2"/>
-              </a:fillRef>
-              <a:effectRef idx="3">
-                <a:schemeClr val="accent2"/>
-              </a:effectRef>
-              <a:fontRef idx="minor">
-                <a:schemeClr val="lt1"/>
-              </a:fontRef>
-            </p:style>
-            <p:txBody>
-              <a:bodyPr rot="0" spcFirstLastPara="0" vertOverflow="overflow" horzOverflow="overflow" vert="horz" wrap="square" lIns="91440" tIns="45720" rIns="91440" bIns="45720" numCol="1" spcCol="0" rtlCol="0" fromWordArt="0" anchor="ctr" anchorCtr="0" forceAA="0" compatLnSpc="1">
-                <a:prstTxWarp prst="textNoShape">
-                  <a:avLst/>
-                </a:prstTxWarp>
-                <a:noAutofit/>
-              </a:bodyPr>
-              <a:lstStyle/>
-              <a:p>
-                <a:pPr algn="ctr"/>
-                <a:endParaRPr kumimoji="1" lang="ja-JP" altLang="en-US" dirty="0"/>
-              </a:p>
-            </p:txBody>
-          </p:sp>
-          <p:pic>
-            <p:nvPicPr>
-              <p:cNvPr id="11" name="図 10">
-                <a:extLst>
-                  <a:ext uri="{FF2B5EF4-FFF2-40B4-BE49-F238E27FC236}">
-                    <a16:creationId xmlns:a16="http://schemas.microsoft.com/office/drawing/2014/main" id="{0030308D-2499-48A0-AC1D-6AA381285356}"/>
-                  </a:ext>
-                </a:extLst>
-              </p:cNvPr>
-              <p:cNvPicPr>
-                <a:picLocks noChangeAspect="1"/>
-              </p:cNvPicPr>
-              <p:nvPr/>
-            </p:nvPicPr>
-            <p:blipFill>
-              <a:blip r:embed="rId4"/>
-              <a:stretch>
-                <a:fillRect/>
-              </a:stretch>
-            </p:blipFill>
-            <p:spPr>
-              <a:xfrm>
-                <a:off x="9421439" y="5790929"/>
-                <a:ext cx="1063412" cy="1063412"/>
-              </a:xfrm>
-              <a:prstGeom prst="rect">
-                <a:avLst/>
-              </a:prstGeom>
-            </p:spPr>
-          </p:pic>
-          <p:sp>
-            <p:nvSpPr>
-              <p:cNvPr id="12" name="テキスト ボックス 11">
-                <a:extLst>
-                  <a:ext uri="{FF2B5EF4-FFF2-40B4-BE49-F238E27FC236}">
-                    <a16:creationId xmlns:a16="http://schemas.microsoft.com/office/drawing/2014/main" id="{9726CD11-1D52-47B1-921C-526833A22A88}"/>
+                    <a16:creationId xmlns:a16="http://schemas.microsoft.com/office/drawing/2014/main" id="{948CEA27-7A2A-4295-B762-D8762413E1E8}"/>
                   </a:ext>
                 </a:extLst>
               </p:cNvPr>
@@ -3892,8 +5129,8 @@
             </p:nvSpPr>
             <p:spPr>
               <a:xfrm>
-                <a:off x="10504730" y="5999471"/>
-                <a:ext cx="1034993" cy="1083951"/>
+                <a:off x="18052758" y="3007749"/>
+                <a:ext cx="2091010" cy="1083951"/>
               </a:xfrm>
               <a:prstGeom prst="rect">
                 <a:avLst/>
@@ -3907,6 +5144,19 @@
               <a:lstStyle/>
               <a:p>
                 <a:r>
+                  <a:rPr lang="ja-JP" altLang="en-US" dirty="0">
+                    <a:solidFill>
+                      <a:schemeClr val="bg1">
+                        <a:lumMod val="50000"/>
+                      </a:schemeClr>
+                    </a:solidFill>
+                    <a:latin typeface="Arial" panose="020B0604020202020204" pitchFamily="34" charset="0"/>
+                    <a:ea typeface="HGPｺﾞｼｯｸM" panose="020B0600000000000000" pitchFamily="50" charset="-128"/>
+                    <a:cs typeface="Arial" panose="020B0604020202020204" pitchFamily="34" charset="0"/>
+                  </a:rPr>
+                  <a:t>平日朝</a:t>
+                </a:r>
+                <a:r>
                   <a:rPr lang="en-US" altLang="ja-JP" dirty="0">
                     <a:solidFill>
                       <a:schemeClr val="bg1">
@@ -3914,144 +5164,68 @@
                       </a:schemeClr>
                     </a:solidFill>
                     <a:latin typeface="Arial" panose="020B0604020202020204" pitchFamily="34" charset="0"/>
+                    <a:ea typeface="HGPｺﾞｼｯｸM" panose="020B0600000000000000" pitchFamily="50" charset="-128"/>
                     <a:cs typeface="Arial" panose="020B0604020202020204" pitchFamily="34" charset="0"/>
                   </a:rPr>
-                  <a:t>Artifact Registry</a:t>
+                  <a:t>9</a:t>
                 </a:r>
-                <a:endParaRPr lang="ja-JP" altLang="en-US" dirty="0">
+                <a:r>
+                  <a:rPr lang="ja-JP" altLang="en-US" dirty="0">
+                    <a:solidFill>
+                      <a:schemeClr val="bg1">
+                        <a:lumMod val="50000"/>
+                      </a:schemeClr>
+                    </a:solidFill>
+                    <a:latin typeface="Arial" panose="020B0604020202020204" pitchFamily="34" charset="0"/>
+                    <a:ea typeface="HGPｺﾞｼｯｸM" panose="020B0600000000000000" pitchFamily="50" charset="-128"/>
+                    <a:cs typeface="Arial" panose="020B0604020202020204" pitchFamily="34" charset="0"/>
+                  </a:rPr>
+                  <a:t>時</a:t>
+                </a:r>
+                <a:endParaRPr lang="en-US" altLang="ja-JP" dirty="0">
                   <a:solidFill>
                     <a:schemeClr val="bg1">
                       <a:lumMod val="50000"/>
                     </a:schemeClr>
                   </a:solidFill>
                   <a:latin typeface="Arial" panose="020B0604020202020204" pitchFamily="34" charset="0"/>
+                  <a:ea typeface="HGPｺﾞｼｯｸM" panose="020B0600000000000000" pitchFamily="50" charset="-128"/>
+                  <a:cs typeface="Arial" panose="020B0604020202020204" pitchFamily="34" charset="0"/>
+                </a:endParaRPr>
+              </a:p>
+              <a:p>
+                <a:r>
+                  <a:rPr lang="ja-JP" altLang="en-US" dirty="0">
+                    <a:solidFill>
+                      <a:schemeClr val="bg1">
+                        <a:lumMod val="50000"/>
+                      </a:schemeClr>
+                    </a:solidFill>
+                    <a:latin typeface="Arial" panose="020B0604020202020204" pitchFamily="34" charset="0"/>
+                    <a:ea typeface="HGPｺﾞｼｯｸM" panose="020B0600000000000000" pitchFamily="50" charset="-128"/>
+                    <a:cs typeface="Arial" panose="020B0604020202020204" pitchFamily="34" charset="0"/>
+                  </a:rPr>
+                  <a:t>定期実行のトリガー</a:t>
+                </a:r>
+                <a:endParaRPr lang="en-US" altLang="ja-JP" dirty="0">
+                  <a:solidFill>
+                    <a:schemeClr val="bg1">
+                      <a:lumMod val="50000"/>
+                    </a:schemeClr>
+                  </a:solidFill>
+                  <a:latin typeface="Arial" panose="020B0604020202020204" pitchFamily="34" charset="0"/>
+                  <a:ea typeface="HGPｺﾞｼｯｸM" panose="020B0600000000000000" pitchFamily="50" charset="-128"/>
                   <a:cs typeface="Arial" panose="020B0604020202020204" pitchFamily="34" charset="0"/>
                 </a:endParaRPr>
               </a:p>
             </p:txBody>
           </p:sp>
-        </p:grpSp>
-        <p:sp>
-          <p:nvSpPr>
-            <p:cNvPr id="13" name="テキスト ボックス 12">
-              <a:extLst>
-                <a:ext uri="{FF2B5EF4-FFF2-40B4-BE49-F238E27FC236}">
-                  <a16:creationId xmlns:a16="http://schemas.microsoft.com/office/drawing/2014/main" id="{8C4F84A3-D11D-49FA-B769-38E412A50325}"/>
-                </a:ext>
-              </a:extLst>
-            </p:cNvPr>
-            <p:cNvSpPr txBox="1"/>
-            <p:nvPr/>
-          </p:nvSpPr>
-          <p:spPr>
-            <a:xfrm>
-              <a:off x="13362057" y="2954281"/>
-              <a:ext cx="2724474" cy="753411"/>
-            </a:xfrm>
-            <a:prstGeom prst="rect">
-              <a:avLst/>
-            </a:prstGeom>
-            <a:noFill/>
-          </p:spPr>
-          <p:txBody>
-            <a:bodyPr wrap="square" rtlCol="0">
-              <a:spAutoFit/>
-            </a:bodyPr>
-            <a:lstStyle/>
-            <a:p>
-              <a:r>
-                <a:rPr lang="ja-JP" altLang="en-US" dirty="0">
-                  <a:solidFill>
-                    <a:schemeClr val="bg1">
-                      <a:lumMod val="50000"/>
-                    </a:schemeClr>
-                  </a:solidFill>
-                  <a:latin typeface="HGPｺﾞｼｯｸM" panose="020B0600000000000000" pitchFamily="50" charset="-128"/>
-                  <a:ea typeface="HGPｺﾞｼｯｸM" panose="020B0600000000000000" pitchFamily="50" charset="-128"/>
-                  <a:cs typeface="Arial" panose="020B0604020202020204" pitchFamily="34" charset="0"/>
-                </a:rPr>
-                <a:t>ビルド済コンテナイメージの保存・管理</a:t>
-              </a:r>
-              <a:endParaRPr lang="en-US" altLang="ja-JP" dirty="0">
-                <a:solidFill>
-                  <a:schemeClr val="bg1">
-                    <a:lumMod val="50000"/>
-                  </a:schemeClr>
-                </a:solidFill>
-                <a:latin typeface="HGPｺﾞｼｯｸM" panose="020B0600000000000000" pitchFamily="50" charset="-128"/>
-                <a:ea typeface="HGPｺﾞｼｯｸM" panose="020B0600000000000000" pitchFamily="50" charset="-128"/>
-                <a:cs typeface="Arial" panose="020B0604020202020204" pitchFamily="34" charset="0"/>
-              </a:endParaRPr>
-            </a:p>
-          </p:txBody>
-        </p:sp>
-        <p:cxnSp>
-          <p:nvCxnSpPr>
-            <p:cNvPr id="14" name="直線矢印コネクタ 13">
-              <a:extLst>
-                <a:ext uri="{FF2B5EF4-FFF2-40B4-BE49-F238E27FC236}">
-                  <a16:creationId xmlns:a16="http://schemas.microsoft.com/office/drawing/2014/main" id="{45B930A2-4E43-4B13-93B6-2BBB27B0FFED}"/>
-                </a:ext>
-              </a:extLst>
-            </p:cNvPr>
-            <p:cNvCxnSpPr>
-              <a:cxnSpLocks/>
-            </p:cNvCxnSpPr>
-            <p:nvPr/>
-          </p:nvCxnSpPr>
-          <p:spPr>
-            <a:xfrm>
-              <a:off x="16072139" y="7099006"/>
-              <a:ext cx="2353946" cy="2353947"/>
-            </a:xfrm>
-            <a:prstGeom prst="straightConnector1">
-              <a:avLst/>
-            </a:prstGeom>
-            <a:ln>
-              <a:tailEnd type="triangle"/>
-            </a:ln>
-          </p:spPr>
-          <p:style>
-            <a:lnRef idx="1">
-              <a:schemeClr val="accent1"/>
-            </a:lnRef>
-            <a:fillRef idx="0">
-              <a:schemeClr val="accent1"/>
-            </a:fillRef>
-            <a:effectRef idx="0">
-              <a:schemeClr val="accent1"/>
-            </a:effectRef>
-            <a:fontRef idx="minor">
-              <a:schemeClr val="tx1"/>
-            </a:fontRef>
-          </p:style>
-        </p:cxnSp>
-        <p:grpSp>
-          <p:nvGrpSpPr>
-            <p:cNvPr id="55" name="グループ化 54">
-              <a:extLst>
-                <a:ext uri="{FF2B5EF4-FFF2-40B4-BE49-F238E27FC236}">
-                  <a16:creationId xmlns:a16="http://schemas.microsoft.com/office/drawing/2014/main" id="{548E97A1-62C3-46C2-89AB-812A999DB698}"/>
-                </a:ext>
-              </a:extLst>
-            </p:cNvPr>
-            <p:cNvGrpSpPr/>
-            <p:nvPr/>
-          </p:nvGrpSpPr>
-          <p:grpSpPr>
-            <a:xfrm>
-              <a:off x="14709535" y="3677847"/>
-              <a:ext cx="1079757" cy="1781387"/>
-              <a:chOff x="12863008" y="2405271"/>
-              <a:chExt cx="1079757" cy="1781387"/>
-            </a:xfrm>
-          </p:grpSpPr>
           <p:cxnSp>
             <p:nvCxnSpPr>
-              <p:cNvPr id="9" name="直線矢印コネクタ 8">
+              <p:cNvPr id="36" name="直線矢印コネクタ 35">
                 <a:extLst>
                   <a:ext uri="{FF2B5EF4-FFF2-40B4-BE49-F238E27FC236}">
-                    <a16:creationId xmlns:a16="http://schemas.microsoft.com/office/drawing/2014/main" id="{8294E087-3790-4228-BD6E-23B673B2C566}"/>
+                    <a16:creationId xmlns:a16="http://schemas.microsoft.com/office/drawing/2014/main" id="{40A116C2-6FF4-4802-B945-F11986C6407A}"/>
                   </a:ext>
                 </a:extLst>
               </p:cNvPr>
@@ -4061,8 +5235,462 @@
               <p:nvPr/>
             </p:nvCxnSpPr>
             <p:spPr>
-              <a:xfrm rot="5400000">
-                <a:off x="11972314" y="3295965"/>
+              <a:xfrm flipH="1">
+                <a:off x="7213053" y="6409876"/>
+                <a:ext cx="6069394" cy="0"/>
+              </a:xfrm>
+              <a:prstGeom prst="straightConnector1">
+                <a:avLst/>
+              </a:prstGeom>
+              <a:ln>
+                <a:tailEnd type="triangle"/>
+              </a:ln>
+            </p:spPr>
+            <p:style>
+              <a:lnRef idx="1">
+                <a:schemeClr val="accent1"/>
+              </a:lnRef>
+              <a:fillRef idx="0">
+                <a:schemeClr val="accent1"/>
+              </a:fillRef>
+              <a:effectRef idx="0">
+                <a:schemeClr val="accent1"/>
+              </a:effectRef>
+              <a:fontRef idx="minor">
+                <a:schemeClr val="tx1"/>
+              </a:fontRef>
+            </p:style>
+          </p:cxnSp>
+          <p:grpSp>
+            <p:nvGrpSpPr>
+              <p:cNvPr id="60" name="グループ化 59">
+                <a:extLst>
+                  <a:ext uri="{FF2B5EF4-FFF2-40B4-BE49-F238E27FC236}">
+                    <a16:creationId xmlns:a16="http://schemas.microsoft.com/office/drawing/2014/main" id="{2ECA31D7-6BFF-4967-A9F2-1F9387868DD4}"/>
+                  </a:ext>
+                </a:extLst>
+              </p:cNvPr>
+              <p:cNvGrpSpPr/>
+              <p:nvPr/>
+            </p:nvGrpSpPr>
+            <p:grpSpPr>
+              <a:xfrm>
+                <a:off x="18016311" y="5643473"/>
+                <a:ext cx="2284238" cy="1362596"/>
+                <a:chOff x="4281498" y="3110451"/>
+                <a:chExt cx="2284238" cy="1362596"/>
+              </a:xfrm>
+            </p:grpSpPr>
+            <p:sp>
+              <p:nvSpPr>
+                <p:cNvPr id="61" name="正方形/長方形 60">
+                  <a:extLst>
+                    <a:ext uri="{FF2B5EF4-FFF2-40B4-BE49-F238E27FC236}">
+                      <a16:creationId xmlns:a16="http://schemas.microsoft.com/office/drawing/2014/main" id="{0914569E-84DB-4FFB-B24B-A1DA4A16E7A7}"/>
+                    </a:ext>
+                  </a:extLst>
+                </p:cNvPr>
+                <p:cNvSpPr/>
+                <p:nvPr/>
+              </p:nvSpPr>
+              <p:spPr>
+                <a:xfrm>
+                  <a:off x="4281498" y="3110451"/>
+                  <a:ext cx="2284238" cy="1362596"/>
+                </a:xfrm>
+                <a:prstGeom prst="rect">
+                  <a:avLst/>
+                </a:prstGeom>
+                <a:solidFill>
+                  <a:srgbClr val="FDF3ED"/>
+                </a:solidFill>
+              </p:spPr>
+              <p:style>
+                <a:lnRef idx="0">
+                  <a:schemeClr val="accent2"/>
+                </a:lnRef>
+                <a:fillRef idx="3">
+                  <a:schemeClr val="accent2"/>
+                </a:fillRef>
+                <a:effectRef idx="3">
+                  <a:schemeClr val="accent2"/>
+                </a:effectRef>
+                <a:fontRef idx="minor">
+                  <a:schemeClr val="lt1"/>
+                </a:fontRef>
+              </p:style>
+              <p:txBody>
+                <a:bodyPr rot="0" spcFirstLastPara="0" vertOverflow="overflow" horzOverflow="overflow" vert="horz" wrap="square" lIns="91440" tIns="45720" rIns="91440" bIns="45720" numCol="1" spcCol="0" rtlCol="0" fromWordArt="0" anchor="ctr" anchorCtr="0" forceAA="0" compatLnSpc="1">
+                  <a:prstTxWarp prst="textNoShape">
+                    <a:avLst/>
+                  </a:prstTxWarp>
+                  <a:noAutofit/>
+                </a:bodyPr>
+                <a:lstStyle/>
+                <a:p>
+                  <a:pPr algn="ctr"/>
+                  <a:endParaRPr kumimoji="1" lang="ja-JP" altLang="en-US" dirty="0"/>
+                </a:p>
+              </p:txBody>
+            </p:sp>
+            <p:pic>
+              <p:nvPicPr>
+                <p:cNvPr id="30" name="図 29">
+                  <a:extLst>
+                    <a:ext uri="{FF2B5EF4-FFF2-40B4-BE49-F238E27FC236}">
+                      <a16:creationId xmlns:a16="http://schemas.microsoft.com/office/drawing/2014/main" id="{716DF112-D1DE-41E2-8A20-EBD73903BEC7}"/>
+                    </a:ext>
+                  </a:extLst>
+                </p:cNvPr>
+                <p:cNvPicPr>
+                  <a:picLocks noChangeAspect="1"/>
+                </p:cNvPicPr>
+                <p:nvPr/>
+              </p:nvPicPr>
+              <p:blipFill>
+                <a:blip r:embed="rId8"/>
+                <a:stretch>
+                  <a:fillRect/>
+                </a:stretch>
+              </p:blipFill>
+              <p:spPr>
+                <a:xfrm>
+                  <a:off x="4360210" y="3262977"/>
+                  <a:ext cx="1063407" cy="1063407"/>
+                </a:xfrm>
+                <a:prstGeom prst="rect">
+                  <a:avLst/>
+                </a:prstGeom>
+              </p:spPr>
+            </p:pic>
+            <p:sp>
+              <p:nvSpPr>
+                <p:cNvPr id="38" name="テキスト ボックス 37">
+                  <a:extLst>
+                    <a:ext uri="{FF2B5EF4-FFF2-40B4-BE49-F238E27FC236}">
+                      <a16:creationId xmlns:a16="http://schemas.microsoft.com/office/drawing/2014/main" id="{A3F9CDD8-F507-4EDA-BC67-809A483AF78E}"/>
+                    </a:ext>
+                  </a:extLst>
+                </p:cNvPr>
+                <p:cNvSpPr txBox="1"/>
+                <p:nvPr/>
+              </p:nvSpPr>
+              <p:spPr>
+                <a:xfrm>
+                  <a:off x="5390196" y="3631648"/>
+                  <a:ext cx="1149105" cy="753411"/>
+                </a:xfrm>
+                <a:prstGeom prst="rect">
+                  <a:avLst/>
+                </a:prstGeom>
+                <a:noFill/>
+              </p:spPr>
+              <p:txBody>
+                <a:bodyPr wrap="square" rtlCol="0">
+                  <a:spAutoFit/>
+                </a:bodyPr>
+                <a:lstStyle/>
+                <a:p>
+                  <a:r>
+                    <a:rPr lang="en-US" altLang="ja-JP" dirty="0" err="1">
+                      <a:solidFill>
+                        <a:schemeClr val="bg1">
+                          <a:lumMod val="50000"/>
+                        </a:schemeClr>
+                      </a:solidFill>
+                      <a:latin typeface="Arial" panose="020B0604020202020204" pitchFamily="34" charset="0"/>
+                      <a:cs typeface="Arial" panose="020B0604020202020204" pitchFamily="34" charset="0"/>
+                    </a:rPr>
+                    <a:t>Firestore</a:t>
+                  </a:r>
+                  <a:endParaRPr lang="ja-JP" altLang="en-US" dirty="0">
+                    <a:solidFill>
+                      <a:schemeClr val="bg1">
+                        <a:lumMod val="50000"/>
+                      </a:schemeClr>
+                    </a:solidFill>
+                    <a:latin typeface="Arial" panose="020B0604020202020204" pitchFamily="34" charset="0"/>
+                    <a:cs typeface="Arial" panose="020B0604020202020204" pitchFamily="34" charset="0"/>
+                  </a:endParaRPr>
+                </a:p>
+              </p:txBody>
+            </p:sp>
+          </p:grpSp>
+          <p:grpSp>
+            <p:nvGrpSpPr>
+              <p:cNvPr id="45" name="グループ化 44">
+                <a:extLst>
+                  <a:ext uri="{FF2B5EF4-FFF2-40B4-BE49-F238E27FC236}">
+                    <a16:creationId xmlns:a16="http://schemas.microsoft.com/office/drawing/2014/main" id="{6F48539C-F392-449C-90DB-1EF5776A0C1C}"/>
+                  </a:ext>
+                </a:extLst>
+              </p:cNvPr>
+              <p:cNvGrpSpPr/>
+              <p:nvPr/>
+            </p:nvGrpSpPr>
+            <p:grpSpPr>
+              <a:xfrm>
+                <a:off x="1242033" y="1625256"/>
+                <a:ext cx="1063412" cy="1382565"/>
+                <a:chOff x="233370" y="313770"/>
+                <a:chExt cx="1063412" cy="1382565"/>
+              </a:xfrm>
+            </p:grpSpPr>
+            <p:sp>
+              <p:nvSpPr>
+                <p:cNvPr id="22" name="テキスト ボックス 21">
+                  <a:extLst>
+                    <a:ext uri="{FF2B5EF4-FFF2-40B4-BE49-F238E27FC236}">
+                      <a16:creationId xmlns:a16="http://schemas.microsoft.com/office/drawing/2014/main" id="{0678379E-C4E5-45E4-A7E6-AED440CA5FD7}"/>
+                    </a:ext>
+                  </a:extLst>
+                </p:cNvPr>
+                <p:cNvSpPr txBox="1"/>
+                <p:nvPr/>
+              </p:nvSpPr>
+              <p:spPr>
+                <a:xfrm>
+                  <a:off x="233370" y="1273462"/>
+                  <a:ext cx="1063412" cy="422873"/>
+                </a:xfrm>
+                <a:prstGeom prst="rect">
+                  <a:avLst/>
+                </a:prstGeom>
+                <a:noFill/>
+              </p:spPr>
+              <p:txBody>
+                <a:bodyPr wrap="square" rtlCol="0">
+                  <a:spAutoFit/>
+                </a:bodyPr>
+                <a:lstStyle/>
+                <a:p>
+                  <a:pPr algn="ctr"/>
+                  <a:r>
+                    <a:rPr lang="ja-JP" altLang="en-US" dirty="0">
+                      <a:solidFill>
+                        <a:schemeClr val="bg1">
+                          <a:lumMod val="50000"/>
+                        </a:schemeClr>
+                      </a:solidFill>
+                      <a:latin typeface="HGPｺﾞｼｯｸM" panose="020B0600000000000000" pitchFamily="50" charset="-128"/>
+                      <a:ea typeface="HGPｺﾞｼｯｸM" panose="020B0600000000000000" pitchFamily="50" charset="-128"/>
+                      <a:cs typeface="Arial" panose="020B0604020202020204" pitchFamily="34" charset="0"/>
+                    </a:rPr>
+                    <a:t>開発者</a:t>
+                  </a:r>
+                  <a:endParaRPr lang="en-US" altLang="ja-JP" dirty="0">
+                    <a:solidFill>
+                      <a:schemeClr val="bg1">
+                        <a:lumMod val="50000"/>
+                      </a:schemeClr>
+                    </a:solidFill>
+                    <a:latin typeface="HGPｺﾞｼｯｸM" panose="020B0600000000000000" pitchFamily="50" charset="-128"/>
+                    <a:ea typeface="HGPｺﾞｼｯｸM" panose="020B0600000000000000" pitchFamily="50" charset="-128"/>
+                    <a:cs typeface="Arial" panose="020B0604020202020204" pitchFamily="34" charset="0"/>
+                  </a:endParaRPr>
+                </a:p>
+              </p:txBody>
+            </p:sp>
+            <p:pic>
+              <p:nvPicPr>
+                <p:cNvPr id="39" name="グラフィックス 38" descr="プログラマー">
+                  <a:extLst>
+                    <a:ext uri="{FF2B5EF4-FFF2-40B4-BE49-F238E27FC236}">
+                      <a16:creationId xmlns:a16="http://schemas.microsoft.com/office/drawing/2014/main" id="{3DF5B81D-C131-41A1-B6D9-8713C2AD6173}"/>
+                    </a:ext>
+                  </a:extLst>
+                </p:cNvPr>
+                <p:cNvPicPr>
+                  <a:picLocks noChangeAspect="1"/>
+                </p:cNvPicPr>
+                <p:nvPr/>
+              </p:nvPicPr>
+              <p:blipFill>
+                <a:blip r:embed="rId9">
+                  <a:extLst>
+                    <a:ext uri="{28A0092B-C50C-407E-A947-70E740481C1C}">
+                      <a14:useLocalDpi xmlns:a14="http://schemas.microsoft.com/office/drawing/2010/main" val="0"/>
+                    </a:ext>
+                    <a:ext uri="{96DAC541-7B7A-43D3-8B79-37D633B846F1}">
+                      <asvg:svgBlip xmlns:asvg="http://schemas.microsoft.com/office/drawing/2016/SVG/main" r:embed="rId10"/>
+                    </a:ext>
+                  </a:extLst>
+                </a:blip>
+                <a:stretch>
+                  <a:fillRect/>
+                </a:stretch>
+              </p:blipFill>
+              <p:spPr>
+                <a:xfrm>
+                  <a:off x="307876" y="313770"/>
+                  <a:ext cx="914400" cy="914400"/>
+                </a:xfrm>
+                <a:prstGeom prst="rect">
+                  <a:avLst/>
+                </a:prstGeom>
+              </p:spPr>
+            </p:pic>
+          </p:grpSp>
+          <p:grpSp>
+            <p:nvGrpSpPr>
+              <p:cNvPr id="53" name="グループ化 52">
+                <a:extLst>
+                  <a:ext uri="{FF2B5EF4-FFF2-40B4-BE49-F238E27FC236}">
+                    <a16:creationId xmlns:a16="http://schemas.microsoft.com/office/drawing/2014/main" id="{95C797B6-2257-4F4A-B31A-39F44D5A2B17}"/>
+                  </a:ext>
+                </a:extLst>
+              </p:cNvPr>
+              <p:cNvGrpSpPr/>
+              <p:nvPr/>
+            </p:nvGrpSpPr>
+            <p:grpSpPr>
+              <a:xfrm>
+                <a:off x="11448192" y="2173457"/>
+                <a:ext cx="1918596" cy="806712"/>
+                <a:chOff x="9670071" y="900883"/>
+                <a:chExt cx="1918596" cy="806712"/>
+              </a:xfrm>
+            </p:grpSpPr>
+            <p:sp>
+              <p:nvSpPr>
+                <p:cNvPr id="10" name="テキスト ボックス 9">
+                  <a:extLst>
+                    <a:ext uri="{FF2B5EF4-FFF2-40B4-BE49-F238E27FC236}">
+                      <a16:creationId xmlns:a16="http://schemas.microsoft.com/office/drawing/2014/main" id="{B76330FE-F952-4BC3-B517-1C37095869D6}"/>
+                    </a:ext>
+                  </a:extLst>
+                </p:cNvPr>
+                <p:cNvSpPr txBox="1"/>
+                <p:nvPr/>
+              </p:nvSpPr>
+              <p:spPr>
+                <a:xfrm>
+                  <a:off x="9670071" y="954184"/>
+                  <a:ext cx="1918596" cy="753411"/>
+                </a:xfrm>
+                <a:prstGeom prst="rect">
+                  <a:avLst/>
+                </a:prstGeom>
+                <a:noFill/>
+              </p:spPr>
+              <p:txBody>
+                <a:bodyPr wrap="square" rtlCol="0">
+                  <a:spAutoFit/>
+                </a:bodyPr>
+                <a:lstStyle/>
+                <a:p>
+                  <a:r>
+                    <a:rPr lang="ja-JP" altLang="en-US" dirty="0">
+                      <a:solidFill>
+                        <a:schemeClr val="bg1">
+                          <a:lumMod val="50000"/>
+                        </a:schemeClr>
+                      </a:solidFill>
+                      <a:latin typeface="HGPｺﾞｼｯｸM" panose="020B0600000000000000" pitchFamily="50" charset="-128"/>
+                      <a:ea typeface="HGPｺﾞｼｯｸM" panose="020B0600000000000000" pitchFamily="50" charset="-128"/>
+                      <a:cs typeface="Arial" panose="020B0604020202020204" pitchFamily="34" charset="0"/>
+                    </a:rPr>
+                    <a:t>コンテナイメージの作成</a:t>
+                  </a:r>
+                </a:p>
+              </p:txBody>
+            </p:sp>
+            <p:cxnSp>
+              <p:nvCxnSpPr>
+                <p:cNvPr id="54" name="直線矢印コネクタ 53">
+                  <a:extLst>
+                    <a:ext uri="{FF2B5EF4-FFF2-40B4-BE49-F238E27FC236}">
+                      <a16:creationId xmlns:a16="http://schemas.microsoft.com/office/drawing/2014/main" id="{0318F9C2-27BE-4335-9398-41ACED8F86A8}"/>
+                    </a:ext>
+                  </a:extLst>
+                </p:cNvPr>
+                <p:cNvCxnSpPr/>
+                <p:nvPr/>
+              </p:nvCxnSpPr>
+              <p:spPr>
+                <a:xfrm>
+                  <a:off x="9706088" y="900883"/>
+                  <a:ext cx="1781387" cy="0"/>
+                </a:xfrm>
+                <a:prstGeom prst="straightConnector1">
+                  <a:avLst/>
+                </a:prstGeom>
+                <a:ln>
+                  <a:tailEnd type="triangle"/>
+                </a:ln>
+              </p:spPr>
+              <p:style>
+                <a:lnRef idx="1">
+                  <a:schemeClr val="accent1"/>
+                </a:lnRef>
+                <a:fillRef idx="0">
+                  <a:schemeClr val="accent1"/>
+                </a:fillRef>
+                <a:effectRef idx="0">
+                  <a:schemeClr val="accent1"/>
+                </a:effectRef>
+                <a:fontRef idx="minor">
+                  <a:schemeClr val="tx1"/>
+                </a:fontRef>
+              </p:style>
+            </p:cxnSp>
+          </p:grpSp>
+          <p:cxnSp>
+            <p:nvCxnSpPr>
+              <p:cNvPr id="57" name="直線矢印コネクタ 56">
+                <a:extLst>
+                  <a:ext uri="{FF2B5EF4-FFF2-40B4-BE49-F238E27FC236}">
+                    <a16:creationId xmlns:a16="http://schemas.microsoft.com/office/drawing/2014/main" id="{2992BD25-8410-4A20-A004-C5FF7C74CE2E}"/>
+                  </a:ext>
+                </a:extLst>
+              </p:cNvPr>
+              <p:cNvCxnSpPr>
+                <a:cxnSpLocks/>
+              </p:cNvCxnSpPr>
+              <p:nvPr/>
+            </p:nvCxnSpPr>
+            <p:spPr>
+              <a:xfrm>
+                <a:off x="7234073" y="6164670"/>
+                <a:ext cx="6048372" cy="0"/>
+              </a:xfrm>
+              <a:prstGeom prst="straightConnector1">
+                <a:avLst/>
+              </a:prstGeom>
+              <a:ln>
+                <a:tailEnd type="triangle"/>
+              </a:ln>
+            </p:spPr>
+            <p:style>
+              <a:lnRef idx="1">
+                <a:schemeClr val="accent1"/>
+              </a:lnRef>
+              <a:fillRef idx="0">
+                <a:schemeClr val="accent1"/>
+              </a:fillRef>
+              <a:effectRef idx="0">
+                <a:schemeClr val="accent1"/>
+              </a:effectRef>
+              <a:fontRef idx="minor">
+                <a:schemeClr val="tx1"/>
+              </a:fontRef>
+            </p:style>
+          </p:cxnSp>
+          <p:cxnSp>
+            <p:nvCxnSpPr>
+              <p:cNvPr id="66" name="直線矢印コネクタ 65">
+                <a:extLst>
+                  <a:ext uri="{FF2B5EF4-FFF2-40B4-BE49-F238E27FC236}">
+                    <a16:creationId xmlns:a16="http://schemas.microsoft.com/office/drawing/2014/main" id="{C69C5203-FE2D-4D9B-A31F-4A209FC090EF}"/>
+                  </a:ext>
+                </a:extLst>
+              </p:cNvPr>
+              <p:cNvCxnSpPr/>
+              <p:nvPr/>
+            </p:nvCxnSpPr>
+            <p:spPr>
+              <a:xfrm>
+                <a:off x="16085758" y="6239412"/>
                 <a:ext cx="1781387" cy="0"/>
               </a:xfrm>
               <a:prstGeom prst="straightConnector1">
@@ -4089,10 +5717,10 @@
           </p:cxnSp>
           <p:sp>
             <p:nvSpPr>
-              <p:cNvPr id="16" name="テキスト ボックス 15">
+              <p:cNvPr id="67" name="テキスト ボックス 66">
                 <a:extLst>
                   <a:ext uri="{FF2B5EF4-FFF2-40B4-BE49-F238E27FC236}">
-                    <a16:creationId xmlns:a16="http://schemas.microsoft.com/office/drawing/2014/main" id="{96439FE2-B64F-4B4A-AEB4-72A9195079F1}"/>
+                    <a16:creationId xmlns:a16="http://schemas.microsoft.com/office/drawing/2014/main" id="{FD838DEF-9012-493F-87B9-FC0E39BE8D10}"/>
                   </a:ext>
                 </a:extLst>
               </p:cNvPr>
@@ -4101,8 +5729,8 @@
             </p:nvSpPr>
             <p:spPr>
               <a:xfrm>
-                <a:off x="12879353" y="2881532"/>
-                <a:ext cx="1063412" cy="422873"/>
+                <a:off x="16004013" y="6286407"/>
+                <a:ext cx="2091010" cy="753411"/>
               </a:xfrm>
               <a:prstGeom prst="rect">
                 <a:avLst/>
@@ -4122,11 +5750,66 @@
                         <a:lumMod val="50000"/>
                       </a:schemeClr>
                     </a:solidFill>
+                    <a:latin typeface="Arial" panose="020B0604020202020204" pitchFamily="34" charset="0"/>
+                    <a:ea typeface="HGPｺﾞｼｯｸM" panose="020B0600000000000000" pitchFamily="50" charset="-128"/>
+                    <a:cs typeface="Arial" panose="020B0604020202020204" pitchFamily="34" charset="0"/>
+                  </a:rPr>
+                  <a:t>データ保存・参照・削除</a:t>
+                </a:r>
+                <a:endParaRPr lang="en-US" altLang="ja-JP" dirty="0">
+                  <a:solidFill>
+                    <a:schemeClr val="bg1">
+                      <a:lumMod val="50000"/>
+                    </a:schemeClr>
+                  </a:solidFill>
+                  <a:latin typeface="Arial" panose="020B0604020202020204" pitchFamily="34" charset="0"/>
+                  <a:ea typeface="HGPｺﾞｼｯｸM" panose="020B0600000000000000" pitchFamily="50" charset="-128"/>
+                  <a:cs typeface="Arial" panose="020B0604020202020204" pitchFamily="34" charset="0"/>
+                </a:endParaRPr>
+              </a:p>
+            </p:txBody>
+          </p:sp>
+          <p:sp>
+            <p:nvSpPr>
+              <p:cNvPr id="70" name="テキスト ボックス 69">
+                <a:extLst>
+                  <a:ext uri="{FF2B5EF4-FFF2-40B4-BE49-F238E27FC236}">
+                    <a16:creationId xmlns:a16="http://schemas.microsoft.com/office/drawing/2014/main" id="{1ED87144-9A0F-44FC-B9A0-9CCFA9EA2F7B}"/>
+                  </a:ext>
+                </a:extLst>
+              </p:cNvPr>
+              <p:cNvSpPr txBox="1"/>
+              <p:nvPr/>
+            </p:nvSpPr>
+            <p:spPr>
+              <a:xfrm>
+                <a:off x="3644455" y="3013584"/>
+                <a:ext cx="2724474" cy="753411"/>
+              </a:xfrm>
+              <a:prstGeom prst="rect">
+                <a:avLst/>
+              </a:prstGeom>
+              <a:noFill/>
+            </p:spPr>
+            <p:txBody>
+              <a:bodyPr wrap="square" rtlCol="0">
+                <a:spAutoFit/>
+              </a:bodyPr>
+              <a:lstStyle/>
+              <a:p>
+                <a:pPr algn="ctr"/>
+                <a:r>
+                  <a:rPr lang="ja-JP" altLang="en-US" dirty="0">
+                    <a:solidFill>
+                      <a:schemeClr val="bg1">
+                        <a:lumMod val="50000"/>
+                      </a:schemeClr>
+                    </a:solidFill>
                     <a:latin typeface="HGPｺﾞｼｯｸM" panose="020B0600000000000000" pitchFamily="50" charset="-128"/>
                     <a:ea typeface="HGPｺﾞｼｯｸM" panose="020B0600000000000000" pitchFamily="50" charset="-128"/>
                     <a:cs typeface="Arial" panose="020B0604020202020204" pitchFamily="34" charset="0"/>
                   </a:rPr>
-                  <a:t>デプロイ</a:t>
+                  <a:t>ソースコード管理システム</a:t>
                 </a:r>
                 <a:endParaRPr lang="en-US" altLang="ja-JP" dirty="0">
                   <a:solidFill>
@@ -4141,167 +5824,12 @@
               </a:p>
             </p:txBody>
           </p:sp>
-        </p:grpSp>
-        <p:grpSp>
-          <p:nvGrpSpPr>
-            <p:cNvPr id="1025" name="グループ化 1024">
-              <a:extLst>
-                <a:ext uri="{FF2B5EF4-FFF2-40B4-BE49-F238E27FC236}">
-                  <a16:creationId xmlns:a16="http://schemas.microsoft.com/office/drawing/2014/main" id="{0BF7BAA2-F8E9-4D8D-8126-C3AE55C13BAD}"/>
-                </a:ext>
-              </a:extLst>
-            </p:cNvPr>
-            <p:cNvGrpSpPr/>
-            <p:nvPr/>
-          </p:nvGrpSpPr>
-          <p:grpSpPr>
-            <a:xfrm>
-              <a:off x="13494928" y="5520533"/>
-              <a:ext cx="2403938" cy="1612961"/>
-              <a:chOff x="11694703" y="4440238"/>
-              <a:chExt cx="2403938" cy="1612961"/>
-            </a:xfrm>
-          </p:grpSpPr>
           <p:sp>
             <p:nvSpPr>
-              <p:cNvPr id="68" name="正方形/長方形 67">
+              <p:cNvPr id="71" name="テキスト ボックス 70">
                 <a:extLst>
                   <a:ext uri="{FF2B5EF4-FFF2-40B4-BE49-F238E27FC236}">
-                    <a16:creationId xmlns:a16="http://schemas.microsoft.com/office/drawing/2014/main" id="{72A3CAE9-B75B-4C64-B854-3B12CEB3EF7F}"/>
-                  </a:ext>
-                </a:extLst>
-              </p:cNvPr>
-              <p:cNvSpPr/>
-              <p:nvPr/>
-            </p:nvSpPr>
-            <p:spPr>
-              <a:xfrm>
-                <a:off x="11814403" y="4440238"/>
-                <a:ext cx="2284238" cy="1362596"/>
-              </a:xfrm>
-              <a:prstGeom prst="rect">
-                <a:avLst/>
-              </a:prstGeom>
-              <a:solidFill>
-                <a:srgbClr val="FDF3ED"/>
-              </a:solidFill>
-            </p:spPr>
-            <p:style>
-              <a:lnRef idx="0">
-                <a:schemeClr val="accent2"/>
-              </a:lnRef>
-              <a:fillRef idx="3">
-                <a:schemeClr val="accent2"/>
-              </a:fillRef>
-              <a:effectRef idx="3">
-                <a:schemeClr val="accent2"/>
-              </a:effectRef>
-              <a:fontRef idx="minor">
-                <a:schemeClr val="lt1"/>
-              </a:fontRef>
-            </p:style>
-            <p:txBody>
-              <a:bodyPr rot="0" spcFirstLastPara="0" vertOverflow="overflow" horzOverflow="overflow" vert="horz" wrap="square" lIns="91440" tIns="45720" rIns="91440" bIns="45720" numCol="1" spcCol="0" rtlCol="0" fromWordArt="0" anchor="ctr" anchorCtr="0" forceAA="0" compatLnSpc="1">
-                <a:prstTxWarp prst="textNoShape">
-                  <a:avLst/>
-                </a:prstTxWarp>
-                <a:noAutofit/>
-              </a:bodyPr>
-              <a:lstStyle/>
-              <a:p>
-                <a:pPr algn="ctr"/>
-                <a:endParaRPr kumimoji="1" lang="ja-JP" altLang="en-US" dirty="0"/>
-              </a:p>
-            </p:txBody>
-          </p:sp>
-          <p:sp>
-            <p:nvSpPr>
-              <p:cNvPr id="59" name="正方形/長方形 58">
-                <a:extLst>
-                  <a:ext uri="{FF2B5EF4-FFF2-40B4-BE49-F238E27FC236}">
-                    <a16:creationId xmlns:a16="http://schemas.microsoft.com/office/drawing/2014/main" id="{F45C3853-42BE-4FDB-A1F5-FACA32B84C74}"/>
-                  </a:ext>
-                </a:extLst>
-              </p:cNvPr>
-              <p:cNvSpPr/>
-              <p:nvPr/>
-            </p:nvSpPr>
-            <p:spPr>
-              <a:xfrm>
-                <a:off x="11694703" y="4563179"/>
-                <a:ext cx="2284238" cy="1362596"/>
-              </a:xfrm>
-              <a:prstGeom prst="rect">
-                <a:avLst/>
-              </a:prstGeom>
-              <a:solidFill>
-                <a:srgbClr val="FDF3ED"/>
-              </a:solidFill>
-            </p:spPr>
-            <p:style>
-              <a:lnRef idx="0">
-                <a:schemeClr val="accent2"/>
-              </a:lnRef>
-              <a:fillRef idx="3">
-                <a:schemeClr val="accent2"/>
-              </a:fillRef>
-              <a:effectRef idx="3">
-                <a:schemeClr val="accent2"/>
-              </a:effectRef>
-              <a:fontRef idx="minor">
-                <a:schemeClr val="lt1"/>
-              </a:fontRef>
-            </p:style>
-            <p:txBody>
-              <a:bodyPr rot="0" spcFirstLastPara="0" vertOverflow="overflow" horzOverflow="overflow" vert="horz" wrap="square" lIns="91440" tIns="45720" rIns="91440" bIns="45720" numCol="1" spcCol="0" rtlCol="0" fromWordArt="0" anchor="ctr" anchorCtr="0" forceAA="0" compatLnSpc="1">
-                <a:prstTxWarp prst="textNoShape">
-                  <a:avLst/>
-                </a:prstTxWarp>
-                <a:noAutofit/>
-              </a:bodyPr>
-              <a:lstStyle/>
-              <a:p>
-                <a:pPr algn="ctr"/>
-                <a:endParaRPr kumimoji="1" lang="ja-JP" altLang="en-US" dirty="0"/>
-              </a:p>
-            </p:txBody>
-          </p:sp>
-          <p:pic>
-            <p:nvPicPr>
-              <p:cNvPr id="17" name="図 16">
-                <a:extLst>
-                  <a:ext uri="{FF2B5EF4-FFF2-40B4-BE49-F238E27FC236}">
-                    <a16:creationId xmlns:a16="http://schemas.microsoft.com/office/drawing/2014/main" id="{65783604-5095-424A-963C-65E92B5446A2}"/>
-                  </a:ext>
-                </a:extLst>
-              </p:cNvPr>
-              <p:cNvPicPr>
-                <a:picLocks noChangeAspect="1"/>
-              </p:cNvPicPr>
-              <p:nvPr/>
-            </p:nvPicPr>
-            <p:blipFill>
-              <a:blip r:embed="rId5"/>
-              <a:stretch>
-                <a:fillRect/>
-              </a:stretch>
-            </p:blipFill>
-            <p:spPr>
-              <a:xfrm>
-                <a:off x="11799692" y="4716863"/>
-                <a:ext cx="1063406" cy="1063406"/>
-              </a:xfrm>
-              <a:prstGeom prst="rect">
-                <a:avLst/>
-              </a:prstGeom>
-            </p:spPr>
-          </p:pic>
-          <p:sp>
-            <p:nvSpPr>
-              <p:cNvPr id="18" name="テキスト ボックス 17">
-                <a:extLst>
-                  <a:ext uri="{FF2B5EF4-FFF2-40B4-BE49-F238E27FC236}">
-                    <a16:creationId xmlns:a16="http://schemas.microsoft.com/office/drawing/2014/main" id="{9EE703A7-E1B1-4B5A-9293-6C51349F80EC}"/>
+                    <a16:creationId xmlns:a16="http://schemas.microsoft.com/office/drawing/2014/main" id="{6FBDEE2D-46DE-475F-8A1C-CA87929B0C78}"/>
                   </a:ext>
                 </a:extLst>
               </p:cNvPr>
@@ -4310,8 +5838,8 @@
             </p:nvSpPr>
             <p:spPr>
               <a:xfrm>
-                <a:off x="12985023" y="4969248"/>
-                <a:ext cx="877147" cy="1083951"/>
+                <a:off x="8842569" y="3033670"/>
+                <a:ext cx="2724474" cy="422873"/>
               </a:xfrm>
               <a:prstGeom prst="rect">
                 <a:avLst/>
@@ -4324,6 +5852,7 @@
               </a:bodyPr>
               <a:lstStyle/>
               <a:p>
+                <a:pPr algn="ctr"/>
                 <a:r>
                   <a:rPr lang="en-US" altLang="ja-JP" dirty="0">
                     <a:solidFill>
@@ -4331,152 +5860,196 @@
                         <a:lumMod val="50000"/>
                       </a:schemeClr>
                     </a:solidFill>
-                    <a:latin typeface="Arial" panose="020B0604020202020204" pitchFamily="34" charset="0"/>
+                    <a:latin typeface="HGPｺﾞｼｯｸM" panose="020B0600000000000000" pitchFamily="50" charset="-128"/>
+                    <a:ea typeface="HGPｺﾞｼｯｸM" panose="020B0600000000000000" pitchFamily="50" charset="-128"/>
                     <a:cs typeface="Arial" panose="020B0604020202020204" pitchFamily="34" charset="0"/>
                   </a:rPr>
-                  <a:t>Cloud</a:t>
+                  <a:t>CI</a:t>
                 </a:r>
-              </a:p>
-              <a:p>
                 <a:r>
-                  <a:rPr lang="en-US" altLang="ja-JP" dirty="0">
+                  <a:rPr lang="ja-JP" altLang="en-US" dirty="0">
                     <a:solidFill>
                       <a:schemeClr val="bg1">
                         <a:lumMod val="50000"/>
                       </a:schemeClr>
                     </a:solidFill>
-                    <a:latin typeface="Arial" panose="020B0604020202020204" pitchFamily="34" charset="0"/>
+                    <a:latin typeface="HGPｺﾞｼｯｸM" panose="020B0600000000000000" pitchFamily="50" charset="-128"/>
+                    <a:ea typeface="HGPｺﾞｼｯｸM" panose="020B0600000000000000" pitchFamily="50" charset="-128"/>
                     <a:cs typeface="Arial" panose="020B0604020202020204" pitchFamily="34" charset="0"/>
                   </a:rPr>
-                  <a:t>Run</a:t>
+                  <a:t>・ビルドサーバ</a:t>
                 </a:r>
-                <a:endParaRPr lang="ja-JP" altLang="en-US" dirty="0">
+                <a:endParaRPr lang="en-US" altLang="ja-JP" dirty="0">
                   <a:solidFill>
                     <a:schemeClr val="bg1">
                       <a:lumMod val="50000"/>
                     </a:schemeClr>
                   </a:solidFill>
-                  <a:latin typeface="Arial" panose="020B0604020202020204" pitchFamily="34" charset="0"/>
+                  <a:latin typeface="HGPｺﾞｼｯｸM" panose="020B0600000000000000" pitchFamily="50" charset="-128"/>
+                  <a:ea typeface="HGPｺﾞｼｯｸM" panose="020B0600000000000000" pitchFamily="50" charset="-128"/>
                   <a:cs typeface="Arial" panose="020B0604020202020204" pitchFamily="34" charset="0"/>
                 </a:endParaRPr>
               </a:p>
             </p:txBody>
           </p:sp>
-        </p:grpSp>
-        <p:grpSp>
-          <p:nvGrpSpPr>
-            <p:cNvPr id="43" name="グループ化 42">
-              <a:extLst>
-                <a:ext uri="{FF2B5EF4-FFF2-40B4-BE49-F238E27FC236}">
-                  <a16:creationId xmlns:a16="http://schemas.microsoft.com/office/drawing/2014/main" id="{FF08C1FB-9CFE-4418-AE7F-769A2F112943}"/>
-                </a:ext>
-              </a:extLst>
-            </p:cNvPr>
-            <p:cNvGrpSpPr/>
-            <p:nvPr/>
-          </p:nvGrpSpPr>
-          <p:grpSpPr>
-            <a:xfrm>
-              <a:off x="3864574" y="1553777"/>
-              <a:ext cx="2380077" cy="1362596"/>
-              <a:chOff x="3511017" y="235859"/>
-              <a:chExt cx="2380077" cy="1362596"/>
-            </a:xfrm>
-          </p:grpSpPr>
-          <p:sp>
-            <p:nvSpPr>
-              <p:cNvPr id="40" name="正方形/長方形 39">
+          <p:grpSp>
+            <p:nvGrpSpPr>
+              <p:cNvPr id="1031" name="グループ化 1030">
                 <a:extLst>
                   <a:ext uri="{FF2B5EF4-FFF2-40B4-BE49-F238E27FC236}">
-                    <a16:creationId xmlns:a16="http://schemas.microsoft.com/office/drawing/2014/main" id="{61586DDC-FCBF-4DA7-97DD-EAF06BD5AF76}"/>
+                    <a16:creationId xmlns:a16="http://schemas.microsoft.com/office/drawing/2014/main" id="{83CAE3D4-6EAE-4034-AF09-0461EC8BE192}"/>
                   </a:ext>
                 </a:extLst>
               </p:cNvPr>
-              <p:cNvSpPr/>
+              <p:cNvGrpSpPr/>
               <p:nvPr/>
-            </p:nvSpPr>
-            <p:spPr>
+            </p:nvGrpSpPr>
+            <p:grpSpPr>
               <a:xfrm>
-                <a:off x="3511017" y="235859"/>
-                <a:ext cx="2284238" cy="1362596"/>
+                <a:off x="18033212" y="9678611"/>
+                <a:ext cx="2284238" cy="1449959"/>
+                <a:chOff x="3528931" y="4081933"/>
+                <a:chExt cx="2284238" cy="1449959"/>
               </a:xfrm>
-              <a:prstGeom prst="rect">
-                <a:avLst/>
-              </a:prstGeom>
-              <a:solidFill>
-                <a:srgbClr val="FDF3ED"/>
-              </a:solidFill>
-            </p:spPr>
-            <p:style>
-              <a:lnRef idx="0">
-                <a:schemeClr val="accent2"/>
-              </a:lnRef>
-              <a:fillRef idx="3">
-                <a:schemeClr val="accent2"/>
-              </a:fillRef>
-              <a:effectRef idx="3">
-                <a:schemeClr val="accent2"/>
-              </a:effectRef>
-              <a:fontRef idx="minor">
-                <a:schemeClr val="lt1"/>
-              </a:fontRef>
-            </p:style>
-            <p:txBody>
-              <a:bodyPr rot="0" spcFirstLastPara="0" vertOverflow="overflow" horzOverflow="overflow" vert="horz" wrap="square" lIns="91440" tIns="45720" rIns="91440" bIns="45720" numCol="1" spcCol="0" rtlCol="0" fromWordArt="0" anchor="ctr" anchorCtr="0" forceAA="0" compatLnSpc="1">
-                <a:prstTxWarp prst="textNoShape">
+            </p:grpSpPr>
+            <p:sp>
+              <p:nvSpPr>
+                <p:cNvPr id="58" name="正方形/長方形 57">
+                  <a:extLst>
+                    <a:ext uri="{FF2B5EF4-FFF2-40B4-BE49-F238E27FC236}">
+                      <a16:creationId xmlns:a16="http://schemas.microsoft.com/office/drawing/2014/main" id="{E3083198-E6DC-48BF-A38F-7C97DD3EFFEA}"/>
+                    </a:ext>
+                  </a:extLst>
+                </p:cNvPr>
+                <p:cNvSpPr/>
+                <p:nvPr/>
+              </p:nvSpPr>
+              <p:spPr>
+                <a:xfrm>
+                  <a:off x="3528931" y="4081933"/>
+                  <a:ext cx="2284238" cy="1362596"/>
+                </a:xfrm>
+                <a:prstGeom prst="rect">
                   <a:avLst/>
-                </a:prstTxWarp>
-                <a:noAutofit/>
-              </a:bodyPr>
-              <a:lstStyle/>
-              <a:p>
-                <a:pPr algn="ctr"/>
-                <a:endParaRPr kumimoji="1" lang="ja-JP" altLang="en-US"/>
-              </a:p>
-            </p:txBody>
-          </p:sp>
-          <p:pic>
-            <p:nvPicPr>
-              <p:cNvPr id="20" name="図 19">
+                </a:prstGeom>
+                <a:solidFill>
+                  <a:srgbClr val="FDF3ED"/>
+                </a:solidFill>
+              </p:spPr>
+              <p:style>
+                <a:lnRef idx="0">
+                  <a:schemeClr val="accent2"/>
+                </a:lnRef>
+                <a:fillRef idx="3">
+                  <a:schemeClr val="accent2"/>
+                </a:fillRef>
+                <a:effectRef idx="3">
+                  <a:schemeClr val="accent2"/>
+                </a:effectRef>
+                <a:fontRef idx="minor">
+                  <a:schemeClr val="lt1"/>
+                </a:fontRef>
+              </p:style>
+              <p:txBody>
+                <a:bodyPr rot="0" spcFirstLastPara="0" vertOverflow="overflow" horzOverflow="overflow" vert="horz" wrap="square" lIns="91440" tIns="45720" rIns="91440" bIns="45720" numCol="1" spcCol="0" rtlCol="0" fromWordArt="0" anchor="ctr" anchorCtr="0" forceAA="0" compatLnSpc="1">
+                  <a:prstTxWarp prst="textNoShape">
+                    <a:avLst/>
+                  </a:prstTxWarp>
+                  <a:noAutofit/>
+                </a:bodyPr>
+                <a:lstStyle/>
+                <a:p>
+                  <a:pPr algn="ctr"/>
+                  <a:endParaRPr kumimoji="1" lang="ja-JP" altLang="en-US" dirty="0"/>
+                </a:p>
+              </p:txBody>
+            </p:sp>
+            <p:pic>
+              <p:nvPicPr>
+                <p:cNvPr id="1029" name="図 1028">
+                  <a:extLst>
+                    <a:ext uri="{FF2B5EF4-FFF2-40B4-BE49-F238E27FC236}">
+                      <a16:creationId xmlns:a16="http://schemas.microsoft.com/office/drawing/2014/main" id="{6F4FE586-AC1C-4B93-8658-C1432536C141}"/>
+                    </a:ext>
+                  </a:extLst>
+                </p:cNvPr>
+                <p:cNvPicPr>
+                  <a:picLocks noChangeAspect="1"/>
+                </p:cNvPicPr>
+                <p:nvPr/>
+              </p:nvPicPr>
+              <p:blipFill>
+                <a:blip r:embed="rId11">
+                  <a:extLst>
+                    <a:ext uri="{28A0092B-C50C-407E-A947-70E740481C1C}">
+                      <a14:useLocalDpi xmlns:a14="http://schemas.microsoft.com/office/drawing/2010/main" val="0"/>
+                    </a:ext>
+                  </a:extLst>
+                </a:blip>
+                <a:stretch>
+                  <a:fillRect/>
+                </a:stretch>
+              </p:blipFill>
+              <p:spPr>
+                <a:xfrm>
+                  <a:off x="3579941" y="4161490"/>
+                  <a:ext cx="1239954" cy="1239954"/>
+                </a:xfrm>
+                <a:prstGeom prst="rect">
+                  <a:avLst/>
+                </a:prstGeom>
+              </p:spPr>
+            </p:pic>
+            <p:sp>
+              <p:nvSpPr>
+                <p:cNvPr id="76" name="テキスト ボックス 75">
+                  <a:extLst>
+                    <a:ext uri="{FF2B5EF4-FFF2-40B4-BE49-F238E27FC236}">
+                      <a16:creationId xmlns:a16="http://schemas.microsoft.com/office/drawing/2014/main" id="{355D6551-0702-4808-90C0-563049C9355D}"/>
+                    </a:ext>
+                  </a:extLst>
+                </p:cNvPr>
+                <p:cNvSpPr txBox="1"/>
+                <p:nvPr/>
+              </p:nvSpPr>
+              <p:spPr>
+                <a:xfrm>
+                  <a:off x="4819895" y="4447941"/>
+                  <a:ext cx="989390" cy="1083951"/>
+                </a:xfrm>
+                <a:prstGeom prst="rect">
+                  <a:avLst/>
+                </a:prstGeom>
+                <a:noFill/>
+              </p:spPr>
+              <p:txBody>
+                <a:bodyPr wrap="square" rtlCol="0">
+                  <a:spAutoFit/>
+                </a:bodyPr>
+                <a:lstStyle/>
+                <a:p>
+                  <a:r>
+                    <a:rPr lang="en-US" altLang="ja-JP" dirty="0">
+                      <a:solidFill>
+                        <a:schemeClr val="bg1">
+                          <a:lumMod val="50000"/>
+                        </a:schemeClr>
+                      </a:solidFill>
+                      <a:latin typeface="Arial" panose="020B0604020202020204" pitchFamily="34" charset="0"/>
+                      <a:cs typeface="Arial" panose="020B0604020202020204" pitchFamily="34" charset="0"/>
+                    </a:rPr>
+                    <a:t>GPT-4o mini</a:t>
+                  </a:r>
+                </a:p>
+              </p:txBody>
+            </p:sp>
+          </p:grpSp>
+          <p:sp>
+            <p:nvSpPr>
+              <p:cNvPr id="80" name="テキスト ボックス 79">
                 <a:extLst>
                   <a:ext uri="{FF2B5EF4-FFF2-40B4-BE49-F238E27FC236}">
-                    <a16:creationId xmlns:a16="http://schemas.microsoft.com/office/drawing/2014/main" id="{054A0BBD-6CF2-4932-8E89-39A30AF89657}"/>
-                  </a:ext>
-                </a:extLst>
-              </p:cNvPr>
-              <p:cNvPicPr>
-                <a:picLocks noChangeAspect="1"/>
-              </p:cNvPicPr>
-              <p:nvPr/>
-            </p:nvPicPr>
-            <p:blipFill>
-              <a:blip r:embed="rId6">
-                <a:extLst>
-                  <a:ext uri="{28A0092B-C50C-407E-A947-70E740481C1C}">
-                    <a14:useLocalDpi xmlns:a14="http://schemas.microsoft.com/office/drawing/2010/main" val="0"/>
-                  </a:ext>
-                </a:extLst>
-              </a:blip>
-              <a:stretch>
-                <a:fillRect/>
-              </a:stretch>
-            </p:blipFill>
-            <p:spPr>
-              <a:xfrm>
-                <a:off x="3718743" y="431558"/>
-                <a:ext cx="974451" cy="954564"/>
-              </a:xfrm>
-              <a:prstGeom prst="rect">
-                <a:avLst/>
-              </a:prstGeom>
-            </p:spPr>
-          </p:pic>
-          <p:sp>
-            <p:nvSpPr>
-              <p:cNvPr id="23" name="テキスト ボックス 22">
-                <a:extLst>
-                  <a:ext uri="{FF2B5EF4-FFF2-40B4-BE49-F238E27FC236}">
-                    <a16:creationId xmlns:a16="http://schemas.microsoft.com/office/drawing/2014/main" id="{1AF63369-5588-4258-81BC-26B4F80DF332}"/>
+                    <a16:creationId xmlns:a16="http://schemas.microsoft.com/office/drawing/2014/main" id="{4764639D-9E47-494B-9936-A1FE7C97C267}"/>
                   </a:ext>
                 </a:extLst>
               </p:cNvPr>
@@ -4485,123 +6058,8 @@
             </p:nvSpPr>
             <p:spPr>
               <a:xfrm>
-                <a:off x="4785356" y="762363"/>
-                <a:ext cx="1105738" cy="422873"/>
-              </a:xfrm>
-              <a:prstGeom prst="rect">
-                <a:avLst/>
-              </a:prstGeom>
-              <a:noFill/>
-            </p:spPr>
-            <p:txBody>
-              <a:bodyPr wrap="square" rtlCol="0">
-                <a:spAutoFit/>
-              </a:bodyPr>
-              <a:lstStyle/>
-              <a:p>
-                <a:r>
-                  <a:rPr lang="en-US" altLang="ja-JP" dirty="0">
-                    <a:solidFill>
-                      <a:schemeClr val="bg1">
-                        <a:lumMod val="50000"/>
-                      </a:schemeClr>
-                    </a:solidFill>
-                    <a:latin typeface="Arial" panose="020B0604020202020204" pitchFamily="34" charset="0"/>
-                    <a:cs typeface="Arial" panose="020B0604020202020204" pitchFamily="34" charset="0"/>
-                  </a:rPr>
-                  <a:t>GitHub</a:t>
-                </a:r>
-                <a:endParaRPr lang="ja-JP" altLang="en-US" dirty="0">
-                  <a:solidFill>
-                    <a:schemeClr val="bg1">
-                      <a:lumMod val="50000"/>
-                    </a:schemeClr>
-                  </a:solidFill>
-                  <a:latin typeface="Arial" panose="020B0604020202020204" pitchFamily="34" charset="0"/>
-                  <a:cs typeface="Arial" panose="020B0604020202020204" pitchFamily="34" charset="0"/>
-                </a:endParaRPr>
-              </a:p>
-            </p:txBody>
-          </p:sp>
-        </p:grpSp>
-        <p:grpSp>
-          <p:nvGrpSpPr>
-            <p:cNvPr id="46" name="グループ化 45">
-              <a:extLst>
-                <a:ext uri="{FF2B5EF4-FFF2-40B4-BE49-F238E27FC236}">
-                  <a16:creationId xmlns:a16="http://schemas.microsoft.com/office/drawing/2014/main" id="{DD55D376-C6D2-4CB6-BBC4-17B22D114671}"/>
-                </a:ext>
-              </a:extLst>
-            </p:cNvPr>
-            <p:cNvGrpSpPr/>
-            <p:nvPr/>
-          </p:nvGrpSpPr>
-          <p:grpSpPr>
-            <a:xfrm>
-              <a:off x="6368929" y="2173457"/>
-              <a:ext cx="2473641" cy="768057"/>
-              <a:chOff x="5198840" y="870289"/>
-              <a:chExt cx="2473641" cy="768057"/>
-            </a:xfrm>
-          </p:grpSpPr>
-          <p:cxnSp>
-            <p:nvCxnSpPr>
-              <p:cNvPr id="24" name="直線矢印コネクタ 23">
-                <a:extLst>
-                  <a:ext uri="{FF2B5EF4-FFF2-40B4-BE49-F238E27FC236}">
-                    <a16:creationId xmlns:a16="http://schemas.microsoft.com/office/drawing/2014/main" id="{C99783A5-70AD-4A13-97BA-1CC807C6E570}"/>
-                  </a:ext>
-                </a:extLst>
-              </p:cNvPr>
-              <p:cNvCxnSpPr>
-                <a:cxnSpLocks/>
-              </p:cNvCxnSpPr>
-              <p:nvPr/>
-            </p:nvCxnSpPr>
-            <p:spPr>
-              <a:xfrm>
-                <a:off x="5198840" y="870289"/>
-                <a:ext cx="2473641" cy="0"/>
-              </a:xfrm>
-              <a:prstGeom prst="straightConnector1">
-                <a:avLst/>
-              </a:prstGeom>
-              <a:ln>
-                <a:headEnd type="triangle" w="med" len="med"/>
-                <a:tailEnd type="triangle" w="med" len="med"/>
-              </a:ln>
-            </p:spPr>
-            <p:style>
-              <a:lnRef idx="1">
-                <a:schemeClr val="accent1"/>
-              </a:lnRef>
-              <a:fillRef idx="0">
-                <a:schemeClr val="accent1"/>
-              </a:fillRef>
-              <a:effectRef idx="0">
-                <a:schemeClr val="accent1"/>
-              </a:effectRef>
-              <a:fontRef idx="minor">
-                <a:schemeClr val="tx1"/>
-              </a:fontRef>
-            </p:style>
-          </p:cxnSp>
-          <p:sp>
-            <p:nvSpPr>
-              <p:cNvPr id="25" name="テキスト ボックス 24">
-                <a:extLst>
-                  <a:ext uri="{FF2B5EF4-FFF2-40B4-BE49-F238E27FC236}">
-                    <a16:creationId xmlns:a16="http://schemas.microsoft.com/office/drawing/2014/main" id="{9773E2AC-7C5A-4230-AD0A-A4044C0EB088}"/>
-                  </a:ext>
-                </a:extLst>
-              </p:cNvPr>
-              <p:cNvSpPr txBox="1"/>
-              <p:nvPr/>
-            </p:nvSpPr>
-            <p:spPr>
-              <a:xfrm>
-                <a:off x="5369845" y="884935"/>
-                <a:ext cx="1669625" cy="753411"/>
+                <a:off x="17462923" y="8295411"/>
+                <a:ext cx="2482551" cy="753411"/>
               </a:xfrm>
               <a:prstGeom prst="rect">
                 <a:avLst/>
@@ -4626,7 +6084,7 @@
                     <a:ea typeface="HGPｺﾞｼｯｸM" panose="020B0600000000000000" pitchFamily="50" charset="-128"/>
                     <a:cs typeface="Arial" panose="020B0604020202020204" pitchFamily="34" charset="0"/>
                   </a:rPr>
-                  <a:t>変更を</a:t>
+                  <a:t>メッセージ解析要求</a:t>
                 </a:r>
                 <a:endParaRPr lang="en-US" altLang="ja-JP" dirty="0">
                   <a:solidFill>
@@ -4642,6 +6100,19 @@
               <a:p>
                 <a:pPr algn="ctr"/>
                 <a:r>
+                  <a:rPr lang="en-US" altLang="ja-JP" dirty="0">
+                    <a:solidFill>
+                      <a:schemeClr val="bg1">
+                        <a:lumMod val="50000"/>
+                      </a:schemeClr>
+                    </a:solidFill>
+                    <a:latin typeface="Arial" panose="020B0604020202020204" pitchFamily="34" charset="0"/>
+                    <a:ea typeface="HGPｺﾞｼｯｸM" panose="020B0600000000000000" pitchFamily="50" charset="-128"/>
+                    <a:cs typeface="Arial" panose="020B0604020202020204" pitchFamily="34" charset="0"/>
+                  </a:rPr>
+                  <a:t>HTTPS</a:t>
+                </a:r>
+                <a:r>
                   <a:rPr lang="ja-JP" altLang="en-US" dirty="0">
                     <a:solidFill>
                       <a:schemeClr val="bg1">
@@ -4652,7 +6123,7 @@
                     <a:ea typeface="HGPｺﾞｼｯｸM" panose="020B0600000000000000" pitchFamily="50" charset="-128"/>
                     <a:cs typeface="Arial" panose="020B0604020202020204" pitchFamily="34" charset="0"/>
                   </a:rPr>
-                  <a:t>検知・監視</a:t>
+                  <a:t>リクエスト</a:t>
                 </a:r>
                 <a:endParaRPr lang="en-US" altLang="ja-JP" dirty="0">
                   <a:solidFill>
@@ -4667,33 +6138,93 @@
               </a:p>
             </p:txBody>
           </p:sp>
-        </p:grpSp>
-        <p:grpSp>
-          <p:nvGrpSpPr>
-            <p:cNvPr id="44" name="グループ化 43">
-              <a:extLst>
-                <a:ext uri="{FF2B5EF4-FFF2-40B4-BE49-F238E27FC236}">
-                  <a16:creationId xmlns:a16="http://schemas.microsoft.com/office/drawing/2014/main" id="{0A8EDBAD-1306-4C3E-A67C-8A42A1E05BA1}"/>
-                </a:ext>
-              </a:extLst>
-            </p:cNvPr>
-            <p:cNvGrpSpPr/>
-            <p:nvPr/>
-          </p:nvGrpSpPr>
-          <p:grpSpPr>
-            <a:xfrm>
-              <a:off x="2405653" y="2198426"/>
-              <a:ext cx="1187766" cy="805032"/>
-              <a:chOff x="1296782" y="886939"/>
-              <a:chExt cx="1187766" cy="805032"/>
-            </a:xfrm>
-          </p:grpSpPr>
+          <p:sp>
+            <p:nvSpPr>
+              <p:cNvPr id="81" name="テキスト ボックス 80">
+                <a:extLst>
+                  <a:ext uri="{FF2B5EF4-FFF2-40B4-BE49-F238E27FC236}">
+                    <a16:creationId xmlns:a16="http://schemas.microsoft.com/office/drawing/2014/main" id="{A2478A3D-07F1-46AC-9BF2-9FFD548921A8}"/>
+                  </a:ext>
+                </a:extLst>
+              </p:cNvPr>
+              <p:cNvSpPr txBox="1"/>
+              <p:nvPr/>
+            </p:nvSpPr>
+            <p:spPr>
+              <a:xfrm>
+                <a:off x="15715731" y="8525155"/>
+                <a:ext cx="1497835" cy="753411"/>
+              </a:xfrm>
+              <a:prstGeom prst="rect">
+                <a:avLst/>
+              </a:prstGeom>
+              <a:noFill/>
+            </p:spPr>
+            <p:txBody>
+              <a:bodyPr wrap="square" rtlCol="0">
+                <a:spAutoFit/>
+              </a:bodyPr>
+              <a:lstStyle/>
+              <a:p>
+                <a:pPr algn="ctr"/>
+                <a:r>
+                  <a:rPr lang="ja-JP" altLang="en-US" dirty="0">
+                    <a:solidFill>
+                      <a:schemeClr val="bg1">
+                        <a:lumMod val="50000"/>
+                      </a:schemeClr>
+                    </a:solidFill>
+                    <a:latin typeface="Arial" panose="020B0604020202020204" pitchFamily="34" charset="0"/>
+                    <a:ea typeface="HGPｺﾞｼｯｸM" panose="020B0600000000000000" pitchFamily="50" charset="-128"/>
+                    <a:cs typeface="Arial" panose="020B0604020202020204" pitchFamily="34" charset="0"/>
+                  </a:rPr>
+                  <a:t>抽出データ（</a:t>
+                </a:r>
+                <a:r>
+                  <a:rPr lang="en-US" altLang="ja-JP" dirty="0">
+                    <a:solidFill>
+                      <a:schemeClr val="bg1">
+                        <a:lumMod val="50000"/>
+                      </a:schemeClr>
+                    </a:solidFill>
+                    <a:latin typeface="Arial" panose="020B0604020202020204" pitchFamily="34" charset="0"/>
+                    <a:ea typeface="HGPｺﾞｼｯｸM" panose="020B0600000000000000" pitchFamily="50" charset="-128"/>
+                    <a:cs typeface="Arial" panose="020B0604020202020204" pitchFamily="34" charset="0"/>
+                  </a:rPr>
+                  <a:t>JSON</a:t>
+                </a:r>
+                <a:r>
+                  <a:rPr lang="ja-JP" altLang="en-US" dirty="0">
+                    <a:solidFill>
+                      <a:schemeClr val="bg1">
+                        <a:lumMod val="50000"/>
+                      </a:schemeClr>
+                    </a:solidFill>
+                    <a:latin typeface="Arial" panose="020B0604020202020204" pitchFamily="34" charset="0"/>
+                    <a:ea typeface="HGPｺﾞｼｯｸM" panose="020B0600000000000000" pitchFamily="50" charset="-128"/>
+                    <a:cs typeface="Arial" panose="020B0604020202020204" pitchFamily="34" charset="0"/>
+                  </a:rPr>
+                  <a:t>）</a:t>
+                </a:r>
+                <a:endParaRPr lang="en-US" altLang="ja-JP" dirty="0">
+                  <a:solidFill>
+                    <a:schemeClr val="bg1">
+                      <a:lumMod val="50000"/>
+                    </a:schemeClr>
+                  </a:solidFill>
+                  <a:latin typeface="Arial" panose="020B0604020202020204" pitchFamily="34" charset="0"/>
+                  <a:ea typeface="HGPｺﾞｼｯｸM" panose="020B0600000000000000" pitchFamily="50" charset="-128"/>
+                  <a:cs typeface="Arial" panose="020B0604020202020204" pitchFamily="34" charset="0"/>
+                </a:endParaRPr>
+              </a:p>
+            </p:txBody>
+          </p:sp>
           <p:cxnSp>
             <p:nvCxnSpPr>
-              <p:cNvPr id="26" name="直線矢印コネクタ 25">
+              <p:cNvPr id="82" name="直線矢印コネクタ 81">
                 <a:extLst>
                   <a:ext uri="{FF2B5EF4-FFF2-40B4-BE49-F238E27FC236}">
-                    <a16:creationId xmlns:a16="http://schemas.microsoft.com/office/drawing/2014/main" id="{F15314EF-5B6D-4A35-A5DE-1F77DEEAE861}"/>
+                    <a16:creationId xmlns:a16="http://schemas.microsoft.com/office/drawing/2014/main" id="{8A84CBC2-8D3F-4D59-B6EC-CC2E695DFA22}"/>
                   </a:ext>
                 </a:extLst>
               </p:cNvPr>
@@ -4703,9 +6234,9 @@
               <p:nvPr/>
             </p:nvCxnSpPr>
             <p:spPr>
-              <a:xfrm>
-                <a:off x="1296782" y="886939"/>
-                <a:ext cx="1174192" cy="0"/>
+              <a:xfrm flipH="1" flipV="1">
+                <a:off x="15853320" y="7280225"/>
+                <a:ext cx="2179892" cy="2179892"/>
               </a:xfrm>
               <a:prstGeom prst="straightConnector1">
                 <a:avLst/>
@@ -4731,10 +6262,10 @@
           </p:cxnSp>
           <p:sp>
             <p:nvSpPr>
-              <p:cNvPr id="27" name="テキスト ボックス 26">
+              <p:cNvPr id="83" name="テキスト ボックス 82">
                 <a:extLst>
                   <a:ext uri="{FF2B5EF4-FFF2-40B4-BE49-F238E27FC236}">
-                    <a16:creationId xmlns:a16="http://schemas.microsoft.com/office/drawing/2014/main" id="{4CC4C144-4C33-41BA-8B2B-CD406552EA1A}"/>
+                    <a16:creationId xmlns:a16="http://schemas.microsoft.com/office/drawing/2014/main" id="{384E30E2-601F-4FF3-834B-5BEFEEA81709}"/>
                   </a:ext>
                 </a:extLst>
               </p:cNvPr>
@@ -4743,8 +6274,8 @@
             </p:nvSpPr>
             <p:spPr>
               <a:xfrm>
-                <a:off x="1296782" y="938560"/>
-                <a:ext cx="1187766" cy="753411"/>
+                <a:off x="17941920" y="11190800"/>
+                <a:ext cx="2594130" cy="1083951"/>
               </a:xfrm>
               <a:prstGeom prst="rect">
                 <a:avLst/>
@@ -4765,122 +6296,55 @@
                       </a:schemeClr>
                     </a:solidFill>
                     <a:latin typeface="Arial" panose="020B0604020202020204" pitchFamily="34" charset="0"/>
+                    <a:ea typeface="HGPｺﾞｼｯｸM" panose="020B0600000000000000" pitchFamily="50" charset="-128"/>
                     <a:cs typeface="Arial" panose="020B0604020202020204" pitchFamily="34" charset="0"/>
                   </a:rPr>
-                  <a:t>ソースの更新</a:t>
+                  <a:t>チャンネル投稿内容から</a:t>
                 </a:r>
+                <a:endParaRPr lang="en-US" altLang="ja-JP" dirty="0">
+                  <a:solidFill>
+                    <a:schemeClr val="bg1">
+                      <a:lumMod val="50000"/>
+                    </a:schemeClr>
+                  </a:solidFill>
+                  <a:latin typeface="Arial" panose="020B0604020202020204" pitchFamily="34" charset="0"/>
+                  <a:ea typeface="HGPｺﾞｼｯｸM" panose="020B0600000000000000" pitchFamily="50" charset="-128"/>
+                  <a:cs typeface="Arial" panose="020B0604020202020204" pitchFamily="34" charset="0"/>
+                </a:endParaRPr>
+              </a:p>
+              <a:p>
+                <a:r>
+                  <a:rPr lang="ja-JP" altLang="en-US" dirty="0">
+                    <a:solidFill>
+                      <a:schemeClr val="bg1">
+                        <a:lumMod val="50000"/>
+                      </a:schemeClr>
+                    </a:solidFill>
+                    <a:latin typeface="Arial" panose="020B0604020202020204" pitchFamily="34" charset="0"/>
+                    <a:ea typeface="HGPｺﾞｼｯｸM" panose="020B0600000000000000" pitchFamily="50" charset="-128"/>
+                    <a:cs typeface="Arial" panose="020B0604020202020204" pitchFamily="34" charset="0"/>
+                  </a:rPr>
+                  <a:t>勤怠情報を抽出</a:t>
+                </a:r>
+                <a:endParaRPr lang="en-US" altLang="ja-JP" dirty="0">
+                  <a:solidFill>
+                    <a:schemeClr val="bg1">
+                      <a:lumMod val="50000"/>
+                    </a:schemeClr>
+                  </a:solidFill>
+                  <a:latin typeface="Arial" panose="020B0604020202020204" pitchFamily="34" charset="0"/>
+                  <a:ea typeface="HGPｺﾞｼｯｸM" panose="020B0600000000000000" pitchFamily="50" charset="-128"/>
+                  <a:cs typeface="Arial" panose="020B0604020202020204" pitchFamily="34" charset="0"/>
+                </a:endParaRPr>
               </a:p>
             </p:txBody>
           </p:sp>
-        </p:grpSp>
-        <p:grpSp>
-          <p:nvGrpSpPr>
-            <p:cNvPr id="62" name="グループ化 61">
-              <a:extLst>
-                <a:ext uri="{FF2B5EF4-FFF2-40B4-BE49-F238E27FC236}">
-                  <a16:creationId xmlns:a16="http://schemas.microsoft.com/office/drawing/2014/main" id="{E9C0712E-BE93-4375-8345-72CCDFF3D171}"/>
-                </a:ext>
-              </a:extLst>
-            </p:cNvPr>
-            <p:cNvGrpSpPr/>
-            <p:nvPr/>
-          </p:nvGrpSpPr>
-          <p:grpSpPr>
-            <a:xfrm>
-              <a:off x="17966828" y="1553777"/>
-              <a:ext cx="2284238" cy="1457338"/>
-              <a:chOff x="4373241" y="8848876"/>
-              <a:chExt cx="2284238" cy="1457338"/>
-            </a:xfrm>
-          </p:grpSpPr>
           <p:sp>
             <p:nvSpPr>
-              <p:cNvPr id="63" name="正方形/長方形 62">
+              <p:cNvPr id="84" name="テキスト ボックス 83">
                 <a:extLst>
                   <a:ext uri="{FF2B5EF4-FFF2-40B4-BE49-F238E27FC236}">
-                    <a16:creationId xmlns:a16="http://schemas.microsoft.com/office/drawing/2014/main" id="{E461E8AD-8C3A-4B25-9D4C-CED71EB13644}"/>
-                  </a:ext>
-                </a:extLst>
-              </p:cNvPr>
-              <p:cNvSpPr/>
-              <p:nvPr/>
-            </p:nvSpPr>
-            <p:spPr>
-              <a:xfrm>
-                <a:off x="4373241" y="8848876"/>
-                <a:ext cx="2284238" cy="1362596"/>
-              </a:xfrm>
-              <a:prstGeom prst="rect">
-                <a:avLst/>
-              </a:prstGeom>
-              <a:solidFill>
-                <a:srgbClr val="FDF3ED"/>
-              </a:solidFill>
-            </p:spPr>
-            <p:style>
-              <a:lnRef idx="0">
-                <a:schemeClr val="accent2"/>
-              </a:lnRef>
-              <a:fillRef idx="3">
-                <a:schemeClr val="accent2"/>
-              </a:fillRef>
-              <a:effectRef idx="3">
-                <a:schemeClr val="accent2"/>
-              </a:effectRef>
-              <a:fontRef idx="minor">
-                <a:schemeClr val="lt1"/>
-              </a:fontRef>
-            </p:style>
-            <p:txBody>
-              <a:bodyPr rot="0" spcFirstLastPara="0" vertOverflow="overflow" horzOverflow="overflow" vert="horz" wrap="square" lIns="91440" tIns="45720" rIns="91440" bIns="45720" numCol="1" spcCol="0" rtlCol="0" fromWordArt="0" anchor="ctr" anchorCtr="0" forceAA="0" compatLnSpc="1">
-                <a:prstTxWarp prst="textNoShape">
-                  <a:avLst/>
-                </a:prstTxWarp>
-                <a:noAutofit/>
-              </a:bodyPr>
-              <a:lstStyle/>
-              <a:p>
-                <a:pPr algn="ctr"/>
-                <a:endParaRPr kumimoji="1" lang="ja-JP" altLang="en-US" dirty="0"/>
-              </a:p>
-            </p:txBody>
-          </p:sp>
-          <p:pic>
-            <p:nvPicPr>
-              <p:cNvPr id="21" name="図 20">
-                <a:extLst>
-                  <a:ext uri="{FF2B5EF4-FFF2-40B4-BE49-F238E27FC236}">
-                    <a16:creationId xmlns:a16="http://schemas.microsoft.com/office/drawing/2014/main" id="{BB54CDFE-7E87-4E14-8CE6-C106011630B3}"/>
-                  </a:ext>
-                </a:extLst>
-              </p:cNvPr>
-              <p:cNvPicPr>
-                <a:picLocks noChangeAspect="1"/>
-              </p:cNvPicPr>
-              <p:nvPr/>
-            </p:nvPicPr>
-            <p:blipFill>
-              <a:blip r:embed="rId7"/>
-              <a:stretch>
-                <a:fillRect/>
-              </a:stretch>
-            </p:blipFill>
-            <p:spPr>
-              <a:xfrm>
-                <a:off x="4405344" y="8998469"/>
-                <a:ext cx="1063413" cy="1063413"/>
-              </a:xfrm>
-              <a:prstGeom prst="rect">
-                <a:avLst/>
-              </a:prstGeom>
-            </p:spPr>
-          </p:pic>
-          <p:sp>
-            <p:nvSpPr>
-              <p:cNvPr id="31" name="テキスト ボックス 30">
-                <a:extLst>
-                  <a:ext uri="{FF2B5EF4-FFF2-40B4-BE49-F238E27FC236}">
-                    <a16:creationId xmlns:a16="http://schemas.microsoft.com/office/drawing/2014/main" id="{F876EF95-AC6B-4D85-943E-27CC01D5AD64}"/>
+                    <a16:creationId xmlns:a16="http://schemas.microsoft.com/office/drawing/2014/main" id="{67682AA9-3496-47FC-9D3A-D8A2BC23098D}"/>
                   </a:ext>
                 </a:extLst>
               </p:cNvPr>
@@ -4889,493 +6353,8 @@
             </p:nvSpPr>
             <p:spPr>
               <a:xfrm>
-                <a:off x="5386104" y="9222263"/>
-                <a:ext cx="1271375" cy="1083951"/>
-              </a:xfrm>
-              <a:prstGeom prst="rect">
-                <a:avLst/>
-              </a:prstGeom>
-              <a:noFill/>
-            </p:spPr>
-            <p:txBody>
-              <a:bodyPr wrap="square" rtlCol="0">
-                <a:spAutoFit/>
-              </a:bodyPr>
-              <a:lstStyle/>
-              <a:p>
-                <a:r>
-                  <a:rPr lang="en-US" altLang="ja-JP" dirty="0">
-                    <a:solidFill>
-                      <a:schemeClr val="bg1">
-                        <a:lumMod val="50000"/>
-                      </a:schemeClr>
-                    </a:solidFill>
-                    <a:latin typeface="Arial" panose="020B0604020202020204" pitchFamily="34" charset="0"/>
-                    <a:cs typeface="Arial" panose="020B0604020202020204" pitchFamily="34" charset="0"/>
-                  </a:rPr>
-                  <a:t>Cloud</a:t>
-                </a:r>
-              </a:p>
-              <a:p>
-                <a:r>
-                  <a:rPr lang="en-US" altLang="ja-JP" dirty="0">
-                    <a:solidFill>
-                      <a:schemeClr val="bg1">
-                        <a:lumMod val="50000"/>
-                      </a:schemeClr>
-                    </a:solidFill>
-                    <a:latin typeface="Arial" panose="020B0604020202020204" pitchFamily="34" charset="0"/>
-                    <a:cs typeface="Arial" panose="020B0604020202020204" pitchFamily="34" charset="0"/>
-                  </a:rPr>
-                  <a:t>Scheduler</a:t>
-                </a:r>
-                <a:endParaRPr lang="ja-JP" altLang="en-US" dirty="0">
-                  <a:solidFill>
-                    <a:schemeClr val="bg1">
-                      <a:lumMod val="50000"/>
-                    </a:schemeClr>
-                  </a:solidFill>
-                  <a:latin typeface="Arial" panose="020B0604020202020204" pitchFamily="34" charset="0"/>
-                  <a:cs typeface="Arial" panose="020B0604020202020204" pitchFamily="34" charset="0"/>
-                </a:endParaRPr>
-              </a:p>
-            </p:txBody>
-          </p:sp>
-        </p:grpSp>
-        <p:sp>
-          <p:nvSpPr>
-            <p:cNvPr id="33" name="テキスト ボックス 32">
-              <a:extLst>
-                <a:ext uri="{FF2B5EF4-FFF2-40B4-BE49-F238E27FC236}">
-                  <a16:creationId xmlns:a16="http://schemas.microsoft.com/office/drawing/2014/main" id="{046EF8E9-D397-4A94-9278-7B47188F1665}"/>
-                </a:ext>
-              </a:extLst>
-            </p:cNvPr>
-            <p:cNvSpPr txBox="1"/>
-            <p:nvPr/>
-          </p:nvSpPr>
-          <p:spPr>
-            <a:xfrm>
-              <a:off x="16774454" y="3940194"/>
-              <a:ext cx="3303262" cy="646331"/>
-            </a:xfrm>
-            <a:prstGeom prst="rect">
-              <a:avLst/>
-            </a:prstGeom>
-            <a:noFill/>
-          </p:spPr>
-          <p:txBody>
-            <a:bodyPr wrap="square" rtlCol="0">
-              <a:spAutoFit/>
-            </a:bodyPr>
-            <a:lstStyle/>
-            <a:p>
-              <a:pPr algn="ctr"/>
-              <a:r>
-                <a:rPr lang="ja-JP" altLang="en-US" dirty="0">
-                  <a:solidFill>
-                    <a:schemeClr val="bg1">
-                      <a:lumMod val="50000"/>
-                    </a:schemeClr>
-                  </a:solidFill>
-                  <a:latin typeface="Arial" panose="020B0604020202020204" pitchFamily="34" charset="0"/>
-                  <a:ea typeface="HGPｺﾞｼｯｸM" panose="020B0600000000000000" pitchFamily="50" charset="-128"/>
-                  <a:cs typeface="Arial" panose="020B0604020202020204" pitchFamily="34" charset="0"/>
-                </a:rPr>
-                <a:t>定期レポート作成要求</a:t>
-              </a:r>
-              <a:endParaRPr lang="en-US" altLang="ja-JP" dirty="0">
-                <a:solidFill>
-                  <a:schemeClr val="bg1">
-                    <a:lumMod val="50000"/>
-                  </a:schemeClr>
-                </a:solidFill>
-                <a:latin typeface="Arial" panose="020B0604020202020204" pitchFamily="34" charset="0"/>
-                <a:ea typeface="HGPｺﾞｼｯｸM" panose="020B0600000000000000" pitchFamily="50" charset="-128"/>
-                <a:cs typeface="Arial" panose="020B0604020202020204" pitchFamily="34" charset="0"/>
-              </a:endParaRPr>
-            </a:p>
-            <a:p>
-              <a:pPr algn="ctr"/>
-              <a:r>
-                <a:rPr lang="en-US" altLang="ja-JP" dirty="0">
-                  <a:solidFill>
-                    <a:schemeClr val="bg1">
-                      <a:lumMod val="50000"/>
-                    </a:schemeClr>
-                  </a:solidFill>
-                  <a:latin typeface="Arial" panose="020B0604020202020204" pitchFamily="34" charset="0"/>
-                  <a:ea typeface="HGPｺﾞｼｯｸM" panose="020B0600000000000000" pitchFamily="50" charset="-128"/>
-                  <a:cs typeface="Arial" panose="020B0604020202020204" pitchFamily="34" charset="0"/>
-                </a:rPr>
-                <a:t>HTTP</a:t>
-              </a:r>
-              <a:r>
-                <a:rPr lang="ja-JP" altLang="en-US" dirty="0">
-                  <a:solidFill>
-                    <a:schemeClr val="bg1">
-                      <a:lumMod val="50000"/>
-                    </a:schemeClr>
-                  </a:solidFill>
-                  <a:latin typeface="Arial" panose="020B0604020202020204" pitchFamily="34" charset="0"/>
-                  <a:ea typeface="HGPｺﾞｼｯｸM" panose="020B0600000000000000" pitchFamily="50" charset="-128"/>
-                  <a:cs typeface="Arial" panose="020B0604020202020204" pitchFamily="34" charset="0"/>
-                </a:rPr>
-                <a:t>リクエスト </a:t>
-              </a:r>
-              <a:r>
-                <a:rPr lang="en-US" altLang="ja-JP" dirty="0">
-                  <a:solidFill>
-                    <a:schemeClr val="bg1">
-                      <a:lumMod val="50000"/>
-                    </a:schemeClr>
-                  </a:solidFill>
-                  <a:latin typeface="Arial" panose="020B0604020202020204" pitchFamily="34" charset="0"/>
-                  <a:ea typeface="HGPｺﾞｼｯｸM" panose="020B0600000000000000" pitchFamily="50" charset="-128"/>
-                  <a:cs typeface="Arial" panose="020B0604020202020204" pitchFamily="34" charset="0"/>
-                </a:rPr>
-                <a:t>(/job/report)</a:t>
-              </a:r>
-            </a:p>
-          </p:txBody>
-        </p:sp>
-        <p:sp>
-          <p:nvSpPr>
-            <p:cNvPr id="35" name="テキスト ボックス 34">
-              <a:extLst>
-                <a:ext uri="{FF2B5EF4-FFF2-40B4-BE49-F238E27FC236}">
-                  <a16:creationId xmlns:a16="http://schemas.microsoft.com/office/drawing/2014/main" id="{948CEA27-7A2A-4295-B762-D8762413E1E8}"/>
-                </a:ext>
-              </a:extLst>
-            </p:cNvPr>
-            <p:cNvSpPr txBox="1"/>
-            <p:nvPr/>
-          </p:nvSpPr>
-          <p:spPr>
-            <a:xfrm>
-              <a:off x="18052758" y="3007749"/>
-              <a:ext cx="2091010" cy="1083951"/>
-            </a:xfrm>
-            <a:prstGeom prst="rect">
-              <a:avLst/>
-            </a:prstGeom>
-            <a:noFill/>
-          </p:spPr>
-          <p:txBody>
-            <a:bodyPr wrap="square" rtlCol="0">
-              <a:spAutoFit/>
-            </a:bodyPr>
-            <a:lstStyle/>
-            <a:p>
-              <a:r>
-                <a:rPr lang="ja-JP" altLang="en-US" dirty="0">
-                  <a:solidFill>
-                    <a:schemeClr val="bg1">
-                      <a:lumMod val="50000"/>
-                    </a:schemeClr>
-                  </a:solidFill>
-                  <a:latin typeface="Arial" panose="020B0604020202020204" pitchFamily="34" charset="0"/>
-                  <a:ea typeface="HGPｺﾞｼｯｸM" panose="020B0600000000000000" pitchFamily="50" charset="-128"/>
-                  <a:cs typeface="Arial" panose="020B0604020202020204" pitchFamily="34" charset="0"/>
-                </a:rPr>
-                <a:t>平日朝</a:t>
-              </a:r>
-              <a:r>
-                <a:rPr lang="en-US" altLang="ja-JP" dirty="0">
-                  <a:solidFill>
-                    <a:schemeClr val="bg1">
-                      <a:lumMod val="50000"/>
-                    </a:schemeClr>
-                  </a:solidFill>
-                  <a:latin typeface="Arial" panose="020B0604020202020204" pitchFamily="34" charset="0"/>
-                  <a:ea typeface="HGPｺﾞｼｯｸM" panose="020B0600000000000000" pitchFamily="50" charset="-128"/>
-                  <a:cs typeface="Arial" panose="020B0604020202020204" pitchFamily="34" charset="0"/>
-                </a:rPr>
-                <a:t>9</a:t>
-              </a:r>
-              <a:r>
-                <a:rPr lang="ja-JP" altLang="en-US" dirty="0">
-                  <a:solidFill>
-                    <a:schemeClr val="bg1">
-                      <a:lumMod val="50000"/>
-                    </a:schemeClr>
-                  </a:solidFill>
-                  <a:latin typeface="Arial" panose="020B0604020202020204" pitchFamily="34" charset="0"/>
-                  <a:ea typeface="HGPｺﾞｼｯｸM" panose="020B0600000000000000" pitchFamily="50" charset="-128"/>
-                  <a:cs typeface="Arial" panose="020B0604020202020204" pitchFamily="34" charset="0"/>
-                </a:rPr>
-                <a:t>時</a:t>
-              </a:r>
-              <a:endParaRPr lang="en-US" altLang="ja-JP" dirty="0">
-                <a:solidFill>
-                  <a:schemeClr val="bg1">
-                    <a:lumMod val="50000"/>
-                  </a:schemeClr>
-                </a:solidFill>
-                <a:latin typeface="Arial" panose="020B0604020202020204" pitchFamily="34" charset="0"/>
-                <a:ea typeface="HGPｺﾞｼｯｸM" panose="020B0600000000000000" pitchFamily="50" charset="-128"/>
-                <a:cs typeface="Arial" panose="020B0604020202020204" pitchFamily="34" charset="0"/>
-              </a:endParaRPr>
-            </a:p>
-            <a:p>
-              <a:r>
-                <a:rPr lang="ja-JP" altLang="en-US" dirty="0">
-                  <a:solidFill>
-                    <a:schemeClr val="bg1">
-                      <a:lumMod val="50000"/>
-                    </a:schemeClr>
-                  </a:solidFill>
-                  <a:latin typeface="Arial" panose="020B0604020202020204" pitchFamily="34" charset="0"/>
-                  <a:ea typeface="HGPｺﾞｼｯｸM" panose="020B0600000000000000" pitchFamily="50" charset="-128"/>
-                  <a:cs typeface="Arial" panose="020B0604020202020204" pitchFamily="34" charset="0"/>
-                </a:rPr>
-                <a:t>定期実行のトリガー</a:t>
-              </a:r>
-              <a:endParaRPr lang="en-US" altLang="ja-JP" dirty="0">
-                <a:solidFill>
-                  <a:schemeClr val="bg1">
-                    <a:lumMod val="50000"/>
-                  </a:schemeClr>
-                </a:solidFill>
-                <a:latin typeface="Arial" panose="020B0604020202020204" pitchFamily="34" charset="0"/>
-                <a:ea typeface="HGPｺﾞｼｯｸM" panose="020B0600000000000000" pitchFamily="50" charset="-128"/>
-                <a:cs typeface="Arial" panose="020B0604020202020204" pitchFamily="34" charset="0"/>
-              </a:endParaRPr>
-            </a:p>
-          </p:txBody>
-        </p:sp>
-        <p:cxnSp>
-          <p:nvCxnSpPr>
-            <p:cNvPr id="36" name="直線矢印コネクタ 35">
-              <a:extLst>
-                <a:ext uri="{FF2B5EF4-FFF2-40B4-BE49-F238E27FC236}">
-                  <a16:creationId xmlns:a16="http://schemas.microsoft.com/office/drawing/2014/main" id="{40A116C2-6FF4-4802-B945-F11986C6407A}"/>
-                </a:ext>
-              </a:extLst>
-            </p:cNvPr>
-            <p:cNvCxnSpPr>
-              <a:cxnSpLocks/>
-            </p:cNvCxnSpPr>
-            <p:nvPr/>
-          </p:nvCxnSpPr>
-          <p:spPr>
-            <a:xfrm flipH="1">
-              <a:off x="7213053" y="6409876"/>
-              <a:ext cx="6069394" cy="0"/>
-            </a:xfrm>
-            <a:prstGeom prst="straightConnector1">
-              <a:avLst/>
-            </a:prstGeom>
-            <a:ln>
-              <a:tailEnd type="triangle"/>
-            </a:ln>
-          </p:spPr>
-          <p:style>
-            <a:lnRef idx="1">
-              <a:schemeClr val="accent1"/>
-            </a:lnRef>
-            <a:fillRef idx="0">
-              <a:schemeClr val="accent1"/>
-            </a:fillRef>
-            <a:effectRef idx="0">
-              <a:schemeClr val="accent1"/>
-            </a:effectRef>
-            <a:fontRef idx="minor">
-              <a:schemeClr val="tx1"/>
-            </a:fontRef>
-          </p:style>
-        </p:cxnSp>
-        <p:grpSp>
-          <p:nvGrpSpPr>
-            <p:cNvPr id="60" name="グループ化 59">
-              <a:extLst>
-                <a:ext uri="{FF2B5EF4-FFF2-40B4-BE49-F238E27FC236}">
-                  <a16:creationId xmlns:a16="http://schemas.microsoft.com/office/drawing/2014/main" id="{2ECA31D7-6BFF-4967-A9F2-1F9387868DD4}"/>
-                </a:ext>
-              </a:extLst>
-            </p:cNvPr>
-            <p:cNvGrpSpPr/>
-            <p:nvPr/>
-          </p:nvGrpSpPr>
-          <p:grpSpPr>
-            <a:xfrm>
-              <a:off x="18016311" y="5643473"/>
-              <a:ext cx="2284238" cy="1362596"/>
-              <a:chOff x="4281498" y="3110451"/>
-              <a:chExt cx="2284238" cy="1362596"/>
-            </a:xfrm>
-          </p:grpSpPr>
-          <p:sp>
-            <p:nvSpPr>
-              <p:cNvPr id="61" name="正方形/長方形 60">
-                <a:extLst>
-                  <a:ext uri="{FF2B5EF4-FFF2-40B4-BE49-F238E27FC236}">
-                    <a16:creationId xmlns:a16="http://schemas.microsoft.com/office/drawing/2014/main" id="{0914569E-84DB-4FFB-B24B-A1DA4A16E7A7}"/>
-                  </a:ext>
-                </a:extLst>
-              </p:cNvPr>
-              <p:cNvSpPr/>
-              <p:nvPr/>
-            </p:nvSpPr>
-            <p:spPr>
-              <a:xfrm>
-                <a:off x="4281498" y="3110451"/>
-                <a:ext cx="2284238" cy="1362596"/>
-              </a:xfrm>
-              <a:prstGeom prst="rect">
-                <a:avLst/>
-              </a:prstGeom>
-              <a:solidFill>
-                <a:srgbClr val="FDF3ED"/>
-              </a:solidFill>
-            </p:spPr>
-            <p:style>
-              <a:lnRef idx="0">
-                <a:schemeClr val="accent2"/>
-              </a:lnRef>
-              <a:fillRef idx="3">
-                <a:schemeClr val="accent2"/>
-              </a:fillRef>
-              <a:effectRef idx="3">
-                <a:schemeClr val="accent2"/>
-              </a:effectRef>
-              <a:fontRef idx="minor">
-                <a:schemeClr val="lt1"/>
-              </a:fontRef>
-            </p:style>
-            <p:txBody>
-              <a:bodyPr rot="0" spcFirstLastPara="0" vertOverflow="overflow" horzOverflow="overflow" vert="horz" wrap="square" lIns="91440" tIns="45720" rIns="91440" bIns="45720" numCol="1" spcCol="0" rtlCol="0" fromWordArt="0" anchor="ctr" anchorCtr="0" forceAA="0" compatLnSpc="1">
-                <a:prstTxWarp prst="textNoShape">
-                  <a:avLst/>
-                </a:prstTxWarp>
-                <a:noAutofit/>
-              </a:bodyPr>
-              <a:lstStyle/>
-              <a:p>
-                <a:pPr algn="ctr"/>
-                <a:endParaRPr kumimoji="1" lang="ja-JP" altLang="en-US" dirty="0"/>
-              </a:p>
-            </p:txBody>
-          </p:sp>
-          <p:pic>
-            <p:nvPicPr>
-              <p:cNvPr id="30" name="図 29">
-                <a:extLst>
-                  <a:ext uri="{FF2B5EF4-FFF2-40B4-BE49-F238E27FC236}">
-                    <a16:creationId xmlns:a16="http://schemas.microsoft.com/office/drawing/2014/main" id="{716DF112-D1DE-41E2-8A20-EBD73903BEC7}"/>
-                  </a:ext>
-                </a:extLst>
-              </p:cNvPr>
-              <p:cNvPicPr>
-                <a:picLocks noChangeAspect="1"/>
-              </p:cNvPicPr>
-              <p:nvPr/>
-            </p:nvPicPr>
-            <p:blipFill>
-              <a:blip r:embed="rId8"/>
-              <a:stretch>
-                <a:fillRect/>
-              </a:stretch>
-            </p:blipFill>
-            <p:spPr>
-              <a:xfrm>
-                <a:off x="4360210" y="3262977"/>
-                <a:ext cx="1063407" cy="1063407"/>
-              </a:xfrm>
-              <a:prstGeom prst="rect">
-                <a:avLst/>
-              </a:prstGeom>
-            </p:spPr>
-          </p:pic>
-          <p:sp>
-            <p:nvSpPr>
-              <p:cNvPr id="38" name="テキスト ボックス 37">
-                <a:extLst>
-                  <a:ext uri="{FF2B5EF4-FFF2-40B4-BE49-F238E27FC236}">
-                    <a16:creationId xmlns:a16="http://schemas.microsoft.com/office/drawing/2014/main" id="{A3F9CDD8-F507-4EDA-BC67-809A483AF78E}"/>
-                  </a:ext>
-                </a:extLst>
-              </p:cNvPr>
-              <p:cNvSpPr txBox="1"/>
-              <p:nvPr/>
-            </p:nvSpPr>
-            <p:spPr>
-              <a:xfrm>
-                <a:off x="5390196" y="3631648"/>
-                <a:ext cx="1149105" cy="753411"/>
-              </a:xfrm>
-              <a:prstGeom prst="rect">
-                <a:avLst/>
-              </a:prstGeom>
-              <a:noFill/>
-            </p:spPr>
-            <p:txBody>
-              <a:bodyPr wrap="square" rtlCol="0">
-                <a:spAutoFit/>
-              </a:bodyPr>
-              <a:lstStyle/>
-              <a:p>
-                <a:r>
-                  <a:rPr lang="en-US" altLang="ja-JP" dirty="0" err="1">
-                    <a:solidFill>
-                      <a:schemeClr val="bg1">
-                        <a:lumMod val="50000"/>
-                      </a:schemeClr>
-                    </a:solidFill>
-                    <a:latin typeface="Arial" panose="020B0604020202020204" pitchFamily="34" charset="0"/>
-                    <a:cs typeface="Arial" panose="020B0604020202020204" pitchFamily="34" charset="0"/>
-                  </a:rPr>
-                  <a:t>Firestore</a:t>
-                </a:r>
-                <a:endParaRPr lang="ja-JP" altLang="en-US" dirty="0">
-                  <a:solidFill>
-                    <a:schemeClr val="bg1">
-                      <a:lumMod val="50000"/>
-                    </a:schemeClr>
-                  </a:solidFill>
-                  <a:latin typeface="Arial" panose="020B0604020202020204" pitchFamily="34" charset="0"/>
-                  <a:cs typeface="Arial" panose="020B0604020202020204" pitchFamily="34" charset="0"/>
-                </a:endParaRPr>
-              </a:p>
-            </p:txBody>
-          </p:sp>
-        </p:grpSp>
-        <p:grpSp>
-          <p:nvGrpSpPr>
-            <p:cNvPr id="45" name="グループ化 44">
-              <a:extLst>
-                <a:ext uri="{FF2B5EF4-FFF2-40B4-BE49-F238E27FC236}">
-                  <a16:creationId xmlns:a16="http://schemas.microsoft.com/office/drawing/2014/main" id="{6F48539C-F392-449C-90DB-1EF5776A0C1C}"/>
-                </a:ext>
-              </a:extLst>
-            </p:cNvPr>
-            <p:cNvGrpSpPr/>
-            <p:nvPr/>
-          </p:nvGrpSpPr>
-          <p:grpSpPr>
-            <a:xfrm>
-              <a:off x="1242033" y="1625256"/>
-              <a:ext cx="1063412" cy="1382565"/>
-              <a:chOff x="233370" y="313770"/>
-              <a:chExt cx="1063412" cy="1382565"/>
-            </a:xfrm>
-          </p:grpSpPr>
-          <p:sp>
-            <p:nvSpPr>
-              <p:cNvPr id="22" name="テキスト ボックス 21">
-                <a:extLst>
-                  <a:ext uri="{FF2B5EF4-FFF2-40B4-BE49-F238E27FC236}">
-                    <a16:creationId xmlns:a16="http://schemas.microsoft.com/office/drawing/2014/main" id="{0678379E-C4E5-45E4-A7E6-AED440CA5FD7}"/>
-                  </a:ext>
-                </a:extLst>
-              </p:cNvPr>
-              <p:cNvSpPr txBox="1"/>
-              <p:nvPr/>
-            </p:nvSpPr>
-            <p:spPr>
-              <a:xfrm>
-                <a:off x="233370" y="1273462"/>
-                <a:ext cx="1063412" cy="422873"/>
+                <a:off x="8127548" y="5503694"/>
+                <a:ext cx="3227947" cy="646331"/>
               </a:xfrm>
               <a:prstGeom prst="rect">
                 <a:avLst/>
@@ -5396,11 +6375,11 @@
                         <a:lumMod val="50000"/>
                       </a:schemeClr>
                     </a:solidFill>
-                    <a:latin typeface="HGPｺﾞｼｯｸM" panose="020B0600000000000000" pitchFamily="50" charset="-128"/>
+                    <a:latin typeface="Arial" panose="020B0604020202020204" pitchFamily="34" charset="0"/>
                     <a:ea typeface="HGPｺﾞｼｯｸM" panose="020B0600000000000000" pitchFamily="50" charset="-128"/>
                     <a:cs typeface="Arial" panose="020B0604020202020204" pitchFamily="34" charset="0"/>
                   </a:rPr>
-                  <a:t>開発者</a:t>
+                  <a:t>モーダル表示・勤怠連絡</a:t>
                 </a:r>
                 <a:endParaRPr lang="en-US" altLang="ja-JP" dirty="0">
                   <a:solidFill>
@@ -5408,101 +6387,26 @@
                       <a:lumMod val="50000"/>
                     </a:schemeClr>
                   </a:solidFill>
-                  <a:latin typeface="HGPｺﾞｼｯｸM" panose="020B0600000000000000" pitchFamily="50" charset="-128"/>
+                  <a:latin typeface="Arial" panose="020B0604020202020204" pitchFamily="34" charset="0"/>
                   <a:ea typeface="HGPｺﾞｼｯｸM" panose="020B0600000000000000" pitchFamily="50" charset="-128"/>
                   <a:cs typeface="Arial" panose="020B0604020202020204" pitchFamily="34" charset="0"/>
                 </a:endParaRPr>
               </a:p>
-            </p:txBody>
-          </p:sp>
-          <p:pic>
-            <p:nvPicPr>
-              <p:cNvPr id="39" name="グラフィックス 38" descr="プログラマー">
-                <a:extLst>
-                  <a:ext uri="{FF2B5EF4-FFF2-40B4-BE49-F238E27FC236}">
-                    <a16:creationId xmlns:a16="http://schemas.microsoft.com/office/drawing/2014/main" id="{3DF5B81D-C131-41A1-B6D9-8713C2AD6173}"/>
-                  </a:ext>
-                </a:extLst>
-              </p:cNvPr>
-              <p:cNvPicPr>
-                <a:picLocks noChangeAspect="1"/>
-              </p:cNvPicPr>
-              <p:nvPr/>
-            </p:nvPicPr>
-            <p:blipFill>
-              <a:blip r:embed="rId9">
-                <a:extLst>
-                  <a:ext uri="{28A0092B-C50C-407E-A947-70E740481C1C}">
-                    <a14:useLocalDpi xmlns:a14="http://schemas.microsoft.com/office/drawing/2010/main" val="0"/>
-                  </a:ext>
-                  <a:ext uri="{96DAC541-7B7A-43D3-8B79-37D633B846F1}">
-                    <asvg:svgBlip xmlns:asvg="http://schemas.microsoft.com/office/drawing/2016/SVG/main" r:embed="rId10"/>
-                  </a:ext>
-                </a:extLst>
-              </a:blip>
-              <a:stretch>
-                <a:fillRect/>
-              </a:stretch>
-            </p:blipFill>
-            <p:spPr>
-              <a:xfrm>
-                <a:off x="307876" y="313770"/>
-                <a:ext cx="914400" cy="914400"/>
-              </a:xfrm>
-              <a:prstGeom prst="rect">
-                <a:avLst/>
-              </a:prstGeom>
-            </p:spPr>
-          </p:pic>
-        </p:grpSp>
-        <p:grpSp>
-          <p:nvGrpSpPr>
-            <p:cNvPr id="53" name="グループ化 52">
-              <a:extLst>
-                <a:ext uri="{FF2B5EF4-FFF2-40B4-BE49-F238E27FC236}">
-                  <a16:creationId xmlns:a16="http://schemas.microsoft.com/office/drawing/2014/main" id="{95C797B6-2257-4F4A-B31A-39F44D5A2B17}"/>
-                </a:ext>
-              </a:extLst>
-            </p:cNvPr>
-            <p:cNvGrpSpPr/>
-            <p:nvPr/>
-          </p:nvGrpSpPr>
-          <p:grpSpPr>
-            <a:xfrm>
-              <a:off x="11448192" y="2173457"/>
-              <a:ext cx="1918596" cy="806712"/>
-              <a:chOff x="9670071" y="900883"/>
-              <a:chExt cx="1918596" cy="806712"/>
-            </a:xfrm>
-          </p:grpSpPr>
-          <p:sp>
-            <p:nvSpPr>
-              <p:cNvPr id="10" name="テキスト ボックス 9">
-                <a:extLst>
-                  <a:ext uri="{FF2B5EF4-FFF2-40B4-BE49-F238E27FC236}">
-                    <a16:creationId xmlns:a16="http://schemas.microsoft.com/office/drawing/2014/main" id="{B76330FE-F952-4BC3-B517-1C37095869D6}"/>
-                  </a:ext>
-                </a:extLst>
-              </p:cNvPr>
-              <p:cNvSpPr txBox="1"/>
-              <p:nvPr/>
-            </p:nvSpPr>
-            <p:spPr>
-              <a:xfrm>
-                <a:off x="9670071" y="954184"/>
-                <a:ext cx="1918596" cy="753411"/>
-              </a:xfrm>
-              <a:prstGeom prst="rect">
-                <a:avLst/>
-              </a:prstGeom>
-              <a:noFill/>
-            </p:spPr>
-            <p:txBody>
-              <a:bodyPr wrap="square" rtlCol="0">
-                <a:spAutoFit/>
-              </a:bodyPr>
-              <a:lstStyle/>
               <a:p>
+                <a:pPr algn="ctr"/>
+                <a:r>
+                  <a:rPr lang="en-US" altLang="ja-JP" dirty="0">
+                    <a:solidFill>
+                      <a:schemeClr val="bg1">
+                        <a:lumMod val="50000"/>
+                      </a:schemeClr>
+                    </a:solidFill>
+                    <a:latin typeface="Arial" panose="020B0604020202020204" pitchFamily="34" charset="0"/>
+                    <a:ea typeface="HGPｺﾞｼｯｸM" panose="020B0600000000000000" pitchFamily="50" charset="-128"/>
+                    <a:cs typeface="Arial" panose="020B0604020202020204" pitchFamily="34" charset="0"/>
+                  </a:rPr>
+                  <a:t>HTTP</a:t>
+                </a:r>
                 <a:r>
                   <a:rPr lang="ja-JP" altLang="en-US" dirty="0">
                     <a:solidFill>
@@ -5510,21 +6414,285 @@
                         <a:lumMod val="50000"/>
                       </a:schemeClr>
                     </a:solidFill>
-                    <a:latin typeface="HGPｺﾞｼｯｸM" panose="020B0600000000000000" pitchFamily="50" charset="-128"/>
+                    <a:latin typeface="Arial" panose="020B0604020202020204" pitchFamily="34" charset="0"/>
                     <a:ea typeface="HGPｺﾞｼｯｸM" panose="020B0600000000000000" pitchFamily="50" charset="-128"/>
                     <a:cs typeface="Arial" panose="020B0604020202020204" pitchFamily="34" charset="0"/>
                   </a:rPr>
-                  <a:t>コンテナイメージの作成</a:t>
+                  <a:t>リクエスト</a:t>
+                </a:r>
+                <a:r>
+                  <a:rPr lang="en-US" altLang="ja-JP" dirty="0">
+                    <a:solidFill>
+                      <a:schemeClr val="bg1">
+                        <a:lumMod val="50000"/>
+                      </a:schemeClr>
+                    </a:solidFill>
+                    <a:latin typeface="Arial" panose="020B0604020202020204" pitchFamily="34" charset="0"/>
+                    <a:ea typeface="HGPｺﾞｼｯｸM" panose="020B0600000000000000" pitchFamily="50" charset="-128"/>
+                    <a:cs typeface="Arial" panose="020B0604020202020204" pitchFamily="34" charset="0"/>
+                  </a:rPr>
+                  <a:t> (/slack/events)</a:t>
                 </a:r>
               </a:p>
             </p:txBody>
           </p:sp>
           <p:cxnSp>
             <p:nvCxnSpPr>
-              <p:cNvPr id="54" name="直線矢印コネクタ 53">
+              <p:cNvPr id="94" name="直線矢印コネクタ 93">
                 <a:extLst>
                   <a:ext uri="{FF2B5EF4-FFF2-40B4-BE49-F238E27FC236}">
-                    <a16:creationId xmlns:a16="http://schemas.microsoft.com/office/drawing/2014/main" id="{0318F9C2-27BE-4335-9398-41ACED8F86A8}"/>
+                    <a16:creationId xmlns:a16="http://schemas.microsoft.com/office/drawing/2014/main" id="{AF30B177-FD53-49EB-9BBC-8C8DCD00082E}"/>
+                  </a:ext>
+                </a:extLst>
+              </p:cNvPr>
+              <p:cNvCxnSpPr>
+                <a:cxnSpLocks/>
+              </p:cNvCxnSpPr>
+              <p:nvPr/>
+            </p:nvCxnSpPr>
+            <p:spPr>
+              <a:xfrm flipH="1">
+                <a:off x="15898866" y="3330986"/>
+                <a:ext cx="1988021" cy="1988020"/>
+              </a:xfrm>
+              <a:prstGeom prst="straightConnector1">
+                <a:avLst/>
+              </a:prstGeom>
+              <a:ln>
+                <a:tailEnd type="triangle"/>
+              </a:ln>
+            </p:spPr>
+            <p:style>
+              <a:lnRef idx="1">
+                <a:schemeClr val="accent1"/>
+              </a:lnRef>
+              <a:fillRef idx="0">
+                <a:schemeClr val="accent1"/>
+              </a:fillRef>
+              <a:effectRef idx="0">
+                <a:schemeClr val="accent1"/>
+              </a:effectRef>
+              <a:fontRef idx="minor">
+                <a:schemeClr val="tx1"/>
+              </a:fontRef>
+            </p:style>
+          </p:cxnSp>
+          <p:sp>
+            <p:nvSpPr>
+              <p:cNvPr id="96" name="正方形/長方形 95">
+                <a:extLst>
+                  <a:ext uri="{FF2B5EF4-FFF2-40B4-BE49-F238E27FC236}">
+                    <a16:creationId xmlns:a16="http://schemas.microsoft.com/office/drawing/2014/main" id="{8E696BBB-DDEE-4A31-AFF0-B74A0396C4F3}"/>
+                  </a:ext>
+                </a:extLst>
+              </p:cNvPr>
+              <p:cNvSpPr/>
+              <p:nvPr/>
+            </p:nvSpPr>
+            <p:spPr>
+              <a:xfrm>
+                <a:off x="8120825" y="274172"/>
+                <a:ext cx="12647327" cy="7755011"/>
+              </a:xfrm>
+              <a:prstGeom prst="rect">
+                <a:avLst/>
+              </a:prstGeom>
+              <a:noFill/>
+              <a:ln w="3175">
+                <a:solidFill>
+                  <a:schemeClr val="accent6">
+                    <a:lumMod val="50000"/>
+                  </a:schemeClr>
+                </a:solidFill>
+              </a:ln>
+            </p:spPr>
+            <p:style>
+              <a:lnRef idx="2">
+                <a:schemeClr val="accent1">
+                  <a:shade val="50000"/>
+                </a:schemeClr>
+              </a:lnRef>
+              <a:fillRef idx="1">
+                <a:schemeClr val="accent1"/>
+              </a:fillRef>
+              <a:effectRef idx="0">
+                <a:schemeClr val="accent1"/>
+              </a:effectRef>
+              <a:fontRef idx="minor">
+                <a:schemeClr val="lt1"/>
+              </a:fontRef>
+            </p:style>
+            <p:txBody>
+              <a:bodyPr rot="0" spcFirstLastPara="0" vertOverflow="overflow" horzOverflow="overflow" vert="horz" wrap="square" lIns="91440" tIns="45720" rIns="91440" bIns="45720" numCol="1" spcCol="0" rtlCol="0" fromWordArt="0" anchor="t" anchorCtr="0" forceAA="0" compatLnSpc="1">
+                <a:prstTxWarp prst="textNoShape">
+                  <a:avLst/>
+                </a:prstTxWarp>
+                <a:noAutofit/>
+              </a:bodyPr>
+              <a:lstStyle/>
+              <a:p>
+                <a:r>
+                  <a:rPr kumimoji="1" lang="en-US" altLang="ja-JP" dirty="0">
+                    <a:solidFill>
+                      <a:schemeClr val="bg1"/>
+                    </a:solidFill>
+                    <a:highlight>
+                      <a:srgbClr val="008000"/>
+                    </a:highlight>
+                    <a:latin typeface="Arial" panose="020B0604020202020204" pitchFamily="34" charset="0"/>
+                    <a:ea typeface="HGPｺﾞｼｯｸM" panose="020B0600000000000000" pitchFamily="50" charset="-128"/>
+                    <a:cs typeface="Arial" panose="020B0604020202020204" pitchFamily="34" charset="0"/>
+                  </a:rPr>
+                  <a:t>Google Cloud Platform</a:t>
+                </a:r>
+                <a:endParaRPr kumimoji="1" lang="ja-JP" altLang="en-US" dirty="0">
+                  <a:solidFill>
+                    <a:schemeClr val="bg1"/>
+                  </a:solidFill>
+                  <a:highlight>
+                    <a:srgbClr val="008000"/>
+                  </a:highlight>
+                  <a:latin typeface="Arial" panose="020B0604020202020204" pitchFamily="34" charset="0"/>
+                  <a:ea typeface="HGPｺﾞｼｯｸM" panose="020B0600000000000000" pitchFamily="50" charset="-128"/>
+                  <a:cs typeface="Arial" panose="020B0604020202020204" pitchFamily="34" charset="0"/>
+                </a:endParaRPr>
+              </a:p>
+            </p:txBody>
+          </p:sp>
+          <p:grpSp>
+            <p:nvGrpSpPr>
+              <p:cNvPr id="1047" name="グループ化 1046">
+                <a:extLst>
+                  <a:ext uri="{FF2B5EF4-FFF2-40B4-BE49-F238E27FC236}">
+                    <a16:creationId xmlns:a16="http://schemas.microsoft.com/office/drawing/2014/main" id="{68E2E1A0-C27A-4FCF-9B96-863E22710AF9}"/>
+                  </a:ext>
+                </a:extLst>
+              </p:cNvPr>
+              <p:cNvGrpSpPr/>
+              <p:nvPr/>
+            </p:nvGrpSpPr>
+            <p:grpSpPr>
+              <a:xfrm>
+                <a:off x="1235137" y="5636015"/>
+                <a:ext cx="1063412" cy="1497479"/>
+                <a:chOff x="1272805" y="5833199"/>
+                <a:chExt cx="1063412" cy="1497479"/>
+              </a:xfrm>
+            </p:grpSpPr>
+            <p:pic>
+              <p:nvPicPr>
+                <p:cNvPr id="1046" name="グラフィックス 1045" descr="男性のプロフィール">
+                  <a:extLst>
+                    <a:ext uri="{FF2B5EF4-FFF2-40B4-BE49-F238E27FC236}">
+                      <a16:creationId xmlns:a16="http://schemas.microsoft.com/office/drawing/2014/main" id="{3A1164DC-C279-4491-AF77-58366AAA271F}"/>
+                    </a:ext>
+                  </a:extLst>
+                </p:cNvPr>
+                <p:cNvPicPr>
+                  <a:picLocks noChangeAspect="1"/>
+                </p:cNvPicPr>
+                <p:nvPr/>
+              </p:nvPicPr>
+              <p:blipFill>
+                <a:blip r:embed="rId12">
+                  <a:extLst>
+                    <a:ext uri="{28A0092B-C50C-407E-A947-70E740481C1C}">
+                      <a14:useLocalDpi xmlns:a14="http://schemas.microsoft.com/office/drawing/2010/main" val="0"/>
+                    </a:ext>
+                    <a:ext uri="{96DAC541-7B7A-43D3-8B79-37D633B846F1}">
+                      <asvg:svgBlip xmlns:asvg="http://schemas.microsoft.com/office/drawing/2016/SVG/main" r:embed="rId13"/>
+                    </a:ext>
+                  </a:extLst>
+                </a:blip>
+                <a:stretch>
+                  <a:fillRect/>
+                </a:stretch>
+              </p:blipFill>
+              <p:spPr>
+                <a:xfrm>
+                  <a:off x="1347311" y="5833199"/>
+                  <a:ext cx="914400" cy="914400"/>
+                </a:xfrm>
+                <a:prstGeom prst="rect">
+                  <a:avLst/>
+                </a:prstGeom>
+              </p:spPr>
+            </p:pic>
+            <p:sp>
+              <p:nvSpPr>
+                <p:cNvPr id="103" name="テキスト ボックス 102">
+                  <a:extLst>
+                    <a:ext uri="{FF2B5EF4-FFF2-40B4-BE49-F238E27FC236}">
+                      <a16:creationId xmlns:a16="http://schemas.microsoft.com/office/drawing/2014/main" id="{AC915DD5-113E-42CC-B76E-0CB4E1316FE1}"/>
+                    </a:ext>
+                  </a:extLst>
+                </p:cNvPr>
+                <p:cNvSpPr txBox="1"/>
+                <p:nvPr/>
+              </p:nvSpPr>
+              <p:spPr>
+                <a:xfrm>
+                  <a:off x="1272805" y="6684347"/>
+                  <a:ext cx="1063412" cy="646331"/>
+                </a:xfrm>
+                <a:prstGeom prst="rect">
+                  <a:avLst/>
+                </a:prstGeom>
+                <a:noFill/>
+              </p:spPr>
+              <p:txBody>
+                <a:bodyPr wrap="square" rtlCol="0">
+                  <a:spAutoFit/>
+                </a:bodyPr>
+                <a:lstStyle/>
+                <a:p>
+                  <a:pPr algn="ctr"/>
+                  <a:r>
+                    <a:rPr lang="en-US" altLang="ja-JP" dirty="0">
+                      <a:solidFill>
+                        <a:schemeClr val="bg1">
+                          <a:lumMod val="50000"/>
+                        </a:schemeClr>
+                      </a:solidFill>
+                      <a:latin typeface="Arial" panose="020B0604020202020204" pitchFamily="34" charset="0"/>
+                      <a:ea typeface="HGPｺﾞｼｯｸM" panose="020B0600000000000000" pitchFamily="50" charset="-128"/>
+                      <a:cs typeface="Arial" panose="020B0604020202020204" pitchFamily="34" charset="0"/>
+                    </a:rPr>
+                    <a:t>Slack</a:t>
+                  </a:r>
+                  <a:r>
+                    <a:rPr lang="ja-JP" altLang="en-US" dirty="0">
+                      <a:solidFill>
+                        <a:schemeClr val="bg1">
+                          <a:lumMod val="50000"/>
+                        </a:schemeClr>
+                      </a:solidFill>
+                      <a:latin typeface="Arial" panose="020B0604020202020204" pitchFamily="34" charset="0"/>
+                      <a:ea typeface="HGPｺﾞｼｯｸM" panose="020B0600000000000000" pitchFamily="50" charset="-128"/>
+                      <a:cs typeface="Arial" panose="020B0604020202020204" pitchFamily="34" charset="0"/>
+                    </a:rPr>
+                    <a:t>ユーザ</a:t>
+                  </a:r>
+                  <a:endParaRPr lang="en-US" altLang="ja-JP" dirty="0">
+                    <a:solidFill>
+                      <a:schemeClr val="bg1">
+                        <a:lumMod val="50000"/>
+                      </a:schemeClr>
+                    </a:solidFill>
+                    <a:latin typeface="Arial" panose="020B0604020202020204" pitchFamily="34" charset="0"/>
+                    <a:ea typeface="HGPｺﾞｼｯｸM" panose="020B0600000000000000" pitchFamily="50" charset="-128"/>
+                    <a:cs typeface="Arial" panose="020B0604020202020204" pitchFamily="34" charset="0"/>
+                  </a:endParaRPr>
+                </a:p>
+              </p:txBody>
+            </p:sp>
+          </p:grpSp>
+          <p:cxnSp>
+            <p:nvCxnSpPr>
+              <p:cNvPr id="106" name="直線矢印コネクタ 105">
+                <a:extLst>
+                  <a:ext uri="{FF2B5EF4-FFF2-40B4-BE49-F238E27FC236}">
+                    <a16:creationId xmlns:a16="http://schemas.microsoft.com/office/drawing/2014/main" id="{F06C9D40-FFAE-41C4-891A-9F2972BDE072}"/>
                   </a:ext>
                 </a:extLst>
               </p:cNvPr>
@@ -5533,7 +6701,7 @@
             </p:nvCxnSpPr>
             <p:spPr>
               <a:xfrm>
-                <a:off x="9706088" y="900883"/>
+                <a:off x="2581448" y="6121075"/>
                 <a:ext cx="1781387" cy="0"/>
               </a:xfrm>
               <a:prstGeom prst="straightConnector1">
@@ -5558,378 +6726,53 @@
               </a:fontRef>
             </p:style>
           </p:cxnSp>
-        </p:grpSp>
-        <p:cxnSp>
-          <p:nvCxnSpPr>
-            <p:cNvPr id="57" name="直線矢印コネクタ 56">
-              <a:extLst>
-                <a:ext uri="{FF2B5EF4-FFF2-40B4-BE49-F238E27FC236}">
-                  <a16:creationId xmlns:a16="http://schemas.microsoft.com/office/drawing/2014/main" id="{2992BD25-8410-4A20-A004-C5FF7C74CE2E}"/>
-                </a:ext>
-              </a:extLst>
-            </p:cNvPr>
-            <p:cNvCxnSpPr>
-              <a:cxnSpLocks/>
-            </p:cNvCxnSpPr>
-            <p:nvPr/>
-          </p:nvCxnSpPr>
-          <p:spPr>
-            <a:xfrm>
-              <a:off x="7234073" y="6164670"/>
-              <a:ext cx="6048372" cy="0"/>
-            </a:xfrm>
-            <a:prstGeom prst="straightConnector1">
-              <a:avLst/>
-            </a:prstGeom>
-            <a:ln>
-              <a:tailEnd type="triangle"/>
-            </a:ln>
-          </p:spPr>
-          <p:style>
-            <a:lnRef idx="1">
-              <a:schemeClr val="accent1"/>
-            </a:lnRef>
-            <a:fillRef idx="0">
-              <a:schemeClr val="accent1"/>
-            </a:fillRef>
-            <a:effectRef idx="0">
-              <a:schemeClr val="accent1"/>
-            </a:effectRef>
-            <a:fontRef idx="minor">
-              <a:schemeClr val="tx1"/>
-            </a:fontRef>
-          </p:style>
-        </p:cxnSp>
-        <p:cxnSp>
-          <p:nvCxnSpPr>
-            <p:cNvPr id="66" name="直線矢印コネクタ 65">
-              <a:extLst>
-                <a:ext uri="{FF2B5EF4-FFF2-40B4-BE49-F238E27FC236}">
-                  <a16:creationId xmlns:a16="http://schemas.microsoft.com/office/drawing/2014/main" id="{C69C5203-FE2D-4D9B-A31F-4A209FC090EF}"/>
-                </a:ext>
-              </a:extLst>
-            </p:cNvPr>
-            <p:cNvCxnSpPr/>
-            <p:nvPr/>
-          </p:nvCxnSpPr>
-          <p:spPr>
-            <a:xfrm>
-              <a:off x="16085758" y="6239412"/>
-              <a:ext cx="1781387" cy="0"/>
-            </a:xfrm>
-            <a:prstGeom prst="straightConnector1">
-              <a:avLst/>
-            </a:prstGeom>
-            <a:ln>
-              <a:tailEnd type="triangle"/>
-            </a:ln>
-          </p:spPr>
-          <p:style>
-            <a:lnRef idx="1">
-              <a:schemeClr val="accent1"/>
-            </a:lnRef>
-            <a:fillRef idx="0">
-              <a:schemeClr val="accent1"/>
-            </a:fillRef>
-            <a:effectRef idx="0">
-              <a:schemeClr val="accent1"/>
-            </a:effectRef>
-            <a:fontRef idx="minor">
-              <a:schemeClr val="tx1"/>
-            </a:fontRef>
-          </p:style>
-        </p:cxnSp>
-        <p:sp>
-          <p:nvSpPr>
-            <p:cNvPr id="67" name="テキスト ボックス 66">
-              <a:extLst>
-                <a:ext uri="{FF2B5EF4-FFF2-40B4-BE49-F238E27FC236}">
-                  <a16:creationId xmlns:a16="http://schemas.microsoft.com/office/drawing/2014/main" id="{FD838DEF-9012-493F-87B9-FC0E39BE8D10}"/>
-                </a:ext>
-              </a:extLst>
-            </p:cNvPr>
-            <p:cNvSpPr txBox="1"/>
-            <p:nvPr/>
-          </p:nvSpPr>
-          <p:spPr>
-            <a:xfrm>
-              <a:off x="16004013" y="6286407"/>
-              <a:ext cx="2091010" cy="753411"/>
-            </a:xfrm>
-            <a:prstGeom prst="rect">
-              <a:avLst/>
-            </a:prstGeom>
-            <a:noFill/>
-          </p:spPr>
-          <p:txBody>
-            <a:bodyPr wrap="square" rtlCol="0">
-              <a:spAutoFit/>
-            </a:bodyPr>
-            <a:lstStyle/>
-            <a:p>
-              <a:r>
-                <a:rPr lang="ja-JP" altLang="en-US" dirty="0">
-                  <a:solidFill>
-                    <a:schemeClr val="bg1">
-                      <a:lumMod val="50000"/>
-                    </a:schemeClr>
-                  </a:solidFill>
-                  <a:latin typeface="Arial" panose="020B0604020202020204" pitchFamily="34" charset="0"/>
-                  <a:ea typeface="HGPｺﾞｼｯｸM" panose="020B0600000000000000" pitchFamily="50" charset="-128"/>
-                  <a:cs typeface="Arial" panose="020B0604020202020204" pitchFamily="34" charset="0"/>
-                </a:rPr>
-                <a:t>データ保存・参照・削除</a:t>
-              </a:r>
-              <a:endParaRPr lang="en-US" altLang="ja-JP" dirty="0">
-                <a:solidFill>
-                  <a:schemeClr val="bg1">
-                    <a:lumMod val="50000"/>
-                  </a:schemeClr>
-                </a:solidFill>
-                <a:latin typeface="Arial" panose="020B0604020202020204" pitchFamily="34" charset="0"/>
-                <a:ea typeface="HGPｺﾞｼｯｸM" panose="020B0600000000000000" pitchFamily="50" charset="-128"/>
-                <a:cs typeface="Arial" panose="020B0604020202020204" pitchFamily="34" charset="0"/>
-              </a:endParaRPr>
-            </a:p>
-          </p:txBody>
-        </p:sp>
-        <p:sp>
-          <p:nvSpPr>
-            <p:cNvPr id="70" name="テキスト ボックス 69">
-              <a:extLst>
-                <a:ext uri="{FF2B5EF4-FFF2-40B4-BE49-F238E27FC236}">
-                  <a16:creationId xmlns:a16="http://schemas.microsoft.com/office/drawing/2014/main" id="{1ED87144-9A0F-44FC-B9A0-9CCFA9EA2F7B}"/>
-                </a:ext>
-              </a:extLst>
-            </p:cNvPr>
-            <p:cNvSpPr txBox="1"/>
-            <p:nvPr/>
-          </p:nvSpPr>
-          <p:spPr>
-            <a:xfrm>
-              <a:off x="3644455" y="3013584"/>
-              <a:ext cx="2724474" cy="753411"/>
-            </a:xfrm>
-            <a:prstGeom prst="rect">
-              <a:avLst/>
-            </a:prstGeom>
-            <a:noFill/>
-          </p:spPr>
-          <p:txBody>
-            <a:bodyPr wrap="square" rtlCol="0">
-              <a:spAutoFit/>
-            </a:bodyPr>
-            <a:lstStyle/>
-            <a:p>
-              <a:pPr algn="ctr"/>
-              <a:r>
-                <a:rPr lang="ja-JP" altLang="en-US" dirty="0">
-                  <a:solidFill>
-                    <a:schemeClr val="bg1">
-                      <a:lumMod val="50000"/>
-                    </a:schemeClr>
-                  </a:solidFill>
-                  <a:latin typeface="HGPｺﾞｼｯｸM" panose="020B0600000000000000" pitchFamily="50" charset="-128"/>
-                  <a:ea typeface="HGPｺﾞｼｯｸM" panose="020B0600000000000000" pitchFamily="50" charset="-128"/>
-                  <a:cs typeface="Arial" panose="020B0604020202020204" pitchFamily="34" charset="0"/>
-                </a:rPr>
-                <a:t>ソースコード管理システム</a:t>
-              </a:r>
-              <a:endParaRPr lang="en-US" altLang="ja-JP" dirty="0">
-                <a:solidFill>
-                  <a:schemeClr val="bg1">
-                    <a:lumMod val="50000"/>
-                  </a:schemeClr>
-                </a:solidFill>
-                <a:latin typeface="HGPｺﾞｼｯｸM" panose="020B0600000000000000" pitchFamily="50" charset="-128"/>
-                <a:ea typeface="HGPｺﾞｼｯｸM" panose="020B0600000000000000" pitchFamily="50" charset="-128"/>
-                <a:cs typeface="Arial" panose="020B0604020202020204" pitchFamily="34" charset="0"/>
-              </a:endParaRPr>
-            </a:p>
-          </p:txBody>
-        </p:sp>
-        <p:sp>
-          <p:nvSpPr>
-            <p:cNvPr id="71" name="テキスト ボックス 70">
-              <a:extLst>
-                <a:ext uri="{FF2B5EF4-FFF2-40B4-BE49-F238E27FC236}">
-                  <a16:creationId xmlns:a16="http://schemas.microsoft.com/office/drawing/2014/main" id="{6FBDEE2D-46DE-475F-8A1C-CA87929B0C78}"/>
-                </a:ext>
-              </a:extLst>
-            </p:cNvPr>
-            <p:cNvSpPr txBox="1"/>
-            <p:nvPr/>
-          </p:nvSpPr>
-          <p:spPr>
-            <a:xfrm>
-              <a:off x="8842569" y="3033670"/>
-              <a:ext cx="2724474" cy="422873"/>
-            </a:xfrm>
-            <a:prstGeom prst="rect">
-              <a:avLst/>
-            </a:prstGeom>
-            <a:noFill/>
-          </p:spPr>
-          <p:txBody>
-            <a:bodyPr wrap="square" rtlCol="0">
-              <a:spAutoFit/>
-            </a:bodyPr>
-            <a:lstStyle/>
-            <a:p>
-              <a:pPr algn="ctr"/>
-              <a:r>
-                <a:rPr lang="en-US" altLang="ja-JP" dirty="0">
-                  <a:solidFill>
-                    <a:schemeClr val="bg1">
-                      <a:lumMod val="50000"/>
-                    </a:schemeClr>
-                  </a:solidFill>
-                  <a:latin typeface="HGPｺﾞｼｯｸM" panose="020B0600000000000000" pitchFamily="50" charset="-128"/>
-                  <a:ea typeface="HGPｺﾞｼｯｸM" panose="020B0600000000000000" pitchFamily="50" charset="-128"/>
-                  <a:cs typeface="Arial" panose="020B0604020202020204" pitchFamily="34" charset="0"/>
-                </a:rPr>
-                <a:t>CI</a:t>
-              </a:r>
-              <a:r>
-                <a:rPr lang="ja-JP" altLang="en-US" dirty="0">
-                  <a:solidFill>
-                    <a:schemeClr val="bg1">
-                      <a:lumMod val="50000"/>
-                    </a:schemeClr>
-                  </a:solidFill>
-                  <a:latin typeface="HGPｺﾞｼｯｸM" panose="020B0600000000000000" pitchFamily="50" charset="-128"/>
-                  <a:ea typeface="HGPｺﾞｼｯｸM" panose="020B0600000000000000" pitchFamily="50" charset="-128"/>
-                  <a:cs typeface="Arial" panose="020B0604020202020204" pitchFamily="34" charset="0"/>
-                </a:rPr>
-                <a:t>・ビルドサーバ</a:t>
-              </a:r>
-              <a:endParaRPr lang="en-US" altLang="ja-JP" dirty="0">
-                <a:solidFill>
-                  <a:schemeClr val="bg1">
-                    <a:lumMod val="50000"/>
-                  </a:schemeClr>
-                </a:solidFill>
-                <a:latin typeface="HGPｺﾞｼｯｸM" panose="020B0600000000000000" pitchFamily="50" charset="-128"/>
-                <a:ea typeface="HGPｺﾞｼｯｸM" panose="020B0600000000000000" pitchFamily="50" charset="-128"/>
-                <a:cs typeface="Arial" panose="020B0604020202020204" pitchFamily="34" charset="0"/>
-              </a:endParaRPr>
-            </a:p>
-          </p:txBody>
-        </p:sp>
-        <p:grpSp>
-          <p:nvGrpSpPr>
-            <p:cNvPr id="1031" name="グループ化 1030">
-              <a:extLst>
-                <a:ext uri="{FF2B5EF4-FFF2-40B4-BE49-F238E27FC236}">
-                  <a16:creationId xmlns:a16="http://schemas.microsoft.com/office/drawing/2014/main" id="{83CAE3D4-6EAE-4034-AF09-0461EC8BE192}"/>
-                </a:ext>
-              </a:extLst>
-            </p:cNvPr>
-            <p:cNvGrpSpPr/>
-            <p:nvPr/>
-          </p:nvGrpSpPr>
-          <p:grpSpPr>
-            <a:xfrm>
-              <a:off x="18033212" y="9678611"/>
-              <a:ext cx="2284238" cy="1449959"/>
-              <a:chOff x="3528931" y="4081933"/>
-              <a:chExt cx="2284238" cy="1449959"/>
-            </a:xfrm>
-          </p:grpSpPr>
-          <p:sp>
-            <p:nvSpPr>
-              <p:cNvPr id="58" name="正方形/長方形 57">
+          <p:cxnSp>
+            <p:nvCxnSpPr>
+              <p:cNvPr id="107" name="直線矢印コネクタ 106">
                 <a:extLst>
                   <a:ext uri="{FF2B5EF4-FFF2-40B4-BE49-F238E27FC236}">
-                    <a16:creationId xmlns:a16="http://schemas.microsoft.com/office/drawing/2014/main" id="{E3083198-E6DC-48BF-A38F-7C97DD3EFFEA}"/>
+                    <a16:creationId xmlns:a16="http://schemas.microsoft.com/office/drawing/2014/main" id="{3E86519E-A634-4F78-91B2-C9F4EA249608}"/>
                   </a:ext>
                 </a:extLst>
               </p:cNvPr>
-              <p:cNvSpPr/>
+              <p:cNvCxnSpPr>
+                <a:cxnSpLocks/>
+              </p:cNvCxnSpPr>
               <p:nvPr/>
-            </p:nvSpPr>
+            </p:nvCxnSpPr>
             <p:spPr>
-              <a:xfrm>
-                <a:off x="3528931" y="4081933"/>
-                <a:ext cx="2284238" cy="1362596"/>
+              <a:xfrm flipH="1">
+                <a:off x="2581448" y="6345181"/>
+                <a:ext cx="1781387" cy="0"/>
               </a:xfrm>
-              <a:prstGeom prst="rect">
+              <a:prstGeom prst="straightConnector1">
                 <a:avLst/>
               </a:prstGeom>
-              <a:solidFill>
-                <a:srgbClr val="FDF3ED"/>
-              </a:solidFill>
+              <a:ln>
+                <a:tailEnd type="triangle"/>
+              </a:ln>
             </p:spPr>
             <p:style>
-              <a:lnRef idx="0">
-                <a:schemeClr val="accent2"/>
+              <a:lnRef idx="1">
+                <a:schemeClr val="accent1"/>
               </a:lnRef>
-              <a:fillRef idx="3">
-                <a:schemeClr val="accent2"/>
+              <a:fillRef idx="0">
+                <a:schemeClr val="accent1"/>
               </a:fillRef>
-              <a:effectRef idx="3">
-                <a:schemeClr val="accent2"/>
+              <a:effectRef idx="0">
+                <a:schemeClr val="accent1"/>
               </a:effectRef>
               <a:fontRef idx="minor">
-                <a:schemeClr val="lt1"/>
+                <a:schemeClr val="tx1"/>
               </a:fontRef>
             </p:style>
-            <p:txBody>
-              <a:bodyPr rot="0" spcFirstLastPara="0" vertOverflow="overflow" horzOverflow="overflow" vert="horz" wrap="square" lIns="91440" tIns="45720" rIns="91440" bIns="45720" numCol="1" spcCol="0" rtlCol="0" fromWordArt="0" anchor="ctr" anchorCtr="0" forceAA="0" compatLnSpc="1">
-                <a:prstTxWarp prst="textNoShape">
-                  <a:avLst/>
-                </a:prstTxWarp>
-                <a:noAutofit/>
-              </a:bodyPr>
-              <a:lstStyle/>
-              <a:p>
-                <a:pPr algn="ctr"/>
-                <a:endParaRPr kumimoji="1" lang="ja-JP" altLang="en-US" dirty="0"/>
-              </a:p>
-            </p:txBody>
-          </p:sp>
-          <p:pic>
-            <p:nvPicPr>
-              <p:cNvPr id="1029" name="図 1028">
+          </p:cxnSp>
+          <p:sp>
+            <p:nvSpPr>
+              <p:cNvPr id="108" name="テキスト ボックス 107">
                 <a:extLst>
                   <a:ext uri="{FF2B5EF4-FFF2-40B4-BE49-F238E27FC236}">
-                    <a16:creationId xmlns:a16="http://schemas.microsoft.com/office/drawing/2014/main" id="{6F4FE586-AC1C-4B93-8658-C1432536C141}"/>
-                  </a:ext>
-                </a:extLst>
-              </p:cNvPr>
-              <p:cNvPicPr>
-                <a:picLocks noChangeAspect="1"/>
-              </p:cNvPicPr>
-              <p:nvPr/>
-            </p:nvPicPr>
-            <p:blipFill>
-              <a:blip r:embed="rId11">
-                <a:extLst>
-                  <a:ext uri="{28A0092B-C50C-407E-A947-70E740481C1C}">
-                    <a14:useLocalDpi xmlns:a14="http://schemas.microsoft.com/office/drawing/2010/main" val="0"/>
-                  </a:ext>
-                </a:extLst>
-              </a:blip>
-              <a:stretch>
-                <a:fillRect/>
-              </a:stretch>
-            </p:blipFill>
-            <p:spPr>
-              <a:xfrm>
-                <a:off x="3579941" y="4161490"/>
-                <a:ext cx="1239954" cy="1239954"/>
-              </a:xfrm>
-              <a:prstGeom prst="rect">
-                <a:avLst/>
-              </a:prstGeom>
-            </p:spPr>
-          </p:pic>
-          <p:sp>
-            <p:nvSpPr>
-              <p:cNvPr id="76" name="テキスト ボックス 75">
-                <a:extLst>
-                  <a:ext uri="{FF2B5EF4-FFF2-40B4-BE49-F238E27FC236}">
-                    <a16:creationId xmlns:a16="http://schemas.microsoft.com/office/drawing/2014/main" id="{355D6551-0702-4808-90C0-563049C9355D}"/>
+                    <a16:creationId xmlns:a16="http://schemas.microsoft.com/office/drawing/2014/main" id="{96D6DEC9-EB96-4EDD-8DB1-F021BC8245FC}"/>
                   </a:ext>
                 </a:extLst>
               </p:cNvPr>
@@ -5938,626 +6781,8 @@
             </p:nvSpPr>
             <p:spPr>
               <a:xfrm>
-                <a:off x="4819895" y="4447941"/>
-                <a:ext cx="989390" cy="1083951"/>
-              </a:xfrm>
-              <a:prstGeom prst="rect">
-                <a:avLst/>
-              </a:prstGeom>
-              <a:noFill/>
-            </p:spPr>
-            <p:txBody>
-              <a:bodyPr wrap="square" rtlCol="0">
-                <a:spAutoFit/>
-              </a:bodyPr>
-              <a:lstStyle/>
-              <a:p>
-                <a:r>
-                  <a:rPr lang="en-US" altLang="ja-JP" dirty="0">
-                    <a:solidFill>
-                      <a:schemeClr val="bg1">
-                        <a:lumMod val="50000"/>
-                      </a:schemeClr>
-                    </a:solidFill>
-                    <a:latin typeface="Arial" panose="020B0604020202020204" pitchFamily="34" charset="0"/>
-                    <a:cs typeface="Arial" panose="020B0604020202020204" pitchFamily="34" charset="0"/>
-                  </a:rPr>
-                  <a:t>GPT-4o mini</a:t>
-                </a:r>
-              </a:p>
-            </p:txBody>
-          </p:sp>
-        </p:grpSp>
-        <p:sp>
-          <p:nvSpPr>
-            <p:cNvPr id="80" name="テキスト ボックス 79">
-              <a:extLst>
-                <a:ext uri="{FF2B5EF4-FFF2-40B4-BE49-F238E27FC236}">
-                  <a16:creationId xmlns:a16="http://schemas.microsoft.com/office/drawing/2014/main" id="{4764639D-9E47-494B-9936-A1FE7C97C267}"/>
-                </a:ext>
-              </a:extLst>
-            </p:cNvPr>
-            <p:cNvSpPr txBox="1"/>
-            <p:nvPr/>
-          </p:nvSpPr>
-          <p:spPr>
-            <a:xfrm>
-              <a:off x="17462923" y="8295411"/>
-              <a:ext cx="2482551" cy="753411"/>
-            </a:xfrm>
-            <a:prstGeom prst="rect">
-              <a:avLst/>
-            </a:prstGeom>
-            <a:noFill/>
-          </p:spPr>
-          <p:txBody>
-            <a:bodyPr wrap="square" rtlCol="0">
-              <a:spAutoFit/>
-            </a:bodyPr>
-            <a:lstStyle/>
-            <a:p>
-              <a:pPr algn="ctr"/>
-              <a:r>
-                <a:rPr lang="ja-JP" altLang="en-US" dirty="0">
-                  <a:solidFill>
-                    <a:schemeClr val="bg1">
-                      <a:lumMod val="50000"/>
-                    </a:schemeClr>
-                  </a:solidFill>
-                  <a:latin typeface="Arial" panose="020B0604020202020204" pitchFamily="34" charset="0"/>
-                  <a:ea typeface="HGPｺﾞｼｯｸM" panose="020B0600000000000000" pitchFamily="50" charset="-128"/>
-                  <a:cs typeface="Arial" panose="020B0604020202020204" pitchFamily="34" charset="0"/>
-                </a:rPr>
-                <a:t>メッセージ解析要求</a:t>
-              </a:r>
-              <a:endParaRPr lang="en-US" altLang="ja-JP" dirty="0">
-                <a:solidFill>
-                  <a:schemeClr val="bg1">
-                    <a:lumMod val="50000"/>
-                  </a:schemeClr>
-                </a:solidFill>
-                <a:latin typeface="Arial" panose="020B0604020202020204" pitchFamily="34" charset="0"/>
-                <a:ea typeface="HGPｺﾞｼｯｸM" panose="020B0600000000000000" pitchFamily="50" charset="-128"/>
-                <a:cs typeface="Arial" panose="020B0604020202020204" pitchFamily="34" charset="0"/>
-              </a:endParaRPr>
-            </a:p>
-            <a:p>
-              <a:pPr algn="ctr"/>
-              <a:r>
-                <a:rPr lang="en-US" altLang="ja-JP" dirty="0">
-                  <a:solidFill>
-                    <a:schemeClr val="bg1">
-                      <a:lumMod val="50000"/>
-                    </a:schemeClr>
-                  </a:solidFill>
-                  <a:latin typeface="Arial" panose="020B0604020202020204" pitchFamily="34" charset="0"/>
-                  <a:ea typeface="HGPｺﾞｼｯｸM" panose="020B0600000000000000" pitchFamily="50" charset="-128"/>
-                  <a:cs typeface="Arial" panose="020B0604020202020204" pitchFamily="34" charset="0"/>
-                </a:rPr>
-                <a:t>HTTPS</a:t>
-              </a:r>
-              <a:r>
-                <a:rPr lang="ja-JP" altLang="en-US" dirty="0">
-                  <a:solidFill>
-                    <a:schemeClr val="bg1">
-                      <a:lumMod val="50000"/>
-                    </a:schemeClr>
-                  </a:solidFill>
-                  <a:latin typeface="Arial" panose="020B0604020202020204" pitchFamily="34" charset="0"/>
-                  <a:ea typeface="HGPｺﾞｼｯｸM" panose="020B0600000000000000" pitchFamily="50" charset="-128"/>
-                  <a:cs typeface="Arial" panose="020B0604020202020204" pitchFamily="34" charset="0"/>
-                </a:rPr>
-                <a:t>リクエスト</a:t>
-              </a:r>
-              <a:endParaRPr lang="en-US" altLang="ja-JP" dirty="0">
-                <a:solidFill>
-                  <a:schemeClr val="bg1">
-                    <a:lumMod val="50000"/>
-                  </a:schemeClr>
-                </a:solidFill>
-                <a:latin typeface="Arial" panose="020B0604020202020204" pitchFamily="34" charset="0"/>
-                <a:ea typeface="HGPｺﾞｼｯｸM" panose="020B0600000000000000" pitchFamily="50" charset="-128"/>
-                <a:cs typeface="Arial" panose="020B0604020202020204" pitchFamily="34" charset="0"/>
-              </a:endParaRPr>
-            </a:p>
-          </p:txBody>
-        </p:sp>
-        <p:sp>
-          <p:nvSpPr>
-            <p:cNvPr id="81" name="テキスト ボックス 80">
-              <a:extLst>
-                <a:ext uri="{FF2B5EF4-FFF2-40B4-BE49-F238E27FC236}">
-                  <a16:creationId xmlns:a16="http://schemas.microsoft.com/office/drawing/2014/main" id="{A2478A3D-07F1-46AC-9BF2-9FFD548921A8}"/>
-                </a:ext>
-              </a:extLst>
-            </p:cNvPr>
-            <p:cNvSpPr txBox="1"/>
-            <p:nvPr/>
-          </p:nvSpPr>
-          <p:spPr>
-            <a:xfrm>
-              <a:off x="15715731" y="8525155"/>
-              <a:ext cx="1497835" cy="753411"/>
-            </a:xfrm>
-            <a:prstGeom prst="rect">
-              <a:avLst/>
-            </a:prstGeom>
-            <a:noFill/>
-          </p:spPr>
-          <p:txBody>
-            <a:bodyPr wrap="square" rtlCol="0">
-              <a:spAutoFit/>
-            </a:bodyPr>
-            <a:lstStyle/>
-            <a:p>
-              <a:pPr algn="ctr"/>
-              <a:r>
-                <a:rPr lang="ja-JP" altLang="en-US" dirty="0">
-                  <a:solidFill>
-                    <a:schemeClr val="bg1">
-                      <a:lumMod val="50000"/>
-                    </a:schemeClr>
-                  </a:solidFill>
-                  <a:latin typeface="Arial" panose="020B0604020202020204" pitchFamily="34" charset="0"/>
-                  <a:ea typeface="HGPｺﾞｼｯｸM" panose="020B0600000000000000" pitchFamily="50" charset="-128"/>
-                  <a:cs typeface="Arial" panose="020B0604020202020204" pitchFamily="34" charset="0"/>
-                </a:rPr>
-                <a:t>抽出データ（</a:t>
-              </a:r>
-              <a:r>
-                <a:rPr lang="en-US" altLang="ja-JP" dirty="0">
-                  <a:solidFill>
-                    <a:schemeClr val="bg1">
-                      <a:lumMod val="50000"/>
-                    </a:schemeClr>
-                  </a:solidFill>
-                  <a:latin typeface="Arial" panose="020B0604020202020204" pitchFamily="34" charset="0"/>
-                  <a:ea typeface="HGPｺﾞｼｯｸM" panose="020B0600000000000000" pitchFamily="50" charset="-128"/>
-                  <a:cs typeface="Arial" panose="020B0604020202020204" pitchFamily="34" charset="0"/>
-                </a:rPr>
-                <a:t>JSON</a:t>
-              </a:r>
-              <a:r>
-                <a:rPr lang="ja-JP" altLang="en-US" dirty="0">
-                  <a:solidFill>
-                    <a:schemeClr val="bg1">
-                      <a:lumMod val="50000"/>
-                    </a:schemeClr>
-                  </a:solidFill>
-                  <a:latin typeface="Arial" panose="020B0604020202020204" pitchFamily="34" charset="0"/>
-                  <a:ea typeface="HGPｺﾞｼｯｸM" panose="020B0600000000000000" pitchFamily="50" charset="-128"/>
-                  <a:cs typeface="Arial" panose="020B0604020202020204" pitchFamily="34" charset="0"/>
-                </a:rPr>
-                <a:t>）</a:t>
-              </a:r>
-              <a:endParaRPr lang="en-US" altLang="ja-JP" dirty="0">
-                <a:solidFill>
-                  <a:schemeClr val="bg1">
-                    <a:lumMod val="50000"/>
-                  </a:schemeClr>
-                </a:solidFill>
-                <a:latin typeface="Arial" panose="020B0604020202020204" pitchFamily="34" charset="0"/>
-                <a:ea typeface="HGPｺﾞｼｯｸM" panose="020B0600000000000000" pitchFamily="50" charset="-128"/>
-                <a:cs typeface="Arial" panose="020B0604020202020204" pitchFamily="34" charset="0"/>
-              </a:endParaRPr>
-            </a:p>
-          </p:txBody>
-        </p:sp>
-        <p:cxnSp>
-          <p:nvCxnSpPr>
-            <p:cNvPr id="82" name="直線矢印コネクタ 81">
-              <a:extLst>
-                <a:ext uri="{FF2B5EF4-FFF2-40B4-BE49-F238E27FC236}">
-                  <a16:creationId xmlns:a16="http://schemas.microsoft.com/office/drawing/2014/main" id="{8A84CBC2-8D3F-4D59-B6EC-CC2E695DFA22}"/>
-                </a:ext>
-              </a:extLst>
-            </p:cNvPr>
-            <p:cNvCxnSpPr>
-              <a:cxnSpLocks/>
-            </p:cNvCxnSpPr>
-            <p:nvPr/>
-          </p:nvCxnSpPr>
-          <p:spPr>
-            <a:xfrm flipH="1" flipV="1">
-              <a:off x="15853320" y="7280225"/>
-              <a:ext cx="2179892" cy="2179892"/>
-            </a:xfrm>
-            <a:prstGeom prst="straightConnector1">
-              <a:avLst/>
-            </a:prstGeom>
-            <a:ln>
-              <a:tailEnd type="triangle"/>
-            </a:ln>
-          </p:spPr>
-          <p:style>
-            <a:lnRef idx="1">
-              <a:schemeClr val="accent1"/>
-            </a:lnRef>
-            <a:fillRef idx="0">
-              <a:schemeClr val="accent1"/>
-            </a:fillRef>
-            <a:effectRef idx="0">
-              <a:schemeClr val="accent1"/>
-            </a:effectRef>
-            <a:fontRef idx="minor">
-              <a:schemeClr val="tx1"/>
-            </a:fontRef>
-          </p:style>
-        </p:cxnSp>
-        <p:sp>
-          <p:nvSpPr>
-            <p:cNvPr id="83" name="テキスト ボックス 82">
-              <a:extLst>
-                <a:ext uri="{FF2B5EF4-FFF2-40B4-BE49-F238E27FC236}">
-                  <a16:creationId xmlns:a16="http://schemas.microsoft.com/office/drawing/2014/main" id="{384E30E2-601F-4FF3-834B-5BEFEEA81709}"/>
-                </a:ext>
-              </a:extLst>
-            </p:cNvPr>
-            <p:cNvSpPr txBox="1"/>
-            <p:nvPr/>
-          </p:nvSpPr>
-          <p:spPr>
-            <a:xfrm>
-              <a:off x="17941920" y="11190800"/>
-              <a:ext cx="2594130" cy="1083951"/>
-            </a:xfrm>
-            <a:prstGeom prst="rect">
-              <a:avLst/>
-            </a:prstGeom>
-            <a:noFill/>
-          </p:spPr>
-          <p:txBody>
-            <a:bodyPr wrap="square" rtlCol="0">
-              <a:spAutoFit/>
-            </a:bodyPr>
-            <a:lstStyle/>
-            <a:p>
-              <a:r>
-                <a:rPr lang="ja-JP" altLang="en-US" dirty="0">
-                  <a:solidFill>
-                    <a:schemeClr val="bg1">
-                      <a:lumMod val="50000"/>
-                    </a:schemeClr>
-                  </a:solidFill>
-                  <a:latin typeface="Arial" panose="020B0604020202020204" pitchFamily="34" charset="0"/>
-                  <a:ea typeface="HGPｺﾞｼｯｸM" panose="020B0600000000000000" pitchFamily="50" charset="-128"/>
-                  <a:cs typeface="Arial" panose="020B0604020202020204" pitchFamily="34" charset="0"/>
-                </a:rPr>
-                <a:t>チャンネル投稿内容から</a:t>
-              </a:r>
-              <a:endParaRPr lang="en-US" altLang="ja-JP" dirty="0">
-                <a:solidFill>
-                  <a:schemeClr val="bg1">
-                    <a:lumMod val="50000"/>
-                  </a:schemeClr>
-                </a:solidFill>
-                <a:latin typeface="Arial" panose="020B0604020202020204" pitchFamily="34" charset="0"/>
-                <a:ea typeface="HGPｺﾞｼｯｸM" panose="020B0600000000000000" pitchFamily="50" charset="-128"/>
-                <a:cs typeface="Arial" panose="020B0604020202020204" pitchFamily="34" charset="0"/>
-              </a:endParaRPr>
-            </a:p>
-            <a:p>
-              <a:r>
-                <a:rPr lang="ja-JP" altLang="en-US" dirty="0">
-                  <a:solidFill>
-                    <a:schemeClr val="bg1">
-                      <a:lumMod val="50000"/>
-                    </a:schemeClr>
-                  </a:solidFill>
-                  <a:latin typeface="Arial" panose="020B0604020202020204" pitchFamily="34" charset="0"/>
-                  <a:ea typeface="HGPｺﾞｼｯｸM" panose="020B0600000000000000" pitchFamily="50" charset="-128"/>
-                  <a:cs typeface="Arial" panose="020B0604020202020204" pitchFamily="34" charset="0"/>
-                </a:rPr>
-                <a:t>勤怠情報を抽出</a:t>
-              </a:r>
-              <a:endParaRPr lang="en-US" altLang="ja-JP" dirty="0">
-                <a:solidFill>
-                  <a:schemeClr val="bg1">
-                    <a:lumMod val="50000"/>
-                  </a:schemeClr>
-                </a:solidFill>
-                <a:latin typeface="Arial" panose="020B0604020202020204" pitchFamily="34" charset="0"/>
-                <a:ea typeface="HGPｺﾞｼｯｸM" panose="020B0600000000000000" pitchFamily="50" charset="-128"/>
-                <a:cs typeface="Arial" panose="020B0604020202020204" pitchFamily="34" charset="0"/>
-              </a:endParaRPr>
-            </a:p>
-          </p:txBody>
-        </p:sp>
-        <p:sp>
-          <p:nvSpPr>
-            <p:cNvPr id="84" name="テキスト ボックス 83">
-              <a:extLst>
-                <a:ext uri="{FF2B5EF4-FFF2-40B4-BE49-F238E27FC236}">
-                  <a16:creationId xmlns:a16="http://schemas.microsoft.com/office/drawing/2014/main" id="{67682AA9-3496-47FC-9D3A-D8A2BC23098D}"/>
-                </a:ext>
-              </a:extLst>
-            </p:cNvPr>
-            <p:cNvSpPr txBox="1"/>
-            <p:nvPr/>
-          </p:nvSpPr>
-          <p:spPr>
-            <a:xfrm>
-              <a:off x="8127548" y="5503694"/>
-              <a:ext cx="3227947" cy="646331"/>
-            </a:xfrm>
-            <a:prstGeom prst="rect">
-              <a:avLst/>
-            </a:prstGeom>
-            <a:noFill/>
-          </p:spPr>
-          <p:txBody>
-            <a:bodyPr wrap="square" rtlCol="0">
-              <a:spAutoFit/>
-            </a:bodyPr>
-            <a:lstStyle/>
-            <a:p>
-              <a:pPr algn="ctr"/>
-              <a:r>
-                <a:rPr lang="ja-JP" altLang="en-US" dirty="0">
-                  <a:solidFill>
-                    <a:schemeClr val="bg1">
-                      <a:lumMod val="50000"/>
-                    </a:schemeClr>
-                  </a:solidFill>
-                  <a:latin typeface="Arial" panose="020B0604020202020204" pitchFamily="34" charset="0"/>
-                  <a:ea typeface="HGPｺﾞｼｯｸM" panose="020B0600000000000000" pitchFamily="50" charset="-128"/>
-                  <a:cs typeface="Arial" panose="020B0604020202020204" pitchFamily="34" charset="0"/>
-                </a:rPr>
-                <a:t>モーダル表示・勤怠連絡</a:t>
-              </a:r>
-              <a:endParaRPr lang="en-US" altLang="ja-JP" dirty="0">
-                <a:solidFill>
-                  <a:schemeClr val="bg1">
-                    <a:lumMod val="50000"/>
-                  </a:schemeClr>
-                </a:solidFill>
-                <a:latin typeface="Arial" panose="020B0604020202020204" pitchFamily="34" charset="0"/>
-                <a:ea typeface="HGPｺﾞｼｯｸM" panose="020B0600000000000000" pitchFamily="50" charset="-128"/>
-                <a:cs typeface="Arial" panose="020B0604020202020204" pitchFamily="34" charset="0"/>
-              </a:endParaRPr>
-            </a:p>
-            <a:p>
-              <a:pPr algn="ctr"/>
-              <a:r>
-                <a:rPr lang="en-US" altLang="ja-JP" dirty="0">
-                  <a:solidFill>
-                    <a:schemeClr val="bg1">
-                      <a:lumMod val="50000"/>
-                    </a:schemeClr>
-                  </a:solidFill>
-                  <a:latin typeface="Arial" panose="020B0604020202020204" pitchFamily="34" charset="0"/>
-                  <a:ea typeface="HGPｺﾞｼｯｸM" panose="020B0600000000000000" pitchFamily="50" charset="-128"/>
-                  <a:cs typeface="Arial" panose="020B0604020202020204" pitchFamily="34" charset="0"/>
-                </a:rPr>
-                <a:t>HTTP</a:t>
-              </a:r>
-              <a:r>
-                <a:rPr lang="ja-JP" altLang="en-US" dirty="0">
-                  <a:solidFill>
-                    <a:schemeClr val="bg1">
-                      <a:lumMod val="50000"/>
-                    </a:schemeClr>
-                  </a:solidFill>
-                  <a:latin typeface="Arial" panose="020B0604020202020204" pitchFamily="34" charset="0"/>
-                  <a:ea typeface="HGPｺﾞｼｯｸM" panose="020B0600000000000000" pitchFamily="50" charset="-128"/>
-                  <a:cs typeface="Arial" panose="020B0604020202020204" pitchFamily="34" charset="0"/>
-                </a:rPr>
-                <a:t>リクエスト</a:t>
-              </a:r>
-              <a:r>
-                <a:rPr lang="en-US" altLang="ja-JP" dirty="0">
-                  <a:solidFill>
-                    <a:schemeClr val="bg1">
-                      <a:lumMod val="50000"/>
-                    </a:schemeClr>
-                  </a:solidFill>
-                  <a:latin typeface="Arial" panose="020B0604020202020204" pitchFamily="34" charset="0"/>
-                  <a:ea typeface="HGPｺﾞｼｯｸM" panose="020B0600000000000000" pitchFamily="50" charset="-128"/>
-                  <a:cs typeface="Arial" panose="020B0604020202020204" pitchFamily="34" charset="0"/>
-                </a:rPr>
-                <a:t> (/slack/events)</a:t>
-              </a:r>
-            </a:p>
-          </p:txBody>
-        </p:sp>
-        <p:cxnSp>
-          <p:nvCxnSpPr>
-            <p:cNvPr id="94" name="直線矢印コネクタ 93">
-              <a:extLst>
-                <a:ext uri="{FF2B5EF4-FFF2-40B4-BE49-F238E27FC236}">
-                  <a16:creationId xmlns:a16="http://schemas.microsoft.com/office/drawing/2014/main" id="{AF30B177-FD53-49EB-9BBC-8C8DCD00082E}"/>
-                </a:ext>
-              </a:extLst>
-            </p:cNvPr>
-            <p:cNvCxnSpPr>
-              <a:cxnSpLocks/>
-            </p:cNvCxnSpPr>
-            <p:nvPr/>
-          </p:nvCxnSpPr>
-          <p:spPr>
-            <a:xfrm flipH="1">
-              <a:off x="15898866" y="3330986"/>
-              <a:ext cx="1988021" cy="1988020"/>
-            </a:xfrm>
-            <a:prstGeom prst="straightConnector1">
-              <a:avLst/>
-            </a:prstGeom>
-            <a:ln>
-              <a:tailEnd type="triangle"/>
-            </a:ln>
-          </p:spPr>
-          <p:style>
-            <a:lnRef idx="1">
-              <a:schemeClr val="accent1"/>
-            </a:lnRef>
-            <a:fillRef idx="0">
-              <a:schemeClr val="accent1"/>
-            </a:fillRef>
-            <a:effectRef idx="0">
-              <a:schemeClr val="accent1"/>
-            </a:effectRef>
-            <a:fontRef idx="minor">
-              <a:schemeClr val="tx1"/>
-            </a:fontRef>
-          </p:style>
-        </p:cxnSp>
-        <p:sp>
-          <p:nvSpPr>
-            <p:cNvPr id="96" name="正方形/長方形 95">
-              <a:extLst>
-                <a:ext uri="{FF2B5EF4-FFF2-40B4-BE49-F238E27FC236}">
-                  <a16:creationId xmlns:a16="http://schemas.microsoft.com/office/drawing/2014/main" id="{8E696BBB-DDEE-4A31-AFF0-B74A0396C4F3}"/>
-                </a:ext>
-              </a:extLst>
-            </p:cNvPr>
-            <p:cNvSpPr/>
-            <p:nvPr/>
-          </p:nvSpPr>
-          <p:spPr>
-            <a:xfrm>
-              <a:off x="8120825" y="274172"/>
-              <a:ext cx="12647327" cy="7755011"/>
-            </a:xfrm>
-            <a:prstGeom prst="rect">
-              <a:avLst/>
-            </a:prstGeom>
-            <a:noFill/>
-            <a:ln w="3175">
-              <a:solidFill>
-                <a:schemeClr val="accent6">
-                  <a:lumMod val="50000"/>
-                </a:schemeClr>
-              </a:solidFill>
-            </a:ln>
-          </p:spPr>
-          <p:style>
-            <a:lnRef idx="2">
-              <a:schemeClr val="accent1">
-                <a:shade val="50000"/>
-              </a:schemeClr>
-            </a:lnRef>
-            <a:fillRef idx="1">
-              <a:schemeClr val="accent1"/>
-            </a:fillRef>
-            <a:effectRef idx="0">
-              <a:schemeClr val="accent1"/>
-            </a:effectRef>
-            <a:fontRef idx="minor">
-              <a:schemeClr val="lt1"/>
-            </a:fontRef>
-          </p:style>
-          <p:txBody>
-            <a:bodyPr rot="0" spcFirstLastPara="0" vertOverflow="overflow" horzOverflow="overflow" vert="horz" wrap="square" lIns="91440" tIns="45720" rIns="91440" bIns="45720" numCol="1" spcCol="0" rtlCol="0" fromWordArt="0" anchor="t" anchorCtr="0" forceAA="0" compatLnSpc="1">
-              <a:prstTxWarp prst="textNoShape">
-                <a:avLst/>
-              </a:prstTxWarp>
-              <a:noAutofit/>
-            </a:bodyPr>
-            <a:lstStyle/>
-            <a:p>
-              <a:r>
-                <a:rPr kumimoji="1" lang="en-US" altLang="ja-JP" dirty="0">
-                  <a:solidFill>
-                    <a:schemeClr val="bg1"/>
-                  </a:solidFill>
-                  <a:highlight>
-                    <a:srgbClr val="008000"/>
-                  </a:highlight>
-                  <a:latin typeface="Arial" panose="020B0604020202020204" pitchFamily="34" charset="0"/>
-                  <a:ea typeface="HGPｺﾞｼｯｸM" panose="020B0600000000000000" pitchFamily="50" charset="-128"/>
-                  <a:cs typeface="Arial" panose="020B0604020202020204" pitchFamily="34" charset="0"/>
-                </a:rPr>
-                <a:t>Google Cloud Platform</a:t>
-              </a:r>
-              <a:endParaRPr kumimoji="1" lang="ja-JP" altLang="en-US" dirty="0">
-                <a:solidFill>
-                  <a:schemeClr val="bg1"/>
-                </a:solidFill>
-                <a:highlight>
-                  <a:srgbClr val="008000"/>
-                </a:highlight>
-                <a:latin typeface="Arial" panose="020B0604020202020204" pitchFamily="34" charset="0"/>
-                <a:ea typeface="HGPｺﾞｼｯｸM" panose="020B0600000000000000" pitchFamily="50" charset="-128"/>
-                <a:cs typeface="Arial" panose="020B0604020202020204" pitchFamily="34" charset="0"/>
-              </a:endParaRPr>
-            </a:p>
-          </p:txBody>
-        </p:sp>
-        <p:grpSp>
-          <p:nvGrpSpPr>
-            <p:cNvPr id="1047" name="グループ化 1046">
-              <a:extLst>
-                <a:ext uri="{FF2B5EF4-FFF2-40B4-BE49-F238E27FC236}">
-                  <a16:creationId xmlns:a16="http://schemas.microsoft.com/office/drawing/2014/main" id="{68E2E1A0-C27A-4FCF-9B96-863E22710AF9}"/>
-                </a:ext>
-              </a:extLst>
-            </p:cNvPr>
-            <p:cNvGrpSpPr/>
-            <p:nvPr/>
-          </p:nvGrpSpPr>
-          <p:grpSpPr>
-            <a:xfrm>
-              <a:off x="1235137" y="5636015"/>
-              <a:ext cx="1063412" cy="1497479"/>
-              <a:chOff x="1272805" y="5833199"/>
-              <a:chExt cx="1063412" cy="1497479"/>
-            </a:xfrm>
-          </p:grpSpPr>
-          <p:pic>
-            <p:nvPicPr>
-              <p:cNvPr id="1046" name="グラフィックス 1045" descr="男性のプロフィール">
-                <a:extLst>
-                  <a:ext uri="{FF2B5EF4-FFF2-40B4-BE49-F238E27FC236}">
-                    <a16:creationId xmlns:a16="http://schemas.microsoft.com/office/drawing/2014/main" id="{3A1164DC-C279-4491-AF77-58366AAA271F}"/>
-                  </a:ext>
-                </a:extLst>
-              </p:cNvPr>
-              <p:cNvPicPr>
-                <a:picLocks noChangeAspect="1"/>
-              </p:cNvPicPr>
-              <p:nvPr/>
-            </p:nvPicPr>
-            <p:blipFill>
-              <a:blip r:embed="rId12">
-                <a:extLst>
-                  <a:ext uri="{28A0092B-C50C-407E-A947-70E740481C1C}">
-                    <a14:useLocalDpi xmlns:a14="http://schemas.microsoft.com/office/drawing/2010/main" val="0"/>
-                  </a:ext>
-                  <a:ext uri="{96DAC541-7B7A-43D3-8B79-37D633B846F1}">
-                    <asvg:svgBlip xmlns:asvg="http://schemas.microsoft.com/office/drawing/2016/SVG/main" r:embed="rId13"/>
-                  </a:ext>
-                </a:extLst>
-              </a:blip>
-              <a:stretch>
-                <a:fillRect/>
-              </a:stretch>
-            </p:blipFill>
-            <p:spPr>
-              <a:xfrm>
-                <a:off x="1347311" y="5833199"/>
-                <a:ext cx="914400" cy="914400"/>
-              </a:xfrm>
-              <a:prstGeom prst="rect">
-                <a:avLst/>
-              </a:prstGeom>
-            </p:spPr>
-          </p:pic>
-          <p:sp>
-            <p:nvSpPr>
-              <p:cNvPr id="103" name="テキスト ボックス 102">
-                <a:extLst>
-                  <a:ext uri="{FF2B5EF4-FFF2-40B4-BE49-F238E27FC236}">
-                    <a16:creationId xmlns:a16="http://schemas.microsoft.com/office/drawing/2014/main" id="{AC915DD5-113E-42CC-B76E-0CB4E1316FE1}"/>
-                  </a:ext>
-                </a:extLst>
-              </p:cNvPr>
-              <p:cNvSpPr txBox="1"/>
-              <p:nvPr/>
-            </p:nvSpPr>
-            <p:spPr>
-              <a:xfrm>
-                <a:off x="1272805" y="6684347"/>
-                <a:ext cx="1063412" cy="646331"/>
+                <a:off x="2688094" y="6409876"/>
+                <a:ext cx="1640531" cy="369332"/>
               </a:xfrm>
               <a:prstGeom prst="rect">
                 <a:avLst/>
@@ -6572,7 +6797,7 @@
               <a:p>
                 <a:pPr algn="ctr"/>
                 <a:r>
-                  <a:rPr lang="en-US" altLang="ja-JP" dirty="0">
+                  <a:rPr lang="ja-JP" altLang="en-US" dirty="0">
                     <a:solidFill>
                       <a:schemeClr val="bg1">
                         <a:lumMod val="50000"/>
@@ -6582,8 +6807,50 @@
                     <a:ea typeface="HGPｺﾞｼｯｸM" panose="020B0600000000000000" pitchFamily="50" charset="-128"/>
                     <a:cs typeface="Arial" panose="020B0604020202020204" pitchFamily="34" charset="0"/>
                   </a:rPr>
-                  <a:t>Slack</a:t>
+                  <a:t>勤怠の確認</a:t>
                 </a:r>
+                <a:endParaRPr lang="en-US" altLang="ja-JP" dirty="0">
+                  <a:solidFill>
+                    <a:schemeClr val="bg1">
+                      <a:lumMod val="50000"/>
+                    </a:schemeClr>
+                  </a:solidFill>
+                  <a:latin typeface="Arial" panose="020B0604020202020204" pitchFamily="34" charset="0"/>
+                  <a:ea typeface="HGPｺﾞｼｯｸM" panose="020B0600000000000000" pitchFamily="50" charset="-128"/>
+                  <a:cs typeface="Arial" panose="020B0604020202020204" pitchFamily="34" charset="0"/>
+                </a:endParaRPr>
+              </a:p>
+            </p:txBody>
+          </p:sp>
+          <p:sp>
+            <p:nvSpPr>
+              <p:cNvPr id="109" name="テキスト ボックス 108">
+                <a:extLst>
+                  <a:ext uri="{FF2B5EF4-FFF2-40B4-BE49-F238E27FC236}">
+                    <a16:creationId xmlns:a16="http://schemas.microsoft.com/office/drawing/2014/main" id="{AD13949B-D56E-49D8-A6A3-CB8F823C889F}"/>
+                  </a:ext>
+                </a:extLst>
+              </p:cNvPr>
+              <p:cNvSpPr txBox="1"/>
+              <p:nvPr/>
+            </p:nvSpPr>
+            <p:spPr>
+              <a:xfrm>
+                <a:off x="2727004" y="5687049"/>
+                <a:ext cx="1640531" cy="369332"/>
+              </a:xfrm>
+              <a:prstGeom prst="rect">
+                <a:avLst/>
+              </a:prstGeom>
+              <a:noFill/>
+            </p:spPr>
+            <p:txBody>
+              <a:bodyPr wrap="square" rtlCol="0">
+                <a:spAutoFit/>
+              </a:bodyPr>
+              <a:lstStyle/>
+              <a:p>
+                <a:pPr algn="ctr"/>
                 <a:r>
                   <a:rPr lang="ja-JP" altLang="en-US" dirty="0">
                     <a:solidFill>
@@ -6595,7 +6862,7 @@
                     <a:ea typeface="HGPｺﾞｼｯｸM" panose="020B0600000000000000" pitchFamily="50" charset="-128"/>
                     <a:cs typeface="Arial" panose="020B0604020202020204" pitchFamily="34" charset="0"/>
                   </a:rPr>
-                  <a:t>ユーザ</a:t>
+                  <a:t>勤怠の連絡</a:t>
                 </a:r>
                 <a:endParaRPr lang="en-US" altLang="ja-JP" dirty="0">
                   <a:solidFill>
@@ -6611,196 +6878,6 @@
             </p:txBody>
           </p:sp>
         </p:grpSp>
-        <p:cxnSp>
-          <p:nvCxnSpPr>
-            <p:cNvPr id="106" name="直線矢印コネクタ 105">
-              <a:extLst>
-                <a:ext uri="{FF2B5EF4-FFF2-40B4-BE49-F238E27FC236}">
-                  <a16:creationId xmlns:a16="http://schemas.microsoft.com/office/drawing/2014/main" id="{F06C9D40-FFAE-41C4-891A-9F2972BDE072}"/>
-                </a:ext>
-              </a:extLst>
-            </p:cNvPr>
-            <p:cNvCxnSpPr/>
-            <p:nvPr/>
-          </p:nvCxnSpPr>
-          <p:spPr>
-            <a:xfrm>
-              <a:off x="2581448" y="6121075"/>
-              <a:ext cx="1781387" cy="0"/>
-            </a:xfrm>
-            <a:prstGeom prst="straightConnector1">
-              <a:avLst/>
-            </a:prstGeom>
-            <a:ln>
-              <a:tailEnd type="triangle"/>
-            </a:ln>
-          </p:spPr>
-          <p:style>
-            <a:lnRef idx="1">
-              <a:schemeClr val="accent1"/>
-            </a:lnRef>
-            <a:fillRef idx="0">
-              <a:schemeClr val="accent1"/>
-            </a:fillRef>
-            <a:effectRef idx="0">
-              <a:schemeClr val="accent1"/>
-            </a:effectRef>
-            <a:fontRef idx="minor">
-              <a:schemeClr val="tx1"/>
-            </a:fontRef>
-          </p:style>
-        </p:cxnSp>
-        <p:cxnSp>
-          <p:nvCxnSpPr>
-            <p:cNvPr id="107" name="直線矢印コネクタ 106">
-              <a:extLst>
-                <a:ext uri="{FF2B5EF4-FFF2-40B4-BE49-F238E27FC236}">
-                  <a16:creationId xmlns:a16="http://schemas.microsoft.com/office/drawing/2014/main" id="{3E86519E-A634-4F78-91B2-C9F4EA249608}"/>
-                </a:ext>
-              </a:extLst>
-            </p:cNvPr>
-            <p:cNvCxnSpPr>
-              <a:cxnSpLocks/>
-            </p:cNvCxnSpPr>
-            <p:nvPr/>
-          </p:nvCxnSpPr>
-          <p:spPr>
-            <a:xfrm flipH="1">
-              <a:off x="2581448" y="6345181"/>
-              <a:ext cx="1781387" cy="0"/>
-            </a:xfrm>
-            <a:prstGeom prst="straightConnector1">
-              <a:avLst/>
-            </a:prstGeom>
-            <a:ln>
-              <a:tailEnd type="triangle"/>
-            </a:ln>
-          </p:spPr>
-          <p:style>
-            <a:lnRef idx="1">
-              <a:schemeClr val="accent1"/>
-            </a:lnRef>
-            <a:fillRef idx="0">
-              <a:schemeClr val="accent1"/>
-            </a:fillRef>
-            <a:effectRef idx="0">
-              <a:schemeClr val="accent1"/>
-            </a:effectRef>
-            <a:fontRef idx="minor">
-              <a:schemeClr val="tx1"/>
-            </a:fontRef>
-          </p:style>
-        </p:cxnSp>
-        <p:sp>
-          <p:nvSpPr>
-            <p:cNvPr id="108" name="テキスト ボックス 107">
-              <a:extLst>
-                <a:ext uri="{FF2B5EF4-FFF2-40B4-BE49-F238E27FC236}">
-                  <a16:creationId xmlns:a16="http://schemas.microsoft.com/office/drawing/2014/main" id="{96D6DEC9-EB96-4EDD-8DB1-F021BC8245FC}"/>
-                </a:ext>
-              </a:extLst>
-            </p:cNvPr>
-            <p:cNvSpPr txBox="1"/>
-            <p:nvPr/>
-          </p:nvSpPr>
-          <p:spPr>
-            <a:xfrm>
-              <a:off x="2688094" y="6409876"/>
-              <a:ext cx="1640531" cy="369332"/>
-            </a:xfrm>
-            <a:prstGeom prst="rect">
-              <a:avLst/>
-            </a:prstGeom>
-            <a:noFill/>
-          </p:spPr>
-          <p:txBody>
-            <a:bodyPr wrap="square" rtlCol="0">
-              <a:spAutoFit/>
-            </a:bodyPr>
-            <a:lstStyle/>
-            <a:p>
-              <a:pPr algn="ctr"/>
-              <a:r>
-                <a:rPr lang="ja-JP" altLang="en-US" dirty="0">
-                  <a:solidFill>
-                    <a:schemeClr val="bg1">
-                      <a:lumMod val="50000"/>
-                    </a:schemeClr>
-                  </a:solidFill>
-                  <a:latin typeface="Arial" panose="020B0604020202020204" pitchFamily="34" charset="0"/>
-                  <a:ea typeface="HGPｺﾞｼｯｸM" panose="020B0600000000000000" pitchFamily="50" charset="-128"/>
-                  <a:cs typeface="Arial" panose="020B0604020202020204" pitchFamily="34" charset="0"/>
-                </a:rPr>
-                <a:t>勤怠の確認</a:t>
-              </a:r>
-              <a:endParaRPr lang="en-US" altLang="ja-JP" dirty="0">
-                <a:solidFill>
-                  <a:schemeClr val="bg1">
-                    <a:lumMod val="50000"/>
-                  </a:schemeClr>
-                </a:solidFill>
-                <a:latin typeface="Arial" panose="020B0604020202020204" pitchFamily="34" charset="0"/>
-                <a:ea typeface="HGPｺﾞｼｯｸM" panose="020B0600000000000000" pitchFamily="50" charset="-128"/>
-                <a:cs typeface="Arial" panose="020B0604020202020204" pitchFamily="34" charset="0"/>
-              </a:endParaRPr>
-            </a:p>
-          </p:txBody>
-        </p:sp>
-        <p:sp>
-          <p:nvSpPr>
-            <p:cNvPr id="109" name="テキスト ボックス 108">
-              <a:extLst>
-                <a:ext uri="{FF2B5EF4-FFF2-40B4-BE49-F238E27FC236}">
-                  <a16:creationId xmlns:a16="http://schemas.microsoft.com/office/drawing/2014/main" id="{AD13949B-D56E-49D8-A6A3-CB8F823C889F}"/>
-                </a:ext>
-              </a:extLst>
-            </p:cNvPr>
-            <p:cNvSpPr txBox="1"/>
-            <p:nvPr/>
-          </p:nvSpPr>
-          <p:spPr>
-            <a:xfrm>
-              <a:off x="2727004" y="5687049"/>
-              <a:ext cx="1640531" cy="369332"/>
-            </a:xfrm>
-            <a:prstGeom prst="rect">
-              <a:avLst/>
-            </a:prstGeom>
-            <a:noFill/>
-          </p:spPr>
-          <p:txBody>
-            <a:bodyPr wrap="square" rtlCol="0">
-              <a:spAutoFit/>
-            </a:bodyPr>
-            <a:lstStyle/>
-            <a:p>
-              <a:pPr algn="ctr"/>
-              <a:r>
-                <a:rPr lang="ja-JP" altLang="en-US" dirty="0">
-                  <a:solidFill>
-                    <a:schemeClr val="bg1">
-                      <a:lumMod val="50000"/>
-                    </a:schemeClr>
-                  </a:solidFill>
-                  <a:latin typeface="Arial" panose="020B0604020202020204" pitchFamily="34" charset="0"/>
-                  <a:ea typeface="HGPｺﾞｼｯｸM" panose="020B0600000000000000" pitchFamily="50" charset="-128"/>
-                  <a:cs typeface="Arial" panose="020B0604020202020204" pitchFamily="34" charset="0"/>
-                </a:rPr>
-                <a:t>勤怠の連絡</a:t>
-              </a:r>
-              <a:endParaRPr lang="en-US" altLang="ja-JP" dirty="0">
-                <a:solidFill>
-                  <a:schemeClr val="bg1">
-                    <a:lumMod val="50000"/>
-                  </a:schemeClr>
-                </a:solidFill>
-                <a:latin typeface="Arial" panose="020B0604020202020204" pitchFamily="34" charset="0"/>
-                <a:ea typeface="HGPｺﾞｼｯｸM" panose="020B0600000000000000" pitchFamily="50" charset="-128"/>
-                <a:cs typeface="Arial" panose="020B0604020202020204" pitchFamily="34" charset="0"/>
-              </a:endParaRPr>
-            </a:p>
-          </p:txBody>
-        </p:sp>
       </p:grpSp>
     </p:spTree>
     <p:extLst>

--- a/docs/システム構成図_GCP.pptx
+++ b/docs/システム構成図_GCP.pptx
@@ -6,6 +6,8 @@
   </p:sldMasterIdLst>
   <p:sldIdLst>
     <p:sldId id="256" r:id="rId2"/>
+    <p:sldId id="258" r:id="rId3"/>
+    <p:sldId id="257" r:id="rId4"/>
   </p:sldIdLst>
   <p:sldSz cx="22572663" cy="12960350"/>
   <p:notesSz cx="6858000" cy="9144000"/>
@@ -104,6 +106,11 @@
       </a:defRPr>
     </a:lvl9pPr>
   </p:defaultTextStyle>
+  <p:extLst>
+    <p:ext uri="{EFAFB233-063F-42B5-8137-9DF3F51BA10A}">
+      <p15:sldGuideLst xmlns:p15="http://schemas.microsoft.com/office/powerpoint/2012/main"/>
+    </p:ext>
+  </p:extLst>
 </p:presentation>
 </file>
 
@@ -238,7 +245,7 @@
           <a:p>
             <a:fld id="{3A4177F8-900A-4ED9-853C-8F363F6F0FD7}" type="datetimeFigureOut">
               <a:rPr kumimoji="1" lang="ja-JP" altLang="en-US" smtClean="0"/>
-              <a:t>2026/1/19</a:t>
+              <a:t>2026/1/29</a:t>
             </a:fld>
             <a:endParaRPr kumimoji="1" lang="ja-JP" altLang="en-US"/>
           </a:p>
@@ -440,7 +447,7 @@
           <a:p>
             <a:fld id="{3A4177F8-900A-4ED9-853C-8F363F6F0FD7}" type="datetimeFigureOut">
               <a:rPr kumimoji="1" lang="ja-JP" altLang="en-US" smtClean="0"/>
-              <a:t>2026/1/19</a:t>
+              <a:t>2026/1/29</a:t>
             </a:fld>
             <a:endParaRPr kumimoji="1" lang="ja-JP" altLang="en-US"/>
           </a:p>
@@ -652,7 +659,7 @@
           <a:p>
             <a:fld id="{3A4177F8-900A-4ED9-853C-8F363F6F0FD7}" type="datetimeFigureOut">
               <a:rPr kumimoji="1" lang="ja-JP" altLang="en-US" smtClean="0"/>
-              <a:t>2026/1/19</a:t>
+              <a:t>2026/1/29</a:t>
             </a:fld>
             <a:endParaRPr kumimoji="1" lang="ja-JP" altLang="en-US"/>
           </a:p>
@@ -854,7 +861,7 @@
           <a:p>
             <a:fld id="{3A4177F8-900A-4ED9-853C-8F363F6F0FD7}" type="datetimeFigureOut">
               <a:rPr kumimoji="1" lang="ja-JP" altLang="en-US" smtClean="0"/>
-              <a:t>2026/1/19</a:t>
+              <a:t>2026/1/29</a:t>
             </a:fld>
             <a:endParaRPr kumimoji="1" lang="ja-JP" altLang="en-US"/>
           </a:p>
@@ -1100,7 +1107,7 @@
           <a:p>
             <a:fld id="{3A4177F8-900A-4ED9-853C-8F363F6F0FD7}" type="datetimeFigureOut">
               <a:rPr kumimoji="1" lang="ja-JP" altLang="en-US" smtClean="0"/>
-              <a:t>2026/1/19</a:t>
+              <a:t>2026/1/29</a:t>
             </a:fld>
             <a:endParaRPr kumimoji="1" lang="ja-JP" altLang="en-US"/>
           </a:p>
@@ -1396,7 +1403,7 @@
           <a:p>
             <a:fld id="{3A4177F8-900A-4ED9-853C-8F363F6F0FD7}" type="datetimeFigureOut">
               <a:rPr kumimoji="1" lang="ja-JP" altLang="en-US" smtClean="0"/>
-              <a:t>2026/1/19</a:t>
+              <a:t>2026/1/29</a:t>
             </a:fld>
             <a:endParaRPr kumimoji="1" lang="ja-JP" altLang="en-US"/>
           </a:p>
@@ -1827,7 +1834,7 @@
           <a:p>
             <a:fld id="{3A4177F8-900A-4ED9-853C-8F363F6F0FD7}" type="datetimeFigureOut">
               <a:rPr kumimoji="1" lang="ja-JP" altLang="en-US" smtClean="0"/>
-              <a:t>2026/1/19</a:t>
+              <a:t>2026/1/29</a:t>
             </a:fld>
             <a:endParaRPr kumimoji="1" lang="ja-JP" altLang="en-US"/>
           </a:p>
@@ -1945,7 +1952,7 @@
           <a:p>
             <a:fld id="{3A4177F8-900A-4ED9-853C-8F363F6F0FD7}" type="datetimeFigureOut">
               <a:rPr kumimoji="1" lang="ja-JP" altLang="en-US" smtClean="0"/>
-              <a:t>2026/1/19</a:t>
+              <a:t>2026/1/29</a:t>
             </a:fld>
             <a:endParaRPr kumimoji="1" lang="ja-JP" altLang="en-US"/>
           </a:p>
@@ -2040,7 +2047,7 @@
           <a:p>
             <a:fld id="{3A4177F8-900A-4ED9-853C-8F363F6F0FD7}" type="datetimeFigureOut">
               <a:rPr kumimoji="1" lang="ja-JP" altLang="en-US" smtClean="0"/>
-              <a:t>2026/1/19</a:t>
+              <a:t>2026/1/29</a:t>
             </a:fld>
             <a:endParaRPr kumimoji="1" lang="ja-JP" altLang="en-US"/>
           </a:p>
@@ -2349,7 +2356,7 @@
           <a:p>
             <a:fld id="{3A4177F8-900A-4ED9-853C-8F363F6F0FD7}" type="datetimeFigureOut">
               <a:rPr kumimoji="1" lang="ja-JP" altLang="en-US" smtClean="0"/>
-              <a:t>2026/1/19</a:t>
+              <a:t>2026/1/29</a:t>
             </a:fld>
             <a:endParaRPr kumimoji="1" lang="ja-JP" altLang="en-US"/>
           </a:p>
@@ -2606,7 +2613,7 @@
           <a:p>
             <a:fld id="{3A4177F8-900A-4ED9-853C-8F363F6F0FD7}" type="datetimeFigureOut">
               <a:rPr kumimoji="1" lang="ja-JP" altLang="en-US" smtClean="0"/>
-              <a:t>2026/1/19</a:t>
+              <a:t>2026/1/29</a:t>
             </a:fld>
             <a:endParaRPr kumimoji="1" lang="ja-JP" altLang="en-US"/>
           </a:p>
@@ -2851,7 +2858,7 @@
           <a:p>
             <a:fld id="{3A4177F8-900A-4ED9-853C-8F363F6F0FD7}" type="datetimeFigureOut">
               <a:rPr kumimoji="1" lang="ja-JP" altLang="en-US" smtClean="0"/>
-              <a:t>2026/1/19</a:t>
+              <a:t>2026/1/29</a:t>
             </a:fld>
             <a:endParaRPr kumimoji="1" lang="ja-JP" altLang="en-US"/>
           </a:p>
@@ -6892,6 +6899,4147 @@
 </p:sld>
 </file>
 
+<file path=ppt/slides/slide2.xml><?xml version="1.0" encoding="utf-8"?>
+<p:sld xmlns:a="http://schemas.openxmlformats.org/drawingml/2006/main" xmlns:r="http://schemas.openxmlformats.org/officeDocument/2006/relationships" xmlns:p="http://schemas.openxmlformats.org/presentationml/2006/main">
+  <p:cSld>
+    <p:spTree>
+      <p:nvGrpSpPr>
+        <p:cNvPr id="1" name=""/>
+        <p:cNvGrpSpPr/>
+        <p:nvPr/>
+      </p:nvGrpSpPr>
+      <p:grpSpPr>
+        <a:xfrm>
+          <a:off x="0" y="0"/>
+          <a:ext cx="0" cy="0"/>
+          <a:chOff x="0" y="0"/>
+          <a:chExt cx="0" cy="0"/>
+        </a:xfrm>
+      </p:grpSpPr>
+      <p:grpSp>
+        <p:nvGrpSpPr>
+          <p:cNvPr id="1050" name="グループ化 1049">
+            <a:extLst>
+              <a:ext uri="{FF2B5EF4-FFF2-40B4-BE49-F238E27FC236}">
+                <a16:creationId xmlns:a16="http://schemas.microsoft.com/office/drawing/2014/main" id="{D3EBB7F9-A705-4E1F-B147-529368784AF0}"/>
+              </a:ext>
+            </a:extLst>
+          </p:cNvPr>
+          <p:cNvGrpSpPr/>
+          <p:nvPr/>
+        </p:nvGrpSpPr>
+        <p:grpSpPr>
+          <a:xfrm>
+            <a:off x="764694" y="194634"/>
+            <a:ext cx="20705524" cy="12425819"/>
+            <a:chOff x="764694" y="194634"/>
+            <a:chExt cx="20705524" cy="12425819"/>
+          </a:xfrm>
+        </p:grpSpPr>
+        <p:sp>
+          <p:nvSpPr>
+            <p:cNvPr id="1049" name="正方形/長方形 1048">
+              <a:extLst>
+                <a:ext uri="{FF2B5EF4-FFF2-40B4-BE49-F238E27FC236}">
+                  <a16:creationId xmlns:a16="http://schemas.microsoft.com/office/drawing/2014/main" id="{882CBE2D-4072-4B34-9264-83BA23AB8141}"/>
+                </a:ext>
+              </a:extLst>
+            </p:cNvPr>
+            <p:cNvSpPr/>
+            <p:nvPr/>
+          </p:nvSpPr>
+          <p:spPr>
+            <a:xfrm>
+              <a:off x="764694" y="194634"/>
+              <a:ext cx="20705524" cy="12425819"/>
+            </a:xfrm>
+            <a:prstGeom prst="rect">
+              <a:avLst/>
+            </a:prstGeom>
+            <a:solidFill>
+              <a:schemeClr val="bg1"/>
+            </a:solidFill>
+            <a:ln>
+              <a:solidFill>
+                <a:schemeClr val="bg1">
+                  <a:lumMod val="65000"/>
+                </a:schemeClr>
+              </a:solidFill>
+            </a:ln>
+          </p:spPr>
+          <p:style>
+            <a:lnRef idx="2">
+              <a:schemeClr val="accent1">
+                <a:shade val="50000"/>
+              </a:schemeClr>
+            </a:lnRef>
+            <a:fillRef idx="1">
+              <a:schemeClr val="accent1"/>
+            </a:fillRef>
+            <a:effectRef idx="0">
+              <a:schemeClr val="accent1"/>
+            </a:effectRef>
+            <a:fontRef idx="minor">
+              <a:schemeClr val="lt1"/>
+            </a:fontRef>
+          </p:style>
+          <p:txBody>
+            <a:bodyPr rtlCol="0" anchor="ctr"/>
+            <a:lstStyle/>
+            <a:p>
+              <a:pPr algn="ctr"/>
+              <a:endParaRPr kumimoji="1" lang="ja-JP" altLang="en-US"/>
+            </a:p>
+          </p:txBody>
+        </p:sp>
+        <p:grpSp>
+          <p:nvGrpSpPr>
+            <p:cNvPr id="1048" name="グループ化 1047">
+              <a:extLst>
+                <a:ext uri="{FF2B5EF4-FFF2-40B4-BE49-F238E27FC236}">
+                  <a16:creationId xmlns:a16="http://schemas.microsoft.com/office/drawing/2014/main" id="{7027217A-B3C2-48F1-A79C-043CF3C84295}"/>
+                </a:ext>
+              </a:extLst>
+            </p:cNvPr>
+            <p:cNvGrpSpPr/>
+            <p:nvPr/>
+          </p:nvGrpSpPr>
+          <p:grpSpPr>
+            <a:xfrm>
+              <a:off x="1234421" y="479885"/>
+              <a:ext cx="19766070" cy="12000579"/>
+              <a:chOff x="1002082" y="274172"/>
+              <a:chExt cx="19766070" cy="12000579"/>
+            </a:xfrm>
+          </p:grpSpPr>
+          <p:grpSp>
+            <p:nvGrpSpPr>
+              <p:cNvPr id="1033" name="グループ化 1032">
+                <a:extLst>
+                  <a:ext uri="{FF2B5EF4-FFF2-40B4-BE49-F238E27FC236}">
+                    <a16:creationId xmlns:a16="http://schemas.microsoft.com/office/drawing/2014/main" id="{DBF999E4-0C85-4CAC-A45B-74627799D47B}"/>
+                  </a:ext>
+                </a:extLst>
+              </p:cNvPr>
+              <p:cNvGrpSpPr/>
+              <p:nvPr/>
+            </p:nvGrpSpPr>
+            <p:grpSpPr>
+              <a:xfrm>
+                <a:off x="4643665" y="5643473"/>
+                <a:ext cx="2284238" cy="1362596"/>
+                <a:chOff x="6030683" y="4587744"/>
+                <a:chExt cx="2284238" cy="1362596"/>
+              </a:xfrm>
+            </p:grpSpPr>
+            <p:sp>
+              <p:nvSpPr>
+                <p:cNvPr id="85" name="正方形/長方形 84">
+                  <a:extLst>
+                    <a:ext uri="{FF2B5EF4-FFF2-40B4-BE49-F238E27FC236}">
+                      <a16:creationId xmlns:a16="http://schemas.microsoft.com/office/drawing/2014/main" id="{1C849B83-4921-4225-8549-1B42F62319BF}"/>
+                    </a:ext>
+                  </a:extLst>
+                </p:cNvPr>
+                <p:cNvSpPr/>
+                <p:nvPr/>
+              </p:nvSpPr>
+              <p:spPr>
+                <a:xfrm>
+                  <a:off x="6030683" y="4587744"/>
+                  <a:ext cx="2284238" cy="1362596"/>
+                </a:xfrm>
+                <a:prstGeom prst="rect">
+                  <a:avLst/>
+                </a:prstGeom>
+                <a:solidFill>
+                  <a:srgbClr val="FDF3ED"/>
+                </a:solidFill>
+              </p:spPr>
+              <p:style>
+                <a:lnRef idx="0">
+                  <a:schemeClr val="accent2"/>
+                </a:lnRef>
+                <a:fillRef idx="3">
+                  <a:schemeClr val="accent2"/>
+                </a:fillRef>
+                <a:effectRef idx="3">
+                  <a:schemeClr val="accent2"/>
+                </a:effectRef>
+                <a:fontRef idx="minor">
+                  <a:schemeClr val="lt1"/>
+                </a:fontRef>
+              </p:style>
+              <p:txBody>
+                <a:bodyPr rot="0" spcFirstLastPara="0" vertOverflow="overflow" horzOverflow="overflow" vert="horz" wrap="square" lIns="91440" tIns="45720" rIns="91440" bIns="45720" numCol="1" spcCol="0" rtlCol="0" fromWordArt="0" anchor="ctr" anchorCtr="0" forceAA="0" compatLnSpc="1">
+                  <a:prstTxWarp prst="textNoShape">
+                    <a:avLst/>
+                  </a:prstTxWarp>
+                  <a:noAutofit/>
+                </a:bodyPr>
+                <a:lstStyle/>
+                <a:p>
+                  <a:pPr algn="ctr"/>
+                  <a:endParaRPr kumimoji="1" lang="ja-JP" altLang="en-US" dirty="0"/>
+                </a:p>
+              </p:txBody>
+            </p:sp>
+            <p:pic>
+              <p:nvPicPr>
+                <p:cNvPr id="1026" name="Picture 2" descr="https://previews.us-east-1.widencdn.net/preview/48045879/assets/asset-view/8588de84-f8ed-4488-a456-45ba986280ee/thumbnail/eyJ3IjoyMDQ4LCJoIjoyMDQ4LCJzY29wZSI6ImFwcCJ9?sig.ver=1&amp;sig.keyId=us-east-1.20240821&amp;sig.expires=1768888800&amp;sig=3Mfj63EvT3S_G2babOafFoOBsnu2hJiFiomn7IR-Q3g">
+                  <a:extLst>
+                    <a:ext uri="{FF2B5EF4-FFF2-40B4-BE49-F238E27FC236}">
+                      <a16:creationId xmlns:a16="http://schemas.microsoft.com/office/drawing/2014/main" id="{F5457915-13CB-4366-8D5E-AED8CCEC5C95}"/>
+                    </a:ext>
+                  </a:extLst>
+                </p:cNvPr>
+                <p:cNvPicPr>
+                  <a:picLocks noChangeAspect="1" noChangeArrowheads="1"/>
+                </p:cNvPicPr>
+                <p:nvPr/>
+              </p:nvPicPr>
+              <p:blipFill rotWithShape="1">
+                <a:blip r:embed="rId2">
+                  <a:extLst>
+                    <a:ext uri="{28A0092B-C50C-407E-A947-70E740481C1C}">
+                      <a14:useLocalDpi xmlns:a14="http://schemas.microsoft.com/office/drawing/2010/main" val="0"/>
+                    </a:ext>
+                  </a:extLst>
+                </a:blip>
+                <a:srcRect l="-1213" t="-4693" r="73510" b="29075"/>
+                <a:stretch/>
+              </p:blipFill>
+              <p:spPr bwMode="auto">
+                <a:xfrm>
+                  <a:off x="6185204" y="4725556"/>
+                  <a:ext cx="1063406" cy="1037841"/>
+                </a:xfrm>
+                <a:prstGeom prst="rect">
+                  <a:avLst/>
+                </a:prstGeom>
+                <a:noFill/>
+                <a:extLst>
+                  <a:ext uri="{909E8E84-426E-40DD-AFC4-6F175D3DCCD1}">
+                    <a14:hiddenFill xmlns:a14="http://schemas.microsoft.com/office/drawing/2010/main">
+                      <a:solidFill>
+                        <a:srgbClr val="FFFFFF"/>
+                      </a:solidFill>
+                    </a14:hiddenFill>
+                  </a:ext>
+                </a:extLst>
+              </p:spPr>
+            </p:pic>
+            <p:sp>
+              <p:nvSpPr>
+                <p:cNvPr id="29" name="テキスト ボックス 28">
+                  <a:extLst>
+                    <a:ext uri="{FF2B5EF4-FFF2-40B4-BE49-F238E27FC236}">
+                      <a16:creationId xmlns:a16="http://schemas.microsoft.com/office/drawing/2014/main" id="{AD1B9559-D7F5-424A-923F-8F829A6174FC}"/>
+                    </a:ext>
+                  </a:extLst>
+                </p:cNvPr>
+                <p:cNvSpPr txBox="1"/>
+                <p:nvPr/>
+              </p:nvSpPr>
+              <p:spPr>
+                <a:xfrm>
+                  <a:off x="7373232" y="5121536"/>
+                  <a:ext cx="782320" cy="753411"/>
+                </a:xfrm>
+                <a:prstGeom prst="rect">
+                  <a:avLst/>
+                </a:prstGeom>
+                <a:noFill/>
+              </p:spPr>
+              <p:txBody>
+                <a:bodyPr wrap="square" rtlCol="0">
+                  <a:spAutoFit/>
+                </a:bodyPr>
+                <a:lstStyle/>
+                <a:p>
+                  <a:r>
+                    <a:rPr lang="en-US" altLang="ja-JP" dirty="0">
+                      <a:solidFill>
+                        <a:schemeClr val="bg1">
+                          <a:lumMod val="50000"/>
+                        </a:schemeClr>
+                      </a:solidFill>
+                      <a:latin typeface="Arial" panose="020B0604020202020204" pitchFamily="34" charset="0"/>
+                      <a:cs typeface="Arial" panose="020B0604020202020204" pitchFamily="34" charset="0"/>
+                    </a:rPr>
+                    <a:t>Slack</a:t>
+                  </a:r>
+                </a:p>
+              </p:txBody>
+            </p:sp>
+          </p:grpSp>
+          <p:sp>
+            <p:nvSpPr>
+              <p:cNvPr id="78" name="正方形/長方形 77">
+                <a:extLst>
+                  <a:ext uri="{FF2B5EF4-FFF2-40B4-BE49-F238E27FC236}">
+                    <a16:creationId xmlns:a16="http://schemas.microsoft.com/office/drawing/2014/main" id="{86B1C22E-AF8A-4D94-9FF0-896E5D234084}"/>
+                  </a:ext>
+                </a:extLst>
+              </p:cNvPr>
+              <p:cNvSpPr/>
+              <p:nvPr/>
+            </p:nvSpPr>
+            <p:spPr>
+              <a:xfrm>
+                <a:off x="11286331" y="4767322"/>
+                <a:ext cx="9232818" cy="2871730"/>
+              </a:xfrm>
+              <a:prstGeom prst="rect">
+                <a:avLst/>
+              </a:prstGeom>
+              <a:solidFill>
+                <a:srgbClr val="DCE5F4"/>
+              </a:solidFill>
+              <a:ln w="3175"/>
+            </p:spPr>
+            <p:style>
+              <a:lnRef idx="2">
+                <a:schemeClr val="accent1">
+                  <a:shade val="50000"/>
+                </a:schemeClr>
+              </a:lnRef>
+              <a:fillRef idx="1">
+                <a:schemeClr val="accent1"/>
+              </a:fillRef>
+              <a:effectRef idx="0">
+                <a:schemeClr val="accent1"/>
+              </a:effectRef>
+              <a:fontRef idx="minor">
+                <a:schemeClr val="lt1"/>
+              </a:fontRef>
+            </p:style>
+            <p:txBody>
+              <a:bodyPr rot="0" spcFirstLastPara="0" vertOverflow="overflow" horzOverflow="overflow" vert="horz" wrap="square" lIns="91440" tIns="45720" rIns="91440" bIns="45720" numCol="1" spcCol="0" rtlCol="0" fromWordArt="0" anchor="t" anchorCtr="0" forceAA="0" compatLnSpc="1">
+                <a:prstTxWarp prst="textNoShape">
+                  <a:avLst/>
+                </a:prstTxWarp>
+                <a:noAutofit/>
+              </a:bodyPr>
+              <a:lstStyle/>
+              <a:p>
+                <a:r>
+                  <a:rPr kumimoji="1" lang="en-US" altLang="ja-JP" dirty="0">
+                    <a:solidFill>
+                      <a:schemeClr val="bg1"/>
+                    </a:solidFill>
+                    <a:highlight>
+                      <a:srgbClr val="27477B"/>
+                    </a:highlight>
+                    <a:latin typeface="Arial" panose="020B0604020202020204" pitchFamily="34" charset="0"/>
+                    <a:ea typeface="HGPｺﾞｼｯｸM" panose="020B0600000000000000" pitchFamily="50" charset="-128"/>
+                    <a:cs typeface="Arial" panose="020B0604020202020204" pitchFamily="34" charset="0"/>
+                  </a:rPr>
+                  <a:t>Region (asia-northeast1 / </a:t>
+                </a:r>
+                <a:r>
+                  <a:rPr kumimoji="1" lang="ja-JP" altLang="en-US" dirty="0">
+                    <a:solidFill>
+                      <a:schemeClr val="bg1"/>
+                    </a:solidFill>
+                    <a:highlight>
+                      <a:srgbClr val="27477B"/>
+                    </a:highlight>
+                    <a:latin typeface="Arial" panose="020B0604020202020204" pitchFamily="34" charset="0"/>
+                    <a:ea typeface="HGPｺﾞｼｯｸM" panose="020B0600000000000000" pitchFamily="50" charset="-128"/>
+                    <a:cs typeface="Arial" panose="020B0604020202020204" pitchFamily="34" charset="0"/>
+                  </a:rPr>
+                  <a:t>東京</a:t>
+                </a:r>
+                <a:r>
+                  <a:rPr kumimoji="1" lang="en-US" altLang="ja-JP" dirty="0">
+                    <a:solidFill>
+                      <a:schemeClr val="bg1"/>
+                    </a:solidFill>
+                    <a:highlight>
+                      <a:srgbClr val="27477B"/>
+                    </a:highlight>
+                    <a:latin typeface="Arial" panose="020B0604020202020204" pitchFamily="34" charset="0"/>
+                    <a:ea typeface="HGPｺﾞｼｯｸM" panose="020B0600000000000000" pitchFamily="50" charset="-128"/>
+                    <a:cs typeface="Arial" panose="020B0604020202020204" pitchFamily="34" charset="0"/>
+                  </a:rPr>
+                  <a:t>)</a:t>
+                </a:r>
+                <a:endParaRPr kumimoji="1" lang="ja-JP" altLang="en-US" dirty="0">
+                  <a:solidFill>
+                    <a:schemeClr val="bg1"/>
+                  </a:solidFill>
+                  <a:highlight>
+                    <a:srgbClr val="27477B"/>
+                  </a:highlight>
+                  <a:latin typeface="Arial" panose="020B0604020202020204" pitchFamily="34" charset="0"/>
+                  <a:ea typeface="HGPｺﾞｼｯｸM" panose="020B0600000000000000" pitchFamily="50" charset="-128"/>
+                  <a:cs typeface="Arial" panose="020B0604020202020204" pitchFamily="34" charset="0"/>
+                </a:endParaRPr>
+              </a:p>
+            </p:txBody>
+          </p:sp>
+          <p:sp>
+            <p:nvSpPr>
+              <p:cNvPr id="1027" name="正方形/長方形 1026">
+                <a:extLst>
+                  <a:ext uri="{FF2B5EF4-FFF2-40B4-BE49-F238E27FC236}">
+                    <a16:creationId xmlns:a16="http://schemas.microsoft.com/office/drawing/2014/main" id="{0C1D5D69-975F-419D-8A54-490A7585736C}"/>
+                  </a:ext>
+                </a:extLst>
+              </p:cNvPr>
+              <p:cNvSpPr/>
+              <p:nvPr/>
+            </p:nvSpPr>
+            <p:spPr>
+              <a:xfrm>
+                <a:off x="1002082" y="1308894"/>
+                <a:ext cx="15445476" cy="2540564"/>
+              </a:xfrm>
+              <a:prstGeom prst="rect">
+                <a:avLst/>
+              </a:prstGeom>
+              <a:solidFill>
+                <a:schemeClr val="accent2">
+                  <a:lumMod val="20000"/>
+                  <a:lumOff val="80000"/>
+                </a:schemeClr>
+              </a:solidFill>
+              <a:ln w="3175">
+                <a:solidFill>
+                  <a:schemeClr val="accent2">
+                    <a:lumMod val="50000"/>
+                  </a:schemeClr>
+                </a:solidFill>
+              </a:ln>
+            </p:spPr>
+            <p:style>
+              <a:lnRef idx="2">
+                <a:schemeClr val="accent1">
+                  <a:shade val="50000"/>
+                </a:schemeClr>
+              </a:lnRef>
+              <a:fillRef idx="1">
+                <a:schemeClr val="accent1"/>
+              </a:fillRef>
+              <a:effectRef idx="0">
+                <a:schemeClr val="accent1"/>
+              </a:effectRef>
+              <a:fontRef idx="minor">
+                <a:schemeClr val="lt1"/>
+              </a:fontRef>
+            </p:style>
+            <p:txBody>
+              <a:bodyPr rot="0" spcFirstLastPara="0" vertOverflow="overflow" horzOverflow="overflow" vert="horz" wrap="square" lIns="91440" tIns="45720" rIns="91440" bIns="45720" numCol="1" spcCol="0" rtlCol="0" fromWordArt="0" anchor="ctr" anchorCtr="0" forceAA="0" compatLnSpc="1">
+                <a:prstTxWarp prst="textNoShape">
+                  <a:avLst/>
+                </a:prstTxWarp>
+                <a:noAutofit/>
+              </a:bodyPr>
+              <a:lstStyle/>
+              <a:p>
+                <a:pPr algn="ctr"/>
+                <a:endParaRPr kumimoji="1" lang="ja-JP" altLang="en-US"/>
+              </a:p>
+            </p:txBody>
+          </p:sp>
+          <p:grpSp>
+            <p:nvGrpSpPr>
+              <p:cNvPr id="47" name="グループ化 46">
+                <a:extLst>
+                  <a:ext uri="{FF2B5EF4-FFF2-40B4-BE49-F238E27FC236}">
+                    <a16:creationId xmlns:a16="http://schemas.microsoft.com/office/drawing/2014/main" id="{E1B4269C-8FD0-42DF-B04E-040FEE7496FF}"/>
+                  </a:ext>
+                </a:extLst>
+              </p:cNvPr>
+              <p:cNvGrpSpPr/>
+              <p:nvPr/>
+            </p:nvGrpSpPr>
+            <p:grpSpPr>
+              <a:xfrm>
+                <a:off x="9003261" y="1545460"/>
+                <a:ext cx="2284238" cy="1362596"/>
+                <a:chOff x="7811676" y="207325"/>
+                <a:chExt cx="2284238" cy="1362596"/>
+              </a:xfrm>
+            </p:grpSpPr>
+            <p:sp>
+              <p:nvSpPr>
+                <p:cNvPr id="42" name="正方形/長方形 41">
+                  <a:extLst>
+                    <a:ext uri="{FF2B5EF4-FFF2-40B4-BE49-F238E27FC236}">
+                      <a16:creationId xmlns:a16="http://schemas.microsoft.com/office/drawing/2014/main" id="{08787F34-3549-4018-86CE-BB432F55D0FF}"/>
+                    </a:ext>
+                  </a:extLst>
+                </p:cNvPr>
+                <p:cNvSpPr/>
+                <p:nvPr/>
+              </p:nvSpPr>
+              <p:spPr>
+                <a:xfrm>
+                  <a:off x="7811676" y="207325"/>
+                  <a:ext cx="2284238" cy="1362596"/>
+                </a:xfrm>
+                <a:prstGeom prst="rect">
+                  <a:avLst/>
+                </a:prstGeom>
+                <a:solidFill>
+                  <a:srgbClr val="FDF3ED"/>
+                </a:solidFill>
+              </p:spPr>
+              <p:style>
+                <a:lnRef idx="0">
+                  <a:schemeClr val="accent2"/>
+                </a:lnRef>
+                <a:fillRef idx="3">
+                  <a:schemeClr val="accent2"/>
+                </a:fillRef>
+                <a:effectRef idx="3">
+                  <a:schemeClr val="accent2"/>
+                </a:effectRef>
+                <a:fontRef idx="minor">
+                  <a:schemeClr val="lt1"/>
+                </a:fontRef>
+              </p:style>
+              <p:txBody>
+                <a:bodyPr rot="0" spcFirstLastPara="0" vertOverflow="overflow" horzOverflow="overflow" vert="horz" wrap="square" lIns="91440" tIns="45720" rIns="91440" bIns="45720" numCol="1" spcCol="0" rtlCol="0" fromWordArt="0" anchor="ctr" anchorCtr="0" forceAA="0" compatLnSpc="1">
+                  <a:prstTxWarp prst="textNoShape">
+                    <a:avLst/>
+                  </a:prstTxWarp>
+                  <a:noAutofit/>
+                </a:bodyPr>
+                <a:lstStyle/>
+                <a:p>
+                  <a:pPr algn="ctr"/>
+                  <a:endParaRPr kumimoji="1" lang="ja-JP" altLang="en-US"/>
+                </a:p>
+              </p:txBody>
+            </p:sp>
+            <p:pic>
+              <p:nvPicPr>
+                <p:cNvPr id="4" name="図 3">
+                  <a:extLst>
+                    <a:ext uri="{FF2B5EF4-FFF2-40B4-BE49-F238E27FC236}">
+                      <a16:creationId xmlns:a16="http://schemas.microsoft.com/office/drawing/2014/main" id="{1959D133-E280-4CCE-870B-37FAE2261C0C}"/>
+                    </a:ext>
+                  </a:extLst>
+                </p:cNvPr>
+                <p:cNvPicPr>
+                  <a:picLocks noChangeAspect="1"/>
+                </p:cNvPicPr>
+                <p:nvPr/>
+              </p:nvPicPr>
+              <p:blipFill>
+                <a:blip r:embed="rId3"/>
+                <a:stretch>
+                  <a:fillRect/>
+                </a:stretch>
+              </p:blipFill>
+              <p:spPr>
+                <a:xfrm>
+                  <a:off x="7907515" y="334809"/>
+                  <a:ext cx="1063412" cy="1063412"/>
+                </a:xfrm>
+                <a:prstGeom prst="rect">
+                  <a:avLst/>
+                </a:prstGeom>
+              </p:spPr>
+            </p:pic>
+            <p:sp>
+              <p:nvSpPr>
+                <p:cNvPr id="5" name="テキスト ボックス 4">
+                  <a:extLst>
+                    <a:ext uri="{FF2B5EF4-FFF2-40B4-BE49-F238E27FC236}">
+                      <a16:creationId xmlns:a16="http://schemas.microsoft.com/office/drawing/2014/main" id="{63F66351-F35A-4A75-A893-7975F9B7186A}"/>
+                    </a:ext>
+                  </a:extLst>
+                </p:cNvPr>
+                <p:cNvSpPr txBox="1"/>
+                <p:nvPr/>
+              </p:nvSpPr>
+              <p:spPr>
+                <a:xfrm>
+                  <a:off x="9038425" y="565457"/>
+                  <a:ext cx="972464" cy="753411"/>
+                </a:xfrm>
+                <a:prstGeom prst="rect">
+                  <a:avLst/>
+                </a:prstGeom>
+                <a:noFill/>
+              </p:spPr>
+              <p:txBody>
+                <a:bodyPr wrap="square" rtlCol="0">
+                  <a:spAutoFit/>
+                </a:bodyPr>
+                <a:lstStyle/>
+                <a:p>
+                  <a:r>
+                    <a:rPr lang="en-US" altLang="ja-JP" dirty="0">
+                      <a:solidFill>
+                        <a:schemeClr val="bg1">
+                          <a:lumMod val="50000"/>
+                        </a:schemeClr>
+                      </a:solidFill>
+                      <a:latin typeface="Arial" panose="020B0604020202020204" pitchFamily="34" charset="0"/>
+                      <a:cs typeface="Arial" panose="020B0604020202020204" pitchFamily="34" charset="0"/>
+                    </a:rPr>
+                    <a:t>Cloud</a:t>
+                  </a:r>
+                </a:p>
+                <a:p>
+                  <a:r>
+                    <a:rPr lang="en-US" altLang="ja-JP" dirty="0">
+                      <a:solidFill>
+                        <a:schemeClr val="bg1">
+                          <a:lumMod val="50000"/>
+                        </a:schemeClr>
+                      </a:solidFill>
+                      <a:latin typeface="Arial" panose="020B0604020202020204" pitchFamily="34" charset="0"/>
+                      <a:cs typeface="Arial" panose="020B0604020202020204" pitchFamily="34" charset="0"/>
+                    </a:rPr>
+                    <a:t>Build</a:t>
+                  </a:r>
+                  <a:endParaRPr lang="ja-JP" altLang="en-US" dirty="0">
+                    <a:solidFill>
+                      <a:schemeClr val="bg1">
+                        <a:lumMod val="50000"/>
+                      </a:schemeClr>
+                    </a:solidFill>
+                    <a:latin typeface="Arial" panose="020B0604020202020204" pitchFamily="34" charset="0"/>
+                    <a:cs typeface="Arial" panose="020B0604020202020204" pitchFamily="34" charset="0"/>
+                  </a:endParaRPr>
+                </a:p>
+              </p:txBody>
+            </p:sp>
+          </p:grpSp>
+          <p:grpSp>
+            <p:nvGrpSpPr>
+              <p:cNvPr id="48" name="グループ化 47">
+                <a:extLst>
+                  <a:ext uri="{FF2B5EF4-FFF2-40B4-BE49-F238E27FC236}">
+                    <a16:creationId xmlns:a16="http://schemas.microsoft.com/office/drawing/2014/main" id="{5D3248F9-69C6-406F-B1D6-1D2998BE0DE2}"/>
+                  </a:ext>
+                </a:extLst>
+              </p:cNvPr>
+              <p:cNvGrpSpPr/>
+              <p:nvPr/>
+            </p:nvGrpSpPr>
+            <p:grpSpPr>
+              <a:xfrm>
+                <a:off x="13494928" y="1553778"/>
+                <a:ext cx="2284238" cy="1446177"/>
+                <a:chOff x="9255485" y="5637245"/>
+                <a:chExt cx="2284238" cy="1446177"/>
+              </a:xfrm>
+            </p:grpSpPr>
+            <p:sp>
+              <p:nvSpPr>
+                <p:cNvPr id="50" name="正方形/長方形 49">
+                  <a:extLst>
+                    <a:ext uri="{FF2B5EF4-FFF2-40B4-BE49-F238E27FC236}">
+                      <a16:creationId xmlns:a16="http://schemas.microsoft.com/office/drawing/2014/main" id="{D8F20FCF-5DA1-497F-8473-A275BB8E8237}"/>
+                    </a:ext>
+                  </a:extLst>
+                </p:cNvPr>
+                <p:cNvSpPr/>
+                <p:nvPr/>
+              </p:nvSpPr>
+              <p:spPr>
+                <a:xfrm>
+                  <a:off x="9255485" y="5637245"/>
+                  <a:ext cx="2284238" cy="1362596"/>
+                </a:xfrm>
+                <a:prstGeom prst="rect">
+                  <a:avLst/>
+                </a:prstGeom>
+                <a:solidFill>
+                  <a:srgbClr val="FDF3ED"/>
+                </a:solidFill>
+              </p:spPr>
+              <p:style>
+                <a:lnRef idx="0">
+                  <a:schemeClr val="accent2"/>
+                </a:lnRef>
+                <a:fillRef idx="3">
+                  <a:schemeClr val="accent2"/>
+                </a:fillRef>
+                <a:effectRef idx="3">
+                  <a:schemeClr val="accent2"/>
+                </a:effectRef>
+                <a:fontRef idx="minor">
+                  <a:schemeClr val="lt1"/>
+                </a:fontRef>
+              </p:style>
+              <p:txBody>
+                <a:bodyPr rot="0" spcFirstLastPara="0" vertOverflow="overflow" horzOverflow="overflow" vert="horz" wrap="square" lIns="91440" tIns="45720" rIns="91440" bIns="45720" numCol="1" spcCol="0" rtlCol="0" fromWordArt="0" anchor="ctr" anchorCtr="0" forceAA="0" compatLnSpc="1">
+                  <a:prstTxWarp prst="textNoShape">
+                    <a:avLst/>
+                  </a:prstTxWarp>
+                  <a:noAutofit/>
+                </a:bodyPr>
+                <a:lstStyle/>
+                <a:p>
+                  <a:pPr algn="ctr"/>
+                  <a:endParaRPr kumimoji="1" lang="ja-JP" altLang="en-US" dirty="0"/>
+                </a:p>
+              </p:txBody>
+            </p:sp>
+            <p:pic>
+              <p:nvPicPr>
+                <p:cNvPr id="11" name="図 10">
+                  <a:extLst>
+                    <a:ext uri="{FF2B5EF4-FFF2-40B4-BE49-F238E27FC236}">
+                      <a16:creationId xmlns:a16="http://schemas.microsoft.com/office/drawing/2014/main" id="{0030308D-2499-48A0-AC1D-6AA381285356}"/>
+                    </a:ext>
+                  </a:extLst>
+                </p:cNvPr>
+                <p:cNvPicPr>
+                  <a:picLocks noChangeAspect="1"/>
+                </p:cNvPicPr>
+                <p:nvPr/>
+              </p:nvPicPr>
+              <p:blipFill>
+                <a:blip r:embed="rId4"/>
+                <a:stretch>
+                  <a:fillRect/>
+                </a:stretch>
+              </p:blipFill>
+              <p:spPr>
+                <a:xfrm>
+                  <a:off x="9421439" y="5790929"/>
+                  <a:ext cx="1063412" cy="1063412"/>
+                </a:xfrm>
+                <a:prstGeom prst="rect">
+                  <a:avLst/>
+                </a:prstGeom>
+              </p:spPr>
+            </p:pic>
+            <p:sp>
+              <p:nvSpPr>
+                <p:cNvPr id="12" name="テキスト ボックス 11">
+                  <a:extLst>
+                    <a:ext uri="{FF2B5EF4-FFF2-40B4-BE49-F238E27FC236}">
+                      <a16:creationId xmlns:a16="http://schemas.microsoft.com/office/drawing/2014/main" id="{9726CD11-1D52-47B1-921C-526833A22A88}"/>
+                    </a:ext>
+                  </a:extLst>
+                </p:cNvPr>
+                <p:cNvSpPr txBox="1"/>
+                <p:nvPr/>
+              </p:nvSpPr>
+              <p:spPr>
+                <a:xfrm>
+                  <a:off x="10504730" y="5999471"/>
+                  <a:ext cx="1034993" cy="1083951"/>
+                </a:xfrm>
+                <a:prstGeom prst="rect">
+                  <a:avLst/>
+                </a:prstGeom>
+                <a:noFill/>
+              </p:spPr>
+              <p:txBody>
+                <a:bodyPr wrap="square" rtlCol="0">
+                  <a:spAutoFit/>
+                </a:bodyPr>
+                <a:lstStyle/>
+                <a:p>
+                  <a:r>
+                    <a:rPr lang="en-US" altLang="ja-JP" dirty="0">
+                      <a:solidFill>
+                        <a:schemeClr val="bg1">
+                          <a:lumMod val="50000"/>
+                        </a:schemeClr>
+                      </a:solidFill>
+                      <a:latin typeface="Arial" panose="020B0604020202020204" pitchFamily="34" charset="0"/>
+                      <a:cs typeface="Arial" panose="020B0604020202020204" pitchFamily="34" charset="0"/>
+                    </a:rPr>
+                    <a:t>Artifact Registry</a:t>
+                  </a:r>
+                  <a:endParaRPr lang="ja-JP" altLang="en-US" dirty="0">
+                    <a:solidFill>
+                      <a:schemeClr val="bg1">
+                        <a:lumMod val="50000"/>
+                      </a:schemeClr>
+                    </a:solidFill>
+                    <a:latin typeface="Arial" panose="020B0604020202020204" pitchFamily="34" charset="0"/>
+                    <a:cs typeface="Arial" panose="020B0604020202020204" pitchFamily="34" charset="0"/>
+                  </a:endParaRPr>
+                </a:p>
+              </p:txBody>
+            </p:sp>
+          </p:grpSp>
+          <p:sp>
+            <p:nvSpPr>
+              <p:cNvPr id="13" name="テキスト ボックス 12">
+                <a:extLst>
+                  <a:ext uri="{FF2B5EF4-FFF2-40B4-BE49-F238E27FC236}">
+                    <a16:creationId xmlns:a16="http://schemas.microsoft.com/office/drawing/2014/main" id="{8C4F84A3-D11D-49FA-B769-38E412A50325}"/>
+                  </a:ext>
+                </a:extLst>
+              </p:cNvPr>
+              <p:cNvSpPr txBox="1"/>
+              <p:nvPr/>
+            </p:nvSpPr>
+            <p:spPr>
+              <a:xfrm>
+                <a:off x="13362057" y="2954281"/>
+                <a:ext cx="2724474" cy="753411"/>
+              </a:xfrm>
+              <a:prstGeom prst="rect">
+                <a:avLst/>
+              </a:prstGeom>
+              <a:noFill/>
+            </p:spPr>
+            <p:txBody>
+              <a:bodyPr wrap="square" rtlCol="0">
+                <a:spAutoFit/>
+              </a:bodyPr>
+              <a:lstStyle/>
+              <a:p>
+                <a:r>
+                  <a:rPr lang="ja-JP" altLang="en-US" dirty="0">
+                    <a:solidFill>
+                      <a:schemeClr val="bg1">
+                        <a:lumMod val="50000"/>
+                      </a:schemeClr>
+                    </a:solidFill>
+                    <a:latin typeface="HGPｺﾞｼｯｸM" panose="020B0600000000000000" pitchFamily="50" charset="-128"/>
+                    <a:ea typeface="HGPｺﾞｼｯｸM" panose="020B0600000000000000" pitchFamily="50" charset="-128"/>
+                    <a:cs typeface="Arial" panose="020B0604020202020204" pitchFamily="34" charset="0"/>
+                  </a:rPr>
+                  <a:t>ビルド済コンテナイメージの保存・管理</a:t>
+                </a:r>
+                <a:endParaRPr lang="en-US" altLang="ja-JP" dirty="0">
+                  <a:solidFill>
+                    <a:schemeClr val="bg1">
+                      <a:lumMod val="50000"/>
+                    </a:schemeClr>
+                  </a:solidFill>
+                  <a:latin typeface="HGPｺﾞｼｯｸM" panose="020B0600000000000000" pitchFamily="50" charset="-128"/>
+                  <a:ea typeface="HGPｺﾞｼｯｸM" panose="020B0600000000000000" pitchFamily="50" charset="-128"/>
+                  <a:cs typeface="Arial" panose="020B0604020202020204" pitchFamily="34" charset="0"/>
+                </a:endParaRPr>
+              </a:p>
+            </p:txBody>
+          </p:sp>
+          <p:cxnSp>
+            <p:nvCxnSpPr>
+              <p:cNvPr id="14" name="直線矢印コネクタ 13">
+                <a:extLst>
+                  <a:ext uri="{FF2B5EF4-FFF2-40B4-BE49-F238E27FC236}">
+                    <a16:creationId xmlns:a16="http://schemas.microsoft.com/office/drawing/2014/main" id="{45B930A2-4E43-4B13-93B6-2BBB27B0FFED}"/>
+                  </a:ext>
+                </a:extLst>
+              </p:cNvPr>
+              <p:cNvCxnSpPr>
+                <a:cxnSpLocks/>
+              </p:cNvCxnSpPr>
+              <p:nvPr/>
+            </p:nvCxnSpPr>
+            <p:spPr>
+              <a:xfrm>
+                <a:off x="16072139" y="7099006"/>
+                <a:ext cx="2353946" cy="2353947"/>
+              </a:xfrm>
+              <a:prstGeom prst="straightConnector1">
+                <a:avLst/>
+              </a:prstGeom>
+              <a:ln>
+                <a:tailEnd type="triangle"/>
+              </a:ln>
+            </p:spPr>
+            <p:style>
+              <a:lnRef idx="1">
+                <a:schemeClr val="accent1"/>
+              </a:lnRef>
+              <a:fillRef idx="0">
+                <a:schemeClr val="accent1"/>
+              </a:fillRef>
+              <a:effectRef idx="0">
+                <a:schemeClr val="accent1"/>
+              </a:effectRef>
+              <a:fontRef idx="minor">
+                <a:schemeClr val="tx1"/>
+              </a:fontRef>
+            </p:style>
+          </p:cxnSp>
+          <p:grpSp>
+            <p:nvGrpSpPr>
+              <p:cNvPr id="55" name="グループ化 54">
+                <a:extLst>
+                  <a:ext uri="{FF2B5EF4-FFF2-40B4-BE49-F238E27FC236}">
+                    <a16:creationId xmlns:a16="http://schemas.microsoft.com/office/drawing/2014/main" id="{548E97A1-62C3-46C2-89AB-812A999DB698}"/>
+                  </a:ext>
+                </a:extLst>
+              </p:cNvPr>
+              <p:cNvGrpSpPr/>
+              <p:nvPr/>
+            </p:nvGrpSpPr>
+            <p:grpSpPr>
+              <a:xfrm>
+                <a:off x="14709535" y="3677847"/>
+                <a:ext cx="1079757" cy="1781387"/>
+                <a:chOff x="12863008" y="2405271"/>
+                <a:chExt cx="1079757" cy="1781387"/>
+              </a:xfrm>
+            </p:grpSpPr>
+            <p:cxnSp>
+              <p:nvCxnSpPr>
+                <p:cNvPr id="9" name="直線矢印コネクタ 8">
+                  <a:extLst>
+                    <a:ext uri="{FF2B5EF4-FFF2-40B4-BE49-F238E27FC236}">
+                      <a16:creationId xmlns:a16="http://schemas.microsoft.com/office/drawing/2014/main" id="{8294E087-3790-4228-BD6E-23B673B2C566}"/>
+                    </a:ext>
+                  </a:extLst>
+                </p:cNvPr>
+                <p:cNvCxnSpPr>
+                  <a:cxnSpLocks/>
+                </p:cNvCxnSpPr>
+                <p:nvPr/>
+              </p:nvCxnSpPr>
+              <p:spPr>
+                <a:xfrm rot="5400000">
+                  <a:off x="11972314" y="3295965"/>
+                  <a:ext cx="1781387" cy="0"/>
+                </a:xfrm>
+                <a:prstGeom prst="straightConnector1">
+                  <a:avLst/>
+                </a:prstGeom>
+                <a:ln>
+                  <a:tailEnd type="triangle"/>
+                </a:ln>
+              </p:spPr>
+              <p:style>
+                <a:lnRef idx="1">
+                  <a:schemeClr val="accent1"/>
+                </a:lnRef>
+                <a:fillRef idx="0">
+                  <a:schemeClr val="accent1"/>
+                </a:fillRef>
+                <a:effectRef idx="0">
+                  <a:schemeClr val="accent1"/>
+                </a:effectRef>
+                <a:fontRef idx="minor">
+                  <a:schemeClr val="tx1"/>
+                </a:fontRef>
+              </p:style>
+            </p:cxnSp>
+            <p:sp>
+              <p:nvSpPr>
+                <p:cNvPr id="16" name="テキスト ボックス 15">
+                  <a:extLst>
+                    <a:ext uri="{FF2B5EF4-FFF2-40B4-BE49-F238E27FC236}">
+                      <a16:creationId xmlns:a16="http://schemas.microsoft.com/office/drawing/2014/main" id="{96439FE2-B64F-4B4A-AEB4-72A9195079F1}"/>
+                    </a:ext>
+                  </a:extLst>
+                </p:cNvPr>
+                <p:cNvSpPr txBox="1"/>
+                <p:nvPr/>
+              </p:nvSpPr>
+              <p:spPr>
+                <a:xfrm>
+                  <a:off x="12879353" y="2881532"/>
+                  <a:ext cx="1063412" cy="422873"/>
+                </a:xfrm>
+                <a:prstGeom prst="rect">
+                  <a:avLst/>
+                </a:prstGeom>
+                <a:noFill/>
+              </p:spPr>
+              <p:txBody>
+                <a:bodyPr wrap="square" rtlCol="0">
+                  <a:spAutoFit/>
+                </a:bodyPr>
+                <a:lstStyle/>
+                <a:p>
+                  <a:r>
+                    <a:rPr lang="ja-JP" altLang="en-US" dirty="0">
+                      <a:solidFill>
+                        <a:schemeClr val="bg1">
+                          <a:lumMod val="50000"/>
+                        </a:schemeClr>
+                      </a:solidFill>
+                      <a:latin typeface="HGPｺﾞｼｯｸM" panose="020B0600000000000000" pitchFamily="50" charset="-128"/>
+                      <a:ea typeface="HGPｺﾞｼｯｸM" panose="020B0600000000000000" pitchFamily="50" charset="-128"/>
+                      <a:cs typeface="Arial" panose="020B0604020202020204" pitchFamily="34" charset="0"/>
+                    </a:rPr>
+                    <a:t>デプロイ</a:t>
+                  </a:r>
+                  <a:endParaRPr lang="en-US" altLang="ja-JP" dirty="0">
+                    <a:solidFill>
+                      <a:schemeClr val="bg1">
+                        <a:lumMod val="50000"/>
+                      </a:schemeClr>
+                    </a:solidFill>
+                    <a:latin typeface="HGPｺﾞｼｯｸM" panose="020B0600000000000000" pitchFamily="50" charset="-128"/>
+                    <a:ea typeface="HGPｺﾞｼｯｸM" panose="020B0600000000000000" pitchFamily="50" charset="-128"/>
+                    <a:cs typeface="Arial" panose="020B0604020202020204" pitchFamily="34" charset="0"/>
+                  </a:endParaRPr>
+                </a:p>
+              </p:txBody>
+            </p:sp>
+          </p:grpSp>
+          <p:grpSp>
+            <p:nvGrpSpPr>
+              <p:cNvPr id="1025" name="グループ化 1024">
+                <a:extLst>
+                  <a:ext uri="{FF2B5EF4-FFF2-40B4-BE49-F238E27FC236}">
+                    <a16:creationId xmlns:a16="http://schemas.microsoft.com/office/drawing/2014/main" id="{0BF7BAA2-F8E9-4D8D-8126-C3AE55C13BAD}"/>
+                  </a:ext>
+                </a:extLst>
+              </p:cNvPr>
+              <p:cNvGrpSpPr/>
+              <p:nvPr/>
+            </p:nvGrpSpPr>
+            <p:grpSpPr>
+              <a:xfrm>
+                <a:off x="13494928" y="5520533"/>
+                <a:ext cx="2403938" cy="1612961"/>
+                <a:chOff x="11694703" y="4440238"/>
+                <a:chExt cx="2403938" cy="1612961"/>
+              </a:xfrm>
+            </p:grpSpPr>
+            <p:sp>
+              <p:nvSpPr>
+                <p:cNvPr id="68" name="正方形/長方形 67">
+                  <a:extLst>
+                    <a:ext uri="{FF2B5EF4-FFF2-40B4-BE49-F238E27FC236}">
+                      <a16:creationId xmlns:a16="http://schemas.microsoft.com/office/drawing/2014/main" id="{72A3CAE9-B75B-4C64-B854-3B12CEB3EF7F}"/>
+                    </a:ext>
+                  </a:extLst>
+                </p:cNvPr>
+                <p:cNvSpPr/>
+                <p:nvPr/>
+              </p:nvSpPr>
+              <p:spPr>
+                <a:xfrm>
+                  <a:off x="11814403" y="4440238"/>
+                  <a:ext cx="2284238" cy="1362596"/>
+                </a:xfrm>
+                <a:prstGeom prst="rect">
+                  <a:avLst/>
+                </a:prstGeom>
+                <a:solidFill>
+                  <a:srgbClr val="FDF3ED"/>
+                </a:solidFill>
+              </p:spPr>
+              <p:style>
+                <a:lnRef idx="0">
+                  <a:schemeClr val="accent2"/>
+                </a:lnRef>
+                <a:fillRef idx="3">
+                  <a:schemeClr val="accent2"/>
+                </a:fillRef>
+                <a:effectRef idx="3">
+                  <a:schemeClr val="accent2"/>
+                </a:effectRef>
+                <a:fontRef idx="minor">
+                  <a:schemeClr val="lt1"/>
+                </a:fontRef>
+              </p:style>
+              <p:txBody>
+                <a:bodyPr rot="0" spcFirstLastPara="0" vertOverflow="overflow" horzOverflow="overflow" vert="horz" wrap="square" lIns="91440" tIns="45720" rIns="91440" bIns="45720" numCol="1" spcCol="0" rtlCol="0" fromWordArt="0" anchor="ctr" anchorCtr="0" forceAA="0" compatLnSpc="1">
+                  <a:prstTxWarp prst="textNoShape">
+                    <a:avLst/>
+                  </a:prstTxWarp>
+                  <a:noAutofit/>
+                </a:bodyPr>
+                <a:lstStyle/>
+                <a:p>
+                  <a:pPr algn="ctr"/>
+                  <a:endParaRPr kumimoji="1" lang="ja-JP" altLang="en-US" dirty="0"/>
+                </a:p>
+              </p:txBody>
+            </p:sp>
+            <p:sp>
+              <p:nvSpPr>
+                <p:cNvPr id="59" name="正方形/長方形 58">
+                  <a:extLst>
+                    <a:ext uri="{FF2B5EF4-FFF2-40B4-BE49-F238E27FC236}">
+                      <a16:creationId xmlns:a16="http://schemas.microsoft.com/office/drawing/2014/main" id="{F45C3853-42BE-4FDB-A1F5-FACA32B84C74}"/>
+                    </a:ext>
+                  </a:extLst>
+                </p:cNvPr>
+                <p:cNvSpPr/>
+                <p:nvPr/>
+              </p:nvSpPr>
+              <p:spPr>
+                <a:xfrm>
+                  <a:off x="11694703" y="4563179"/>
+                  <a:ext cx="2284238" cy="1362596"/>
+                </a:xfrm>
+                <a:prstGeom prst="rect">
+                  <a:avLst/>
+                </a:prstGeom>
+                <a:solidFill>
+                  <a:srgbClr val="FDF3ED"/>
+                </a:solidFill>
+              </p:spPr>
+              <p:style>
+                <a:lnRef idx="0">
+                  <a:schemeClr val="accent2"/>
+                </a:lnRef>
+                <a:fillRef idx="3">
+                  <a:schemeClr val="accent2"/>
+                </a:fillRef>
+                <a:effectRef idx="3">
+                  <a:schemeClr val="accent2"/>
+                </a:effectRef>
+                <a:fontRef idx="minor">
+                  <a:schemeClr val="lt1"/>
+                </a:fontRef>
+              </p:style>
+              <p:txBody>
+                <a:bodyPr rot="0" spcFirstLastPara="0" vertOverflow="overflow" horzOverflow="overflow" vert="horz" wrap="square" lIns="91440" tIns="45720" rIns="91440" bIns="45720" numCol="1" spcCol="0" rtlCol="0" fromWordArt="0" anchor="ctr" anchorCtr="0" forceAA="0" compatLnSpc="1">
+                  <a:prstTxWarp prst="textNoShape">
+                    <a:avLst/>
+                  </a:prstTxWarp>
+                  <a:noAutofit/>
+                </a:bodyPr>
+                <a:lstStyle/>
+                <a:p>
+                  <a:pPr algn="ctr"/>
+                  <a:endParaRPr kumimoji="1" lang="ja-JP" altLang="en-US" dirty="0"/>
+                </a:p>
+              </p:txBody>
+            </p:sp>
+            <p:pic>
+              <p:nvPicPr>
+                <p:cNvPr id="17" name="図 16">
+                  <a:extLst>
+                    <a:ext uri="{FF2B5EF4-FFF2-40B4-BE49-F238E27FC236}">
+                      <a16:creationId xmlns:a16="http://schemas.microsoft.com/office/drawing/2014/main" id="{65783604-5095-424A-963C-65E92B5446A2}"/>
+                    </a:ext>
+                  </a:extLst>
+                </p:cNvPr>
+                <p:cNvPicPr>
+                  <a:picLocks noChangeAspect="1"/>
+                </p:cNvPicPr>
+                <p:nvPr/>
+              </p:nvPicPr>
+              <p:blipFill>
+                <a:blip r:embed="rId5"/>
+                <a:stretch>
+                  <a:fillRect/>
+                </a:stretch>
+              </p:blipFill>
+              <p:spPr>
+                <a:xfrm>
+                  <a:off x="11799692" y="4716863"/>
+                  <a:ext cx="1063406" cy="1063406"/>
+                </a:xfrm>
+                <a:prstGeom prst="rect">
+                  <a:avLst/>
+                </a:prstGeom>
+              </p:spPr>
+            </p:pic>
+            <p:sp>
+              <p:nvSpPr>
+                <p:cNvPr id="18" name="テキスト ボックス 17">
+                  <a:extLst>
+                    <a:ext uri="{FF2B5EF4-FFF2-40B4-BE49-F238E27FC236}">
+                      <a16:creationId xmlns:a16="http://schemas.microsoft.com/office/drawing/2014/main" id="{9EE703A7-E1B1-4B5A-9293-6C51349F80EC}"/>
+                    </a:ext>
+                  </a:extLst>
+                </p:cNvPr>
+                <p:cNvSpPr txBox="1"/>
+                <p:nvPr/>
+              </p:nvSpPr>
+              <p:spPr>
+                <a:xfrm>
+                  <a:off x="12985023" y="4969248"/>
+                  <a:ext cx="877147" cy="1083951"/>
+                </a:xfrm>
+                <a:prstGeom prst="rect">
+                  <a:avLst/>
+                </a:prstGeom>
+                <a:noFill/>
+              </p:spPr>
+              <p:txBody>
+                <a:bodyPr wrap="square" rtlCol="0">
+                  <a:spAutoFit/>
+                </a:bodyPr>
+                <a:lstStyle/>
+                <a:p>
+                  <a:r>
+                    <a:rPr lang="en-US" altLang="ja-JP" dirty="0">
+                      <a:solidFill>
+                        <a:schemeClr val="bg1">
+                          <a:lumMod val="50000"/>
+                        </a:schemeClr>
+                      </a:solidFill>
+                      <a:latin typeface="Arial" panose="020B0604020202020204" pitchFamily="34" charset="0"/>
+                      <a:cs typeface="Arial" panose="020B0604020202020204" pitchFamily="34" charset="0"/>
+                    </a:rPr>
+                    <a:t>Cloud</a:t>
+                  </a:r>
+                </a:p>
+                <a:p>
+                  <a:r>
+                    <a:rPr lang="en-US" altLang="ja-JP" dirty="0">
+                      <a:solidFill>
+                        <a:schemeClr val="bg1">
+                          <a:lumMod val="50000"/>
+                        </a:schemeClr>
+                      </a:solidFill>
+                      <a:latin typeface="Arial" panose="020B0604020202020204" pitchFamily="34" charset="0"/>
+                      <a:cs typeface="Arial" panose="020B0604020202020204" pitchFamily="34" charset="0"/>
+                    </a:rPr>
+                    <a:t>Run</a:t>
+                  </a:r>
+                  <a:endParaRPr lang="ja-JP" altLang="en-US" dirty="0">
+                    <a:solidFill>
+                      <a:schemeClr val="bg1">
+                        <a:lumMod val="50000"/>
+                      </a:schemeClr>
+                    </a:solidFill>
+                    <a:latin typeface="Arial" panose="020B0604020202020204" pitchFamily="34" charset="0"/>
+                    <a:cs typeface="Arial" panose="020B0604020202020204" pitchFamily="34" charset="0"/>
+                  </a:endParaRPr>
+                </a:p>
+              </p:txBody>
+            </p:sp>
+          </p:grpSp>
+          <p:grpSp>
+            <p:nvGrpSpPr>
+              <p:cNvPr id="43" name="グループ化 42">
+                <a:extLst>
+                  <a:ext uri="{FF2B5EF4-FFF2-40B4-BE49-F238E27FC236}">
+                    <a16:creationId xmlns:a16="http://schemas.microsoft.com/office/drawing/2014/main" id="{FF08C1FB-9CFE-4418-AE7F-769A2F112943}"/>
+                  </a:ext>
+                </a:extLst>
+              </p:cNvPr>
+              <p:cNvGrpSpPr/>
+              <p:nvPr/>
+            </p:nvGrpSpPr>
+            <p:grpSpPr>
+              <a:xfrm>
+                <a:off x="3864574" y="1553777"/>
+                <a:ext cx="2380077" cy="1362596"/>
+                <a:chOff x="3511017" y="235859"/>
+                <a:chExt cx="2380077" cy="1362596"/>
+              </a:xfrm>
+            </p:grpSpPr>
+            <p:sp>
+              <p:nvSpPr>
+                <p:cNvPr id="40" name="正方形/長方形 39">
+                  <a:extLst>
+                    <a:ext uri="{FF2B5EF4-FFF2-40B4-BE49-F238E27FC236}">
+                      <a16:creationId xmlns:a16="http://schemas.microsoft.com/office/drawing/2014/main" id="{61586DDC-FCBF-4DA7-97DD-EAF06BD5AF76}"/>
+                    </a:ext>
+                  </a:extLst>
+                </p:cNvPr>
+                <p:cNvSpPr/>
+                <p:nvPr/>
+              </p:nvSpPr>
+              <p:spPr>
+                <a:xfrm>
+                  <a:off x="3511017" y="235859"/>
+                  <a:ext cx="2284238" cy="1362596"/>
+                </a:xfrm>
+                <a:prstGeom prst="rect">
+                  <a:avLst/>
+                </a:prstGeom>
+                <a:solidFill>
+                  <a:srgbClr val="FDF3ED"/>
+                </a:solidFill>
+              </p:spPr>
+              <p:style>
+                <a:lnRef idx="0">
+                  <a:schemeClr val="accent2"/>
+                </a:lnRef>
+                <a:fillRef idx="3">
+                  <a:schemeClr val="accent2"/>
+                </a:fillRef>
+                <a:effectRef idx="3">
+                  <a:schemeClr val="accent2"/>
+                </a:effectRef>
+                <a:fontRef idx="minor">
+                  <a:schemeClr val="lt1"/>
+                </a:fontRef>
+              </p:style>
+              <p:txBody>
+                <a:bodyPr rot="0" spcFirstLastPara="0" vertOverflow="overflow" horzOverflow="overflow" vert="horz" wrap="square" lIns="91440" tIns="45720" rIns="91440" bIns="45720" numCol="1" spcCol="0" rtlCol="0" fromWordArt="0" anchor="ctr" anchorCtr="0" forceAA="0" compatLnSpc="1">
+                  <a:prstTxWarp prst="textNoShape">
+                    <a:avLst/>
+                  </a:prstTxWarp>
+                  <a:noAutofit/>
+                </a:bodyPr>
+                <a:lstStyle/>
+                <a:p>
+                  <a:pPr algn="ctr"/>
+                  <a:endParaRPr kumimoji="1" lang="ja-JP" altLang="en-US"/>
+                </a:p>
+              </p:txBody>
+            </p:sp>
+            <p:pic>
+              <p:nvPicPr>
+                <p:cNvPr id="20" name="図 19">
+                  <a:extLst>
+                    <a:ext uri="{FF2B5EF4-FFF2-40B4-BE49-F238E27FC236}">
+                      <a16:creationId xmlns:a16="http://schemas.microsoft.com/office/drawing/2014/main" id="{054A0BBD-6CF2-4932-8E89-39A30AF89657}"/>
+                    </a:ext>
+                  </a:extLst>
+                </p:cNvPr>
+                <p:cNvPicPr>
+                  <a:picLocks noChangeAspect="1"/>
+                </p:cNvPicPr>
+                <p:nvPr/>
+              </p:nvPicPr>
+              <p:blipFill>
+                <a:blip r:embed="rId6">
+                  <a:extLst>
+                    <a:ext uri="{28A0092B-C50C-407E-A947-70E740481C1C}">
+                      <a14:useLocalDpi xmlns:a14="http://schemas.microsoft.com/office/drawing/2010/main" val="0"/>
+                    </a:ext>
+                  </a:extLst>
+                </a:blip>
+                <a:stretch>
+                  <a:fillRect/>
+                </a:stretch>
+              </p:blipFill>
+              <p:spPr>
+                <a:xfrm>
+                  <a:off x="3718743" y="431558"/>
+                  <a:ext cx="974451" cy="954564"/>
+                </a:xfrm>
+                <a:prstGeom prst="rect">
+                  <a:avLst/>
+                </a:prstGeom>
+              </p:spPr>
+            </p:pic>
+            <p:sp>
+              <p:nvSpPr>
+                <p:cNvPr id="23" name="テキスト ボックス 22">
+                  <a:extLst>
+                    <a:ext uri="{FF2B5EF4-FFF2-40B4-BE49-F238E27FC236}">
+                      <a16:creationId xmlns:a16="http://schemas.microsoft.com/office/drawing/2014/main" id="{1AF63369-5588-4258-81BC-26B4F80DF332}"/>
+                    </a:ext>
+                  </a:extLst>
+                </p:cNvPr>
+                <p:cNvSpPr txBox="1"/>
+                <p:nvPr/>
+              </p:nvSpPr>
+              <p:spPr>
+                <a:xfrm>
+                  <a:off x="4785356" y="762363"/>
+                  <a:ext cx="1105738" cy="422873"/>
+                </a:xfrm>
+                <a:prstGeom prst="rect">
+                  <a:avLst/>
+                </a:prstGeom>
+                <a:noFill/>
+              </p:spPr>
+              <p:txBody>
+                <a:bodyPr wrap="square" rtlCol="0">
+                  <a:spAutoFit/>
+                </a:bodyPr>
+                <a:lstStyle/>
+                <a:p>
+                  <a:r>
+                    <a:rPr lang="en-US" altLang="ja-JP" dirty="0">
+                      <a:solidFill>
+                        <a:schemeClr val="bg1">
+                          <a:lumMod val="50000"/>
+                        </a:schemeClr>
+                      </a:solidFill>
+                      <a:latin typeface="Arial" panose="020B0604020202020204" pitchFamily="34" charset="0"/>
+                      <a:cs typeface="Arial" panose="020B0604020202020204" pitchFamily="34" charset="0"/>
+                    </a:rPr>
+                    <a:t>GitHub</a:t>
+                  </a:r>
+                  <a:endParaRPr lang="ja-JP" altLang="en-US" dirty="0">
+                    <a:solidFill>
+                      <a:schemeClr val="bg1">
+                        <a:lumMod val="50000"/>
+                      </a:schemeClr>
+                    </a:solidFill>
+                    <a:latin typeface="Arial" panose="020B0604020202020204" pitchFamily="34" charset="0"/>
+                    <a:cs typeface="Arial" panose="020B0604020202020204" pitchFamily="34" charset="0"/>
+                  </a:endParaRPr>
+                </a:p>
+              </p:txBody>
+            </p:sp>
+          </p:grpSp>
+          <p:grpSp>
+            <p:nvGrpSpPr>
+              <p:cNvPr id="46" name="グループ化 45">
+                <a:extLst>
+                  <a:ext uri="{FF2B5EF4-FFF2-40B4-BE49-F238E27FC236}">
+                    <a16:creationId xmlns:a16="http://schemas.microsoft.com/office/drawing/2014/main" id="{DD55D376-C6D2-4CB6-BBC4-17B22D114671}"/>
+                  </a:ext>
+                </a:extLst>
+              </p:cNvPr>
+              <p:cNvGrpSpPr/>
+              <p:nvPr/>
+            </p:nvGrpSpPr>
+            <p:grpSpPr>
+              <a:xfrm>
+                <a:off x="6368929" y="2173457"/>
+                <a:ext cx="2473641" cy="768057"/>
+                <a:chOff x="5198840" y="870289"/>
+                <a:chExt cx="2473641" cy="768057"/>
+              </a:xfrm>
+            </p:grpSpPr>
+            <p:cxnSp>
+              <p:nvCxnSpPr>
+                <p:cNvPr id="24" name="直線矢印コネクタ 23">
+                  <a:extLst>
+                    <a:ext uri="{FF2B5EF4-FFF2-40B4-BE49-F238E27FC236}">
+                      <a16:creationId xmlns:a16="http://schemas.microsoft.com/office/drawing/2014/main" id="{C99783A5-70AD-4A13-97BA-1CC807C6E570}"/>
+                    </a:ext>
+                  </a:extLst>
+                </p:cNvPr>
+                <p:cNvCxnSpPr>
+                  <a:cxnSpLocks/>
+                </p:cNvCxnSpPr>
+                <p:nvPr/>
+              </p:nvCxnSpPr>
+              <p:spPr>
+                <a:xfrm>
+                  <a:off x="5198840" y="870289"/>
+                  <a:ext cx="2473641" cy="0"/>
+                </a:xfrm>
+                <a:prstGeom prst="straightConnector1">
+                  <a:avLst/>
+                </a:prstGeom>
+                <a:ln>
+                  <a:headEnd type="triangle" w="med" len="med"/>
+                  <a:tailEnd type="triangle" w="med" len="med"/>
+                </a:ln>
+              </p:spPr>
+              <p:style>
+                <a:lnRef idx="1">
+                  <a:schemeClr val="accent1"/>
+                </a:lnRef>
+                <a:fillRef idx="0">
+                  <a:schemeClr val="accent1"/>
+                </a:fillRef>
+                <a:effectRef idx="0">
+                  <a:schemeClr val="accent1"/>
+                </a:effectRef>
+                <a:fontRef idx="minor">
+                  <a:schemeClr val="tx1"/>
+                </a:fontRef>
+              </p:style>
+            </p:cxnSp>
+            <p:sp>
+              <p:nvSpPr>
+                <p:cNvPr id="25" name="テキスト ボックス 24">
+                  <a:extLst>
+                    <a:ext uri="{FF2B5EF4-FFF2-40B4-BE49-F238E27FC236}">
+                      <a16:creationId xmlns:a16="http://schemas.microsoft.com/office/drawing/2014/main" id="{9773E2AC-7C5A-4230-AD0A-A4044C0EB088}"/>
+                    </a:ext>
+                  </a:extLst>
+                </p:cNvPr>
+                <p:cNvSpPr txBox="1"/>
+                <p:nvPr/>
+              </p:nvSpPr>
+              <p:spPr>
+                <a:xfrm>
+                  <a:off x="5369845" y="884935"/>
+                  <a:ext cx="1669625" cy="753411"/>
+                </a:xfrm>
+                <a:prstGeom prst="rect">
+                  <a:avLst/>
+                </a:prstGeom>
+                <a:noFill/>
+              </p:spPr>
+              <p:txBody>
+                <a:bodyPr wrap="square" rtlCol="0">
+                  <a:spAutoFit/>
+                </a:bodyPr>
+                <a:lstStyle/>
+                <a:p>
+                  <a:pPr algn="ctr"/>
+                  <a:r>
+                    <a:rPr lang="ja-JP" altLang="en-US" dirty="0">
+                      <a:solidFill>
+                        <a:schemeClr val="bg1">
+                          <a:lumMod val="50000"/>
+                        </a:schemeClr>
+                      </a:solidFill>
+                      <a:latin typeface="Arial" panose="020B0604020202020204" pitchFamily="34" charset="0"/>
+                      <a:ea typeface="HGPｺﾞｼｯｸM" panose="020B0600000000000000" pitchFamily="50" charset="-128"/>
+                      <a:cs typeface="Arial" panose="020B0604020202020204" pitchFamily="34" charset="0"/>
+                    </a:rPr>
+                    <a:t>変更を</a:t>
+                  </a:r>
+                  <a:endParaRPr lang="en-US" altLang="ja-JP" dirty="0">
+                    <a:solidFill>
+                      <a:schemeClr val="bg1">
+                        <a:lumMod val="50000"/>
+                      </a:schemeClr>
+                    </a:solidFill>
+                    <a:latin typeface="Arial" panose="020B0604020202020204" pitchFamily="34" charset="0"/>
+                    <a:ea typeface="HGPｺﾞｼｯｸM" panose="020B0600000000000000" pitchFamily="50" charset="-128"/>
+                    <a:cs typeface="Arial" panose="020B0604020202020204" pitchFamily="34" charset="0"/>
+                  </a:endParaRPr>
+                </a:p>
+                <a:p>
+                  <a:pPr algn="ctr"/>
+                  <a:r>
+                    <a:rPr lang="ja-JP" altLang="en-US" dirty="0">
+                      <a:solidFill>
+                        <a:schemeClr val="bg1">
+                          <a:lumMod val="50000"/>
+                        </a:schemeClr>
+                      </a:solidFill>
+                      <a:latin typeface="Arial" panose="020B0604020202020204" pitchFamily="34" charset="0"/>
+                      <a:ea typeface="HGPｺﾞｼｯｸM" panose="020B0600000000000000" pitchFamily="50" charset="-128"/>
+                      <a:cs typeface="Arial" panose="020B0604020202020204" pitchFamily="34" charset="0"/>
+                    </a:rPr>
+                    <a:t>検知・監視</a:t>
+                  </a:r>
+                  <a:endParaRPr lang="en-US" altLang="ja-JP" dirty="0">
+                    <a:solidFill>
+                      <a:schemeClr val="bg1">
+                        <a:lumMod val="50000"/>
+                      </a:schemeClr>
+                    </a:solidFill>
+                    <a:latin typeface="Arial" panose="020B0604020202020204" pitchFamily="34" charset="0"/>
+                    <a:ea typeface="HGPｺﾞｼｯｸM" panose="020B0600000000000000" pitchFamily="50" charset="-128"/>
+                    <a:cs typeface="Arial" panose="020B0604020202020204" pitchFamily="34" charset="0"/>
+                  </a:endParaRPr>
+                </a:p>
+              </p:txBody>
+            </p:sp>
+          </p:grpSp>
+          <p:grpSp>
+            <p:nvGrpSpPr>
+              <p:cNvPr id="44" name="グループ化 43">
+                <a:extLst>
+                  <a:ext uri="{FF2B5EF4-FFF2-40B4-BE49-F238E27FC236}">
+                    <a16:creationId xmlns:a16="http://schemas.microsoft.com/office/drawing/2014/main" id="{0A8EDBAD-1306-4C3E-A67C-8A42A1E05BA1}"/>
+                  </a:ext>
+                </a:extLst>
+              </p:cNvPr>
+              <p:cNvGrpSpPr/>
+              <p:nvPr/>
+            </p:nvGrpSpPr>
+            <p:grpSpPr>
+              <a:xfrm>
+                <a:off x="2405653" y="2198426"/>
+                <a:ext cx="1187766" cy="805032"/>
+                <a:chOff x="1296782" y="886939"/>
+                <a:chExt cx="1187766" cy="805032"/>
+              </a:xfrm>
+            </p:grpSpPr>
+            <p:cxnSp>
+              <p:nvCxnSpPr>
+                <p:cNvPr id="26" name="直線矢印コネクタ 25">
+                  <a:extLst>
+                    <a:ext uri="{FF2B5EF4-FFF2-40B4-BE49-F238E27FC236}">
+                      <a16:creationId xmlns:a16="http://schemas.microsoft.com/office/drawing/2014/main" id="{F15314EF-5B6D-4A35-A5DE-1F77DEEAE861}"/>
+                    </a:ext>
+                  </a:extLst>
+                </p:cNvPr>
+                <p:cNvCxnSpPr>
+                  <a:cxnSpLocks/>
+                </p:cNvCxnSpPr>
+                <p:nvPr/>
+              </p:nvCxnSpPr>
+              <p:spPr>
+                <a:xfrm>
+                  <a:off x="1296782" y="886939"/>
+                  <a:ext cx="1174192" cy="0"/>
+                </a:xfrm>
+                <a:prstGeom prst="straightConnector1">
+                  <a:avLst/>
+                </a:prstGeom>
+                <a:ln>
+                  <a:tailEnd type="triangle"/>
+                </a:ln>
+              </p:spPr>
+              <p:style>
+                <a:lnRef idx="1">
+                  <a:schemeClr val="accent1"/>
+                </a:lnRef>
+                <a:fillRef idx="0">
+                  <a:schemeClr val="accent1"/>
+                </a:fillRef>
+                <a:effectRef idx="0">
+                  <a:schemeClr val="accent1"/>
+                </a:effectRef>
+                <a:fontRef idx="minor">
+                  <a:schemeClr val="tx1"/>
+                </a:fontRef>
+              </p:style>
+            </p:cxnSp>
+            <p:sp>
+              <p:nvSpPr>
+                <p:cNvPr id="27" name="テキスト ボックス 26">
+                  <a:extLst>
+                    <a:ext uri="{FF2B5EF4-FFF2-40B4-BE49-F238E27FC236}">
+                      <a16:creationId xmlns:a16="http://schemas.microsoft.com/office/drawing/2014/main" id="{4CC4C144-4C33-41BA-8B2B-CD406552EA1A}"/>
+                    </a:ext>
+                  </a:extLst>
+                </p:cNvPr>
+                <p:cNvSpPr txBox="1"/>
+                <p:nvPr/>
+              </p:nvSpPr>
+              <p:spPr>
+                <a:xfrm>
+                  <a:off x="1296782" y="938560"/>
+                  <a:ext cx="1187766" cy="753411"/>
+                </a:xfrm>
+                <a:prstGeom prst="rect">
+                  <a:avLst/>
+                </a:prstGeom>
+                <a:noFill/>
+              </p:spPr>
+              <p:txBody>
+                <a:bodyPr wrap="square" rtlCol="0">
+                  <a:spAutoFit/>
+                </a:bodyPr>
+                <a:lstStyle/>
+                <a:p>
+                  <a:r>
+                    <a:rPr lang="ja-JP" altLang="en-US" dirty="0">
+                      <a:solidFill>
+                        <a:schemeClr val="bg1">
+                          <a:lumMod val="50000"/>
+                        </a:schemeClr>
+                      </a:solidFill>
+                      <a:latin typeface="Arial" panose="020B0604020202020204" pitchFamily="34" charset="0"/>
+                      <a:cs typeface="Arial" panose="020B0604020202020204" pitchFamily="34" charset="0"/>
+                    </a:rPr>
+                    <a:t>ソースの更新</a:t>
+                  </a:r>
+                </a:p>
+              </p:txBody>
+            </p:sp>
+          </p:grpSp>
+          <p:grpSp>
+            <p:nvGrpSpPr>
+              <p:cNvPr id="62" name="グループ化 61">
+                <a:extLst>
+                  <a:ext uri="{FF2B5EF4-FFF2-40B4-BE49-F238E27FC236}">
+                    <a16:creationId xmlns:a16="http://schemas.microsoft.com/office/drawing/2014/main" id="{E9C0712E-BE93-4375-8345-72CCDFF3D171}"/>
+                  </a:ext>
+                </a:extLst>
+              </p:cNvPr>
+              <p:cNvGrpSpPr/>
+              <p:nvPr/>
+            </p:nvGrpSpPr>
+            <p:grpSpPr>
+              <a:xfrm>
+                <a:off x="17966828" y="1553777"/>
+                <a:ext cx="2284238" cy="1457338"/>
+                <a:chOff x="4373241" y="8848876"/>
+                <a:chExt cx="2284238" cy="1457338"/>
+              </a:xfrm>
+            </p:grpSpPr>
+            <p:sp>
+              <p:nvSpPr>
+                <p:cNvPr id="63" name="正方形/長方形 62">
+                  <a:extLst>
+                    <a:ext uri="{FF2B5EF4-FFF2-40B4-BE49-F238E27FC236}">
+                      <a16:creationId xmlns:a16="http://schemas.microsoft.com/office/drawing/2014/main" id="{E461E8AD-8C3A-4B25-9D4C-CED71EB13644}"/>
+                    </a:ext>
+                  </a:extLst>
+                </p:cNvPr>
+                <p:cNvSpPr/>
+                <p:nvPr/>
+              </p:nvSpPr>
+              <p:spPr>
+                <a:xfrm>
+                  <a:off x="4373241" y="8848876"/>
+                  <a:ext cx="2284238" cy="1362596"/>
+                </a:xfrm>
+                <a:prstGeom prst="rect">
+                  <a:avLst/>
+                </a:prstGeom>
+                <a:solidFill>
+                  <a:srgbClr val="FDF3ED"/>
+                </a:solidFill>
+              </p:spPr>
+              <p:style>
+                <a:lnRef idx="0">
+                  <a:schemeClr val="accent2"/>
+                </a:lnRef>
+                <a:fillRef idx="3">
+                  <a:schemeClr val="accent2"/>
+                </a:fillRef>
+                <a:effectRef idx="3">
+                  <a:schemeClr val="accent2"/>
+                </a:effectRef>
+                <a:fontRef idx="minor">
+                  <a:schemeClr val="lt1"/>
+                </a:fontRef>
+              </p:style>
+              <p:txBody>
+                <a:bodyPr rot="0" spcFirstLastPara="0" vertOverflow="overflow" horzOverflow="overflow" vert="horz" wrap="square" lIns="91440" tIns="45720" rIns="91440" bIns="45720" numCol="1" spcCol="0" rtlCol="0" fromWordArt="0" anchor="ctr" anchorCtr="0" forceAA="0" compatLnSpc="1">
+                  <a:prstTxWarp prst="textNoShape">
+                    <a:avLst/>
+                  </a:prstTxWarp>
+                  <a:noAutofit/>
+                </a:bodyPr>
+                <a:lstStyle/>
+                <a:p>
+                  <a:pPr algn="ctr"/>
+                  <a:endParaRPr kumimoji="1" lang="ja-JP" altLang="en-US" dirty="0"/>
+                </a:p>
+              </p:txBody>
+            </p:sp>
+            <p:pic>
+              <p:nvPicPr>
+                <p:cNvPr id="21" name="図 20">
+                  <a:extLst>
+                    <a:ext uri="{FF2B5EF4-FFF2-40B4-BE49-F238E27FC236}">
+                      <a16:creationId xmlns:a16="http://schemas.microsoft.com/office/drawing/2014/main" id="{BB54CDFE-7E87-4E14-8CE6-C106011630B3}"/>
+                    </a:ext>
+                  </a:extLst>
+                </p:cNvPr>
+                <p:cNvPicPr>
+                  <a:picLocks noChangeAspect="1"/>
+                </p:cNvPicPr>
+                <p:nvPr/>
+              </p:nvPicPr>
+              <p:blipFill>
+                <a:blip r:embed="rId7"/>
+                <a:stretch>
+                  <a:fillRect/>
+                </a:stretch>
+              </p:blipFill>
+              <p:spPr>
+                <a:xfrm>
+                  <a:off x="4405344" y="8998469"/>
+                  <a:ext cx="1063413" cy="1063413"/>
+                </a:xfrm>
+                <a:prstGeom prst="rect">
+                  <a:avLst/>
+                </a:prstGeom>
+              </p:spPr>
+            </p:pic>
+            <p:sp>
+              <p:nvSpPr>
+                <p:cNvPr id="31" name="テキスト ボックス 30">
+                  <a:extLst>
+                    <a:ext uri="{FF2B5EF4-FFF2-40B4-BE49-F238E27FC236}">
+                      <a16:creationId xmlns:a16="http://schemas.microsoft.com/office/drawing/2014/main" id="{F876EF95-AC6B-4D85-943E-27CC01D5AD64}"/>
+                    </a:ext>
+                  </a:extLst>
+                </p:cNvPr>
+                <p:cNvSpPr txBox="1"/>
+                <p:nvPr/>
+              </p:nvSpPr>
+              <p:spPr>
+                <a:xfrm>
+                  <a:off x="5386104" y="9222263"/>
+                  <a:ext cx="1271375" cy="1083951"/>
+                </a:xfrm>
+                <a:prstGeom prst="rect">
+                  <a:avLst/>
+                </a:prstGeom>
+                <a:noFill/>
+              </p:spPr>
+              <p:txBody>
+                <a:bodyPr wrap="square" rtlCol="0">
+                  <a:spAutoFit/>
+                </a:bodyPr>
+                <a:lstStyle/>
+                <a:p>
+                  <a:r>
+                    <a:rPr lang="en-US" altLang="ja-JP" dirty="0">
+                      <a:solidFill>
+                        <a:schemeClr val="bg1">
+                          <a:lumMod val="50000"/>
+                        </a:schemeClr>
+                      </a:solidFill>
+                      <a:latin typeface="Arial" panose="020B0604020202020204" pitchFamily="34" charset="0"/>
+                      <a:cs typeface="Arial" panose="020B0604020202020204" pitchFamily="34" charset="0"/>
+                    </a:rPr>
+                    <a:t>Cloud</a:t>
+                  </a:r>
+                </a:p>
+                <a:p>
+                  <a:r>
+                    <a:rPr lang="en-US" altLang="ja-JP" dirty="0">
+                      <a:solidFill>
+                        <a:schemeClr val="bg1">
+                          <a:lumMod val="50000"/>
+                        </a:schemeClr>
+                      </a:solidFill>
+                      <a:latin typeface="Arial" panose="020B0604020202020204" pitchFamily="34" charset="0"/>
+                      <a:cs typeface="Arial" panose="020B0604020202020204" pitchFamily="34" charset="0"/>
+                    </a:rPr>
+                    <a:t>Scheduler</a:t>
+                  </a:r>
+                  <a:endParaRPr lang="ja-JP" altLang="en-US" dirty="0">
+                    <a:solidFill>
+                      <a:schemeClr val="bg1">
+                        <a:lumMod val="50000"/>
+                      </a:schemeClr>
+                    </a:solidFill>
+                    <a:latin typeface="Arial" panose="020B0604020202020204" pitchFamily="34" charset="0"/>
+                    <a:cs typeface="Arial" panose="020B0604020202020204" pitchFamily="34" charset="0"/>
+                  </a:endParaRPr>
+                </a:p>
+              </p:txBody>
+            </p:sp>
+          </p:grpSp>
+          <p:sp>
+            <p:nvSpPr>
+              <p:cNvPr id="33" name="テキスト ボックス 32">
+                <a:extLst>
+                  <a:ext uri="{FF2B5EF4-FFF2-40B4-BE49-F238E27FC236}">
+                    <a16:creationId xmlns:a16="http://schemas.microsoft.com/office/drawing/2014/main" id="{046EF8E9-D397-4A94-9278-7B47188F1665}"/>
+                  </a:ext>
+                </a:extLst>
+              </p:cNvPr>
+              <p:cNvSpPr txBox="1"/>
+              <p:nvPr/>
+            </p:nvSpPr>
+            <p:spPr>
+              <a:xfrm>
+                <a:off x="16774454" y="3940194"/>
+                <a:ext cx="3303262" cy="646331"/>
+              </a:xfrm>
+              <a:prstGeom prst="rect">
+                <a:avLst/>
+              </a:prstGeom>
+              <a:noFill/>
+            </p:spPr>
+            <p:txBody>
+              <a:bodyPr wrap="square" rtlCol="0">
+                <a:spAutoFit/>
+              </a:bodyPr>
+              <a:lstStyle/>
+              <a:p>
+                <a:pPr algn="ctr"/>
+                <a:r>
+                  <a:rPr lang="ja-JP" altLang="en-US" dirty="0">
+                    <a:solidFill>
+                      <a:schemeClr val="bg1">
+                        <a:lumMod val="50000"/>
+                      </a:schemeClr>
+                    </a:solidFill>
+                    <a:latin typeface="Arial" panose="020B0604020202020204" pitchFamily="34" charset="0"/>
+                    <a:ea typeface="HGPｺﾞｼｯｸM" panose="020B0600000000000000" pitchFamily="50" charset="-128"/>
+                    <a:cs typeface="Arial" panose="020B0604020202020204" pitchFamily="34" charset="0"/>
+                  </a:rPr>
+                  <a:t>定期レポート作成要求</a:t>
+                </a:r>
+                <a:endParaRPr lang="en-US" altLang="ja-JP" dirty="0">
+                  <a:solidFill>
+                    <a:schemeClr val="bg1">
+                      <a:lumMod val="50000"/>
+                    </a:schemeClr>
+                  </a:solidFill>
+                  <a:latin typeface="Arial" panose="020B0604020202020204" pitchFamily="34" charset="0"/>
+                  <a:ea typeface="HGPｺﾞｼｯｸM" panose="020B0600000000000000" pitchFamily="50" charset="-128"/>
+                  <a:cs typeface="Arial" panose="020B0604020202020204" pitchFamily="34" charset="0"/>
+                </a:endParaRPr>
+              </a:p>
+              <a:p>
+                <a:pPr algn="ctr"/>
+                <a:r>
+                  <a:rPr lang="en-US" altLang="ja-JP" dirty="0">
+                    <a:solidFill>
+                      <a:schemeClr val="bg1">
+                        <a:lumMod val="50000"/>
+                      </a:schemeClr>
+                    </a:solidFill>
+                    <a:latin typeface="Arial" panose="020B0604020202020204" pitchFamily="34" charset="0"/>
+                    <a:ea typeface="HGPｺﾞｼｯｸM" panose="020B0600000000000000" pitchFamily="50" charset="-128"/>
+                    <a:cs typeface="Arial" panose="020B0604020202020204" pitchFamily="34" charset="0"/>
+                  </a:rPr>
+                  <a:t>HTTP</a:t>
+                </a:r>
+                <a:r>
+                  <a:rPr lang="ja-JP" altLang="en-US" dirty="0">
+                    <a:solidFill>
+                      <a:schemeClr val="bg1">
+                        <a:lumMod val="50000"/>
+                      </a:schemeClr>
+                    </a:solidFill>
+                    <a:latin typeface="Arial" panose="020B0604020202020204" pitchFamily="34" charset="0"/>
+                    <a:ea typeface="HGPｺﾞｼｯｸM" panose="020B0600000000000000" pitchFamily="50" charset="-128"/>
+                    <a:cs typeface="Arial" panose="020B0604020202020204" pitchFamily="34" charset="0"/>
+                  </a:rPr>
+                  <a:t>リクエスト </a:t>
+                </a:r>
+                <a:r>
+                  <a:rPr lang="en-US" altLang="ja-JP" dirty="0">
+                    <a:solidFill>
+                      <a:schemeClr val="bg1">
+                        <a:lumMod val="50000"/>
+                      </a:schemeClr>
+                    </a:solidFill>
+                    <a:latin typeface="Arial" panose="020B0604020202020204" pitchFamily="34" charset="0"/>
+                    <a:ea typeface="HGPｺﾞｼｯｸM" panose="020B0600000000000000" pitchFamily="50" charset="-128"/>
+                    <a:cs typeface="Arial" panose="020B0604020202020204" pitchFamily="34" charset="0"/>
+                  </a:rPr>
+                  <a:t>(/job/report)</a:t>
+                </a:r>
+              </a:p>
+            </p:txBody>
+          </p:sp>
+          <p:sp>
+            <p:nvSpPr>
+              <p:cNvPr id="35" name="テキスト ボックス 34">
+                <a:extLst>
+                  <a:ext uri="{FF2B5EF4-FFF2-40B4-BE49-F238E27FC236}">
+                    <a16:creationId xmlns:a16="http://schemas.microsoft.com/office/drawing/2014/main" id="{948CEA27-7A2A-4295-B762-D8762413E1E8}"/>
+                  </a:ext>
+                </a:extLst>
+              </p:cNvPr>
+              <p:cNvSpPr txBox="1"/>
+              <p:nvPr/>
+            </p:nvSpPr>
+            <p:spPr>
+              <a:xfrm>
+                <a:off x="18052758" y="3007749"/>
+                <a:ext cx="2091010" cy="1083951"/>
+              </a:xfrm>
+              <a:prstGeom prst="rect">
+                <a:avLst/>
+              </a:prstGeom>
+              <a:noFill/>
+            </p:spPr>
+            <p:txBody>
+              <a:bodyPr wrap="square" rtlCol="0">
+                <a:spAutoFit/>
+              </a:bodyPr>
+              <a:lstStyle/>
+              <a:p>
+                <a:r>
+                  <a:rPr lang="ja-JP" altLang="en-US" dirty="0">
+                    <a:solidFill>
+                      <a:schemeClr val="bg1">
+                        <a:lumMod val="50000"/>
+                      </a:schemeClr>
+                    </a:solidFill>
+                    <a:latin typeface="Arial" panose="020B0604020202020204" pitchFamily="34" charset="0"/>
+                    <a:ea typeface="HGPｺﾞｼｯｸM" panose="020B0600000000000000" pitchFamily="50" charset="-128"/>
+                    <a:cs typeface="Arial" panose="020B0604020202020204" pitchFamily="34" charset="0"/>
+                  </a:rPr>
+                  <a:t>平日朝</a:t>
+                </a:r>
+                <a:r>
+                  <a:rPr lang="en-US" altLang="ja-JP" dirty="0">
+                    <a:solidFill>
+                      <a:schemeClr val="bg1">
+                        <a:lumMod val="50000"/>
+                      </a:schemeClr>
+                    </a:solidFill>
+                    <a:latin typeface="Arial" panose="020B0604020202020204" pitchFamily="34" charset="0"/>
+                    <a:ea typeface="HGPｺﾞｼｯｸM" panose="020B0600000000000000" pitchFamily="50" charset="-128"/>
+                    <a:cs typeface="Arial" panose="020B0604020202020204" pitchFamily="34" charset="0"/>
+                  </a:rPr>
+                  <a:t>9</a:t>
+                </a:r>
+                <a:r>
+                  <a:rPr lang="ja-JP" altLang="en-US" dirty="0">
+                    <a:solidFill>
+                      <a:schemeClr val="bg1">
+                        <a:lumMod val="50000"/>
+                      </a:schemeClr>
+                    </a:solidFill>
+                    <a:latin typeface="Arial" panose="020B0604020202020204" pitchFamily="34" charset="0"/>
+                    <a:ea typeface="HGPｺﾞｼｯｸM" panose="020B0600000000000000" pitchFamily="50" charset="-128"/>
+                    <a:cs typeface="Arial" panose="020B0604020202020204" pitchFamily="34" charset="0"/>
+                  </a:rPr>
+                  <a:t>時</a:t>
+                </a:r>
+                <a:endParaRPr lang="en-US" altLang="ja-JP" dirty="0">
+                  <a:solidFill>
+                    <a:schemeClr val="bg1">
+                      <a:lumMod val="50000"/>
+                    </a:schemeClr>
+                  </a:solidFill>
+                  <a:latin typeface="Arial" panose="020B0604020202020204" pitchFamily="34" charset="0"/>
+                  <a:ea typeface="HGPｺﾞｼｯｸM" panose="020B0600000000000000" pitchFamily="50" charset="-128"/>
+                  <a:cs typeface="Arial" panose="020B0604020202020204" pitchFamily="34" charset="0"/>
+                </a:endParaRPr>
+              </a:p>
+              <a:p>
+                <a:r>
+                  <a:rPr lang="ja-JP" altLang="en-US" dirty="0">
+                    <a:solidFill>
+                      <a:schemeClr val="bg1">
+                        <a:lumMod val="50000"/>
+                      </a:schemeClr>
+                    </a:solidFill>
+                    <a:latin typeface="Arial" panose="020B0604020202020204" pitchFamily="34" charset="0"/>
+                    <a:ea typeface="HGPｺﾞｼｯｸM" panose="020B0600000000000000" pitchFamily="50" charset="-128"/>
+                    <a:cs typeface="Arial" panose="020B0604020202020204" pitchFamily="34" charset="0"/>
+                  </a:rPr>
+                  <a:t>定期実行のトリガー</a:t>
+                </a:r>
+                <a:endParaRPr lang="en-US" altLang="ja-JP" dirty="0">
+                  <a:solidFill>
+                    <a:schemeClr val="bg1">
+                      <a:lumMod val="50000"/>
+                    </a:schemeClr>
+                  </a:solidFill>
+                  <a:latin typeface="Arial" panose="020B0604020202020204" pitchFamily="34" charset="0"/>
+                  <a:ea typeface="HGPｺﾞｼｯｸM" panose="020B0600000000000000" pitchFamily="50" charset="-128"/>
+                  <a:cs typeface="Arial" panose="020B0604020202020204" pitchFamily="34" charset="0"/>
+                </a:endParaRPr>
+              </a:p>
+            </p:txBody>
+          </p:sp>
+          <p:cxnSp>
+            <p:nvCxnSpPr>
+              <p:cNvPr id="36" name="直線矢印コネクタ 35">
+                <a:extLst>
+                  <a:ext uri="{FF2B5EF4-FFF2-40B4-BE49-F238E27FC236}">
+                    <a16:creationId xmlns:a16="http://schemas.microsoft.com/office/drawing/2014/main" id="{40A116C2-6FF4-4802-B945-F11986C6407A}"/>
+                  </a:ext>
+                </a:extLst>
+              </p:cNvPr>
+              <p:cNvCxnSpPr>
+                <a:cxnSpLocks/>
+              </p:cNvCxnSpPr>
+              <p:nvPr/>
+            </p:nvCxnSpPr>
+            <p:spPr>
+              <a:xfrm flipH="1">
+                <a:off x="7213053" y="6409876"/>
+                <a:ext cx="6069394" cy="0"/>
+              </a:xfrm>
+              <a:prstGeom prst="straightConnector1">
+                <a:avLst/>
+              </a:prstGeom>
+              <a:ln>
+                <a:tailEnd type="triangle"/>
+              </a:ln>
+            </p:spPr>
+            <p:style>
+              <a:lnRef idx="1">
+                <a:schemeClr val="accent1"/>
+              </a:lnRef>
+              <a:fillRef idx="0">
+                <a:schemeClr val="accent1"/>
+              </a:fillRef>
+              <a:effectRef idx="0">
+                <a:schemeClr val="accent1"/>
+              </a:effectRef>
+              <a:fontRef idx="minor">
+                <a:schemeClr val="tx1"/>
+              </a:fontRef>
+            </p:style>
+          </p:cxnSp>
+          <p:grpSp>
+            <p:nvGrpSpPr>
+              <p:cNvPr id="60" name="グループ化 59">
+                <a:extLst>
+                  <a:ext uri="{FF2B5EF4-FFF2-40B4-BE49-F238E27FC236}">
+                    <a16:creationId xmlns:a16="http://schemas.microsoft.com/office/drawing/2014/main" id="{2ECA31D7-6BFF-4967-A9F2-1F9387868DD4}"/>
+                  </a:ext>
+                </a:extLst>
+              </p:cNvPr>
+              <p:cNvGrpSpPr/>
+              <p:nvPr/>
+            </p:nvGrpSpPr>
+            <p:grpSpPr>
+              <a:xfrm>
+                <a:off x="18016311" y="5643473"/>
+                <a:ext cx="2284238" cy="1362596"/>
+                <a:chOff x="4281498" y="3110451"/>
+                <a:chExt cx="2284238" cy="1362596"/>
+              </a:xfrm>
+            </p:grpSpPr>
+            <p:sp>
+              <p:nvSpPr>
+                <p:cNvPr id="61" name="正方形/長方形 60">
+                  <a:extLst>
+                    <a:ext uri="{FF2B5EF4-FFF2-40B4-BE49-F238E27FC236}">
+                      <a16:creationId xmlns:a16="http://schemas.microsoft.com/office/drawing/2014/main" id="{0914569E-84DB-4FFB-B24B-A1DA4A16E7A7}"/>
+                    </a:ext>
+                  </a:extLst>
+                </p:cNvPr>
+                <p:cNvSpPr/>
+                <p:nvPr/>
+              </p:nvSpPr>
+              <p:spPr>
+                <a:xfrm>
+                  <a:off x="4281498" y="3110451"/>
+                  <a:ext cx="2284238" cy="1362596"/>
+                </a:xfrm>
+                <a:prstGeom prst="rect">
+                  <a:avLst/>
+                </a:prstGeom>
+                <a:solidFill>
+                  <a:srgbClr val="FDF3ED"/>
+                </a:solidFill>
+              </p:spPr>
+              <p:style>
+                <a:lnRef idx="0">
+                  <a:schemeClr val="accent2"/>
+                </a:lnRef>
+                <a:fillRef idx="3">
+                  <a:schemeClr val="accent2"/>
+                </a:fillRef>
+                <a:effectRef idx="3">
+                  <a:schemeClr val="accent2"/>
+                </a:effectRef>
+                <a:fontRef idx="minor">
+                  <a:schemeClr val="lt1"/>
+                </a:fontRef>
+              </p:style>
+              <p:txBody>
+                <a:bodyPr rot="0" spcFirstLastPara="0" vertOverflow="overflow" horzOverflow="overflow" vert="horz" wrap="square" lIns="91440" tIns="45720" rIns="91440" bIns="45720" numCol="1" spcCol="0" rtlCol="0" fromWordArt="0" anchor="ctr" anchorCtr="0" forceAA="0" compatLnSpc="1">
+                  <a:prstTxWarp prst="textNoShape">
+                    <a:avLst/>
+                  </a:prstTxWarp>
+                  <a:noAutofit/>
+                </a:bodyPr>
+                <a:lstStyle/>
+                <a:p>
+                  <a:pPr algn="ctr"/>
+                  <a:endParaRPr kumimoji="1" lang="ja-JP" altLang="en-US" dirty="0"/>
+                </a:p>
+              </p:txBody>
+            </p:sp>
+            <p:pic>
+              <p:nvPicPr>
+                <p:cNvPr id="30" name="図 29">
+                  <a:extLst>
+                    <a:ext uri="{FF2B5EF4-FFF2-40B4-BE49-F238E27FC236}">
+                      <a16:creationId xmlns:a16="http://schemas.microsoft.com/office/drawing/2014/main" id="{716DF112-D1DE-41E2-8A20-EBD73903BEC7}"/>
+                    </a:ext>
+                  </a:extLst>
+                </p:cNvPr>
+                <p:cNvPicPr>
+                  <a:picLocks noChangeAspect="1"/>
+                </p:cNvPicPr>
+                <p:nvPr/>
+              </p:nvPicPr>
+              <p:blipFill>
+                <a:blip r:embed="rId8"/>
+                <a:stretch>
+                  <a:fillRect/>
+                </a:stretch>
+              </p:blipFill>
+              <p:spPr>
+                <a:xfrm>
+                  <a:off x="4360210" y="3262977"/>
+                  <a:ext cx="1063407" cy="1063407"/>
+                </a:xfrm>
+                <a:prstGeom prst="rect">
+                  <a:avLst/>
+                </a:prstGeom>
+              </p:spPr>
+            </p:pic>
+            <p:sp>
+              <p:nvSpPr>
+                <p:cNvPr id="38" name="テキスト ボックス 37">
+                  <a:extLst>
+                    <a:ext uri="{FF2B5EF4-FFF2-40B4-BE49-F238E27FC236}">
+                      <a16:creationId xmlns:a16="http://schemas.microsoft.com/office/drawing/2014/main" id="{A3F9CDD8-F507-4EDA-BC67-809A483AF78E}"/>
+                    </a:ext>
+                  </a:extLst>
+                </p:cNvPr>
+                <p:cNvSpPr txBox="1"/>
+                <p:nvPr/>
+              </p:nvSpPr>
+              <p:spPr>
+                <a:xfrm>
+                  <a:off x="5390196" y="3631648"/>
+                  <a:ext cx="1149105" cy="753411"/>
+                </a:xfrm>
+                <a:prstGeom prst="rect">
+                  <a:avLst/>
+                </a:prstGeom>
+                <a:noFill/>
+              </p:spPr>
+              <p:txBody>
+                <a:bodyPr wrap="square" rtlCol="0">
+                  <a:spAutoFit/>
+                </a:bodyPr>
+                <a:lstStyle/>
+                <a:p>
+                  <a:r>
+                    <a:rPr lang="en-US" altLang="ja-JP" dirty="0" err="1">
+                      <a:solidFill>
+                        <a:schemeClr val="bg1">
+                          <a:lumMod val="50000"/>
+                        </a:schemeClr>
+                      </a:solidFill>
+                      <a:latin typeface="Arial" panose="020B0604020202020204" pitchFamily="34" charset="0"/>
+                      <a:cs typeface="Arial" panose="020B0604020202020204" pitchFamily="34" charset="0"/>
+                    </a:rPr>
+                    <a:t>Firestore</a:t>
+                  </a:r>
+                  <a:endParaRPr lang="ja-JP" altLang="en-US" dirty="0">
+                    <a:solidFill>
+                      <a:schemeClr val="bg1">
+                        <a:lumMod val="50000"/>
+                      </a:schemeClr>
+                    </a:solidFill>
+                    <a:latin typeface="Arial" panose="020B0604020202020204" pitchFamily="34" charset="0"/>
+                    <a:cs typeface="Arial" panose="020B0604020202020204" pitchFamily="34" charset="0"/>
+                  </a:endParaRPr>
+                </a:p>
+              </p:txBody>
+            </p:sp>
+          </p:grpSp>
+          <p:grpSp>
+            <p:nvGrpSpPr>
+              <p:cNvPr id="45" name="グループ化 44">
+                <a:extLst>
+                  <a:ext uri="{FF2B5EF4-FFF2-40B4-BE49-F238E27FC236}">
+                    <a16:creationId xmlns:a16="http://schemas.microsoft.com/office/drawing/2014/main" id="{6F48539C-F392-449C-90DB-1EF5776A0C1C}"/>
+                  </a:ext>
+                </a:extLst>
+              </p:cNvPr>
+              <p:cNvGrpSpPr/>
+              <p:nvPr/>
+            </p:nvGrpSpPr>
+            <p:grpSpPr>
+              <a:xfrm>
+                <a:off x="1242033" y="1625256"/>
+                <a:ext cx="1063412" cy="1382565"/>
+                <a:chOff x="233370" y="313770"/>
+                <a:chExt cx="1063412" cy="1382565"/>
+              </a:xfrm>
+            </p:grpSpPr>
+            <p:sp>
+              <p:nvSpPr>
+                <p:cNvPr id="22" name="テキスト ボックス 21">
+                  <a:extLst>
+                    <a:ext uri="{FF2B5EF4-FFF2-40B4-BE49-F238E27FC236}">
+                      <a16:creationId xmlns:a16="http://schemas.microsoft.com/office/drawing/2014/main" id="{0678379E-C4E5-45E4-A7E6-AED440CA5FD7}"/>
+                    </a:ext>
+                  </a:extLst>
+                </p:cNvPr>
+                <p:cNvSpPr txBox="1"/>
+                <p:nvPr/>
+              </p:nvSpPr>
+              <p:spPr>
+                <a:xfrm>
+                  <a:off x="233370" y="1273462"/>
+                  <a:ext cx="1063412" cy="422873"/>
+                </a:xfrm>
+                <a:prstGeom prst="rect">
+                  <a:avLst/>
+                </a:prstGeom>
+                <a:noFill/>
+              </p:spPr>
+              <p:txBody>
+                <a:bodyPr wrap="square" rtlCol="0">
+                  <a:spAutoFit/>
+                </a:bodyPr>
+                <a:lstStyle/>
+                <a:p>
+                  <a:pPr algn="ctr"/>
+                  <a:r>
+                    <a:rPr lang="ja-JP" altLang="en-US" dirty="0">
+                      <a:solidFill>
+                        <a:schemeClr val="bg1">
+                          <a:lumMod val="50000"/>
+                        </a:schemeClr>
+                      </a:solidFill>
+                      <a:latin typeface="HGPｺﾞｼｯｸM" panose="020B0600000000000000" pitchFamily="50" charset="-128"/>
+                      <a:ea typeface="HGPｺﾞｼｯｸM" panose="020B0600000000000000" pitchFamily="50" charset="-128"/>
+                      <a:cs typeface="Arial" panose="020B0604020202020204" pitchFamily="34" charset="0"/>
+                    </a:rPr>
+                    <a:t>開発者</a:t>
+                  </a:r>
+                  <a:endParaRPr lang="en-US" altLang="ja-JP" dirty="0">
+                    <a:solidFill>
+                      <a:schemeClr val="bg1">
+                        <a:lumMod val="50000"/>
+                      </a:schemeClr>
+                    </a:solidFill>
+                    <a:latin typeface="HGPｺﾞｼｯｸM" panose="020B0600000000000000" pitchFamily="50" charset="-128"/>
+                    <a:ea typeface="HGPｺﾞｼｯｸM" panose="020B0600000000000000" pitchFamily="50" charset="-128"/>
+                    <a:cs typeface="Arial" panose="020B0604020202020204" pitchFamily="34" charset="0"/>
+                  </a:endParaRPr>
+                </a:p>
+              </p:txBody>
+            </p:sp>
+            <p:pic>
+              <p:nvPicPr>
+                <p:cNvPr id="39" name="グラフィックス 38" descr="プログラマー">
+                  <a:extLst>
+                    <a:ext uri="{FF2B5EF4-FFF2-40B4-BE49-F238E27FC236}">
+                      <a16:creationId xmlns:a16="http://schemas.microsoft.com/office/drawing/2014/main" id="{3DF5B81D-C131-41A1-B6D9-8713C2AD6173}"/>
+                    </a:ext>
+                  </a:extLst>
+                </p:cNvPr>
+                <p:cNvPicPr>
+                  <a:picLocks noChangeAspect="1"/>
+                </p:cNvPicPr>
+                <p:nvPr/>
+              </p:nvPicPr>
+              <p:blipFill>
+                <a:blip r:embed="rId9">
+                  <a:extLst>
+                    <a:ext uri="{28A0092B-C50C-407E-A947-70E740481C1C}">
+                      <a14:useLocalDpi xmlns:a14="http://schemas.microsoft.com/office/drawing/2010/main" val="0"/>
+                    </a:ext>
+                    <a:ext uri="{96DAC541-7B7A-43D3-8B79-37D633B846F1}">
+                      <asvg:svgBlip xmlns:asvg="http://schemas.microsoft.com/office/drawing/2016/SVG/main" r:embed="rId10"/>
+                    </a:ext>
+                  </a:extLst>
+                </a:blip>
+                <a:stretch>
+                  <a:fillRect/>
+                </a:stretch>
+              </p:blipFill>
+              <p:spPr>
+                <a:xfrm>
+                  <a:off x="307876" y="313770"/>
+                  <a:ext cx="914400" cy="914400"/>
+                </a:xfrm>
+                <a:prstGeom prst="rect">
+                  <a:avLst/>
+                </a:prstGeom>
+              </p:spPr>
+            </p:pic>
+          </p:grpSp>
+          <p:grpSp>
+            <p:nvGrpSpPr>
+              <p:cNvPr id="53" name="グループ化 52">
+                <a:extLst>
+                  <a:ext uri="{FF2B5EF4-FFF2-40B4-BE49-F238E27FC236}">
+                    <a16:creationId xmlns:a16="http://schemas.microsoft.com/office/drawing/2014/main" id="{95C797B6-2257-4F4A-B31A-39F44D5A2B17}"/>
+                  </a:ext>
+                </a:extLst>
+              </p:cNvPr>
+              <p:cNvGrpSpPr/>
+              <p:nvPr/>
+            </p:nvGrpSpPr>
+            <p:grpSpPr>
+              <a:xfrm>
+                <a:off x="11448192" y="2173457"/>
+                <a:ext cx="1918596" cy="806712"/>
+                <a:chOff x="9670071" y="900883"/>
+                <a:chExt cx="1918596" cy="806712"/>
+              </a:xfrm>
+            </p:grpSpPr>
+            <p:sp>
+              <p:nvSpPr>
+                <p:cNvPr id="10" name="テキスト ボックス 9">
+                  <a:extLst>
+                    <a:ext uri="{FF2B5EF4-FFF2-40B4-BE49-F238E27FC236}">
+                      <a16:creationId xmlns:a16="http://schemas.microsoft.com/office/drawing/2014/main" id="{B76330FE-F952-4BC3-B517-1C37095869D6}"/>
+                    </a:ext>
+                  </a:extLst>
+                </p:cNvPr>
+                <p:cNvSpPr txBox="1"/>
+                <p:nvPr/>
+              </p:nvSpPr>
+              <p:spPr>
+                <a:xfrm>
+                  <a:off x="9670071" y="954184"/>
+                  <a:ext cx="1918596" cy="753411"/>
+                </a:xfrm>
+                <a:prstGeom prst="rect">
+                  <a:avLst/>
+                </a:prstGeom>
+                <a:noFill/>
+              </p:spPr>
+              <p:txBody>
+                <a:bodyPr wrap="square" rtlCol="0">
+                  <a:spAutoFit/>
+                </a:bodyPr>
+                <a:lstStyle/>
+                <a:p>
+                  <a:r>
+                    <a:rPr lang="ja-JP" altLang="en-US" dirty="0">
+                      <a:solidFill>
+                        <a:schemeClr val="bg1">
+                          <a:lumMod val="50000"/>
+                        </a:schemeClr>
+                      </a:solidFill>
+                      <a:latin typeface="HGPｺﾞｼｯｸM" panose="020B0600000000000000" pitchFamily="50" charset="-128"/>
+                      <a:ea typeface="HGPｺﾞｼｯｸM" panose="020B0600000000000000" pitchFamily="50" charset="-128"/>
+                      <a:cs typeface="Arial" panose="020B0604020202020204" pitchFamily="34" charset="0"/>
+                    </a:rPr>
+                    <a:t>コンテナイメージの作成</a:t>
+                  </a:r>
+                </a:p>
+              </p:txBody>
+            </p:sp>
+            <p:cxnSp>
+              <p:nvCxnSpPr>
+                <p:cNvPr id="54" name="直線矢印コネクタ 53">
+                  <a:extLst>
+                    <a:ext uri="{FF2B5EF4-FFF2-40B4-BE49-F238E27FC236}">
+                      <a16:creationId xmlns:a16="http://schemas.microsoft.com/office/drawing/2014/main" id="{0318F9C2-27BE-4335-9398-41ACED8F86A8}"/>
+                    </a:ext>
+                  </a:extLst>
+                </p:cNvPr>
+                <p:cNvCxnSpPr/>
+                <p:nvPr/>
+              </p:nvCxnSpPr>
+              <p:spPr>
+                <a:xfrm>
+                  <a:off x="9706088" y="900883"/>
+                  <a:ext cx="1781387" cy="0"/>
+                </a:xfrm>
+                <a:prstGeom prst="straightConnector1">
+                  <a:avLst/>
+                </a:prstGeom>
+                <a:ln>
+                  <a:tailEnd type="triangle"/>
+                </a:ln>
+              </p:spPr>
+              <p:style>
+                <a:lnRef idx="1">
+                  <a:schemeClr val="accent1"/>
+                </a:lnRef>
+                <a:fillRef idx="0">
+                  <a:schemeClr val="accent1"/>
+                </a:fillRef>
+                <a:effectRef idx="0">
+                  <a:schemeClr val="accent1"/>
+                </a:effectRef>
+                <a:fontRef idx="minor">
+                  <a:schemeClr val="tx1"/>
+                </a:fontRef>
+              </p:style>
+            </p:cxnSp>
+          </p:grpSp>
+          <p:cxnSp>
+            <p:nvCxnSpPr>
+              <p:cNvPr id="57" name="直線矢印コネクタ 56">
+                <a:extLst>
+                  <a:ext uri="{FF2B5EF4-FFF2-40B4-BE49-F238E27FC236}">
+                    <a16:creationId xmlns:a16="http://schemas.microsoft.com/office/drawing/2014/main" id="{2992BD25-8410-4A20-A004-C5FF7C74CE2E}"/>
+                  </a:ext>
+                </a:extLst>
+              </p:cNvPr>
+              <p:cNvCxnSpPr>
+                <a:cxnSpLocks/>
+              </p:cNvCxnSpPr>
+              <p:nvPr/>
+            </p:nvCxnSpPr>
+            <p:spPr>
+              <a:xfrm>
+                <a:off x="7234073" y="6164670"/>
+                <a:ext cx="6048372" cy="0"/>
+              </a:xfrm>
+              <a:prstGeom prst="straightConnector1">
+                <a:avLst/>
+              </a:prstGeom>
+              <a:ln>
+                <a:tailEnd type="triangle"/>
+              </a:ln>
+            </p:spPr>
+            <p:style>
+              <a:lnRef idx="1">
+                <a:schemeClr val="accent1"/>
+              </a:lnRef>
+              <a:fillRef idx="0">
+                <a:schemeClr val="accent1"/>
+              </a:fillRef>
+              <a:effectRef idx="0">
+                <a:schemeClr val="accent1"/>
+              </a:effectRef>
+              <a:fontRef idx="minor">
+                <a:schemeClr val="tx1"/>
+              </a:fontRef>
+            </p:style>
+          </p:cxnSp>
+          <p:cxnSp>
+            <p:nvCxnSpPr>
+              <p:cNvPr id="66" name="直線矢印コネクタ 65">
+                <a:extLst>
+                  <a:ext uri="{FF2B5EF4-FFF2-40B4-BE49-F238E27FC236}">
+                    <a16:creationId xmlns:a16="http://schemas.microsoft.com/office/drawing/2014/main" id="{C69C5203-FE2D-4D9B-A31F-4A209FC090EF}"/>
+                  </a:ext>
+                </a:extLst>
+              </p:cNvPr>
+              <p:cNvCxnSpPr/>
+              <p:nvPr/>
+            </p:nvCxnSpPr>
+            <p:spPr>
+              <a:xfrm>
+                <a:off x="16085758" y="6239412"/>
+                <a:ext cx="1781387" cy="0"/>
+              </a:xfrm>
+              <a:prstGeom prst="straightConnector1">
+                <a:avLst/>
+              </a:prstGeom>
+              <a:ln>
+                <a:tailEnd type="triangle"/>
+              </a:ln>
+            </p:spPr>
+            <p:style>
+              <a:lnRef idx="1">
+                <a:schemeClr val="accent1"/>
+              </a:lnRef>
+              <a:fillRef idx="0">
+                <a:schemeClr val="accent1"/>
+              </a:fillRef>
+              <a:effectRef idx="0">
+                <a:schemeClr val="accent1"/>
+              </a:effectRef>
+              <a:fontRef idx="minor">
+                <a:schemeClr val="tx1"/>
+              </a:fontRef>
+            </p:style>
+          </p:cxnSp>
+          <p:sp>
+            <p:nvSpPr>
+              <p:cNvPr id="67" name="テキスト ボックス 66">
+                <a:extLst>
+                  <a:ext uri="{FF2B5EF4-FFF2-40B4-BE49-F238E27FC236}">
+                    <a16:creationId xmlns:a16="http://schemas.microsoft.com/office/drawing/2014/main" id="{FD838DEF-9012-493F-87B9-FC0E39BE8D10}"/>
+                  </a:ext>
+                </a:extLst>
+              </p:cNvPr>
+              <p:cNvSpPr txBox="1"/>
+              <p:nvPr/>
+            </p:nvSpPr>
+            <p:spPr>
+              <a:xfrm>
+                <a:off x="16004013" y="6286407"/>
+                <a:ext cx="2091010" cy="753411"/>
+              </a:xfrm>
+              <a:prstGeom prst="rect">
+                <a:avLst/>
+              </a:prstGeom>
+              <a:noFill/>
+            </p:spPr>
+            <p:txBody>
+              <a:bodyPr wrap="square" rtlCol="0">
+                <a:spAutoFit/>
+              </a:bodyPr>
+              <a:lstStyle/>
+              <a:p>
+                <a:r>
+                  <a:rPr lang="ja-JP" altLang="en-US" dirty="0">
+                    <a:solidFill>
+                      <a:schemeClr val="bg1">
+                        <a:lumMod val="50000"/>
+                      </a:schemeClr>
+                    </a:solidFill>
+                    <a:latin typeface="Arial" panose="020B0604020202020204" pitchFamily="34" charset="0"/>
+                    <a:ea typeface="HGPｺﾞｼｯｸM" panose="020B0600000000000000" pitchFamily="50" charset="-128"/>
+                    <a:cs typeface="Arial" panose="020B0604020202020204" pitchFamily="34" charset="0"/>
+                  </a:rPr>
+                  <a:t>データ保存・参照・削除</a:t>
+                </a:r>
+                <a:endParaRPr lang="en-US" altLang="ja-JP" dirty="0">
+                  <a:solidFill>
+                    <a:schemeClr val="bg1">
+                      <a:lumMod val="50000"/>
+                    </a:schemeClr>
+                  </a:solidFill>
+                  <a:latin typeface="Arial" panose="020B0604020202020204" pitchFamily="34" charset="0"/>
+                  <a:ea typeface="HGPｺﾞｼｯｸM" panose="020B0600000000000000" pitchFamily="50" charset="-128"/>
+                  <a:cs typeface="Arial" panose="020B0604020202020204" pitchFamily="34" charset="0"/>
+                </a:endParaRPr>
+              </a:p>
+            </p:txBody>
+          </p:sp>
+          <p:sp>
+            <p:nvSpPr>
+              <p:cNvPr id="70" name="テキスト ボックス 69">
+                <a:extLst>
+                  <a:ext uri="{FF2B5EF4-FFF2-40B4-BE49-F238E27FC236}">
+                    <a16:creationId xmlns:a16="http://schemas.microsoft.com/office/drawing/2014/main" id="{1ED87144-9A0F-44FC-B9A0-9CCFA9EA2F7B}"/>
+                  </a:ext>
+                </a:extLst>
+              </p:cNvPr>
+              <p:cNvSpPr txBox="1"/>
+              <p:nvPr/>
+            </p:nvSpPr>
+            <p:spPr>
+              <a:xfrm>
+                <a:off x="3644455" y="3013584"/>
+                <a:ext cx="2724474" cy="753411"/>
+              </a:xfrm>
+              <a:prstGeom prst="rect">
+                <a:avLst/>
+              </a:prstGeom>
+              <a:noFill/>
+            </p:spPr>
+            <p:txBody>
+              <a:bodyPr wrap="square" rtlCol="0">
+                <a:spAutoFit/>
+              </a:bodyPr>
+              <a:lstStyle/>
+              <a:p>
+                <a:pPr algn="ctr"/>
+                <a:r>
+                  <a:rPr lang="ja-JP" altLang="en-US" dirty="0">
+                    <a:solidFill>
+                      <a:schemeClr val="bg1">
+                        <a:lumMod val="50000"/>
+                      </a:schemeClr>
+                    </a:solidFill>
+                    <a:latin typeface="HGPｺﾞｼｯｸM" panose="020B0600000000000000" pitchFamily="50" charset="-128"/>
+                    <a:ea typeface="HGPｺﾞｼｯｸM" panose="020B0600000000000000" pitchFamily="50" charset="-128"/>
+                    <a:cs typeface="Arial" panose="020B0604020202020204" pitchFamily="34" charset="0"/>
+                  </a:rPr>
+                  <a:t>ソースコード管理システム</a:t>
+                </a:r>
+                <a:endParaRPr lang="en-US" altLang="ja-JP" dirty="0">
+                  <a:solidFill>
+                    <a:schemeClr val="bg1">
+                      <a:lumMod val="50000"/>
+                    </a:schemeClr>
+                  </a:solidFill>
+                  <a:latin typeface="HGPｺﾞｼｯｸM" panose="020B0600000000000000" pitchFamily="50" charset="-128"/>
+                  <a:ea typeface="HGPｺﾞｼｯｸM" panose="020B0600000000000000" pitchFamily="50" charset="-128"/>
+                  <a:cs typeface="Arial" panose="020B0604020202020204" pitchFamily="34" charset="0"/>
+                </a:endParaRPr>
+              </a:p>
+            </p:txBody>
+          </p:sp>
+          <p:sp>
+            <p:nvSpPr>
+              <p:cNvPr id="71" name="テキスト ボックス 70">
+                <a:extLst>
+                  <a:ext uri="{FF2B5EF4-FFF2-40B4-BE49-F238E27FC236}">
+                    <a16:creationId xmlns:a16="http://schemas.microsoft.com/office/drawing/2014/main" id="{6FBDEE2D-46DE-475F-8A1C-CA87929B0C78}"/>
+                  </a:ext>
+                </a:extLst>
+              </p:cNvPr>
+              <p:cNvSpPr txBox="1"/>
+              <p:nvPr/>
+            </p:nvSpPr>
+            <p:spPr>
+              <a:xfrm>
+                <a:off x="8842569" y="3033670"/>
+                <a:ext cx="2724474" cy="422873"/>
+              </a:xfrm>
+              <a:prstGeom prst="rect">
+                <a:avLst/>
+              </a:prstGeom>
+              <a:noFill/>
+            </p:spPr>
+            <p:txBody>
+              <a:bodyPr wrap="square" rtlCol="0">
+                <a:spAutoFit/>
+              </a:bodyPr>
+              <a:lstStyle/>
+              <a:p>
+                <a:pPr algn="ctr"/>
+                <a:r>
+                  <a:rPr lang="en-US" altLang="ja-JP" dirty="0">
+                    <a:solidFill>
+                      <a:schemeClr val="bg1">
+                        <a:lumMod val="50000"/>
+                      </a:schemeClr>
+                    </a:solidFill>
+                    <a:latin typeface="HGPｺﾞｼｯｸM" panose="020B0600000000000000" pitchFamily="50" charset="-128"/>
+                    <a:ea typeface="HGPｺﾞｼｯｸM" panose="020B0600000000000000" pitchFamily="50" charset="-128"/>
+                    <a:cs typeface="Arial" panose="020B0604020202020204" pitchFamily="34" charset="0"/>
+                  </a:rPr>
+                  <a:t>CI</a:t>
+                </a:r>
+                <a:r>
+                  <a:rPr lang="ja-JP" altLang="en-US" dirty="0">
+                    <a:solidFill>
+                      <a:schemeClr val="bg1">
+                        <a:lumMod val="50000"/>
+                      </a:schemeClr>
+                    </a:solidFill>
+                    <a:latin typeface="HGPｺﾞｼｯｸM" panose="020B0600000000000000" pitchFamily="50" charset="-128"/>
+                    <a:ea typeface="HGPｺﾞｼｯｸM" panose="020B0600000000000000" pitchFamily="50" charset="-128"/>
+                    <a:cs typeface="Arial" panose="020B0604020202020204" pitchFamily="34" charset="0"/>
+                  </a:rPr>
+                  <a:t>・ビルドサーバ</a:t>
+                </a:r>
+                <a:endParaRPr lang="en-US" altLang="ja-JP" dirty="0">
+                  <a:solidFill>
+                    <a:schemeClr val="bg1">
+                      <a:lumMod val="50000"/>
+                    </a:schemeClr>
+                  </a:solidFill>
+                  <a:latin typeface="HGPｺﾞｼｯｸM" panose="020B0600000000000000" pitchFamily="50" charset="-128"/>
+                  <a:ea typeface="HGPｺﾞｼｯｸM" panose="020B0600000000000000" pitchFamily="50" charset="-128"/>
+                  <a:cs typeface="Arial" panose="020B0604020202020204" pitchFamily="34" charset="0"/>
+                </a:endParaRPr>
+              </a:p>
+            </p:txBody>
+          </p:sp>
+          <p:grpSp>
+            <p:nvGrpSpPr>
+              <p:cNvPr id="1031" name="グループ化 1030">
+                <a:extLst>
+                  <a:ext uri="{FF2B5EF4-FFF2-40B4-BE49-F238E27FC236}">
+                    <a16:creationId xmlns:a16="http://schemas.microsoft.com/office/drawing/2014/main" id="{83CAE3D4-6EAE-4034-AF09-0461EC8BE192}"/>
+                  </a:ext>
+                </a:extLst>
+              </p:cNvPr>
+              <p:cNvGrpSpPr/>
+              <p:nvPr/>
+            </p:nvGrpSpPr>
+            <p:grpSpPr>
+              <a:xfrm>
+                <a:off x="18033212" y="9678611"/>
+                <a:ext cx="2284238" cy="1449959"/>
+                <a:chOff x="3528931" y="4081933"/>
+                <a:chExt cx="2284238" cy="1449959"/>
+              </a:xfrm>
+            </p:grpSpPr>
+            <p:sp>
+              <p:nvSpPr>
+                <p:cNvPr id="58" name="正方形/長方形 57">
+                  <a:extLst>
+                    <a:ext uri="{FF2B5EF4-FFF2-40B4-BE49-F238E27FC236}">
+                      <a16:creationId xmlns:a16="http://schemas.microsoft.com/office/drawing/2014/main" id="{E3083198-E6DC-48BF-A38F-7C97DD3EFFEA}"/>
+                    </a:ext>
+                  </a:extLst>
+                </p:cNvPr>
+                <p:cNvSpPr/>
+                <p:nvPr/>
+              </p:nvSpPr>
+              <p:spPr>
+                <a:xfrm>
+                  <a:off x="3528931" y="4081933"/>
+                  <a:ext cx="2284238" cy="1362596"/>
+                </a:xfrm>
+                <a:prstGeom prst="rect">
+                  <a:avLst/>
+                </a:prstGeom>
+                <a:solidFill>
+                  <a:srgbClr val="FDF3ED"/>
+                </a:solidFill>
+              </p:spPr>
+              <p:style>
+                <a:lnRef idx="0">
+                  <a:schemeClr val="accent2"/>
+                </a:lnRef>
+                <a:fillRef idx="3">
+                  <a:schemeClr val="accent2"/>
+                </a:fillRef>
+                <a:effectRef idx="3">
+                  <a:schemeClr val="accent2"/>
+                </a:effectRef>
+                <a:fontRef idx="minor">
+                  <a:schemeClr val="lt1"/>
+                </a:fontRef>
+              </p:style>
+              <p:txBody>
+                <a:bodyPr rot="0" spcFirstLastPara="0" vertOverflow="overflow" horzOverflow="overflow" vert="horz" wrap="square" lIns="91440" tIns="45720" rIns="91440" bIns="45720" numCol="1" spcCol="0" rtlCol="0" fromWordArt="0" anchor="ctr" anchorCtr="0" forceAA="0" compatLnSpc="1">
+                  <a:prstTxWarp prst="textNoShape">
+                    <a:avLst/>
+                  </a:prstTxWarp>
+                  <a:noAutofit/>
+                </a:bodyPr>
+                <a:lstStyle/>
+                <a:p>
+                  <a:pPr algn="ctr"/>
+                  <a:endParaRPr kumimoji="1" lang="ja-JP" altLang="en-US" dirty="0"/>
+                </a:p>
+              </p:txBody>
+            </p:sp>
+            <p:pic>
+              <p:nvPicPr>
+                <p:cNvPr id="1029" name="図 1028">
+                  <a:extLst>
+                    <a:ext uri="{FF2B5EF4-FFF2-40B4-BE49-F238E27FC236}">
+                      <a16:creationId xmlns:a16="http://schemas.microsoft.com/office/drawing/2014/main" id="{6F4FE586-AC1C-4B93-8658-C1432536C141}"/>
+                    </a:ext>
+                  </a:extLst>
+                </p:cNvPr>
+                <p:cNvPicPr>
+                  <a:picLocks noChangeAspect="1"/>
+                </p:cNvPicPr>
+                <p:nvPr/>
+              </p:nvPicPr>
+              <p:blipFill>
+                <a:blip r:embed="rId11">
+                  <a:extLst>
+                    <a:ext uri="{28A0092B-C50C-407E-A947-70E740481C1C}">
+                      <a14:useLocalDpi xmlns:a14="http://schemas.microsoft.com/office/drawing/2010/main" val="0"/>
+                    </a:ext>
+                  </a:extLst>
+                </a:blip>
+                <a:stretch>
+                  <a:fillRect/>
+                </a:stretch>
+              </p:blipFill>
+              <p:spPr>
+                <a:xfrm>
+                  <a:off x="3579941" y="4161490"/>
+                  <a:ext cx="1239954" cy="1239954"/>
+                </a:xfrm>
+                <a:prstGeom prst="rect">
+                  <a:avLst/>
+                </a:prstGeom>
+              </p:spPr>
+            </p:pic>
+            <p:sp>
+              <p:nvSpPr>
+                <p:cNvPr id="76" name="テキスト ボックス 75">
+                  <a:extLst>
+                    <a:ext uri="{FF2B5EF4-FFF2-40B4-BE49-F238E27FC236}">
+                      <a16:creationId xmlns:a16="http://schemas.microsoft.com/office/drawing/2014/main" id="{355D6551-0702-4808-90C0-563049C9355D}"/>
+                    </a:ext>
+                  </a:extLst>
+                </p:cNvPr>
+                <p:cNvSpPr txBox="1"/>
+                <p:nvPr/>
+              </p:nvSpPr>
+              <p:spPr>
+                <a:xfrm>
+                  <a:off x="4819895" y="4447941"/>
+                  <a:ext cx="989390" cy="1083951"/>
+                </a:xfrm>
+                <a:prstGeom prst="rect">
+                  <a:avLst/>
+                </a:prstGeom>
+                <a:noFill/>
+              </p:spPr>
+              <p:txBody>
+                <a:bodyPr wrap="square" rtlCol="0">
+                  <a:spAutoFit/>
+                </a:bodyPr>
+                <a:lstStyle/>
+                <a:p>
+                  <a:r>
+                    <a:rPr lang="en-US" altLang="ja-JP" dirty="0">
+                      <a:solidFill>
+                        <a:schemeClr val="bg1">
+                          <a:lumMod val="50000"/>
+                        </a:schemeClr>
+                      </a:solidFill>
+                      <a:latin typeface="Arial" panose="020B0604020202020204" pitchFamily="34" charset="0"/>
+                      <a:cs typeface="Arial" panose="020B0604020202020204" pitchFamily="34" charset="0"/>
+                    </a:rPr>
+                    <a:t>GPT-4o mini</a:t>
+                  </a:r>
+                </a:p>
+              </p:txBody>
+            </p:sp>
+          </p:grpSp>
+          <p:sp>
+            <p:nvSpPr>
+              <p:cNvPr id="80" name="テキスト ボックス 79">
+                <a:extLst>
+                  <a:ext uri="{FF2B5EF4-FFF2-40B4-BE49-F238E27FC236}">
+                    <a16:creationId xmlns:a16="http://schemas.microsoft.com/office/drawing/2014/main" id="{4764639D-9E47-494B-9936-A1FE7C97C267}"/>
+                  </a:ext>
+                </a:extLst>
+              </p:cNvPr>
+              <p:cNvSpPr txBox="1"/>
+              <p:nvPr/>
+            </p:nvSpPr>
+            <p:spPr>
+              <a:xfrm>
+                <a:off x="17462923" y="8295411"/>
+                <a:ext cx="2482551" cy="753411"/>
+              </a:xfrm>
+              <a:prstGeom prst="rect">
+                <a:avLst/>
+              </a:prstGeom>
+              <a:noFill/>
+            </p:spPr>
+            <p:txBody>
+              <a:bodyPr wrap="square" rtlCol="0">
+                <a:spAutoFit/>
+              </a:bodyPr>
+              <a:lstStyle/>
+              <a:p>
+                <a:pPr algn="ctr"/>
+                <a:r>
+                  <a:rPr lang="ja-JP" altLang="en-US" dirty="0">
+                    <a:solidFill>
+                      <a:schemeClr val="bg1">
+                        <a:lumMod val="50000"/>
+                      </a:schemeClr>
+                    </a:solidFill>
+                    <a:latin typeface="Arial" panose="020B0604020202020204" pitchFamily="34" charset="0"/>
+                    <a:ea typeface="HGPｺﾞｼｯｸM" panose="020B0600000000000000" pitchFamily="50" charset="-128"/>
+                    <a:cs typeface="Arial" panose="020B0604020202020204" pitchFamily="34" charset="0"/>
+                  </a:rPr>
+                  <a:t>メッセージ解析要求</a:t>
+                </a:r>
+                <a:endParaRPr lang="en-US" altLang="ja-JP" dirty="0">
+                  <a:solidFill>
+                    <a:schemeClr val="bg1">
+                      <a:lumMod val="50000"/>
+                    </a:schemeClr>
+                  </a:solidFill>
+                  <a:latin typeface="Arial" panose="020B0604020202020204" pitchFamily="34" charset="0"/>
+                  <a:ea typeface="HGPｺﾞｼｯｸM" panose="020B0600000000000000" pitchFamily="50" charset="-128"/>
+                  <a:cs typeface="Arial" panose="020B0604020202020204" pitchFamily="34" charset="0"/>
+                </a:endParaRPr>
+              </a:p>
+              <a:p>
+                <a:pPr algn="ctr"/>
+                <a:r>
+                  <a:rPr lang="en-US" altLang="ja-JP" dirty="0">
+                    <a:solidFill>
+                      <a:schemeClr val="bg1">
+                        <a:lumMod val="50000"/>
+                      </a:schemeClr>
+                    </a:solidFill>
+                    <a:latin typeface="Arial" panose="020B0604020202020204" pitchFamily="34" charset="0"/>
+                    <a:ea typeface="HGPｺﾞｼｯｸM" panose="020B0600000000000000" pitchFamily="50" charset="-128"/>
+                    <a:cs typeface="Arial" panose="020B0604020202020204" pitchFamily="34" charset="0"/>
+                  </a:rPr>
+                  <a:t>HTTPS</a:t>
+                </a:r>
+                <a:r>
+                  <a:rPr lang="ja-JP" altLang="en-US" dirty="0">
+                    <a:solidFill>
+                      <a:schemeClr val="bg1">
+                        <a:lumMod val="50000"/>
+                      </a:schemeClr>
+                    </a:solidFill>
+                    <a:latin typeface="Arial" panose="020B0604020202020204" pitchFamily="34" charset="0"/>
+                    <a:ea typeface="HGPｺﾞｼｯｸM" panose="020B0600000000000000" pitchFamily="50" charset="-128"/>
+                    <a:cs typeface="Arial" panose="020B0604020202020204" pitchFamily="34" charset="0"/>
+                  </a:rPr>
+                  <a:t>リクエスト</a:t>
+                </a:r>
+                <a:endParaRPr lang="en-US" altLang="ja-JP" dirty="0">
+                  <a:solidFill>
+                    <a:schemeClr val="bg1">
+                      <a:lumMod val="50000"/>
+                    </a:schemeClr>
+                  </a:solidFill>
+                  <a:latin typeface="Arial" panose="020B0604020202020204" pitchFamily="34" charset="0"/>
+                  <a:ea typeface="HGPｺﾞｼｯｸM" panose="020B0600000000000000" pitchFamily="50" charset="-128"/>
+                  <a:cs typeface="Arial" panose="020B0604020202020204" pitchFamily="34" charset="0"/>
+                </a:endParaRPr>
+              </a:p>
+            </p:txBody>
+          </p:sp>
+          <p:sp>
+            <p:nvSpPr>
+              <p:cNvPr id="81" name="テキスト ボックス 80">
+                <a:extLst>
+                  <a:ext uri="{FF2B5EF4-FFF2-40B4-BE49-F238E27FC236}">
+                    <a16:creationId xmlns:a16="http://schemas.microsoft.com/office/drawing/2014/main" id="{A2478A3D-07F1-46AC-9BF2-9FFD548921A8}"/>
+                  </a:ext>
+                </a:extLst>
+              </p:cNvPr>
+              <p:cNvSpPr txBox="1"/>
+              <p:nvPr/>
+            </p:nvSpPr>
+            <p:spPr>
+              <a:xfrm>
+                <a:off x="15715731" y="8525155"/>
+                <a:ext cx="1497835" cy="753411"/>
+              </a:xfrm>
+              <a:prstGeom prst="rect">
+                <a:avLst/>
+              </a:prstGeom>
+              <a:noFill/>
+            </p:spPr>
+            <p:txBody>
+              <a:bodyPr wrap="square" rtlCol="0">
+                <a:spAutoFit/>
+              </a:bodyPr>
+              <a:lstStyle/>
+              <a:p>
+                <a:pPr algn="ctr"/>
+                <a:r>
+                  <a:rPr lang="ja-JP" altLang="en-US" dirty="0">
+                    <a:solidFill>
+                      <a:schemeClr val="bg1">
+                        <a:lumMod val="50000"/>
+                      </a:schemeClr>
+                    </a:solidFill>
+                    <a:latin typeface="Arial" panose="020B0604020202020204" pitchFamily="34" charset="0"/>
+                    <a:ea typeface="HGPｺﾞｼｯｸM" panose="020B0600000000000000" pitchFamily="50" charset="-128"/>
+                    <a:cs typeface="Arial" panose="020B0604020202020204" pitchFamily="34" charset="0"/>
+                  </a:rPr>
+                  <a:t>抽出データ（</a:t>
+                </a:r>
+                <a:r>
+                  <a:rPr lang="en-US" altLang="ja-JP" dirty="0">
+                    <a:solidFill>
+                      <a:schemeClr val="bg1">
+                        <a:lumMod val="50000"/>
+                      </a:schemeClr>
+                    </a:solidFill>
+                    <a:latin typeface="Arial" panose="020B0604020202020204" pitchFamily="34" charset="0"/>
+                    <a:ea typeface="HGPｺﾞｼｯｸM" panose="020B0600000000000000" pitchFamily="50" charset="-128"/>
+                    <a:cs typeface="Arial" panose="020B0604020202020204" pitchFamily="34" charset="0"/>
+                  </a:rPr>
+                  <a:t>JSON</a:t>
+                </a:r>
+                <a:r>
+                  <a:rPr lang="ja-JP" altLang="en-US" dirty="0">
+                    <a:solidFill>
+                      <a:schemeClr val="bg1">
+                        <a:lumMod val="50000"/>
+                      </a:schemeClr>
+                    </a:solidFill>
+                    <a:latin typeface="Arial" panose="020B0604020202020204" pitchFamily="34" charset="0"/>
+                    <a:ea typeface="HGPｺﾞｼｯｸM" panose="020B0600000000000000" pitchFamily="50" charset="-128"/>
+                    <a:cs typeface="Arial" panose="020B0604020202020204" pitchFamily="34" charset="0"/>
+                  </a:rPr>
+                  <a:t>）</a:t>
+                </a:r>
+                <a:endParaRPr lang="en-US" altLang="ja-JP" dirty="0">
+                  <a:solidFill>
+                    <a:schemeClr val="bg1">
+                      <a:lumMod val="50000"/>
+                    </a:schemeClr>
+                  </a:solidFill>
+                  <a:latin typeface="Arial" panose="020B0604020202020204" pitchFamily="34" charset="0"/>
+                  <a:ea typeface="HGPｺﾞｼｯｸM" panose="020B0600000000000000" pitchFamily="50" charset="-128"/>
+                  <a:cs typeface="Arial" panose="020B0604020202020204" pitchFamily="34" charset="0"/>
+                </a:endParaRPr>
+              </a:p>
+            </p:txBody>
+          </p:sp>
+          <p:cxnSp>
+            <p:nvCxnSpPr>
+              <p:cNvPr id="82" name="直線矢印コネクタ 81">
+                <a:extLst>
+                  <a:ext uri="{FF2B5EF4-FFF2-40B4-BE49-F238E27FC236}">
+                    <a16:creationId xmlns:a16="http://schemas.microsoft.com/office/drawing/2014/main" id="{8A84CBC2-8D3F-4D59-B6EC-CC2E695DFA22}"/>
+                  </a:ext>
+                </a:extLst>
+              </p:cNvPr>
+              <p:cNvCxnSpPr>
+                <a:cxnSpLocks/>
+              </p:cNvCxnSpPr>
+              <p:nvPr/>
+            </p:nvCxnSpPr>
+            <p:spPr>
+              <a:xfrm flipH="1" flipV="1">
+                <a:off x="15853320" y="7280225"/>
+                <a:ext cx="2179892" cy="2179892"/>
+              </a:xfrm>
+              <a:prstGeom prst="straightConnector1">
+                <a:avLst/>
+              </a:prstGeom>
+              <a:ln>
+                <a:tailEnd type="triangle"/>
+              </a:ln>
+            </p:spPr>
+            <p:style>
+              <a:lnRef idx="1">
+                <a:schemeClr val="accent1"/>
+              </a:lnRef>
+              <a:fillRef idx="0">
+                <a:schemeClr val="accent1"/>
+              </a:fillRef>
+              <a:effectRef idx="0">
+                <a:schemeClr val="accent1"/>
+              </a:effectRef>
+              <a:fontRef idx="minor">
+                <a:schemeClr val="tx1"/>
+              </a:fontRef>
+            </p:style>
+          </p:cxnSp>
+          <p:sp>
+            <p:nvSpPr>
+              <p:cNvPr id="83" name="テキスト ボックス 82">
+                <a:extLst>
+                  <a:ext uri="{FF2B5EF4-FFF2-40B4-BE49-F238E27FC236}">
+                    <a16:creationId xmlns:a16="http://schemas.microsoft.com/office/drawing/2014/main" id="{384E30E2-601F-4FF3-834B-5BEFEEA81709}"/>
+                  </a:ext>
+                </a:extLst>
+              </p:cNvPr>
+              <p:cNvSpPr txBox="1"/>
+              <p:nvPr/>
+            </p:nvSpPr>
+            <p:spPr>
+              <a:xfrm>
+                <a:off x="17941920" y="11190800"/>
+                <a:ext cx="2594130" cy="1083951"/>
+              </a:xfrm>
+              <a:prstGeom prst="rect">
+                <a:avLst/>
+              </a:prstGeom>
+              <a:noFill/>
+            </p:spPr>
+            <p:txBody>
+              <a:bodyPr wrap="square" rtlCol="0">
+                <a:spAutoFit/>
+              </a:bodyPr>
+              <a:lstStyle/>
+              <a:p>
+                <a:r>
+                  <a:rPr lang="ja-JP" altLang="en-US" dirty="0">
+                    <a:solidFill>
+                      <a:schemeClr val="bg1">
+                        <a:lumMod val="50000"/>
+                      </a:schemeClr>
+                    </a:solidFill>
+                    <a:latin typeface="Arial" panose="020B0604020202020204" pitchFamily="34" charset="0"/>
+                    <a:ea typeface="HGPｺﾞｼｯｸM" panose="020B0600000000000000" pitchFamily="50" charset="-128"/>
+                    <a:cs typeface="Arial" panose="020B0604020202020204" pitchFamily="34" charset="0"/>
+                  </a:rPr>
+                  <a:t>チャンネル投稿内容から</a:t>
+                </a:r>
+                <a:endParaRPr lang="en-US" altLang="ja-JP" dirty="0">
+                  <a:solidFill>
+                    <a:schemeClr val="bg1">
+                      <a:lumMod val="50000"/>
+                    </a:schemeClr>
+                  </a:solidFill>
+                  <a:latin typeface="Arial" panose="020B0604020202020204" pitchFamily="34" charset="0"/>
+                  <a:ea typeface="HGPｺﾞｼｯｸM" panose="020B0600000000000000" pitchFamily="50" charset="-128"/>
+                  <a:cs typeface="Arial" panose="020B0604020202020204" pitchFamily="34" charset="0"/>
+                </a:endParaRPr>
+              </a:p>
+              <a:p>
+                <a:r>
+                  <a:rPr lang="ja-JP" altLang="en-US" dirty="0">
+                    <a:solidFill>
+                      <a:schemeClr val="bg1">
+                        <a:lumMod val="50000"/>
+                      </a:schemeClr>
+                    </a:solidFill>
+                    <a:latin typeface="Arial" panose="020B0604020202020204" pitchFamily="34" charset="0"/>
+                    <a:ea typeface="HGPｺﾞｼｯｸM" panose="020B0600000000000000" pitchFamily="50" charset="-128"/>
+                    <a:cs typeface="Arial" panose="020B0604020202020204" pitchFamily="34" charset="0"/>
+                  </a:rPr>
+                  <a:t>勤怠情報を抽出</a:t>
+                </a:r>
+                <a:endParaRPr lang="en-US" altLang="ja-JP" dirty="0">
+                  <a:solidFill>
+                    <a:schemeClr val="bg1">
+                      <a:lumMod val="50000"/>
+                    </a:schemeClr>
+                  </a:solidFill>
+                  <a:latin typeface="Arial" panose="020B0604020202020204" pitchFamily="34" charset="0"/>
+                  <a:ea typeface="HGPｺﾞｼｯｸM" panose="020B0600000000000000" pitchFamily="50" charset="-128"/>
+                  <a:cs typeface="Arial" panose="020B0604020202020204" pitchFamily="34" charset="0"/>
+                </a:endParaRPr>
+              </a:p>
+            </p:txBody>
+          </p:sp>
+          <p:sp>
+            <p:nvSpPr>
+              <p:cNvPr id="84" name="テキスト ボックス 83">
+                <a:extLst>
+                  <a:ext uri="{FF2B5EF4-FFF2-40B4-BE49-F238E27FC236}">
+                    <a16:creationId xmlns:a16="http://schemas.microsoft.com/office/drawing/2014/main" id="{67682AA9-3496-47FC-9D3A-D8A2BC23098D}"/>
+                  </a:ext>
+                </a:extLst>
+              </p:cNvPr>
+              <p:cNvSpPr txBox="1"/>
+              <p:nvPr/>
+            </p:nvSpPr>
+            <p:spPr>
+              <a:xfrm>
+                <a:off x="8127548" y="5503694"/>
+                <a:ext cx="3227947" cy="646331"/>
+              </a:xfrm>
+              <a:prstGeom prst="rect">
+                <a:avLst/>
+              </a:prstGeom>
+              <a:noFill/>
+            </p:spPr>
+            <p:txBody>
+              <a:bodyPr wrap="square" rtlCol="0">
+                <a:spAutoFit/>
+              </a:bodyPr>
+              <a:lstStyle/>
+              <a:p>
+                <a:pPr algn="ctr"/>
+                <a:r>
+                  <a:rPr lang="ja-JP" altLang="en-US" dirty="0">
+                    <a:solidFill>
+                      <a:schemeClr val="bg1">
+                        <a:lumMod val="50000"/>
+                      </a:schemeClr>
+                    </a:solidFill>
+                    <a:latin typeface="Arial" panose="020B0604020202020204" pitchFamily="34" charset="0"/>
+                    <a:ea typeface="HGPｺﾞｼｯｸM" panose="020B0600000000000000" pitchFamily="50" charset="-128"/>
+                    <a:cs typeface="Arial" panose="020B0604020202020204" pitchFamily="34" charset="0"/>
+                  </a:rPr>
+                  <a:t>モーダル表示・勤怠連絡</a:t>
+                </a:r>
+                <a:endParaRPr lang="en-US" altLang="ja-JP" dirty="0">
+                  <a:solidFill>
+                    <a:schemeClr val="bg1">
+                      <a:lumMod val="50000"/>
+                    </a:schemeClr>
+                  </a:solidFill>
+                  <a:latin typeface="Arial" panose="020B0604020202020204" pitchFamily="34" charset="0"/>
+                  <a:ea typeface="HGPｺﾞｼｯｸM" panose="020B0600000000000000" pitchFamily="50" charset="-128"/>
+                  <a:cs typeface="Arial" panose="020B0604020202020204" pitchFamily="34" charset="0"/>
+                </a:endParaRPr>
+              </a:p>
+              <a:p>
+                <a:pPr algn="ctr"/>
+                <a:r>
+                  <a:rPr lang="en-US" altLang="ja-JP" dirty="0">
+                    <a:solidFill>
+                      <a:schemeClr val="bg1">
+                        <a:lumMod val="50000"/>
+                      </a:schemeClr>
+                    </a:solidFill>
+                    <a:latin typeface="Arial" panose="020B0604020202020204" pitchFamily="34" charset="0"/>
+                    <a:ea typeface="HGPｺﾞｼｯｸM" panose="020B0600000000000000" pitchFamily="50" charset="-128"/>
+                    <a:cs typeface="Arial" panose="020B0604020202020204" pitchFamily="34" charset="0"/>
+                  </a:rPr>
+                  <a:t>HTTP</a:t>
+                </a:r>
+                <a:r>
+                  <a:rPr lang="ja-JP" altLang="en-US" dirty="0">
+                    <a:solidFill>
+                      <a:schemeClr val="bg1">
+                        <a:lumMod val="50000"/>
+                      </a:schemeClr>
+                    </a:solidFill>
+                    <a:latin typeface="Arial" panose="020B0604020202020204" pitchFamily="34" charset="0"/>
+                    <a:ea typeface="HGPｺﾞｼｯｸM" panose="020B0600000000000000" pitchFamily="50" charset="-128"/>
+                    <a:cs typeface="Arial" panose="020B0604020202020204" pitchFamily="34" charset="0"/>
+                  </a:rPr>
+                  <a:t>リクエスト</a:t>
+                </a:r>
+                <a:r>
+                  <a:rPr lang="en-US" altLang="ja-JP" dirty="0">
+                    <a:solidFill>
+                      <a:schemeClr val="bg1">
+                        <a:lumMod val="50000"/>
+                      </a:schemeClr>
+                    </a:solidFill>
+                    <a:latin typeface="Arial" panose="020B0604020202020204" pitchFamily="34" charset="0"/>
+                    <a:ea typeface="HGPｺﾞｼｯｸM" panose="020B0600000000000000" pitchFamily="50" charset="-128"/>
+                    <a:cs typeface="Arial" panose="020B0604020202020204" pitchFamily="34" charset="0"/>
+                  </a:rPr>
+                  <a:t> (/slack/events)</a:t>
+                </a:r>
+              </a:p>
+            </p:txBody>
+          </p:sp>
+          <p:cxnSp>
+            <p:nvCxnSpPr>
+              <p:cNvPr id="94" name="直線矢印コネクタ 93">
+                <a:extLst>
+                  <a:ext uri="{FF2B5EF4-FFF2-40B4-BE49-F238E27FC236}">
+                    <a16:creationId xmlns:a16="http://schemas.microsoft.com/office/drawing/2014/main" id="{AF30B177-FD53-49EB-9BBC-8C8DCD00082E}"/>
+                  </a:ext>
+                </a:extLst>
+              </p:cNvPr>
+              <p:cNvCxnSpPr>
+                <a:cxnSpLocks/>
+              </p:cNvCxnSpPr>
+              <p:nvPr/>
+            </p:nvCxnSpPr>
+            <p:spPr>
+              <a:xfrm flipH="1">
+                <a:off x="15898866" y="3330986"/>
+                <a:ext cx="1988021" cy="1988020"/>
+              </a:xfrm>
+              <a:prstGeom prst="straightConnector1">
+                <a:avLst/>
+              </a:prstGeom>
+              <a:ln>
+                <a:tailEnd type="triangle"/>
+              </a:ln>
+            </p:spPr>
+            <p:style>
+              <a:lnRef idx="1">
+                <a:schemeClr val="accent1"/>
+              </a:lnRef>
+              <a:fillRef idx="0">
+                <a:schemeClr val="accent1"/>
+              </a:fillRef>
+              <a:effectRef idx="0">
+                <a:schemeClr val="accent1"/>
+              </a:effectRef>
+              <a:fontRef idx="minor">
+                <a:schemeClr val="tx1"/>
+              </a:fontRef>
+            </p:style>
+          </p:cxnSp>
+          <p:sp>
+            <p:nvSpPr>
+              <p:cNvPr id="96" name="正方形/長方形 95">
+                <a:extLst>
+                  <a:ext uri="{FF2B5EF4-FFF2-40B4-BE49-F238E27FC236}">
+                    <a16:creationId xmlns:a16="http://schemas.microsoft.com/office/drawing/2014/main" id="{8E696BBB-DDEE-4A31-AFF0-B74A0396C4F3}"/>
+                  </a:ext>
+                </a:extLst>
+              </p:cNvPr>
+              <p:cNvSpPr/>
+              <p:nvPr/>
+            </p:nvSpPr>
+            <p:spPr>
+              <a:xfrm>
+                <a:off x="8120825" y="274172"/>
+                <a:ext cx="12647327" cy="7755011"/>
+              </a:xfrm>
+              <a:prstGeom prst="rect">
+                <a:avLst/>
+              </a:prstGeom>
+              <a:noFill/>
+              <a:ln w="3175">
+                <a:solidFill>
+                  <a:schemeClr val="accent6">
+                    <a:lumMod val="50000"/>
+                  </a:schemeClr>
+                </a:solidFill>
+              </a:ln>
+            </p:spPr>
+            <p:style>
+              <a:lnRef idx="2">
+                <a:schemeClr val="accent1">
+                  <a:shade val="50000"/>
+                </a:schemeClr>
+              </a:lnRef>
+              <a:fillRef idx="1">
+                <a:schemeClr val="accent1"/>
+              </a:fillRef>
+              <a:effectRef idx="0">
+                <a:schemeClr val="accent1"/>
+              </a:effectRef>
+              <a:fontRef idx="minor">
+                <a:schemeClr val="lt1"/>
+              </a:fontRef>
+            </p:style>
+            <p:txBody>
+              <a:bodyPr rot="0" spcFirstLastPara="0" vertOverflow="overflow" horzOverflow="overflow" vert="horz" wrap="square" lIns="91440" tIns="45720" rIns="91440" bIns="45720" numCol="1" spcCol="0" rtlCol="0" fromWordArt="0" anchor="t" anchorCtr="0" forceAA="0" compatLnSpc="1">
+                <a:prstTxWarp prst="textNoShape">
+                  <a:avLst/>
+                </a:prstTxWarp>
+                <a:noAutofit/>
+              </a:bodyPr>
+              <a:lstStyle/>
+              <a:p>
+                <a:r>
+                  <a:rPr kumimoji="1" lang="en-US" altLang="ja-JP" dirty="0">
+                    <a:solidFill>
+                      <a:schemeClr val="bg1"/>
+                    </a:solidFill>
+                    <a:highlight>
+                      <a:srgbClr val="008000"/>
+                    </a:highlight>
+                    <a:latin typeface="Arial" panose="020B0604020202020204" pitchFamily="34" charset="0"/>
+                    <a:ea typeface="HGPｺﾞｼｯｸM" panose="020B0600000000000000" pitchFamily="50" charset="-128"/>
+                    <a:cs typeface="Arial" panose="020B0604020202020204" pitchFamily="34" charset="0"/>
+                  </a:rPr>
+                  <a:t>Google Cloud Platform</a:t>
+                </a:r>
+                <a:endParaRPr kumimoji="1" lang="ja-JP" altLang="en-US" dirty="0">
+                  <a:solidFill>
+                    <a:schemeClr val="bg1"/>
+                  </a:solidFill>
+                  <a:highlight>
+                    <a:srgbClr val="008000"/>
+                  </a:highlight>
+                  <a:latin typeface="Arial" panose="020B0604020202020204" pitchFamily="34" charset="0"/>
+                  <a:ea typeface="HGPｺﾞｼｯｸM" panose="020B0600000000000000" pitchFamily="50" charset="-128"/>
+                  <a:cs typeface="Arial" panose="020B0604020202020204" pitchFamily="34" charset="0"/>
+                </a:endParaRPr>
+              </a:p>
+            </p:txBody>
+          </p:sp>
+          <p:grpSp>
+            <p:nvGrpSpPr>
+              <p:cNvPr id="1047" name="グループ化 1046">
+                <a:extLst>
+                  <a:ext uri="{FF2B5EF4-FFF2-40B4-BE49-F238E27FC236}">
+                    <a16:creationId xmlns:a16="http://schemas.microsoft.com/office/drawing/2014/main" id="{68E2E1A0-C27A-4FCF-9B96-863E22710AF9}"/>
+                  </a:ext>
+                </a:extLst>
+              </p:cNvPr>
+              <p:cNvGrpSpPr/>
+              <p:nvPr/>
+            </p:nvGrpSpPr>
+            <p:grpSpPr>
+              <a:xfrm>
+                <a:off x="1235137" y="5636015"/>
+                <a:ext cx="1063412" cy="1497479"/>
+                <a:chOff x="1272805" y="5833199"/>
+                <a:chExt cx="1063412" cy="1497479"/>
+              </a:xfrm>
+            </p:grpSpPr>
+            <p:pic>
+              <p:nvPicPr>
+                <p:cNvPr id="1046" name="グラフィックス 1045" descr="男性のプロフィール">
+                  <a:extLst>
+                    <a:ext uri="{FF2B5EF4-FFF2-40B4-BE49-F238E27FC236}">
+                      <a16:creationId xmlns:a16="http://schemas.microsoft.com/office/drawing/2014/main" id="{3A1164DC-C279-4491-AF77-58366AAA271F}"/>
+                    </a:ext>
+                  </a:extLst>
+                </p:cNvPr>
+                <p:cNvPicPr>
+                  <a:picLocks noChangeAspect="1"/>
+                </p:cNvPicPr>
+                <p:nvPr/>
+              </p:nvPicPr>
+              <p:blipFill>
+                <a:blip r:embed="rId12">
+                  <a:extLst>
+                    <a:ext uri="{28A0092B-C50C-407E-A947-70E740481C1C}">
+                      <a14:useLocalDpi xmlns:a14="http://schemas.microsoft.com/office/drawing/2010/main" val="0"/>
+                    </a:ext>
+                    <a:ext uri="{96DAC541-7B7A-43D3-8B79-37D633B846F1}">
+                      <asvg:svgBlip xmlns:asvg="http://schemas.microsoft.com/office/drawing/2016/SVG/main" r:embed="rId13"/>
+                    </a:ext>
+                  </a:extLst>
+                </a:blip>
+                <a:stretch>
+                  <a:fillRect/>
+                </a:stretch>
+              </p:blipFill>
+              <p:spPr>
+                <a:xfrm>
+                  <a:off x="1347311" y="5833199"/>
+                  <a:ext cx="914400" cy="914400"/>
+                </a:xfrm>
+                <a:prstGeom prst="rect">
+                  <a:avLst/>
+                </a:prstGeom>
+              </p:spPr>
+            </p:pic>
+            <p:sp>
+              <p:nvSpPr>
+                <p:cNvPr id="103" name="テキスト ボックス 102">
+                  <a:extLst>
+                    <a:ext uri="{FF2B5EF4-FFF2-40B4-BE49-F238E27FC236}">
+                      <a16:creationId xmlns:a16="http://schemas.microsoft.com/office/drawing/2014/main" id="{AC915DD5-113E-42CC-B76E-0CB4E1316FE1}"/>
+                    </a:ext>
+                  </a:extLst>
+                </p:cNvPr>
+                <p:cNvSpPr txBox="1"/>
+                <p:nvPr/>
+              </p:nvSpPr>
+              <p:spPr>
+                <a:xfrm>
+                  <a:off x="1272805" y="6684347"/>
+                  <a:ext cx="1063412" cy="646331"/>
+                </a:xfrm>
+                <a:prstGeom prst="rect">
+                  <a:avLst/>
+                </a:prstGeom>
+                <a:noFill/>
+              </p:spPr>
+              <p:txBody>
+                <a:bodyPr wrap="square" rtlCol="0">
+                  <a:spAutoFit/>
+                </a:bodyPr>
+                <a:lstStyle/>
+                <a:p>
+                  <a:pPr algn="ctr"/>
+                  <a:r>
+                    <a:rPr lang="en-US" altLang="ja-JP" dirty="0">
+                      <a:solidFill>
+                        <a:schemeClr val="bg1">
+                          <a:lumMod val="50000"/>
+                        </a:schemeClr>
+                      </a:solidFill>
+                      <a:latin typeface="Arial" panose="020B0604020202020204" pitchFamily="34" charset="0"/>
+                      <a:ea typeface="HGPｺﾞｼｯｸM" panose="020B0600000000000000" pitchFamily="50" charset="-128"/>
+                      <a:cs typeface="Arial" panose="020B0604020202020204" pitchFamily="34" charset="0"/>
+                    </a:rPr>
+                    <a:t>Slack</a:t>
+                  </a:r>
+                  <a:r>
+                    <a:rPr lang="ja-JP" altLang="en-US" dirty="0">
+                      <a:solidFill>
+                        <a:schemeClr val="bg1">
+                          <a:lumMod val="50000"/>
+                        </a:schemeClr>
+                      </a:solidFill>
+                      <a:latin typeface="Arial" panose="020B0604020202020204" pitchFamily="34" charset="0"/>
+                      <a:ea typeface="HGPｺﾞｼｯｸM" panose="020B0600000000000000" pitchFamily="50" charset="-128"/>
+                      <a:cs typeface="Arial" panose="020B0604020202020204" pitchFamily="34" charset="0"/>
+                    </a:rPr>
+                    <a:t>ユーザ</a:t>
+                  </a:r>
+                  <a:endParaRPr lang="en-US" altLang="ja-JP" dirty="0">
+                    <a:solidFill>
+                      <a:schemeClr val="bg1">
+                        <a:lumMod val="50000"/>
+                      </a:schemeClr>
+                    </a:solidFill>
+                    <a:latin typeface="Arial" panose="020B0604020202020204" pitchFamily="34" charset="0"/>
+                    <a:ea typeface="HGPｺﾞｼｯｸM" panose="020B0600000000000000" pitchFamily="50" charset="-128"/>
+                    <a:cs typeface="Arial" panose="020B0604020202020204" pitchFamily="34" charset="0"/>
+                  </a:endParaRPr>
+                </a:p>
+              </p:txBody>
+            </p:sp>
+          </p:grpSp>
+          <p:cxnSp>
+            <p:nvCxnSpPr>
+              <p:cNvPr id="106" name="直線矢印コネクタ 105">
+                <a:extLst>
+                  <a:ext uri="{FF2B5EF4-FFF2-40B4-BE49-F238E27FC236}">
+                    <a16:creationId xmlns:a16="http://schemas.microsoft.com/office/drawing/2014/main" id="{F06C9D40-FFAE-41C4-891A-9F2972BDE072}"/>
+                  </a:ext>
+                </a:extLst>
+              </p:cNvPr>
+              <p:cNvCxnSpPr/>
+              <p:nvPr/>
+            </p:nvCxnSpPr>
+            <p:spPr>
+              <a:xfrm>
+                <a:off x="2581448" y="6121075"/>
+                <a:ext cx="1781387" cy="0"/>
+              </a:xfrm>
+              <a:prstGeom prst="straightConnector1">
+                <a:avLst/>
+              </a:prstGeom>
+              <a:ln>
+                <a:tailEnd type="triangle"/>
+              </a:ln>
+            </p:spPr>
+            <p:style>
+              <a:lnRef idx="1">
+                <a:schemeClr val="accent1"/>
+              </a:lnRef>
+              <a:fillRef idx="0">
+                <a:schemeClr val="accent1"/>
+              </a:fillRef>
+              <a:effectRef idx="0">
+                <a:schemeClr val="accent1"/>
+              </a:effectRef>
+              <a:fontRef idx="minor">
+                <a:schemeClr val="tx1"/>
+              </a:fontRef>
+            </p:style>
+          </p:cxnSp>
+          <p:cxnSp>
+            <p:nvCxnSpPr>
+              <p:cNvPr id="107" name="直線矢印コネクタ 106">
+                <a:extLst>
+                  <a:ext uri="{FF2B5EF4-FFF2-40B4-BE49-F238E27FC236}">
+                    <a16:creationId xmlns:a16="http://schemas.microsoft.com/office/drawing/2014/main" id="{3E86519E-A634-4F78-91B2-C9F4EA249608}"/>
+                  </a:ext>
+                </a:extLst>
+              </p:cNvPr>
+              <p:cNvCxnSpPr>
+                <a:cxnSpLocks/>
+              </p:cNvCxnSpPr>
+              <p:nvPr/>
+            </p:nvCxnSpPr>
+            <p:spPr>
+              <a:xfrm flipH="1">
+                <a:off x="2581448" y="6345181"/>
+                <a:ext cx="1781387" cy="0"/>
+              </a:xfrm>
+              <a:prstGeom prst="straightConnector1">
+                <a:avLst/>
+              </a:prstGeom>
+              <a:ln>
+                <a:tailEnd type="triangle"/>
+              </a:ln>
+            </p:spPr>
+            <p:style>
+              <a:lnRef idx="1">
+                <a:schemeClr val="accent1"/>
+              </a:lnRef>
+              <a:fillRef idx="0">
+                <a:schemeClr val="accent1"/>
+              </a:fillRef>
+              <a:effectRef idx="0">
+                <a:schemeClr val="accent1"/>
+              </a:effectRef>
+              <a:fontRef idx="minor">
+                <a:schemeClr val="tx1"/>
+              </a:fontRef>
+            </p:style>
+          </p:cxnSp>
+          <p:sp>
+            <p:nvSpPr>
+              <p:cNvPr id="108" name="テキスト ボックス 107">
+                <a:extLst>
+                  <a:ext uri="{FF2B5EF4-FFF2-40B4-BE49-F238E27FC236}">
+                    <a16:creationId xmlns:a16="http://schemas.microsoft.com/office/drawing/2014/main" id="{96D6DEC9-EB96-4EDD-8DB1-F021BC8245FC}"/>
+                  </a:ext>
+                </a:extLst>
+              </p:cNvPr>
+              <p:cNvSpPr txBox="1"/>
+              <p:nvPr/>
+            </p:nvSpPr>
+            <p:spPr>
+              <a:xfrm>
+                <a:off x="2688094" y="6409876"/>
+                <a:ext cx="1640531" cy="369332"/>
+              </a:xfrm>
+              <a:prstGeom prst="rect">
+                <a:avLst/>
+              </a:prstGeom>
+              <a:noFill/>
+            </p:spPr>
+            <p:txBody>
+              <a:bodyPr wrap="square" rtlCol="0">
+                <a:spAutoFit/>
+              </a:bodyPr>
+              <a:lstStyle/>
+              <a:p>
+                <a:pPr algn="ctr"/>
+                <a:r>
+                  <a:rPr lang="ja-JP" altLang="en-US" dirty="0">
+                    <a:solidFill>
+                      <a:schemeClr val="bg1">
+                        <a:lumMod val="50000"/>
+                      </a:schemeClr>
+                    </a:solidFill>
+                    <a:latin typeface="Arial" panose="020B0604020202020204" pitchFamily="34" charset="0"/>
+                    <a:ea typeface="HGPｺﾞｼｯｸM" panose="020B0600000000000000" pitchFamily="50" charset="-128"/>
+                    <a:cs typeface="Arial" panose="020B0604020202020204" pitchFamily="34" charset="0"/>
+                  </a:rPr>
+                  <a:t>勤怠の確認</a:t>
+                </a:r>
+                <a:endParaRPr lang="en-US" altLang="ja-JP" dirty="0">
+                  <a:solidFill>
+                    <a:schemeClr val="bg1">
+                      <a:lumMod val="50000"/>
+                    </a:schemeClr>
+                  </a:solidFill>
+                  <a:latin typeface="Arial" panose="020B0604020202020204" pitchFamily="34" charset="0"/>
+                  <a:ea typeface="HGPｺﾞｼｯｸM" panose="020B0600000000000000" pitchFamily="50" charset="-128"/>
+                  <a:cs typeface="Arial" panose="020B0604020202020204" pitchFamily="34" charset="0"/>
+                </a:endParaRPr>
+              </a:p>
+            </p:txBody>
+          </p:sp>
+          <p:sp>
+            <p:nvSpPr>
+              <p:cNvPr id="109" name="テキスト ボックス 108">
+                <a:extLst>
+                  <a:ext uri="{FF2B5EF4-FFF2-40B4-BE49-F238E27FC236}">
+                    <a16:creationId xmlns:a16="http://schemas.microsoft.com/office/drawing/2014/main" id="{AD13949B-D56E-49D8-A6A3-CB8F823C889F}"/>
+                  </a:ext>
+                </a:extLst>
+              </p:cNvPr>
+              <p:cNvSpPr txBox="1"/>
+              <p:nvPr/>
+            </p:nvSpPr>
+            <p:spPr>
+              <a:xfrm>
+                <a:off x="2727004" y="5687049"/>
+                <a:ext cx="1640531" cy="369332"/>
+              </a:xfrm>
+              <a:prstGeom prst="rect">
+                <a:avLst/>
+              </a:prstGeom>
+              <a:noFill/>
+            </p:spPr>
+            <p:txBody>
+              <a:bodyPr wrap="square" rtlCol="0">
+                <a:spAutoFit/>
+              </a:bodyPr>
+              <a:lstStyle/>
+              <a:p>
+                <a:pPr algn="ctr"/>
+                <a:r>
+                  <a:rPr lang="ja-JP" altLang="en-US" dirty="0">
+                    <a:solidFill>
+                      <a:schemeClr val="bg1">
+                        <a:lumMod val="50000"/>
+                      </a:schemeClr>
+                    </a:solidFill>
+                    <a:latin typeface="Arial" panose="020B0604020202020204" pitchFamily="34" charset="0"/>
+                    <a:ea typeface="HGPｺﾞｼｯｸM" panose="020B0600000000000000" pitchFamily="50" charset="-128"/>
+                    <a:cs typeface="Arial" panose="020B0604020202020204" pitchFamily="34" charset="0"/>
+                  </a:rPr>
+                  <a:t>勤怠の連絡</a:t>
+                </a:r>
+                <a:endParaRPr lang="en-US" altLang="ja-JP" dirty="0">
+                  <a:solidFill>
+                    <a:schemeClr val="bg1">
+                      <a:lumMod val="50000"/>
+                    </a:schemeClr>
+                  </a:solidFill>
+                  <a:latin typeface="Arial" panose="020B0604020202020204" pitchFamily="34" charset="0"/>
+                  <a:ea typeface="HGPｺﾞｼｯｸM" panose="020B0600000000000000" pitchFamily="50" charset="-128"/>
+                  <a:cs typeface="Arial" panose="020B0604020202020204" pitchFamily="34" charset="0"/>
+                </a:endParaRPr>
+              </a:p>
+            </p:txBody>
+          </p:sp>
+        </p:grpSp>
+      </p:grpSp>
+      <p:pic>
+        <p:nvPicPr>
+          <p:cNvPr id="79" name="図 78">
+            <a:extLst>
+              <a:ext uri="{FF2B5EF4-FFF2-40B4-BE49-F238E27FC236}">
+                <a16:creationId xmlns:a16="http://schemas.microsoft.com/office/drawing/2014/main" id="{CFDFB50C-6E69-4DF8-9D9F-057234AF1BDD}"/>
+              </a:ext>
+            </a:extLst>
+          </p:cNvPr>
+          <p:cNvPicPr>
+            <a:picLocks noChangeAspect="1"/>
+          </p:cNvPicPr>
+          <p:nvPr/>
+        </p:nvPicPr>
+        <p:blipFill rotWithShape="1">
+          <a:blip r:embed="rId14"/>
+          <a:srcRect r="43607" b="2485"/>
+          <a:stretch/>
+        </p:blipFill>
+        <p:spPr>
+          <a:xfrm>
+            <a:off x="18214255" y="7337275"/>
+            <a:ext cx="2353028" cy="603820"/>
+          </a:xfrm>
+          <a:prstGeom prst="rect">
+            <a:avLst/>
+          </a:prstGeom>
+          <a:ln>
+            <a:solidFill>
+              <a:schemeClr val="tx1"/>
+            </a:solidFill>
+          </a:ln>
+        </p:spPr>
+      </p:pic>
+      <p:pic>
+        <p:nvPicPr>
+          <p:cNvPr id="2" name="図 1">
+            <a:extLst>
+              <a:ext uri="{FF2B5EF4-FFF2-40B4-BE49-F238E27FC236}">
+                <a16:creationId xmlns:a16="http://schemas.microsoft.com/office/drawing/2014/main" id="{46868228-3733-4DD1-898C-27D842F729FB}"/>
+              </a:ext>
+            </a:extLst>
+          </p:cNvPr>
+          <p:cNvPicPr>
+            <a:picLocks noChangeAspect="1"/>
+          </p:cNvPicPr>
+          <p:nvPr/>
+        </p:nvPicPr>
+        <p:blipFill>
+          <a:blip r:embed="rId15"/>
+          <a:stretch>
+            <a:fillRect/>
+          </a:stretch>
+        </p:blipFill>
+        <p:spPr>
+          <a:xfrm>
+            <a:off x="15012050" y="1000295"/>
+            <a:ext cx="2267266" cy="590632"/>
+          </a:xfrm>
+          <a:prstGeom prst="rect">
+            <a:avLst/>
+          </a:prstGeom>
+          <a:ln>
+            <a:solidFill>
+              <a:schemeClr val="tx1"/>
+            </a:solidFill>
+          </a:ln>
+        </p:spPr>
+      </p:pic>
+      <p:pic>
+        <p:nvPicPr>
+          <p:cNvPr id="3" name="図 2">
+            <a:extLst>
+              <a:ext uri="{FF2B5EF4-FFF2-40B4-BE49-F238E27FC236}">
+                <a16:creationId xmlns:a16="http://schemas.microsoft.com/office/drawing/2014/main" id="{EC4F0E8E-30A5-4C54-BD2A-47CAF69BF3C2}"/>
+              </a:ext>
+            </a:extLst>
+          </p:cNvPr>
+          <p:cNvPicPr>
+            <a:picLocks noChangeAspect="1"/>
+          </p:cNvPicPr>
+          <p:nvPr/>
+        </p:nvPicPr>
+        <p:blipFill>
+          <a:blip r:embed="rId16"/>
+          <a:stretch>
+            <a:fillRect/>
+          </a:stretch>
+        </p:blipFill>
+        <p:spPr>
+          <a:xfrm>
+            <a:off x="13581847" y="7351528"/>
+            <a:ext cx="1686160" cy="685896"/>
+          </a:xfrm>
+          <a:prstGeom prst="rect">
+            <a:avLst/>
+          </a:prstGeom>
+          <a:ln>
+            <a:solidFill>
+              <a:schemeClr val="tx1"/>
+            </a:solidFill>
+          </a:ln>
+        </p:spPr>
+      </p:pic>
+      <p:pic>
+        <p:nvPicPr>
+          <p:cNvPr id="6" name="図 5">
+            <a:extLst>
+              <a:ext uri="{FF2B5EF4-FFF2-40B4-BE49-F238E27FC236}">
+                <a16:creationId xmlns:a16="http://schemas.microsoft.com/office/drawing/2014/main" id="{26767783-B951-4265-B3C9-097EDF75C044}"/>
+              </a:ext>
+            </a:extLst>
+          </p:cNvPr>
+          <p:cNvPicPr>
+            <a:picLocks noChangeAspect="1"/>
+          </p:cNvPicPr>
+          <p:nvPr/>
+        </p:nvPicPr>
+        <p:blipFill>
+          <a:blip r:embed="rId17"/>
+          <a:stretch>
+            <a:fillRect/>
+          </a:stretch>
+        </p:blipFill>
+        <p:spPr>
+          <a:xfrm>
+            <a:off x="18840505" y="355765"/>
+            <a:ext cx="1600423" cy="1238423"/>
+          </a:xfrm>
+          <a:prstGeom prst="rect">
+            <a:avLst/>
+          </a:prstGeom>
+          <a:ln>
+            <a:solidFill>
+              <a:schemeClr val="tx1"/>
+            </a:solidFill>
+          </a:ln>
+        </p:spPr>
+      </p:pic>
+      <p:pic>
+        <p:nvPicPr>
+          <p:cNvPr id="8" name="図 7">
+            <a:extLst>
+              <a:ext uri="{FF2B5EF4-FFF2-40B4-BE49-F238E27FC236}">
+                <a16:creationId xmlns:a16="http://schemas.microsoft.com/office/drawing/2014/main" id="{E183CA06-E4B4-4CF7-980C-BA8149AB347C}"/>
+              </a:ext>
+            </a:extLst>
+          </p:cNvPr>
+          <p:cNvPicPr>
+            <a:picLocks noChangeAspect="1"/>
+          </p:cNvPicPr>
+          <p:nvPr/>
+        </p:nvPicPr>
+        <p:blipFill>
+          <a:blip r:embed="rId18"/>
+          <a:stretch>
+            <a:fillRect/>
+          </a:stretch>
+        </p:blipFill>
+        <p:spPr>
+          <a:xfrm>
+            <a:off x="10339395" y="1308398"/>
+            <a:ext cx="1343212" cy="571580"/>
+          </a:xfrm>
+          <a:prstGeom prst="rect">
+            <a:avLst/>
+          </a:prstGeom>
+          <a:ln>
+            <a:solidFill>
+              <a:schemeClr val="tx1"/>
+            </a:solidFill>
+          </a:ln>
+        </p:spPr>
+      </p:pic>
+      <p:sp>
+        <p:nvSpPr>
+          <p:cNvPr id="15" name="テキスト ボックス 14">
+            <a:extLst>
+              <a:ext uri="{FF2B5EF4-FFF2-40B4-BE49-F238E27FC236}">
+                <a16:creationId xmlns:a16="http://schemas.microsoft.com/office/drawing/2014/main" id="{5C646FD1-8448-4D34-BEB0-228EC67AA88E}"/>
+              </a:ext>
+            </a:extLst>
+          </p:cNvPr>
+          <p:cNvSpPr txBox="1"/>
+          <p:nvPr/>
+        </p:nvSpPr>
+        <p:spPr>
+          <a:xfrm>
+            <a:off x="1728995" y="11315910"/>
+            <a:ext cx="5663937" cy="923330"/>
+          </a:xfrm>
+          <a:prstGeom prst="rect">
+            <a:avLst/>
+          </a:prstGeom>
+          <a:noFill/>
+        </p:spPr>
+        <p:txBody>
+          <a:bodyPr wrap="square" rtlCol="0">
+            <a:spAutoFit/>
+          </a:bodyPr>
+          <a:lstStyle/>
+          <a:p>
+            <a:r>
+              <a:rPr kumimoji="1" lang="ja-JP" altLang="en-US" dirty="0"/>
+              <a:t>基本的に以下で本番環境</a:t>
+            </a:r>
+            <a:r>
+              <a:rPr kumimoji="1" lang="en-US" altLang="ja-JP" dirty="0"/>
+              <a:t>/</a:t>
+            </a:r>
+            <a:r>
+              <a:rPr kumimoji="1" lang="ja-JP" altLang="en-US" dirty="0"/>
+              <a:t>開発環境の分離をしている。</a:t>
+            </a:r>
+            <a:endParaRPr kumimoji="1" lang="en-US" altLang="ja-JP" dirty="0"/>
+          </a:p>
+          <a:p>
+            <a:r>
+              <a:rPr kumimoji="1" lang="ja-JP" altLang="en-US" dirty="0"/>
+              <a:t>開発環境</a:t>
+            </a:r>
+            <a:r>
+              <a:rPr kumimoji="1" lang="en-US" altLang="ja-JP" dirty="0"/>
+              <a:t>: </a:t>
+            </a:r>
+            <a:r>
+              <a:rPr kumimoji="1" lang="ja-JP" altLang="en-US" dirty="0"/>
+              <a:t>末尾に</a:t>
+            </a:r>
+            <a:r>
+              <a:rPr kumimoji="1" lang="en-US" altLang="ja-JP" dirty="0"/>
+              <a:t>-dev ,develop</a:t>
+            </a:r>
+            <a:br>
+              <a:rPr kumimoji="1" lang="en-US" altLang="ja-JP" dirty="0"/>
+            </a:br>
+            <a:r>
+              <a:rPr kumimoji="1" lang="ja-JP" altLang="en-US" dirty="0"/>
+              <a:t>本番環境</a:t>
+            </a:r>
+            <a:r>
+              <a:rPr kumimoji="1" lang="en-US" altLang="ja-JP" dirty="0"/>
+              <a:t>: </a:t>
+            </a:r>
+            <a:r>
+              <a:rPr kumimoji="1" lang="ja-JP" altLang="en-US" dirty="0"/>
+              <a:t>末尾に</a:t>
+            </a:r>
+            <a:r>
+              <a:rPr kumimoji="1" lang="en-US" altLang="ja-JP" dirty="0"/>
+              <a:t>-prod , production</a:t>
+            </a:r>
+            <a:endParaRPr kumimoji="1" lang="ja-JP" altLang="en-US" dirty="0"/>
+          </a:p>
+        </p:txBody>
+      </p:sp>
+      <p:pic>
+        <p:nvPicPr>
+          <p:cNvPr id="19" name="図 18">
+            <a:extLst>
+              <a:ext uri="{FF2B5EF4-FFF2-40B4-BE49-F238E27FC236}">
+                <a16:creationId xmlns:a16="http://schemas.microsoft.com/office/drawing/2014/main" id="{93171884-BCF6-4ABE-AC3A-5549BBD2CE4C}"/>
+              </a:ext>
+            </a:extLst>
+          </p:cNvPr>
+          <p:cNvPicPr>
+            <a:picLocks noChangeAspect="1"/>
+          </p:cNvPicPr>
+          <p:nvPr/>
+        </p:nvPicPr>
+        <p:blipFill>
+          <a:blip r:embed="rId19"/>
+          <a:stretch>
+            <a:fillRect/>
+          </a:stretch>
+        </p:blipFill>
+        <p:spPr>
+          <a:xfrm>
+            <a:off x="3221403" y="7391816"/>
+            <a:ext cx="4115374" cy="1686160"/>
+          </a:xfrm>
+          <a:prstGeom prst="rect">
+            <a:avLst/>
+          </a:prstGeom>
+          <a:ln>
+            <a:solidFill>
+              <a:schemeClr val="tx1"/>
+            </a:solidFill>
+          </a:ln>
+        </p:spPr>
+      </p:pic>
+      <p:sp>
+        <p:nvSpPr>
+          <p:cNvPr id="28" name="テキスト ボックス 27">
+            <a:extLst>
+              <a:ext uri="{FF2B5EF4-FFF2-40B4-BE49-F238E27FC236}">
+                <a16:creationId xmlns:a16="http://schemas.microsoft.com/office/drawing/2014/main" id="{B228D97F-C1AC-4F56-BC44-1077E6C0B5C2}"/>
+              </a:ext>
+            </a:extLst>
+          </p:cNvPr>
+          <p:cNvSpPr txBox="1"/>
+          <p:nvPr/>
+        </p:nvSpPr>
+        <p:spPr>
+          <a:xfrm>
+            <a:off x="16336035" y="10499456"/>
+            <a:ext cx="1863132" cy="646331"/>
+          </a:xfrm>
+          <a:prstGeom prst="rect">
+            <a:avLst/>
+          </a:prstGeom>
+          <a:noFill/>
+          <a:ln>
+            <a:solidFill>
+              <a:schemeClr val="tx1"/>
+            </a:solidFill>
+          </a:ln>
+        </p:spPr>
+        <p:txBody>
+          <a:bodyPr wrap="square" rtlCol="0">
+            <a:spAutoFit/>
+          </a:bodyPr>
+          <a:lstStyle/>
+          <a:p>
+            <a:r>
+              <a:rPr kumimoji="1" lang="ja-JP" altLang="en-US" dirty="0"/>
+              <a:t>本番・開発</a:t>
+            </a:r>
+            <a:endParaRPr kumimoji="1" lang="en-US" altLang="ja-JP" dirty="0"/>
+          </a:p>
+          <a:p>
+            <a:r>
+              <a:rPr kumimoji="1" lang="ja-JP" altLang="en-US" dirty="0"/>
+              <a:t>共に</a:t>
+            </a:r>
+            <a:r>
+              <a:rPr kumimoji="1" lang="en-US" altLang="ja-JP" dirty="0"/>
+              <a:t>API</a:t>
+            </a:r>
+            <a:r>
+              <a:rPr kumimoji="1" lang="ja-JP" altLang="en-US" dirty="0"/>
+              <a:t>は共通</a:t>
+            </a:r>
+          </a:p>
+        </p:txBody>
+      </p:sp>
+      <p:sp>
+        <p:nvSpPr>
+          <p:cNvPr id="88" name="テキスト ボックス 87">
+            <a:extLst>
+              <a:ext uri="{FF2B5EF4-FFF2-40B4-BE49-F238E27FC236}">
+                <a16:creationId xmlns:a16="http://schemas.microsoft.com/office/drawing/2014/main" id="{275332B6-7D01-445D-BD95-48C5A00F62F2}"/>
+              </a:ext>
+            </a:extLst>
+          </p:cNvPr>
+          <p:cNvSpPr txBox="1"/>
+          <p:nvPr/>
+        </p:nvSpPr>
+        <p:spPr>
+          <a:xfrm>
+            <a:off x="3180664" y="9107573"/>
+            <a:ext cx="1467149" cy="646331"/>
+          </a:xfrm>
+          <a:prstGeom prst="rect">
+            <a:avLst/>
+          </a:prstGeom>
+          <a:noFill/>
+          <a:ln>
+            <a:solidFill>
+              <a:schemeClr val="tx1"/>
+            </a:solidFill>
+          </a:ln>
+        </p:spPr>
+        <p:txBody>
+          <a:bodyPr wrap="square" rtlCol="0">
+            <a:spAutoFit/>
+          </a:bodyPr>
+          <a:lstStyle/>
+          <a:p>
+            <a:r>
+              <a:rPr kumimoji="1" lang="ja-JP" altLang="en-US" dirty="0"/>
+              <a:t>本番・開発</a:t>
+            </a:r>
+            <a:endParaRPr kumimoji="1" lang="en-US" altLang="ja-JP" dirty="0"/>
+          </a:p>
+          <a:p>
+            <a:r>
+              <a:rPr kumimoji="1" lang="ja-JP" altLang="en-US" dirty="0"/>
+              <a:t>アプリは別</a:t>
+            </a:r>
+          </a:p>
+        </p:txBody>
+      </p:sp>
+      <p:pic>
+        <p:nvPicPr>
+          <p:cNvPr id="32" name="図 31">
+            <a:extLst>
+              <a:ext uri="{FF2B5EF4-FFF2-40B4-BE49-F238E27FC236}">
+                <a16:creationId xmlns:a16="http://schemas.microsoft.com/office/drawing/2014/main" id="{93D5B984-AD49-46FA-81B4-1774ED5856CC}"/>
+              </a:ext>
+            </a:extLst>
+          </p:cNvPr>
+          <p:cNvPicPr>
+            <a:picLocks noChangeAspect="1"/>
+          </p:cNvPicPr>
+          <p:nvPr/>
+        </p:nvPicPr>
+        <p:blipFill>
+          <a:blip r:embed="rId20"/>
+          <a:stretch>
+            <a:fillRect/>
+          </a:stretch>
+        </p:blipFill>
+        <p:spPr>
+          <a:xfrm>
+            <a:off x="4080884" y="1047245"/>
+            <a:ext cx="2962688" cy="619211"/>
+          </a:xfrm>
+          <a:prstGeom prst="rect">
+            <a:avLst/>
+          </a:prstGeom>
+        </p:spPr>
+      </p:pic>
+    </p:spTree>
+    <p:extLst>
+      <p:ext uri="{BB962C8B-B14F-4D97-AF65-F5344CB8AC3E}">
+        <p14:creationId xmlns:p14="http://schemas.microsoft.com/office/powerpoint/2010/main" val="1462483140"/>
+      </p:ext>
+    </p:extLst>
+  </p:cSld>
+  <p:clrMapOvr>
+    <a:masterClrMapping/>
+  </p:clrMapOvr>
+</p:sld>
+</file>
+
+<file path=ppt/slides/slide3.xml><?xml version="1.0" encoding="utf-8"?>
+<p:sld xmlns:a="http://schemas.openxmlformats.org/drawingml/2006/main" xmlns:r="http://schemas.openxmlformats.org/officeDocument/2006/relationships" xmlns:p="http://schemas.openxmlformats.org/presentationml/2006/main">
+  <p:cSld>
+    <p:spTree>
+      <p:nvGrpSpPr>
+        <p:cNvPr id="1" name=""/>
+        <p:cNvGrpSpPr/>
+        <p:nvPr/>
+      </p:nvGrpSpPr>
+      <p:grpSpPr>
+        <a:xfrm>
+          <a:off x="0" y="0"/>
+          <a:ext cx="0" cy="0"/>
+          <a:chOff x="0" y="0"/>
+          <a:chExt cx="0" cy="0"/>
+        </a:xfrm>
+      </p:grpSpPr>
+      <p:pic>
+        <p:nvPicPr>
+          <p:cNvPr id="2" name="図 1">
+            <a:extLst>
+              <a:ext uri="{FF2B5EF4-FFF2-40B4-BE49-F238E27FC236}">
+                <a16:creationId xmlns:a16="http://schemas.microsoft.com/office/drawing/2014/main" id="{4DE1C466-FBBD-4BEE-A7AD-F5141FB529E6}"/>
+              </a:ext>
+            </a:extLst>
+          </p:cNvPr>
+          <p:cNvPicPr>
+            <a:picLocks noChangeAspect="1"/>
+          </p:cNvPicPr>
+          <p:nvPr/>
+        </p:nvPicPr>
+        <p:blipFill>
+          <a:blip r:embed="rId2"/>
+          <a:stretch>
+            <a:fillRect/>
+          </a:stretch>
+        </p:blipFill>
+        <p:spPr>
+          <a:xfrm>
+            <a:off x="1459196" y="1519741"/>
+            <a:ext cx="4172532" cy="619211"/>
+          </a:xfrm>
+          <a:prstGeom prst="rect">
+            <a:avLst/>
+          </a:prstGeom>
+          <a:ln>
+            <a:solidFill>
+              <a:schemeClr val="tx1"/>
+            </a:solidFill>
+          </a:ln>
+        </p:spPr>
+      </p:pic>
+    </p:spTree>
+    <p:extLst>
+      <p:ext uri="{BB962C8B-B14F-4D97-AF65-F5344CB8AC3E}">
+        <p14:creationId xmlns:p14="http://schemas.microsoft.com/office/powerpoint/2010/main" val="371588783"/>
+      </p:ext>
+    </p:extLst>
+  </p:cSld>
+  <p:clrMapOvr>
+    <a:masterClrMapping/>
+  </p:clrMapOvr>
+</p:sld>
+</file>
+
 <file path=ppt/theme/theme1.xml><?xml version="1.0" encoding="utf-8"?>
 <a:theme xmlns:a="http://schemas.openxmlformats.org/drawingml/2006/main" name="Office テーマ">
   <a:themeElements>

--- a/docs/システム構成図_GCP.pptx
+++ b/docs/システム構成図_GCP.pptx
@@ -10203,19 +10203,78 @@
                     <a:ea typeface="HGPｺﾞｼｯｸM" panose="020B0600000000000000" pitchFamily="50" charset="-128"/>
                     <a:cs typeface="Arial" panose="020B0604020202020204" pitchFamily="34" charset="0"/>
                   </a:rPr>
-                  <a:t>Google Cloud Platform</a:t>
+                  <a:t>GCP</a:t>
                 </a:r>
-                <a:endParaRPr kumimoji="1" lang="ja-JP" altLang="en-US" dirty="0">
-                  <a:solidFill>
-                    <a:schemeClr val="bg1"/>
-                  </a:solidFill>
-                  <a:highlight>
-                    <a:srgbClr val="008000"/>
-                  </a:highlight>
-                  <a:latin typeface="Arial" panose="020B0604020202020204" pitchFamily="34" charset="0"/>
-                  <a:ea typeface="HGPｺﾞｼｯｸM" panose="020B0600000000000000" pitchFamily="50" charset="-128"/>
-                  <a:cs typeface="Arial" panose="020B0604020202020204" pitchFamily="34" charset="0"/>
-                </a:endParaRPr>
+                <a:r>
+                  <a:rPr kumimoji="1" lang="ja-JP" altLang="en-US" dirty="0">
+                    <a:solidFill>
+                      <a:schemeClr val="bg1"/>
+                    </a:solidFill>
+                    <a:highlight>
+                      <a:srgbClr val="008000"/>
+                    </a:highlight>
+                    <a:latin typeface="Arial" panose="020B0604020202020204" pitchFamily="34" charset="0"/>
+                    <a:ea typeface="HGPｺﾞｼｯｸM" panose="020B0600000000000000" pitchFamily="50" charset="-128"/>
+                    <a:cs typeface="Arial" panose="020B0604020202020204" pitchFamily="34" charset="0"/>
+                  </a:rPr>
+                  <a:t>（プロジェクト名：</a:t>
+                </a:r>
+                <a:r>
+                  <a:rPr kumimoji="1" lang="en-US" altLang="ja-JP" dirty="0">
+                    <a:solidFill>
+                      <a:schemeClr val="bg1"/>
+                    </a:solidFill>
+                    <a:highlight>
+                      <a:srgbClr val="008000"/>
+                    </a:highlight>
+                    <a:latin typeface="Arial" panose="020B0604020202020204" pitchFamily="34" charset="0"/>
+                    <a:ea typeface="HGPｺﾞｼｯｸM" panose="020B0600000000000000" pitchFamily="50" charset="-128"/>
+                    <a:cs typeface="Arial" panose="020B0604020202020204" pitchFamily="34" charset="0"/>
+                  </a:rPr>
+                  <a:t>Slack-</a:t>
+                </a:r>
+                <a:r>
+                  <a:rPr kumimoji="1" lang="en-US" altLang="ja-JP" dirty="0" err="1">
+                    <a:solidFill>
+                      <a:schemeClr val="bg1"/>
+                    </a:solidFill>
+                    <a:highlight>
+                      <a:srgbClr val="008000"/>
+                    </a:highlight>
+                    <a:latin typeface="Arial" panose="020B0604020202020204" pitchFamily="34" charset="0"/>
+                    <a:ea typeface="HGPｺﾞｼｯｸM" panose="020B0600000000000000" pitchFamily="50" charset="-128"/>
+                    <a:cs typeface="Arial" panose="020B0604020202020204" pitchFamily="34" charset="0"/>
+                  </a:rPr>
+                  <a:t>kintai</a:t>
+                </a:r>
+                <a:r>
+                  <a:rPr kumimoji="1" lang="en-US" altLang="ja-JP" dirty="0">
+                    <a:solidFill>
+                      <a:schemeClr val="bg1"/>
+                    </a:solidFill>
+                    <a:highlight>
+                      <a:srgbClr val="008000"/>
+                    </a:highlight>
+                    <a:latin typeface="Arial" panose="020B0604020202020204" pitchFamily="34" charset="0"/>
+                    <a:ea typeface="HGPｺﾞｼｯｸM" panose="020B0600000000000000" pitchFamily="50" charset="-128"/>
+                    <a:cs typeface="Arial" panose="020B0604020202020204" pitchFamily="34" charset="0"/>
+                  </a:rPr>
+                  <a:t>-bot</a:t>
+                </a:r>
+                <a:r>
+                  <a:rPr kumimoji="1" lang="ja-JP" altLang="en-US" dirty="0">
+                    <a:solidFill>
+                      <a:schemeClr val="bg1"/>
+                    </a:solidFill>
+                    <a:highlight>
+                      <a:srgbClr val="008000"/>
+                    </a:highlight>
+                    <a:latin typeface="Arial" panose="020B0604020202020204" pitchFamily="34" charset="0"/>
+                    <a:ea typeface="HGPｺﾞｼｯｸM" panose="020B0600000000000000" pitchFamily="50" charset="-128"/>
+                    <a:cs typeface="Arial" panose="020B0604020202020204" pitchFamily="34" charset="0"/>
+                  </a:rPr>
+                  <a:t>）</a:t>
+                </a:r>
               </a:p>
             </p:txBody>
           </p:sp>
@@ -10560,7 +10619,7 @@
         </p:blipFill>
         <p:spPr>
           <a:xfrm>
-            <a:off x="18214255" y="7337275"/>
+            <a:off x="18214255" y="7085930"/>
             <a:ext cx="2353028" cy="603820"/>
           </a:xfrm>
           <a:prstGeom prst="rect">
@@ -10595,7 +10654,7 @@
         </p:blipFill>
         <p:spPr>
           <a:xfrm>
-            <a:off x="15012050" y="1000295"/>
+            <a:off x="14271675" y="1330234"/>
             <a:ext cx="2267266" cy="590632"/>
           </a:xfrm>
           <a:prstGeom prst="rect">
@@ -10630,7 +10689,7 @@
         </p:blipFill>
         <p:spPr>
           <a:xfrm>
-            <a:off x="13581847" y="7351528"/>
+            <a:off x="13549064" y="7066555"/>
             <a:ext cx="1686160" cy="685896"/>
           </a:xfrm>
           <a:prstGeom prst="rect">
@@ -10665,7 +10724,7 @@
         </p:blipFill>
         <p:spPr>
           <a:xfrm>
-            <a:off x="18840505" y="355765"/>
+            <a:off x="18904429" y="688952"/>
             <a:ext cx="1600423" cy="1238423"/>
           </a:xfrm>
           <a:prstGeom prst="rect">
@@ -10727,8 +10786,8 @@
         </p:nvSpPr>
         <p:spPr>
           <a:xfrm>
-            <a:off x="1728995" y="11315910"/>
-            <a:ext cx="5663937" cy="923330"/>
+            <a:off x="8406031" y="8430709"/>
+            <a:ext cx="5663937" cy="1200329"/>
           </a:xfrm>
           <a:prstGeom prst="rect">
             <a:avLst/>
@@ -10791,7 +10850,25 @@
               <a:rPr kumimoji="1" lang="en-US" altLang="ja-JP" dirty="0"/>
               <a:t>-prod , production</a:t>
             </a:r>
-            <a:endParaRPr kumimoji="1" lang="ja-JP" altLang="en-US" dirty="0"/>
+          </a:p>
+          <a:p>
+            <a:r>
+              <a:rPr kumimoji="1" lang="en-US" altLang="ja-JP" dirty="0"/>
+              <a:t>※</a:t>
+            </a:r>
+            <a:r>
+              <a:rPr kumimoji="1" lang="en-US" altLang="ja-JP" dirty="0" err="1"/>
+              <a:t>OpenAI</a:t>
+            </a:r>
+            <a:r>
+              <a:rPr kumimoji="1" lang="en-US" altLang="ja-JP" dirty="0"/>
+              <a:t> API</a:t>
+            </a:r>
+            <a:r>
+              <a:rPr kumimoji="1" lang="ja-JP" altLang="en-US" dirty="0"/>
+              <a:t>のみ本番・開発共通</a:t>
+            </a:r>
+            <a:endParaRPr kumimoji="1" lang="en-US" altLang="ja-JP" dirty="0"/>
           </a:p>
         </p:txBody>
       </p:sp>
@@ -10907,9 +10984,7 @@
           </a:prstGeom>
           <a:noFill/>
           <a:ln>
-            <a:solidFill>
-              <a:schemeClr val="tx1"/>
-            </a:solidFill>
+            <a:noFill/>
           </a:ln>
         </p:spPr>
         <p:txBody>
@@ -10962,6 +11037,110 @@
           </a:prstGeom>
         </p:spPr>
       </p:pic>
+      <p:sp>
+        <p:nvSpPr>
+          <p:cNvPr id="90" name="テキスト ボックス 89">
+            <a:extLst>
+              <a:ext uri="{FF2B5EF4-FFF2-40B4-BE49-F238E27FC236}">
+                <a16:creationId xmlns:a16="http://schemas.microsoft.com/office/drawing/2014/main" id="{90362D18-EB13-4D3A-B2DA-BC71E847888C}"/>
+              </a:ext>
+            </a:extLst>
+          </p:cNvPr>
+          <p:cNvSpPr txBox="1"/>
+          <p:nvPr/>
+        </p:nvSpPr>
+        <p:spPr>
+          <a:xfrm>
+            <a:off x="11599474" y="870451"/>
+            <a:ext cx="2015533" cy="646331"/>
+          </a:xfrm>
+          <a:prstGeom prst="rect">
+            <a:avLst/>
+          </a:prstGeom>
+          <a:noFill/>
+          <a:ln>
+            <a:noFill/>
+          </a:ln>
+        </p:spPr>
+        <p:txBody>
+          <a:bodyPr wrap="square" rtlCol="0">
+            <a:spAutoFit/>
+          </a:bodyPr>
+          <a:lstStyle/>
+          <a:p>
+            <a:r>
+              <a:rPr kumimoji="1" lang="ja-JP" altLang="en-US" dirty="0"/>
+              <a:t>本番・開発</a:t>
+            </a:r>
+            <a:endParaRPr kumimoji="1" lang="en-US" altLang="ja-JP" dirty="0"/>
+          </a:p>
+          <a:p>
+            <a:r>
+              <a:rPr kumimoji="1" lang="ja-JP" altLang="en-US" dirty="0"/>
+              <a:t>トリガーが別</a:t>
+            </a:r>
+          </a:p>
+        </p:txBody>
+      </p:sp>
+      <p:sp>
+        <p:nvSpPr>
+          <p:cNvPr id="91" name="テキスト ボックス 90">
+            <a:extLst>
+              <a:ext uri="{FF2B5EF4-FFF2-40B4-BE49-F238E27FC236}">
+                <a16:creationId xmlns:a16="http://schemas.microsoft.com/office/drawing/2014/main" id="{8585D2C7-C782-49D5-8495-8C3A3F26FD6E}"/>
+              </a:ext>
+            </a:extLst>
+          </p:cNvPr>
+          <p:cNvSpPr txBox="1"/>
+          <p:nvPr/>
+        </p:nvSpPr>
+        <p:spPr>
+          <a:xfrm>
+            <a:off x="2524533" y="503556"/>
+            <a:ext cx="2407440" cy="923330"/>
+          </a:xfrm>
+          <a:prstGeom prst="rect">
+            <a:avLst/>
+          </a:prstGeom>
+          <a:noFill/>
+          <a:ln>
+            <a:noFill/>
+          </a:ln>
+        </p:spPr>
+        <p:txBody>
+          <a:bodyPr wrap="square" rtlCol="0">
+            <a:spAutoFit/>
+          </a:bodyPr>
+          <a:lstStyle/>
+          <a:p>
+            <a:r>
+              <a:rPr kumimoji="1" lang="ja-JP" altLang="en-US" dirty="0"/>
+              <a:t>ブランチが別</a:t>
+            </a:r>
+            <a:br>
+              <a:rPr kumimoji="1" lang="en-US" altLang="ja-JP" dirty="0"/>
+            </a:br>
+            <a:r>
+              <a:rPr kumimoji="1" lang="ja-JP" altLang="en-US" dirty="0"/>
+              <a:t>本番：</a:t>
+            </a:r>
+            <a:r>
+              <a:rPr kumimoji="1" lang="en-US" altLang="ja-JP" dirty="0"/>
+              <a:t>main</a:t>
+            </a:r>
+          </a:p>
+          <a:p>
+            <a:r>
+              <a:rPr kumimoji="1" lang="ja-JP" altLang="en-US" dirty="0"/>
+              <a:t>開発：</a:t>
+            </a:r>
+            <a:r>
+              <a:rPr kumimoji="1" lang="en-US" altLang="ja-JP" dirty="0"/>
+              <a:t>develop</a:t>
+            </a:r>
+          </a:p>
+        </p:txBody>
+      </p:sp>
     </p:spTree>
     <p:extLst>
       <p:ext uri="{BB962C8B-B14F-4D97-AF65-F5344CB8AC3E}">

--- a/docs/システム構成図_GCP.pptx
+++ b/docs/システム構成図_GCP.pptx
@@ -2,14 +2,15 @@
 <file path=ppt/presentation.xml><?xml version="1.0" encoding="utf-8"?>
 <p:presentation xmlns:a="http://schemas.openxmlformats.org/drawingml/2006/main" xmlns:r="http://schemas.openxmlformats.org/officeDocument/2006/relationships" xmlns:p="http://schemas.openxmlformats.org/presentationml/2006/main" saveSubsetFonts="1">
   <p:sldMasterIdLst>
-    <p:sldMasterId id="2147483696" r:id="rId1"/>
+    <p:sldMasterId id="2147483708" r:id="rId1"/>
   </p:sldMasterIdLst>
   <p:sldIdLst>
     <p:sldId id="256" r:id="rId2"/>
     <p:sldId id="258" r:id="rId3"/>
-    <p:sldId id="257" r:id="rId4"/>
+    <p:sldId id="259" r:id="rId4"/>
+    <p:sldId id="257" r:id="rId5"/>
   </p:sldIdLst>
-  <p:sldSz cx="22572663" cy="12960350"/>
+  <p:sldSz cx="28800425" cy="12960350"/>
   <p:notesSz cx="6858000" cy="9144000"/>
   <p:defaultTextStyle>
     <a:defPPr>
@@ -143,15 +144,15 @@
         </p:nvSpPr>
         <p:spPr>
           <a:xfrm>
-            <a:off x="2821583" y="2121058"/>
-            <a:ext cx="16929497" cy="4512122"/>
+            <a:off x="3600053" y="2121058"/>
+            <a:ext cx="21600319" cy="4512122"/>
           </a:xfrm>
         </p:spPr>
         <p:txBody>
           <a:bodyPr anchor="b"/>
           <a:lstStyle>
             <a:lvl1pPr algn="ctr">
-              <a:defRPr sz="11108"/>
+              <a:defRPr sz="11339"/>
             </a:lvl1pPr>
           </a:lstStyle>
           <a:p>
@@ -175,8 +176,8 @@
         </p:nvSpPr>
         <p:spPr>
           <a:xfrm>
-            <a:off x="2821583" y="6807185"/>
-            <a:ext cx="16929497" cy="3129084"/>
+            <a:off x="3600053" y="6807185"/>
+            <a:ext cx="21600319" cy="3129084"/>
           </a:xfrm>
         </p:spPr>
         <p:txBody>
@@ -184,39 +185,39 @@
           <a:lstStyle>
             <a:lvl1pPr marL="0" indent="0" algn="ctr">
               <a:buNone/>
-              <a:defRPr sz="4443"/>
+              <a:defRPr sz="4536"/>
             </a:lvl1pPr>
-            <a:lvl2pPr marL="846460" indent="0" algn="ctr">
+            <a:lvl2pPr marL="864017" indent="0" algn="ctr">
               <a:buNone/>
-              <a:defRPr sz="3703"/>
+              <a:defRPr sz="3780"/>
             </a:lvl2pPr>
-            <a:lvl3pPr marL="1692920" indent="0" algn="ctr">
+            <a:lvl3pPr marL="1728033" indent="0" algn="ctr">
               <a:buNone/>
-              <a:defRPr sz="3333"/>
+              <a:defRPr sz="3402"/>
             </a:lvl3pPr>
-            <a:lvl4pPr marL="2539380" indent="0" algn="ctr">
+            <a:lvl4pPr marL="2592050" indent="0" algn="ctr">
               <a:buNone/>
-              <a:defRPr sz="2962"/>
+              <a:defRPr sz="3024"/>
             </a:lvl4pPr>
-            <a:lvl5pPr marL="3385840" indent="0" algn="ctr">
+            <a:lvl5pPr marL="3456066" indent="0" algn="ctr">
               <a:buNone/>
-              <a:defRPr sz="2962"/>
+              <a:defRPr sz="3024"/>
             </a:lvl5pPr>
-            <a:lvl6pPr marL="4232300" indent="0" algn="ctr">
+            <a:lvl6pPr marL="4320083" indent="0" algn="ctr">
               <a:buNone/>
-              <a:defRPr sz="2962"/>
+              <a:defRPr sz="3024"/>
             </a:lvl6pPr>
-            <a:lvl7pPr marL="5078760" indent="0" algn="ctr">
+            <a:lvl7pPr marL="5184099" indent="0" algn="ctr">
               <a:buNone/>
-              <a:defRPr sz="2962"/>
+              <a:defRPr sz="3024"/>
             </a:lvl7pPr>
-            <a:lvl8pPr marL="5925221" indent="0" algn="ctr">
+            <a:lvl8pPr marL="6048116" indent="0" algn="ctr">
               <a:buNone/>
-              <a:defRPr sz="2962"/>
+              <a:defRPr sz="3024"/>
             </a:lvl8pPr>
-            <a:lvl9pPr marL="6771681" indent="0" algn="ctr">
+            <a:lvl9pPr marL="6912132" indent="0" algn="ctr">
               <a:buNone/>
-              <a:defRPr sz="2962"/>
+              <a:defRPr sz="3024"/>
             </a:lvl9pPr>
           </a:lstStyle>
           <a:p>
@@ -245,7 +246,7 @@
           <a:p>
             <a:fld id="{3A4177F8-900A-4ED9-853C-8F363F6F0FD7}" type="datetimeFigureOut">
               <a:rPr kumimoji="1" lang="ja-JP" altLang="en-US" smtClean="0"/>
-              <a:t>2026/1/29</a:t>
+              <a:t>2026/2/12</a:t>
             </a:fld>
             <a:endParaRPr kumimoji="1" lang="ja-JP" altLang="en-US"/>
           </a:p>
@@ -296,7 +297,7 @@
     </p:spTree>
     <p:extLst>
       <p:ext uri="{BB962C8B-B14F-4D97-AF65-F5344CB8AC3E}">
-        <p14:creationId xmlns:p14="http://schemas.microsoft.com/office/powerpoint/2010/main" val="3653082461"/>
+        <p14:creationId xmlns:p14="http://schemas.microsoft.com/office/powerpoint/2010/main" val="2683464508"/>
       </p:ext>
     </p:extLst>
   </p:cSld>
@@ -447,7 +448,7 @@
           <a:p>
             <a:fld id="{3A4177F8-900A-4ED9-853C-8F363F6F0FD7}" type="datetimeFigureOut">
               <a:rPr kumimoji="1" lang="ja-JP" altLang="en-US" smtClean="0"/>
-              <a:t>2026/1/29</a:t>
+              <a:t>2026/2/12</a:t>
             </a:fld>
             <a:endParaRPr kumimoji="1" lang="ja-JP" altLang="en-US"/>
           </a:p>
@@ -498,7 +499,7 @@
     </p:spTree>
     <p:extLst>
       <p:ext uri="{BB962C8B-B14F-4D97-AF65-F5344CB8AC3E}">
-        <p14:creationId xmlns:p14="http://schemas.microsoft.com/office/powerpoint/2010/main" val="3597357291"/>
+        <p14:creationId xmlns:p14="http://schemas.microsoft.com/office/powerpoint/2010/main" val="2537562635"/>
       </p:ext>
     </p:extLst>
   </p:cSld>
@@ -537,8 +538,8 @@
         </p:nvSpPr>
         <p:spPr>
           <a:xfrm>
-            <a:off x="16153562" y="690018"/>
-            <a:ext cx="4867230" cy="10983298"/>
+            <a:off x="20610304" y="690018"/>
+            <a:ext cx="6210092" cy="10983298"/>
           </a:xfrm>
         </p:spPr>
         <p:txBody>
@@ -565,8 +566,8 @@
         </p:nvSpPr>
         <p:spPr>
           <a:xfrm>
-            <a:off x="1551871" y="690018"/>
-            <a:ext cx="14319533" cy="10983298"/>
+            <a:off x="1980029" y="690018"/>
+            <a:ext cx="18270270" cy="10983298"/>
           </a:xfrm>
         </p:spPr>
         <p:txBody>
@@ -659,7 +660,7 @@
           <a:p>
             <a:fld id="{3A4177F8-900A-4ED9-853C-8F363F6F0FD7}" type="datetimeFigureOut">
               <a:rPr kumimoji="1" lang="ja-JP" altLang="en-US" smtClean="0"/>
-              <a:t>2026/1/29</a:t>
+              <a:t>2026/2/12</a:t>
             </a:fld>
             <a:endParaRPr kumimoji="1" lang="ja-JP" altLang="en-US"/>
           </a:p>
@@ -710,7 +711,7 @@
     </p:spTree>
     <p:extLst>
       <p:ext uri="{BB962C8B-B14F-4D97-AF65-F5344CB8AC3E}">
-        <p14:creationId xmlns:p14="http://schemas.microsoft.com/office/powerpoint/2010/main" val="619908693"/>
+        <p14:creationId xmlns:p14="http://schemas.microsoft.com/office/powerpoint/2010/main" val="2688946160"/>
       </p:ext>
     </p:extLst>
   </p:cSld>
@@ -861,7 +862,7 @@
           <a:p>
             <a:fld id="{3A4177F8-900A-4ED9-853C-8F363F6F0FD7}" type="datetimeFigureOut">
               <a:rPr kumimoji="1" lang="ja-JP" altLang="en-US" smtClean="0"/>
-              <a:t>2026/1/29</a:t>
+              <a:t>2026/2/12</a:t>
             </a:fld>
             <a:endParaRPr kumimoji="1" lang="ja-JP" altLang="en-US"/>
           </a:p>
@@ -912,7 +913,7 @@
     </p:spTree>
     <p:extLst>
       <p:ext uri="{BB962C8B-B14F-4D97-AF65-F5344CB8AC3E}">
-        <p14:creationId xmlns:p14="http://schemas.microsoft.com/office/powerpoint/2010/main" val="4092636790"/>
+        <p14:creationId xmlns:p14="http://schemas.microsoft.com/office/powerpoint/2010/main" val="2598890097"/>
       </p:ext>
     </p:extLst>
   </p:cSld>
@@ -951,15 +952,15 @@
         </p:nvSpPr>
         <p:spPr>
           <a:xfrm>
-            <a:off x="1540114" y="3231089"/>
-            <a:ext cx="19468922" cy="5391145"/>
+            <a:off x="1965029" y="3231089"/>
+            <a:ext cx="24840367" cy="5391145"/>
           </a:xfrm>
         </p:spPr>
         <p:txBody>
           <a:bodyPr anchor="b"/>
           <a:lstStyle>
             <a:lvl1pPr>
-              <a:defRPr sz="11108"/>
+              <a:defRPr sz="11339"/>
             </a:lvl1pPr>
           </a:lstStyle>
           <a:p>
@@ -983,8 +984,8 @@
         </p:nvSpPr>
         <p:spPr>
           <a:xfrm>
-            <a:off x="1540114" y="8673236"/>
-            <a:ext cx="19468922" cy="2835076"/>
+            <a:off x="1965029" y="8673236"/>
+            <a:ext cx="24840367" cy="2835076"/>
           </a:xfrm>
         </p:spPr>
         <p:txBody>
@@ -992,7 +993,7 @@
           <a:lstStyle>
             <a:lvl1pPr marL="0" indent="0">
               <a:buNone/>
-              <a:defRPr sz="4443">
+              <a:defRPr sz="4536">
                 <a:solidFill>
                   <a:schemeClr val="tx1">
                     <a:tint val="75000"/>
@@ -1000,9 +1001,9 @@
                 </a:solidFill>
               </a:defRPr>
             </a:lvl1pPr>
-            <a:lvl2pPr marL="846460" indent="0">
+            <a:lvl2pPr marL="864017" indent="0">
               <a:buNone/>
-              <a:defRPr sz="3703">
+              <a:defRPr sz="3780">
                 <a:solidFill>
                   <a:schemeClr val="tx1">
                     <a:tint val="75000"/>
@@ -1010,9 +1011,9 @@
                 </a:solidFill>
               </a:defRPr>
             </a:lvl2pPr>
-            <a:lvl3pPr marL="1692920" indent="0">
+            <a:lvl3pPr marL="1728033" indent="0">
               <a:buNone/>
-              <a:defRPr sz="3333">
+              <a:defRPr sz="3402">
                 <a:solidFill>
                   <a:schemeClr val="tx1">
                     <a:tint val="75000"/>
@@ -1020,9 +1021,9 @@
                 </a:solidFill>
               </a:defRPr>
             </a:lvl3pPr>
-            <a:lvl4pPr marL="2539380" indent="0">
+            <a:lvl4pPr marL="2592050" indent="0">
               <a:buNone/>
-              <a:defRPr sz="2962">
+              <a:defRPr sz="3024">
                 <a:solidFill>
                   <a:schemeClr val="tx1">
                     <a:tint val="75000"/>
@@ -1030,9 +1031,9 @@
                 </a:solidFill>
               </a:defRPr>
             </a:lvl4pPr>
-            <a:lvl5pPr marL="3385840" indent="0">
+            <a:lvl5pPr marL="3456066" indent="0">
               <a:buNone/>
-              <a:defRPr sz="2962">
+              <a:defRPr sz="3024">
                 <a:solidFill>
                   <a:schemeClr val="tx1">
                     <a:tint val="75000"/>
@@ -1040,9 +1041,9 @@
                 </a:solidFill>
               </a:defRPr>
             </a:lvl5pPr>
-            <a:lvl6pPr marL="4232300" indent="0">
+            <a:lvl6pPr marL="4320083" indent="0">
               <a:buNone/>
-              <a:defRPr sz="2962">
+              <a:defRPr sz="3024">
                 <a:solidFill>
                   <a:schemeClr val="tx1">
                     <a:tint val="75000"/>
@@ -1050,9 +1051,9 @@
                 </a:solidFill>
               </a:defRPr>
             </a:lvl6pPr>
-            <a:lvl7pPr marL="5078760" indent="0">
+            <a:lvl7pPr marL="5184099" indent="0">
               <a:buNone/>
-              <a:defRPr sz="2962">
+              <a:defRPr sz="3024">
                 <a:solidFill>
                   <a:schemeClr val="tx1">
                     <a:tint val="75000"/>
@@ -1060,9 +1061,9 @@
                 </a:solidFill>
               </a:defRPr>
             </a:lvl7pPr>
-            <a:lvl8pPr marL="5925221" indent="0">
+            <a:lvl8pPr marL="6048116" indent="0">
               <a:buNone/>
-              <a:defRPr sz="2962">
+              <a:defRPr sz="3024">
                 <a:solidFill>
                   <a:schemeClr val="tx1">
                     <a:tint val="75000"/>
@@ -1070,9 +1071,9 @@
                 </a:solidFill>
               </a:defRPr>
             </a:lvl8pPr>
-            <a:lvl9pPr marL="6771681" indent="0">
+            <a:lvl9pPr marL="6912132" indent="0">
               <a:buNone/>
-              <a:defRPr sz="2962">
+              <a:defRPr sz="3024">
                 <a:solidFill>
                   <a:schemeClr val="tx1">
                     <a:tint val="75000"/>
@@ -1107,7 +1108,7 @@
           <a:p>
             <a:fld id="{3A4177F8-900A-4ED9-853C-8F363F6F0FD7}" type="datetimeFigureOut">
               <a:rPr kumimoji="1" lang="ja-JP" altLang="en-US" smtClean="0"/>
-              <a:t>2026/1/29</a:t>
+              <a:t>2026/2/12</a:t>
             </a:fld>
             <a:endParaRPr kumimoji="1" lang="ja-JP" altLang="en-US"/>
           </a:p>
@@ -1158,7 +1159,7 @@
     </p:spTree>
     <p:extLst>
       <p:ext uri="{BB962C8B-B14F-4D97-AF65-F5344CB8AC3E}">
-        <p14:creationId xmlns:p14="http://schemas.microsoft.com/office/powerpoint/2010/main" val="3194559822"/>
+        <p14:creationId xmlns:p14="http://schemas.microsoft.com/office/powerpoint/2010/main" val="1543688324"/>
       </p:ext>
     </p:extLst>
   </p:cSld>
@@ -1220,8 +1221,8 @@
         </p:nvSpPr>
         <p:spPr>
           <a:xfrm>
-            <a:off x="1551870" y="3450093"/>
-            <a:ext cx="9593382" cy="8223223"/>
+            <a:off x="1980029" y="3450093"/>
+            <a:ext cx="12240181" cy="8223223"/>
           </a:xfrm>
         </p:spPr>
         <p:txBody>
@@ -1309,8 +1310,8 @@
         </p:nvSpPr>
         <p:spPr>
           <a:xfrm>
-            <a:off x="11427411" y="3450093"/>
-            <a:ext cx="9593382" cy="8223223"/>
+            <a:off x="14580215" y="3450093"/>
+            <a:ext cx="12240181" cy="8223223"/>
           </a:xfrm>
         </p:spPr>
         <p:txBody>
@@ -1403,7 +1404,7 @@
           <a:p>
             <a:fld id="{3A4177F8-900A-4ED9-853C-8F363F6F0FD7}" type="datetimeFigureOut">
               <a:rPr kumimoji="1" lang="ja-JP" altLang="en-US" smtClean="0"/>
-              <a:t>2026/1/29</a:t>
+              <a:t>2026/2/12</a:t>
             </a:fld>
             <a:endParaRPr kumimoji="1" lang="ja-JP" altLang="en-US"/>
           </a:p>
@@ -1454,7 +1455,7 @@
     </p:spTree>
     <p:extLst>
       <p:ext uri="{BB962C8B-B14F-4D97-AF65-F5344CB8AC3E}">
-        <p14:creationId xmlns:p14="http://schemas.microsoft.com/office/powerpoint/2010/main" val="1756307248"/>
+        <p14:creationId xmlns:p14="http://schemas.microsoft.com/office/powerpoint/2010/main" val="1997177191"/>
       </p:ext>
     </p:extLst>
   </p:cSld>
@@ -1493,8 +1494,8 @@
         </p:nvSpPr>
         <p:spPr>
           <a:xfrm>
-            <a:off x="1554811" y="690019"/>
-            <a:ext cx="19468922" cy="2505069"/>
+            <a:off x="1983780" y="690019"/>
+            <a:ext cx="24840367" cy="2505069"/>
           </a:xfrm>
         </p:spPr>
         <p:txBody>
@@ -1521,8 +1522,8 @@
         </p:nvSpPr>
         <p:spPr>
           <a:xfrm>
-            <a:off x="1554811" y="3177087"/>
-            <a:ext cx="9549294" cy="1557041"/>
+            <a:off x="1983781" y="3177087"/>
+            <a:ext cx="12183929" cy="1557041"/>
           </a:xfrm>
         </p:spPr>
         <p:txBody>
@@ -1530,39 +1531,39 @@
           <a:lstStyle>
             <a:lvl1pPr marL="0" indent="0">
               <a:buNone/>
-              <a:defRPr sz="4443" b="1"/>
+              <a:defRPr sz="4536" b="1"/>
             </a:lvl1pPr>
-            <a:lvl2pPr marL="846460" indent="0">
+            <a:lvl2pPr marL="864017" indent="0">
               <a:buNone/>
-              <a:defRPr sz="3703" b="1"/>
+              <a:defRPr sz="3780" b="1"/>
             </a:lvl2pPr>
-            <a:lvl3pPr marL="1692920" indent="0">
+            <a:lvl3pPr marL="1728033" indent="0">
               <a:buNone/>
-              <a:defRPr sz="3333" b="1"/>
+              <a:defRPr sz="3402" b="1"/>
             </a:lvl3pPr>
-            <a:lvl4pPr marL="2539380" indent="0">
+            <a:lvl4pPr marL="2592050" indent="0">
               <a:buNone/>
-              <a:defRPr sz="2962" b="1"/>
+              <a:defRPr sz="3024" b="1"/>
             </a:lvl4pPr>
-            <a:lvl5pPr marL="3385840" indent="0">
+            <a:lvl5pPr marL="3456066" indent="0">
               <a:buNone/>
-              <a:defRPr sz="2962" b="1"/>
+              <a:defRPr sz="3024" b="1"/>
             </a:lvl5pPr>
-            <a:lvl6pPr marL="4232300" indent="0">
+            <a:lvl6pPr marL="4320083" indent="0">
               <a:buNone/>
-              <a:defRPr sz="2962" b="1"/>
+              <a:defRPr sz="3024" b="1"/>
             </a:lvl6pPr>
-            <a:lvl7pPr marL="5078760" indent="0">
+            <a:lvl7pPr marL="5184099" indent="0">
               <a:buNone/>
-              <a:defRPr sz="2962" b="1"/>
+              <a:defRPr sz="3024" b="1"/>
             </a:lvl7pPr>
-            <a:lvl8pPr marL="5925221" indent="0">
+            <a:lvl8pPr marL="6048116" indent="0">
               <a:buNone/>
-              <a:defRPr sz="2962" b="1"/>
+              <a:defRPr sz="3024" b="1"/>
             </a:lvl8pPr>
-            <a:lvl9pPr marL="6771681" indent="0">
+            <a:lvl9pPr marL="6912132" indent="0">
               <a:buNone/>
-              <a:defRPr sz="2962" b="1"/>
+              <a:defRPr sz="3024" b="1"/>
             </a:lvl9pPr>
           </a:lstStyle>
           <a:p>
@@ -1586,8 +1587,8 @@
         </p:nvSpPr>
         <p:spPr>
           <a:xfrm>
-            <a:off x="1554811" y="4734128"/>
-            <a:ext cx="9549294" cy="6963189"/>
+            <a:off x="1983781" y="4734128"/>
+            <a:ext cx="12183929" cy="6963189"/>
           </a:xfrm>
         </p:spPr>
         <p:txBody>
@@ -1675,8 +1676,8 @@
         </p:nvSpPr>
         <p:spPr>
           <a:xfrm>
-            <a:off x="11427411" y="3177087"/>
-            <a:ext cx="9596322" cy="1557041"/>
+            <a:off x="14580215" y="3177087"/>
+            <a:ext cx="12243932" cy="1557041"/>
           </a:xfrm>
         </p:spPr>
         <p:txBody>
@@ -1684,39 +1685,39 @@
           <a:lstStyle>
             <a:lvl1pPr marL="0" indent="0">
               <a:buNone/>
-              <a:defRPr sz="4443" b="1"/>
+              <a:defRPr sz="4536" b="1"/>
             </a:lvl1pPr>
-            <a:lvl2pPr marL="846460" indent="0">
+            <a:lvl2pPr marL="864017" indent="0">
               <a:buNone/>
-              <a:defRPr sz="3703" b="1"/>
+              <a:defRPr sz="3780" b="1"/>
             </a:lvl2pPr>
-            <a:lvl3pPr marL="1692920" indent="0">
+            <a:lvl3pPr marL="1728033" indent="0">
               <a:buNone/>
-              <a:defRPr sz="3333" b="1"/>
+              <a:defRPr sz="3402" b="1"/>
             </a:lvl3pPr>
-            <a:lvl4pPr marL="2539380" indent="0">
+            <a:lvl4pPr marL="2592050" indent="0">
               <a:buNone/>
-              <a:defRPr sz="2962" b="1"/>
+              <a:defRPr sz="3024" b="1"/>
             </a:lvl4pPr>
-            <a:lvl5pPr marL="3385840" indent="0">
+            <a:lvl5pPr marL="3456066" indent="0">
               <a:buNone/>
-              <a:defRPr sz="2962" b="1"/>
+              <a:defRPr sz="3024" b="1"/>
             </a:lvl5pPr>
-            <a:lvl6pPr marL="4232300" indent="0">
+            <a:lvl6pPr marL="4320083" indent="0">
               <a:buNone/>
-              <a:defRPr sz="2962" b="1"/>
+              <a:defRPr sz="3024" b="1"/>
             </a:lvl6pPr>
-            <a:lvl7pPr marL="5078760" indent="0">
+            <a:lvl7pPr marL="5184099" indent="0">
               <a:buNone/>
-              <a:defRPr sz="2962" b="1"/>
+              <a:defRPr sz="3024" b="1"/>
             </a:lvl7pPr>
-            <a:lvl8pPr marL="5925221" indent="0">
+            <a:lvl8pPr marL="6048116" indent="0">
               <a:buNone/>
-              <a:defRPr sz="2962" b="1"/>
+              <a:defRPr sz="3024" b="1"/>
             </a:lvl8pPr>
-            <a:lvl9pPr marL="6771681" indent="0">
+            <a:lvl9pPr marL="6912132" indent="0">
               <a:buNone/>
-              <a:defRPr sz="2962" b="1"/>
+              <a:defRPr sz="3024" b="1"/>
             </a:lvl9pPr>
           </a:lstStyle>
           <a:p>
@@ -1740,8 +1741,8 @@
         </p:nvSpPr>
         <p:spPr>
           <a:xfrm>
-            <a:off x="11427411" y="4734128"/>
-            <a:ext cx="9596322" cy="6963189"/>
+            <a:off x="14580215" y="4734128"/>
+            <a:ext cx="12243932" cy="6963189"/>
           </a:xfrm>
         </p:spPr>
         <p:txBody>
@@ -1834,7 +1835,7 @@
           <a:p>
             <a:fld id="{3A4177F8-900A-4ED9-853C-8F363F6F0FD7}" type="datetimeFigureOut">
               <a:rPr kumimoji="1" lang="ja-JP" altLang="en-US" smtClean="0"/>
-              <a:t>2026/1/29</a:t>
+              <a:t>2026/2/12</a:t>
             </a:fld>
             <a:endParaRPr kumimoji="1" lang="ja-JP" altLang="en-US"/>
           </a:p>
@@ -1885,7 +1886,7 @@
     </p:spTree>
     <p:extLst>
       <p:ext uri="{BB962C8B-B14F-4D97-AF65-F5344CB8AC3E}">
-        <p14:creationId xmlns:p14="http://schemas.microsoft.com/office/powerpoint/2010/main" val="2074291271"/>
+        <p14:creationId xmlns:p14="http://schemas.microsoft.com/office/powerpoint/2010/main" val="4087445168"/>
       </p:ext>
     </p:extLst>
   </p:cSld>
@@ -1952,7 +1953,7 @@
           <a:p>
             <a:fld id="{3A4177F8-900A-4ED9-853C-8F363F6F0FD7}" type="datetimeFigureOut">
               <a:rPr kumimoji="1" lang="ja-JP" altLang="en-US" smtClean="0"/>
-              <a:t>2026/1/29</a:t>
+              <a:t>2026/2/12</a:t>
             </a:fld>
             <a:endParaRPr kumimoji="1" lang="ja-JP" altLang="en-US"/>
           </a:p>
@@ -2003,7 +2004,7 @@
     </p:spTree>
     <p:extLst>
       <p:ext uri="{BB962C8B-B14F-4D97-AF65-F5344CB8AC3E}">
-        <p14:creationId xmlns:p14="http://schemas.microsoft.com/office/powerpoint/2010/main" val="683746328"/>
+        <p14:creationId xmlns:p14="http://schemas.microsoft.com/office/powerpoint/2010/main" val="1083843149"/>
       </p:ext>
     </p:extLst>
   </p:cSld>
@@ -2047,7 +2048,7 @@
           <a:p>
             <a:fld id="{3A4177F8-900A-4ED9-853C-8F363F6F0FD7}" type="datetimeFigureOut">
               <a:rPr kumimoji="1" lang="ja-JP" altLang="en-US" smtClean="0"/>
-              <a:t>2026/1/29</a:t>
+              <a:t>2026/2/12</a:t>
             </a:fld>
             <a:endParaRPr kumimoji="1" lang="ja-JP" altLang="en-US"/>
           </a:p>
@@ -2098,7 +2099,7 @@
     </p:spTree>
     <p:extLst>
       <p:ext uri="{BB962C8B-B14F-4D97-AF65-F5344CB8AC3E}">
-        <p14:creationId xmlns:p14="http://schemas.microsoft.com/office/powerpoint/2010/main" val="990949527"/>
+        <p14:creationId xmlns:p14="http://schemas.microsoft.com/office/powerpoint/2010/main" val="435555099"/>
       </p:ext>
     </p:extLst>
   </p:cSld>
@@ -2137,15 +2138,15 @@
         </p:nvSpPr>
         <p:spPr>
           <a:xfrm>
-            <a:off x="1554811" y="864023"/>
-            <a:ext cx="7280271" cy="3024082"/>
+            <a:off x="1983782" y="864023"/>
+            <a:ext cx="9288886" cy="3024082"/>
           </a:xfrm>
         </p:spPr>
         <p:txBody>
           <a:bodyPr anchor="b"/>
           <a:lstStyle>
             <a:lvl1pPr>
-              <a:defRPr sz="5924"/>
+              <a:defRPr sz="6047"/>
             </a:lvl1pPr>
           </a:lstStyle>
           <a:p>
@@ -2169,39 +2170,39 @@
         </p:nvSpPr>
         <p:spPr>
           <a:xfrm>
-            <a:off x="9596322" y="1866051"/>
-            <a:ext cx="11427411" cy="9210249"/>
+            <a:off x="12243932" y="1866051"/>
+            <a:ext cx="14580215" cy="9210249"/>
           </a:xfrm>
         </p:spPr>
         <p:txBody>
           <a:bodyPr/>
           <a:lstStyle>
             <a:lvl1pPr>
-              <a:defRPr sz="5924"/>
+              <a:defRPr sz="6047"/>
             </a:lvl1pPr>
             <a:lvl2pPr>
-              <a:defRPr sz="5184"/>
+              <a:defRPr sz="5291"/>
             </a:lvl2pPr>
             <a:lvl3pPr>
-              <a:defRPr sz="4443"/>
+              <a:defRPr sz="4536"/>
             </a:lvl3pPr>
             <a:lvl4pPr>
-              <a:defRPr sz="3703"/>
+              <a:defRPr sz="3780"/>
             </a:lvl4pPr>
             <a:lvl5pPr>
-              <a:defRPr sz="3703"/>
+              <a:defRPr sz="3780"/>
             </a:lvl5pPr>
             <a:lvl6pPr>
-              <a:defRPr sz="3703"/>
+              <a:defRPr sz="3780"/>
             </a:lvl6pPr>
             <a:lvl7pPr>
-              <a:defRPr sz="3703"/>
+              <a:defRPr sz="3780"/>
             </a:lvl7pPr>
             <a:lvl8pPr>
-              <a:defRPr sz="3703"/>
+              <a:defRPr sz="3780"/>
             </a:lvl8pPr>
             <a:lvl9pPr>
-              <a:defRPr sz="3703"/>
+              <a:defRPr sz="3780"/>
             </a:lvl9pPr>
           </a:lstStyle>
           <a:p>
@@ -2286,8 +2287,8 @@
         </p:nvSpPr>
         <p:spPr>
           <a:xfrm>
-            <a:off x="1554811" y="3888105"/>
-            <a:ext cx="7280271" cy="7203195"/>
+            <a:off x="1983782" y="3888105"/>
+            <a:ext cx="9288886" cy="7203195"/>
           </a:xfrm>
         </p:spPr>
         <p:txBody>
@@ -2295,39 +2296,39 @@
           <a:lstStyle>
             <a:lvl1pPr marL="0" indent="0">
               <a:buNone/>
-              <a:defRPr sz="2962"/>
+              <a:defRPr sz="3024"/>
             </a:lvl1pPr>
-            <a:lvl2pPr marL="846460" indent="0">
+            <a:lvl2pPr marL="864017" indent="0">
               <a:buNone/>
-              <a:defRPr sz="2592"/>
+              <a:defRPr sz="2646"/>
             </a:lvl2pPr>
-            <a:lvl3pPr marL="1692920" indent="0">
+            <a:lvl3pPr marL="1728033" indent="0">
               <a:buNone/>
-              <a:defRPr sz="2222"/>
+              <a:defRPr sz="2268"/>
             </a:lvl3pPr>
-            <a:lvl4pPr marL="2539380" indent="0">
+            <a:lvl4pPr marL="2592050" indent="0">
               <a:buNone/>
-              <a:defRPr sz="1851"/>
+              <a:defRPr sz="1890"/>
             </a:lvl4pPr>
-            <a:lvl5pPr marL="3385840" indent="0">
+            <a:lvl5pPr marL="3456066" indent="0">
               <a:buNone/>
-              <a:defRPr sz="1851"/>
+              <a:defRPr sz="1890"/>
             </a:lvl5pPr>
-            <a:lvl6pPr marL="4232300" indent="0">
+            <a:lvl6pPr marL="4320083" indent="0">
               <a:buNone/>
-              <a:defRPr sz="1851"/>
+              <a:defRPr sz="1890"/>
             </a:lvl6pPr>
-            <a:lvl7pPr marL="5078760" indent="0">
+            <a:lvl7pPr marL="5184099" indent="0">
               <a:buNone/>
-              <a:defRPr sz="1851"/>
+              <a:defRPr sz="1890"/>
             </a:lvl7pPr>
-            <a:lvl8pPr marL="5925221" indent="0">
+            <a:lvl8pPr marL="6048116" indent="0">
               <a:buNone/>
-              <a:defRPr sz="1851"/>
+              <a:defRPr sz="1890"/>
             </a:lvl8pPr>
-            <a:lvl9pPr marL="6771681" indent="0">
+            <a:lvl9pPr marL="6912132" indent="0">
               <a:buNone/>
-              <a:defRPr sz="1851"/>
+              <a:defRPr sz="1890"/>
             </a:lvl9pPr>
           </a:lstStyle>
           <a:p>
@@ -2356,7 +2357,7 @@
           <a:p>
             <a:fld id="{3A4177F8-900A-4ED9-853C-8F363F6F0FD7}" type="datetimeFigureOut">
               <a:rPr kumimoji="1" lang="ja-JP" altLang="en-US" smtClean="0"/>
-              <a:t>2026/1/29</a:t>
+              <a:t>2026/2/12</a:t>
             </a:fld>
             <a:endParaRPr kumimoji="1" lang="ja-JP" altLang="en-US"/>
           </a:p>
@@ -2407,7 +2408,7 @@
     </p:spTree>
     <p:extLst>
       <p:ext uri="{BB962C8B-B14F-4D97-AF65-F5344CB8AC3E}">
-        <p14:creationId xmlns:p14="http://schemas.microsoft.com/office/powerpoint/2010/main" val="2570283094"/>
+        <p14:creationId xmlns:p14="http://schemas.microsoft.com/office/powerpoint/2010/main" val="1753761910"/>
       </p:ext>
     </p:extLst>
   </p:cSld>
@@ -2446,15 +2447,15 @@
         </p:nvSpPr>
         <p:spPr>
           <a:xfrm>
-            <a:off x="1554811" y="864023"/>
-            <a:ext cx="7280271" cy="3024082"/>
+            <a:off x="1983782" y="864023"/>
+            <a:ext cx="9288886" cy="3024082"/>
           </a:xfrm>
         </p:spPr>
         <p:txBody>
           <a:bodyPr anchor="b"/>
           <a:lstStyle>
             <a:lvl1pPr>
-              <a:defRPr sz="5924"/>
+              <a:defRPr sz="6047"/>
             </a:lvl1pPr>
           </a:lstStyle>
           <a:p>
@@ -2478,8 +2479,8 @@
         </p:nvSpPr>
         <p:spPr>
           <a:xfrm>
-            <a:off x="9596322" y="1866051"/>
-            <a:ext cx="11427411" cy="9210249"/>
+            <a:off x="12243932" y="1866051"/>
+            <a:ext cx="14580215" cy="9210249"/>
           </a:xfrm>
         </p:spPr>
         <p:txBody>
@@ -2487,39 +2488,39 @@
           <a:lstStyle>
             <a:lvl1pPr marL="0" indent="0">
               <a:buNone/>
-              <a:defRPr sz="5924"/>
+              <a:defRPr sz="6047"/>
             </a:lvl1pPr>
-            <a:lvl2pPr marL="846460" indent="0">
+            <a:lvl2pPr marL="864017" indent="0">
               <a:buNone/>
-              <a:defRPr sz="5184"/>
+              <a:defRPr sz="5291"/>
             </a:lvl2pPr>
-            <a:lvl3pPr marL="1692920" indent="0">
+            <a:lvl3pPr marL="1728033" indent="0">
               <a:buNone/>
-              <a:defRPr sz="4443"/>
+              <a:defRPr sz="4536"/>
             </a:lvl3pPr>
-            <a:lvl4pPr marL="2539380" indent="0">
+            <a:lvl4pPr marL="2592050" indent="0">
               <a:buNone/>
-              <a:defRPr sz="3703"/>
+              <a:defRPr sz="3780"/>
             </a:lvl4pPr>
-            <a:lvl5pPr marL="3385840" indent="0">
+            <a:lvl5pPr marL="3456066" indent="0">
               <a:buNone/>
-              <a:defRPr sz="3703"/>
+              <a:defRPr sz="3780"/>
             </a:lvl5pPr>
-            <a:lvl6pPr marL="4232300" indent="0">
+            <a:lvl6pPr marL="4320083" indent="0">
               <a:buNone/>
-              <a:defRPr sz="3703"/>
+              <a:defRPr sz="3780"/>
             </a:lvl6pPr>
-            <a:lvl7pPr marL="5078760" indent="0">
+            <a:lvl7pPr marL="5184099" indent="0">
               <a:buNone/>
-              <a:defRPr sz="3703"/>
+              <a:defRPr sz="3780"/>
             </a:lvl7pPr>
-            <a:lvl8pPr marL="5925221" indent="0">
+            <a:lvl8pPr marL="6048116" indent="0">
               <a:buNone/>
-              <a:defRPr sz="3703"/>
+              <a:defRPr sz="3780"/>
             </a:lvl8pPr>
-            <a:lvl9pPr marL="6771681" indent="0">
+            <a:lvl9pPr marL="6912132" indent="0">
               <a:buNone/>
-              <a:defRPr sz="3703"/>
+              <a:defRPr sz="3780"/>
             </a:lvl9pPr>
           </a:lstStyle>
           <a:p>
@@ -2543,8 +2544,8 @@
         </p:nvSpPr>
         <p:spPr>
           <a:xfrm>
-            <a:off x="1554811" y="3888105"/>
-            <a:ext cx="7280271" cy="7203195"/>
+            <a:off x="1983782" y="3888105"/>
+            <a:ext cx="9288886" cy="7203195"/>
           </a:xfrm>
         </p:spPr>
         <p:txBody>
@@ -2552,39 +2553,39 @@
           <a:lstStyle>
             <a:lvl1pPr marL="0" indent="0">
               <a:buNone/>
-              <a:defRPr sz="2962"/>
+              <a:defRPr sz="3024"/>
             </a:lvl1pPr>
-            <a:lvl2pPr marL="846460" indent="0">
+            <a:lvl2pPr marL="864017" indent="0">
               <a:buNone/>
-              <a:defRPr sz="2592"/>
+              <a:defRPr sz="2646"/>
             </a:lvl2pPr>
-            <a:lvl3pPr marL="1692920" indent="0">
+            <a:lvl3pPr marL="1728033" indent="0">
               <a:buNone/>
-              <a:defRPr sz="2222"/>
+              <a:defRPr sz="2268"/>
             </a:lvl3pPr>
-            <a:lvl4pPr marL="2539380" indent="0">
+            <a:lvl4pPr marL="2592050" indent="0">
               <a:buNone/>
-              <a:defRPr sz="1851"/>
+              <a:defRPr sz="1890"/>
             </a:lvl4pPr>
-            <a:lvl5pPr marL="3385840" indent="0">
+            <a:lvl5pPr marL="3456066" indent="0">
               <a:buNone/>
-              <a:defRPr sz="1851"/>
+              <a:defRPr sz="1890"/>
             </a:lvl5pPr>
-            <a:lvl6pPr marL="4232300" indent="0">
+            <a:lvl6pPr marL="4320083" indent="0">
               <a:buNone/>
-              <a:defRPr sz="1851"/>
+              <a:defRPr sz="1890"/>
             </a:lvl6pPr>
-            <a:lvl7pPr marL="5078760" indent="0">
+            <a:lvl7pPr marL="5184099" indent="0">
               <a:buNone/>
-              <a:defRPr sz="1851"/>
+              <a:defRPr sz="1890"/>
             </a:lvl7pPr>
-            <a:lvl8pPr marL="5925221" indent="0">
+            <a:lvl8pPr marL="6048116" indent="0">
               <a:buNone/>
-              <a:defRPr sz="1851"/>
+              <a:defRPr sz="1890"/>
             </a:lvl8pPr>
-            <a:lvl9pPr marL="6771681" indent="0">
+            <a:lvl9pPr marL="6912132" indent="0">
               <a:buNone/>
-              <a:defRPr sz="1851"/>
+              <a:defRPr sz="1890"/>
             </a:lvl9pPr>
           </a:lstStyle>
           <a:p>
@@ -2613,7 +2614,7 @@
           <a:p>
             <a:fld id="{3A4177F8-900A-4ED9-853C-8F363F6F0FD7}" type="datetimeFigureOut">
               <a:rPr kumimoji="1" lang="ja-JP" altLang="en-US" smtClean="0"/>
-              <a:t>2026/1/29</a:t>
+              <a:t>2026/2/12</a:t>
             </a:fld>
             <a:endParaRPr kumimoji="1" lang="ja-JP" altLang="en-US"/>
           </a:p>
@@ -2664,7 +2665,7 @@
     </p:spTree>
     <p:extLst>
       <p:ext uri="{BB962C8B-B14F-4D97-AF65-F5344CB8AC3E}">
-        <p14:creationId xmlns:p14="http://schemas.microsoft.com/office/powerpoint/2010/main" val="1754074921"/>
+        <p14:creationId xmlns:p14="http://schemas.microsoft.com/office/powerpoint/2010/main" val="2963287886"/>
       </p:ext>
     </p:extLst>
   </p:cSld>
@@ -2708,8 +2709,8 @@
         </p:nvSpPr>
         <p:spPr>
           <a:xfrm>
-            <a:off x="1551871" y="690019"/>
-            <a:ext cx="19468922" cy="2505069"/>
+            <a:off x="1980029" y="690019"/>
+            <a:ext cx="24840367" cy="2505069"/>
           </a:xfrm>
           <a:prstGeom prst="rect">
             <a:avLst/>
@@ -2741,8 +2742,8 @@
         </p:nvSpPr>
         <p:spPr>
           <a:xfrm>
-            <a:off x="1551871" y="3450093"/>
-            <a:ext cx="19468922" cy="8223223"/>
+            <a:off x="1980029" y="3450093"/>
+            <a:ext cx="24840367" cy="8223223"/>
           </a:xfrm>
           <a:prstGeom prst="rect">
             <a:avLst/>
@@ -2835,8 +2836,8 @@
         </p:nvSpPr>
         <p:spPr>
           <a:xfrm>
-            <a:off x="1551871" y="12012325"/>
-            <a:ext cx="5078849" cy="690019"/>
+            <a:off x="1980029" y="12012325"/>
+            <a:ext cx="6480096" cy="690019"/>
           </a:xfrm>
           <a:prstGeom prst="rect">
             <a:avLst/>
@@ -2846,7 +2847,7 @@
           <a:bodyPr vert="horz" lIns="91440" tIns="45720" rIns="91440" bIns="45720" rtlCol="0" anchor="ctr"/>
           <a:lstStyle>
             <a:lvl1pPr algn="l">
-              <a:defRPr sz="2222">
+              <a:defRPr sz="2268">
                 <a:solidFill>
                   <a:schemeClr val="tx1">
                     <a:tint val="75000"/>
@@ -2858,7 +2859,7 @@
           <a:p>
             <a:fld id="{3A4177F8-900A-4ED9-853C-8F363F6F0FD7}" type="datetimeFigureOut">
               <a:rPr kumimoji="1" lang="ja-JP" altLang="en-US" smtClean="0"/>
-              <a:t>2026/1/29</a:t>
+              <a:t>2026/2/12</a:t>
             </a:fld>
             <a:endParaRPr kumimoji="1" lang="ja-JP" altLang="en-US"/>
           </a:p>
@@ -2876,8 +2877,8 @@
         </p:nvSpPr>
         <p:spPr>
           <a:xfrm>
-            <a:off x="7477195" y="12012325"/>
-            <a:ext cx="7618274" cy="690019"/>
+            <a:off x="9540141" y="12012325"/>
+            <a:ext cx="9720143" cy="690019"/>
           </a:xfrm>
           <a:prstGeom prst="rect">
             <a:avLst/>
@@ -2887,7 +2888,7 @@
           <a:bodyPr vert="horz" lIns="91440" tIns="45720" rIns="91440" bIns="45720" rtlCol="0" anchor="ctr"/>
           <a:lstStyle>
             <a:lvl1pPr algn="ctr">
-              <a:defRPr sz="2222">
+              <a:defRPr sz="2268">
                 <a:solidFill>
                   <a:schemeClr val="tx1">
                     <a:tint val="75000"/>
@@ -2913,8 +2914,8 @@
         </p:nvSpPr>
         <p:spPr>
           <a:xfrm>
-            <a:off x="15941943" y="12012325"/>
-            <a:ext cx="5078849" cy="690019"/>
+            <a:off x="20340300" y="12012325"/>
+            <a:ext cx="6480096" cy="690019"/>
           </a:xfrm>
           <a:prstGeom prst="rect">
             <a:avLst/>
@@ -2924,7 +2925,7 @@
           <a:bodyPr vert="horz" lIns="91440" tIns="45720" rIns="91440" bIns="45720" rtlCol="0" anchor="ctr"/>
           <a:lstStyle>
             <a:lvl1pPr algn="r">
-              <a:defRPr sz="2222">
+              <a:defRPr sz="2268">
                 <a:solidFill>
                   <a:schemeClr val="tx1">
                     <a:tint val="75000"/>
@@ -2945,27 +2946,27 @@
     </p:spTree>
     <p:extLst>
       <p:ext uri="{BB962C8B-B14F-4D97-AF65-F5344CB8AC3E}">
-        <p14:creationId xmlns:p14="http://schemas.microsoft.com/office/powerpoint/2010/main" val="3414113700"/>
+        <p14:creationId xmlns:p14="http://schemas.microsoft.com/office/powerpoint/2010/main" val="313772259"/>
       </p:ext>
     </p:extLst>
   </p:cSld>
   <p:clrMap bg1="lt1" tx1="dk1" bg2="lt2" tx2="dk2" accent1="accent1" accent2="accent2" accent3="accent3" accent4="accent4" accent5="accent5" accent6="accent6" hlink="hlink" folHlink="folHlink"/>
   <p:sldLayoutIdLst>
-    <p:sldLayoutId id="2147483697" r:id="rId1"/>
-    <p:sldLayoutId id="2147483698" r:id="rId2"/>
-    <p:sldLayoutId id="2147483699" r:id="rId3"/>
-    <p:sldLayoutId id="2147483700" r:id="rId4"/>
-    <p:sldLayoutId id="2147483701" r:id="rId5"/>
-    <p:sldLayoutId id="2147483702" r:id="rId6"/>
-    <p:sldLayoutId id="2147483703" r:id="rId7"/>
-    <p:sldLayoutId id="2147483704" r:id="rId8"/>
-    <p:sldLayoutId id="2147483705" r:id="rId9"/>
-    <p:sldLayoutId id="2147483706" r:id="rId10"/>
-    <p:sldLayoutId id="2147483707" r:id="rId11"/>
+    <p:sldLayoutId id="2147483709" r:id="rId1"/>
+    <p:sldLayoutId id="2147483710" r:id="rId2"/>
+    <p:sldLayoutId id="2147483711" r:id="rId3"/>
+    <p:sldLayoutId id="2147483712" r:id="rId4"/>
+    <p:sldLayoutId id="2147483713" r:id="rId5"/>
+    <p:sldLayoutId id="2147483714" r:id="rId6"/>
+    <p:sldLayoutId id="2147483715" r:id="rId7"/>
+    <p:sldLayoutId id="2147483716" r:id="rId8"/>
+    <p:sldLayoutId id="2147483717" r:id="rId9"/>
+    <p:sldLayoutId id="2147483718" r:id="rId10"/>
+    <p:sldLayoutId id="2147483719" r:id="rId11"/>
   </p:sldLayoutIdLst>
   <p:txStyles>
     <p:titleStyle>
-      <a:lvl1pPr algn="l" defTabSz="1692920" rtl="0" eaLnBrk="1" latinLnBrk="0" hangingPunct="1">
+      <a:lvl1pPr algn="l" defTabSz="1728033" rtl="0" eaLnBrk="1" latinLnBrk="0" hangingPunct="1">
         <a:lnSpc>
           <a:spcPct val="90000"/>
         </a:lnSpc>
@@ -2973,7 +2974,7 @@
           <a:spcPct val="0"/>
         </a:spcBef>
         <a:buNone/>
-        <a:defRPr kumimoji="1" sz="8146" kern="1200">
+        <a:defRPr kumimoji="1" sz="8315" kern="1200">
           <a:solidFill>
             <a:schemeClr val="tx1"/>
           </a:solidFill>
@@ -2984,16 +2985,16 @@
       </a:lvl1pPr>
     </p:titleStyle>
     <p:bodyStyle>
-      <a:lvl1pPr marL="423230" indent="-423230" algn="l" defTabSz="1692920" rtl="0" eaLnBrk="1" latinLnBrk="0" hangingPunct="1">
+      <a:lvl1pPr marL="432008" indent="-432008" algn="l" defTabSz="1728033" rtl="0" eaLnBrk="1" latinLnBrk="0" hangingPunct="1">
         <a:lnSpc>
           <a:spcPct val="90000"/>
         </a:lnSpc>
         <a:spcBef>
-          <a:spcPts val="1851"/>
+          <a:spcPts val="1890"/>
         </a:spcBef>
         <a:buFont typeface="Arial" panose="020B0604020202020204" pitchFamily="34" charset="0"/>
         <a:buChar char="•"/>
-        <a:defRPr kumimoji="1" sz="5184" kern="1200">
+        <a:defRPr kumimoji="1" sz="5291" kern="1200">
           <a:solidFill>
             <a:schemeClr val="tx1"/>
           </a:solidFill>
@@ -3002,16 +3003,16 @@
           <a:cs typeface="+mn-cs"/>
         </a:defRPr>
       </a:lvl1pPr>
-      <a:lvl2pPr marL="1269690" indent="-423230" algn="l" defTabSz="1692920" rtl="0" eaLnBrk="1" latinLnBrk="0" hangingPunct="1">
+      <a:lvl2pPr marL="1296025" indent="-432008" algn="l" defTabSz="1728033" rtl="0" eaLnBrk="1" latinLnBrk="0" hangingPunct="1">
         <a:lnSpc>
           <a:spcPct val="90000"/>
         </a:lnSpc>
         <a:spcBef>
-          <a:spcPts val="926"/>
+          <a:spcPts val="945"/>
         </a:spcBef>
         <a:buFont typeface="Arial" panose="020B0604020202020204" pitchFamily="34" charset="0"/>
         <a:buChar char="•"/>
-        <a:defRPr kumimoji="1" sz="4443" kern="1200">
+        <a:defRPr kumimoji="1" sz="4536" kern="1200">
           <a:solidFill>
             <a:schemeClr val="tx1"/>
           </a:solidFill>
@@ -3020,16 +3021,16 @@
           <a:cs typeface="+mn-cs"/>
         </a:defRPr>
       </a:lvl2pPr>
-      <a:lvl3pPr marL="2116150" indent="-423230" algn="l" defTabSz="1692920" rtl="0" eaLnBrk="1" latinLnBrk="0" hangingPunct="1">
+      <a:lvl3pPr marL="2160041" indent="-432008" algn="l" defTabSz="1728033" rtl="0" eaLnBrk="1" latinLnBrk="0" hangingPunct="1">
         <a:lnSpc>
           <a:spcPct val="90000"/>
         </a:lnSpc>
         <a:spcBef>
-          <a:spcPts val="926"/>
+          <a:spcPts val="945"/>
         </a:spcBef>
         <a:buFont typeface="Arial" panose="020B0604020202020204" pitchFamily="34" charset="0"/>
         <a:buChar char="•"/>
-        <a:defRPr kumimoji="1" sz="3703" kern="1200">
+        <a:defRPr kumimoji="1" sz="3780" kern="1200">
           <a:solidFill>
             <a:schemeClr val="tx1"/>
           </a:solidFill>
@@ -3038,16 +3039,16 @@
           <a:cs typeface="+mn-cs"/>
         </a:defRPr>
       </a:lvl3pPr>
-      <a:lvl4pPr marL="2962610" indent="-423230" algn="l" defTabSz="1692920" rtl="0" eaLnBrk="1" latinLnBrk="0" hangingPunct="1">
+      <a:lvl4pPr marL="3024058" indent="-432008" algn="l" defTabSz="1728033" rtl="0" eaLnBrk="1" latinLnBrk="0" hangingPunct="1">
         <a:lnSpc>
           <a:spcPct val="90000"/>
         </a:lnSpc>
         <a:spcBef>
-          <a:spcPts val="926"/>
+          <a:spcPts val="945"/>
         </a:spcBef>
         <a:buFont typeface="Arial" panose="020B0604020202020204" pitchFamily="34" charset="0"/>
         <a:buChar char="•"/>
-        <a:defRPr kumimoji="1" sz="3333" kern="1200">
+        <a:defRPr kumimoji="1" sz="3402" kern="1200">
           <a:solidFill>
             <a:schemeClr val="tx1"/>
           </a:solidFill>
@@ -3056,16 +3057,16 @@
           <a:cs typeface="+mn-cs"/>
         </a:defRPr>
       </a:lvl4pPr>
-      <a:lvl5pPr marL="3809070" indent="-423230" algn="l" defTabSz="1692920" rtl="0" eaLnBrk="1" latinLnBrk="0" hangingPunct="1">
+      <a:lvl5pPr marL="3888075" indent="-432008" algn="l" defTabSz="1728033" rtl="0" eaLnBrk="1" latinLnBrk="0" hangingPunct="1">
         <a:lnSpc>
           <a:spcPct val="90000"/>
         </a:lnSpc>
         <a:spcBef>
-          <a:spcPts val="926"/>
+          <a:spcPts val="945"/>
         </a:spcBef>
         <a:buFont typeface="Arial" panose="020B0604020202020204" pitchFamily="34" charset="0"/>
         <a:buChar char="•"/>
-        <a:defRPr kumimoji="1" sz="3333" kern="1200">
+        <a:defRPr kumimoji="1" sz="3402" kern="1200">
           <a:solidFill>
             <a:schemeClr val="tx1"/>
           </a:solidFill>
@@ -3074,16 +3075,16 @@
           <a:cs typeface="+mn-cs"/>
         </a:defRPr>
       </a:lvl5pPr>
-      <a:lvl6pPr marL="4655530" indent="-423230" algn="l" defTabSz="1692920" rtl="0" eaLnBrk="1" latinLnBrk="0" hangingPunct="1">
+      <a:lvl6pPr marL="4752091" indent="-432008" algn="l" defTabSz="1728033" rtl="0" eaLnBrk="1" latinLnBrk="0" hangingPunct="1">
         <a:lnSpc>
           <a:spcPct val="90000"/>
         </a:lnSpc>
         <a:spcBef>
-          <a:spcPts val="926"/>
+          <a:spcPts val="945"/>
         </a:spcBef>
         <a:buFont typeface="Arial" panose="020B0604020202020204" pitchFamily="34" charset="0"/>
         <a:buChar char="•"/>
-        <a:defRPr kumimoji="1" sz="3333" kern="1200">
+        <a:defRPr kumimoji="1" sz="3402" kern="1200">
           <a:solidFill>
             <a:schemeClr val="tx1"/>
           </a:solidFill>
@@ -3092,16 +3093,16 @@
           <a:cs typeface="+mn-cs"/>
         </a:defRPr>
       </a:lvl6pPr>
-      <a:lvl7pPr marL="5501991" indent="-423230" algn="l" defTabSz="1692920" rtl="0" eaLnBrk="1" latinLnBrk="0" hangingPunct="1">
+      <a:lvl7pPr marL="5616108" indent="-432008" algn="l" defTabSz="1728033" rtl="0" eaLnBrk="1" latinLnBrk="0" hangingPunct="1">
         <a:lnSpc>
           <a:spcPct val="90000"/>
         </a:lnSpc>
         <a:spcBef>
-          <a:spcPts val="926"/>
+          <a:spcPts val="945"/>
         </a:spcBef>
         <a:buFont typeface="Arial" panose="020B0604020202020204" pitchFamily="34" charset="0"/>
         <a:buChar char="•"/>
-        <a:defRPr kumimoji="1" sz="3333" kern="1200">
+        <a:defRPr kumimoji="1" sz="3402" kern="1200">
           <a:solidFill>
             <a:schemeClr val="tx1"/>
           </a:solidFill>
@@ -3110,16 +3111,16 @@
           <a:cs typeface="+mn-cs"/>
         </a:defRPr>
       </a:lvl7pPr>
-      <a:lvl8pPr marL="6348451" indent="-423230" algn="l" defTabSz="1692920" rtl="0" eaLnBrk="1" latinLnBrk="0" hangingPunct="1">
+      <a:lvl8pPr marL="6480124" indent="-432008" algn="l" defTabSz="1728033" rtl="0" eaLnBrk="1" latinLnBrk="0" hangingPunct="1">
         <a:lnSpc>
           <a:spcPct val="90000"/>
         </a:lnSpc>
         <a:spcBef>
-          <a:spcPts val="926"/>
+          <a:spcPts val="945"/>
         </a:spcBef>
         <a:buFont typeface="Arial" panose="020B0604020202020204" pitchFamily="34" charset="0"/>
         <a:buChar char="•"/>
-        <a:defRPr kumimoji="1" sz="3333" kern="1200">
+        <a:defRPr kumimoji="1" sz="3402" kern="1200">
           <a:solidFill>
             <a:schemeClr val="tx1"/>
           </a:solidFill>
@@ -3128,16 +3129,16 @@
           <a:cs typeface="+mn-cs"/>
         </a:defRPr>
       </a:lvl8pPr>
-      <a:lvl9pPr marL="7194911" indent="-423230" algn="l" defTabSz="1692920" rtl="0" eaLnBrk="1" latinLnBrk="0" hangingPunct="1">
+      <a:lvl9pPr marL="7344141" indent="-432008" algn="l" defTabSz="1728033" rtl="0" eaLnBrk="1" latinLnBrk="0" hangingPunct="1">
         <a:lnSpc>
           <a:spcPct val="90000"/>
         </a:lnSpc>
         <a:spcBef>
-          <a:spcPts val="926"/>
+          <a:spcPts val="945"/>
         </a:spcBef>
         <a:buFont typeface="Arial" panose="020B0604020202020204" pitchFamily="34" charset="0"/>
         <a:buChar char="•"/>
-        <a:defRPr kumimoji="1" sz="3333" kern="1200">
+        <a:defRPr kumimoji="1" sz="3402" kern="1200">
           <a:solidFill>
             <a:schemeClr val="tx1"/>
           </a:solidFill>
@@ -3151,8 +3152,8 @@
       <a:defPPr>
         <a:defRPr lang="en-US"/>
       </a:defPPr>
-      <a:lvl1pPr marL="0" algn="l" defTabSz="1692920" rtl="0" eaLnBrk="1" latinLnBrk="0" hangingPunct="1">
-        <a:defRPr kumimoji="1" sz="3333" kern="1200">
+      <a:lvl1pPr marL="0" algn="l" defTabSz="1728033" rtl="0" eaLnBrk="1" latinLnBrk="0" hangingPunct="1">
+        <a:defRPr kumimoji="1" sz="3402" kern="1200">
           <a:solidFill>
             <a:schemeClr val="tx1"/>
           </a:solidFill>
@@ -3161,8 +3162,8 @@
           <a:cs typeface="+mn-cs"/>
         </a:defRPr>
       </a:lvl1pPr>
-      <a:lvl2pPr marL="846460" algn="l" defTabSz="1692920" rtl="0" eaLnBrk="1" latinLnBrk="0" hangingPunct="1">
-        <a:defRPr kumimoji="1" sz="3333" kern="1200">
+      <a:lvl2pPr marL="864017" algn="l" defTabSz="1728033" rtl="0" eaLnBrk="1" latinLnBrk="0" hangingPunct="1">
+        <a:defRPr kumimoji="1" sz="3402" kern="1200">
           <a:solidFill>
             <a:schemeClr val="tx1"/>
           </a:solidFill>
@@ -3171,8 +3172,8 @@
           <a:cs typeface="+mn-cs"/>
         </a:defRPr>
       </a:lvl2pPr>
-      <a:lvl3pPr marL="1692920" algn="l" defTabSz="1692920" rtl="0" eaLnBrk="1" latinLnBrk="0" hangingPunct="1">
-        <a:defRPr kumimoji="1" sz="3333" kern="1200">
+      <a:lvl3pPr marL="1728033" algn="l" defTabSz="1728033" rtl="0" eaLnBrk="1" latinLnBrk="0" hangingPunct="1">
+        <a:defRPr kumimoji="1" sz="3402" kern="1200">
           <a:solidFill>
             <a:schemeClr val="tx1"/>
           </a:solidFill>
@@ -3181,8 +3182,8 @@
           <a:cs typeface="+mn-cs"/>
         </a:defRPr>
       </a:lvl3pPr>
-      <a:lvl4pPr marL="2539380" algn="l" defTabSz="1692920" rtl="0" eaLnBrk="1" latinLnBrk="0" hangingPunct="1">
-        <a:defRPr kumimoji="1" sz="3333" kern="1200">
+      <a:lvl4pPr marL="2592050" algn="l" defTabSz="1728033" rtl="0" eaLnBrk="1" latinLnBrk="0" hangingPunct="1">
+        <a:defRPr kumimoji="1" sz="3402" kern="1200">
           <a:solidFill>
             <a:schemeClr val="tx1"/>
           </a:solidFill>
@@ -3191,8 +3192,8 @@
           <a:cs typeface="+mn-cs"/>
         </a:defRPr>
       </a:lvl4pPr>
-      <a:lvl5pPr marL="3385840" algn="l" defTabSz="1692920" rtl="0" eaLnBrk="1" latinLnBrk="0" hangingPunct="1">
-        <a:defRPr kumimoji="1" sz="3333" kern="1200">
+      <a:lvl5pPr marL="3456066" algn="l" defTabSz="1728033" rtl="0" eaLnBrk="1" latinLnBrk="0" hangingPunct="1">
+        <a:defRPr kumimoji="1" sz="3402" kern="1200">
           <a:solidFill>
             <a:schemeClr val="tx1"/>
           </a:solidFill>
@@ -3201,8 +3202,8 @@
           <a:cs typeface="+mn-cs"/>
         </a:defRPr>
       </a:lvl5pPr>
-      <a:lvl6pPr marL="4232300" algn="l" defTabSz="1692920" rtl="0" eaLnBrk="1" latinLnBrk="0" hangingPunct="1">
-        <a:defRPr kumimoji="1" sz="3333" kern="1200">
+      <a:lvl6pPr marL="4320083" algn="l" defTabSz="1728033" rtl="0" eaLnBrk="1" latinLnBrk="0" hangingPunct="1">
+        <a:defRPr kumimoji="1" sz="3402" kern="1200">
           <a:solidFill>
             <a:schemeClr val="tx1"/>
           </a:solidFill>
@@ -3211,8 +3212,8 @@
           <a:cs typeface="+mn-cs"/>
         </a:defRPr>
       </a:lvl6pPr>
-      <a:lvl7pPr marL="5078760" algn="l" defTabSz="1692920" rtl="0" eaLnBrk="1" latinLnBrk="0" hangingPunct="1">
-        <a:defRPr kumimoji="1" sz="3333" kern="1200">
+      <a:lvl7pPr marL="5184099" algn="l" defTabSz="1728033" rtl="0" eaLnBrk="1" latinLnBrk="0" hangingPunct="1">
+        <a:defRPr kumimoji="1" sz="3402" kern="1200">
           <a:solidFill>
             <a:schemeClr val="tx1"/>
           </a:solidFill>
@@ -3221,8 +3222,8 @@
           <a:cs typeface="+mn-cs"/>
         </a:defRPr>
       </a:lvl7pPr>
-      <a:lvl8pPr marL="5925221" algn="l" defTabSz="1692920" rtl="0" eaLnBrk="1" latinLnBrk="0" hangingPunct="1">
-        <a:defRPr kumimoji="1" sz="3333" kern="1200">
+      <a:lvl8pPr marL="6048116" algn="l" defTabSz="1728033" rtl="0" eaLnBrk="1" latinLnBrk="0" hangingPunct="1">
+        <a:defRPr kumimoji="1" sz="3402" kern="1200">
           <a:solidFill>
             <a:schemeClr val="tx1"/>
           </a:solidFill>
@@ -3231,8 +3232,8 @@
           <a:cs typeface="+mn-cs"/>
         </a:defRPr>
       </a:lvl8pPr>
-      <a:lvl9pPr marL="6771681" algn="l" defTabSz="1692920" rtl="0" eaLnBrk="1" latinLnBrk="0" hangingPunct="1">
-        <a:defRPr kumimoji="1" sz="3333" kern="1200">
+      <a:lvl9pPr marL="6912132" algn="l" defTabSz="1728033" rtl="0" eaLnBrk="1" latinLnBrk="0" hangingPunct="1">
+        <a:defRPr kumimoji="1" sz="3402" kern="1200">
           <a:solidFill>
             <a:schemeClr val="tx1"/>
           </a:solidFill>
@@ -3277,7 +3278,7 @@
         </p:nvGrpSpPr>
         <p:grpSpPr>
           <a:xfrm>
-            <a:off x="764694" y="194634"/>
+            <a:off x="3878575" y="194635"/>
             <a:ext cx="20705524" cy="12425819"/>
             <a:chOff x="764694" y="194634"/>
             <a:chExt cx="20705524" cy="12425819"/>
@@ -3354,9 +3355,9 @@
           <p:grpSpPr>
             <a:xfrm>
               <a:off x="1234421" y="479885"/>
-              <a:ext cx="19766070" cy="12000579"/>
+              <a:ext cx="19766070" cy="11562959"/>
               <a:chOff x="1002082" y="274172"/>
-              <a:chExt cx="19766070" cy="12000579"/>
+              <a:chExt cx="19766070" cy="11562959"/>
             </a:xfrm>
           </p:grpSpPr>
           <p:grpSp>
@@ -3491,7 +3492,7 @@
               <p:spPr>
                 <a:xfrm>
                   <a:off x="7373232" y="5121536"/>
-                  <a:ext cx="782320" cy="753411"/>
+                  <a:ext cx="782320" cy="369332"/>
                 </a:xfrm>
                 <a:prstGeom prst="rect">
                   <a:avLst/>
@@ -3807,7 +3808,7 @@
               <p:spPr>
                 <a:xfrm>
                   <a:off x="9038425" y="565457"/>
-                  <a:ext cx="972464" cy="753411"/>
+                  <a:ext cx="972464" cy="646331"/>
                 </a:xfrm>
                 <a:prstGeom prst="rect">
                   <a:avLst/>
@@ -3874,9 +3875,9 @@
             <p:grpSpPr>
               <a:xfrm>
                 <a:off x="13494928" y="1553778"/>
-                <a:ext cx="2284238" cy="1446177"/>
+                <a:ext cx="2284238" cy="1362596"/>
                 <a:chOff x="9255485" y="5637245"/>
-                <a:chExt cx="2284238" cy="1446177"/>
+                <a:chExt cx="2284238" cy="1362596"/>
               </a:xfrm>
             </p:grpSpPr>
             <p:sp>
@@ -3976,7 +3977,7 @@
               <p:spPr>
                 <a:xfrm>
                   <a:off x="10504730" y="5999471"/>
-                  <a:ext cx="1034993" cy="1083951"/>
+                  <a:ext cx="1034993" cy="646331"/>
                 </a:xfrm>
                 <a:prstGeom prst="rect">
                   <a:avLst/>
@@ -4029,7 +4030,7 @@
             <p:spPr>
               <a:xfrm>
                 <a:off x="13362057" y="2954281"/>
-                <a:ext cx="2724474" cy="753411"/>
+                <a:ext cx="2724474" cy="646331"/>
               </a:xfrm>
               <a:prstGeom prst="rect">
                 <a:avLst/>
@@ -4185,7 +4186,7 @@
               <p:spPr>
                 <a:xfrm>
                   <a:off x="12879353" y="2881532"/>
-                  <a:ext cx="1063412" cy="422873"/>
+                  <a:ext cx="1063412" cy="369332"/>
                 </a:xfrm>
                 <a:prstGeom prst="rect">
                   <a:avLst/>
@@ -4240,9 +4241,9 @@
             <p:grpSpPr>
               <a:xfrm>
                 <a:off x="13494928" y="5520533"/>
-                <a:ext cx="2403938" cy="1612961"/>
+                <a:ext cx="2403938" cy="1485537"/>
                 <a:chOff x="11694703" y="4440238"/>
-                <a:chExt cx="2403938" cy="1612961"/>
+                <a:chExt cx="2403938" cy="1485537"/>
               </a:xfrm>
             </p:grpSpPr>
             <p:sp>
@@ -4394,7 +4395,7 @@
               <p:spPr>
                 <a:xfrm>
                   <a:off x="12985023" y="4969248"/>
-                  <a:ext cx="877147" cy="1083951"/>
+                  <a:ext cx="877147" cy="646331"/>
                 </a:xfrm>
                 <a:prstGeom prst="rect">
                   <a:avLst/>
@@ -4569,7 +4570,7 @@
               <p:spPr>
                 <a:xfrm>
                   <a:off x="4785356" y="762363"/>
-                  <a:ext cx="1105738" cy="422873"/>
+                  <a:ext cx="1105738" cy="369332"/>
                 </a:xfrm>
                 <a:prstGeom prst="rect">
                   <a:avLst/>
@@ -4622,9 +4623,9 @@
             <p:grpSpPr>
               <a:xfrm>
                 <a:off x="6368929" y="2173457"/>
-                <a:ext cx="2473641" cy="768057"/>
+                <a:ext cx="2473641" cy="660977"/>
                 <a:chOff x="5198840" y="870289"/>
-                <a:chExt cx="2473641" cy="768057"/>
+                <a:chExt cx="2473641" cy="660977"/>
               </a:xfrm>
             </p:grpSpPr>
             <p:cxnSp>
@@ -4684,7 +4685,7 @@
               <p:spPr>
                 <a:xfrm>
                   <a:off x="5369845" y="884935"/>
-                  <a:ext cx="1669625" cy="753411"/>
+                  <a:ext cx="1669625" cy="646331"/>
                 </a:xfrm>
                 <a:prstGeom prst="rect">
                   <a:avLst/>
@@ -4766,9 +4767,9 @@
             <p:grpSpPr>
               <a:xfrm>
                 <a:off x="2405653" y="2198426"/>
-                <a:ext cx="1187766" cy="805032"/>
+                <a:ext cx="1187766" cy="697952"/>
                 <a:chOff x="1296782" y="886939"/>
-                <a:chExt cx="1187766" cy="805032"/>
+                <a:chExt cx="1187766" cy="697952"/>
               </a:xfrm>
             </p:grpSpPr>
             <p:cxnSp>
@@ -4827,7 +4828,7 @@
               <p:spPr>
                 <a:xfrm>
                   <a:off x="1296782" y="938560"/>
-                  <a:ext cx="1187766" cy="753411"/>
+                  <a:ext cx="1187766" cy="646331"/>
                 </a:xfrm>
                 <a:prstGeom prst="rect">
                   <a:avLst/>
@@ -4871,9 +4872,9 @@
             <p:grpSpPr>
               <a:xfrm>
                 <a:off x="17966828" y="1553777"/>
-                <a:ext cx="2284238" cy="1457338"/>
+                <a:ext cx="2284238" cy="1362596"/>
                 <a:chOff x="4373241" y="8848876"/>
-                <a:chExt cx="2284238" cy="1457338"/>
+                <a:chExt cx="2284238" cy="1362596"/>
               </a:xfrm>
             </p:grpSpPr>
             <p:sp>
@@ -4973,7 +4974,7 @@
               <p:spPr>
                 <a:xfrm>
                   <a:off x="5386104" y="9222263"/>
-                  <a:ext cx="1271375" cy="1083951"/>
+                  <a:ext cx="1271375" cy="646331"/>
                 </a:xfrm>
                 <a:prstGeom prst="rect">
                   <a:avLst/>
@@ -5137,7 +5138,7 @@
             <p:spPr>
               <a:xfrm>
                 <a:off x="18052758" y="3007749"/>
-                <a:ext cx="2091010" cy="1083951"/>
+                <a:ext cx="2091010" cy="646331"/>
               </a:xfrm>
               <a:prstGeom prst="rect">
                 <a:avLst/>
@@ -5385,7 +5386,7 @@
               <p:spPr>
                 <a:xfrm>
                   <a:off x="5390196" y="3631648"/>
-                  <a:ext cx="1149105" cy="753411"/>
+                  <a:ext cx="1149105" cy="369332"/>
                 </a:xfrm>
                 <a:prstGeom prst="rect">
                   <a:avLst/>
@@ -5438,9 +5439,9 @@
             <p:grpSpPr>
               <a:xfrm>
                 <a:off x="1242033" y="1625256"/>
-                <a:ext cx="1063412" cy="1382565"/>
+                <a:ext cx="1063412" cy="1329024"/>
                 <a:chOff x="233370" y="313770"/>
-                <a:chExt cx="1063412" cy="1382565"/>
+                <a:chExt cx="1063412" cy="1329024"/>
               </a:xfrm>
             </p:grpSpPr>
             <p:sp>
@@ -5458,7 +5459,7 @@
               <p:spPr>
                 <a:xfrm>
                   <a:off x="233370" y="1273462"/>
-                  <a:ext cx="1063412" cy="422873"/>
+                  <a:ext cx="1063412" cy="369332"/>
                 </a:xfrm>
                 <a:prstGeom prst="rect">
                   <a:avLst/>
@@ -5553,9 +5554,9 @@
             <p:grpSpPr>
               <a:xfrm>
                 <a:off x="11448192" y="2173457"/>
-                <a:ext cx="1918596" cy="806712"/>
+                <a:ext cx="1918596" cy="699632"/>
                 <a:chOff x="9670071" y="900883"/>
-                <a:chExt cx="1918596" cy="806712"/>
+                <a:chExt cx="1918596" cy="699632"/>
               </a:xfrm>
             </p:grpSpPr>
             <p:sp>
@@ -5573,7 +5574,7 @@
               <p:spPr>
                 <a:xfrm>
                   <a:off x="9670071" y="954184"/>
-                  <a:ext cx="1918596" cy="753411"/>
+                  <a:ext cx="1918596" cy="646331"/>
                 </a:xfrm>
                 <a:prstGeom prst="rect">
                   <a:avLst/>
@@ -5737,7 +5738,7 @@
             <p:spPr>
               <a:xfrm>
                 <a:off x="16004013" y="6286407"/>
-                <a:ext cx="2091010" cy="753411"/>
+                <a:ext cx="2091010" cy="646331"/>
               </a:xfrm>
               <a:prstGeom prst="rect">
                 <a:avLst/>
@@ -5791,7 +5792,7 @@
             <p:spPr>
               <a:xfrm>
                 <a:off x="3644455" y="3013584"/>
-                <a:ext cx="2724474" cy="753411"/>
+                <a:ext cx="2724474" cy="369332"/>
               </a:xfrm>
               <a:prstGeom prst="rect">
                 <a:avLst/>
@@ -5846,7 +5847,7 @@
             <p:spPr>
               <a:xfrm>
                 <a:off x="8842569" y="3033670"/>
-                <a:ext cx="2724474" cy="422873"/>
+                <a:ext cx="2724474" cy="369332"/>
               </a:xfrm>
               <a:prstGeom prst="rect">
                 <a:avLst/>
@@ -5914,9 +5915,9 @@
             <p:grpSpPr>
               <a:xfrm>
                 <a:off x="18033212" y="9678611"/>
-                <a:ext cx="2284238" cy="1449959"/>
+                <a:ext cx="2284238" cy="1362596"/>
                 <a:chOff x="3528931" y="4081933"/>
-                <a:chExt cx="2284238" cy="1449959"/>
+                <a:chExt cx="2284238" cy="1362596"/>
               </a:xfrm>
             </p:grpSpPr>
             <p:sp>
@@ -6022,7 +6023,7 @@
               <p:spPr>
                 <a:xfrm>
                   <a:off x="4819895" y="4447941"/>
-                  <a:ext cx="989390" cy="1083951"/>
+                  <a:ext cx="989390" cy="646331"/>
                 </a:xfrm>
                 <a:prstGeom prst="rect">
                   <a:avLst/>
@@ -6066,7 +6067,7 @@
             <p:spPr>
               <a:xfrm>
                 <a:off x="17462923" y="8295411"/>
-                <a:ext cx="2482551" cy="753411"/>
+                <a:ext cx="2482551" cy="646331"/>
               </a:xfrm>
               <a:prstGeom prst="rect">
                 <a:avLst/>
@@ -6160,7 +6161,7 @@
             <p:spPr>
               <a:xfrm>
                 <a:off x="15715731" y="8525155"/>
-                <a:ext cx="1497835" cy="753411"/>
+                <a:ext cx="1497835" cy="646331"/>
               </a:xfrm>
               <a:prstGeom prst="rect">
                 <a:avLst/>
@@ -6282,7 +6283,7 @@
             <p:spPr>
               <a:xfrm>
                 <a:off x="17941920" y="11190800"/>
-                <a:ext cx="2594130" cy="1083951"/>
+                <a:ext cx="2594130" cy="646331"/>
               </a:xfrm>
               <a:prstGeom prst="rect">
                 <a:avLst/>
@@ -6930,7 +6931,7 @@
         </p:nvGrpSpPr>
         <p:grpSpPr>
           <a:xfrm>
-            <a:off x="764694" y="194634"/>
+            <a:off x="3878575" y="194635"/>
             <a:ext cx="20705524" cy="12425819"/>
             <a:chOff x="764694" y="194634"/>
             <a:chExt cx="20705524" cy="12425819"/>
@@ -7007,9 +7008,9 @@
           <p:grpSpPr>
             <a:xfrm>
               <a:off x="1234421" y="479885"/>
-              <a:ext cx="19766070" cy="12000579"/>
+              <a:ext cx="19766070" cy="11562959"/>
               <a:chOff x="1002082" y="274172"/>
-              <a:chExt cx="19766070" cy="12000579"/>
+              <a:chExt cx="19766070" cy="11562959"/>
             </a:xfrm>
           </p:grpSpPr>
           <p:grpSp>
@@ -7144,7 +7145,7 @@
               <p:spPr>
                 <a:xfrm>
                   <a:off x="7373232" y="5121536"/>
-                  <a:ext cx="782320" cy="753411"/>
+                  <a:ext cx="782320" cy="369332"/>
                 </a:xfrm>
                 <a:prstGeom prst="rect">
                   <a:avLst/>
@@ -7460,7 +7461,7 @@
               <p:spPr>
                 <a:xfrm>
                   <a:off x="9038425" y="565457"/>
-                  <a:ext cx="972464" cy="753411"/>
+                  <a:ext cx="972464" cy="646331"/>
                 </a:xfrm>
                 <a:prstGeom prst="rect">
                   <a:avLst/>
@@ -7527,9 +7528,9 @@
             <p:grpSpPr>
               <a:xfrm>
                 <a:off x="13494928" y="1553778"/>
-                <a:ext cx="2284238" cy="1446177"/>
+                <a:ext cx="2284238" cy="1362596"/>
                 <a:chOff x="9255485" y="5637245"/>
-                <a:chExt cx="2284238" cy="1446177"/>
+                <a:chExt cx="2284238" cy="1362596"/>
               </a:xfrm>
             </p:grpSpPr>
             <p:sp>
@@ -7629,7 +7630,7 @@
               <p:spPr>
                 <a:xfrm>
                   <a:off x="10504730" y="5999471"/>
-                  <a:ext cx="1034993" cy="1083951"/>
+                  <a:ext cx="1034993" cy="646331"/>
                 </a:xfrm>
                 <a:prstGeom prst="rect">
                   <a:avLst/>
@@ -7682,7 +7683,7 @@
             <p:spPr>
               <a:xfrm>
                 <a:off x="13362057" y="2954281"/>
-                <a:ext cx="2724474" cy="753411"/>
+                <a:ext cx="2724474" cy="646331"/>
               </a:xfrm>
               <a:prstGeom prst="rect">
                 <a:avLst/>
@@ -7838,7 +7839,7 @@
               <p:spPr>
                 <a:xfrm>
                   <a:off x="12879353" y="2881532"/>
-                  <a:ext cx="1063412" cy="422873"/>
+                  <a:ext cx="1063412" cy="369332"/>
                 </a:xfrm>
                 <a:prstGeom prst="rect">
                   <a:avLst/>
@@ -7893,9 +7894,9 @@
             <p:grpSpPr>
               <a:xfrm>
                 <a:off x="13494928" y="5520533"/>
-                <a:ext cx="2403938" cy="1612961"/>
+                <a:ext cx="2403938" cy="1485537"/>
                 <a:chOff x="11694703" y="4440238"/>
-                <a:chExt cx="2403938" cy="1612961"/>
+                <a:chExt cx="2403938" cy="1485537"/>
               </a:xfrm>
             </p:grpSpPr>
             <p:sp>
@@ -8047,7 +8048,7 @@
               <p:spPr>
                 <a:xfrm>
                   <a:off x="12985023" y="4969248"/>
-                  <a:ext cx="877147" cy="1083951"/>
+                  <a:ext cx="877147" cy="646331"/>
                 </a:xfrm>
                 <a:prstGeom prst="rect">
                   <a:avLst/>
@@ -8222,7 +8223,7 @@
               <p:spPr>
                 <a:xfrm>
                   <a:off x="4785356" y="762363"/>
-                  <a:ext cx="1105738" cy="422873"/>
+                  <a:ext cx="1105738" cy="369332"/>
                 </a:xfrm>
                 <a:prstGeom prst="rect">
                   <a:avLst/>
@@ -8275,9 +8276,9 @@
             <p:grpSpPr>
               <a:xfrm>
                 <a:off x="6368929" y="2173457"/>
-                <a:ext cx="2473641" cy="768057"/>
+                <a:ext cx="2473641" cy="660977"/>
                 <a:chOff x="5198840" y="870289"/>
-                <a:chExt cx="2473641" cy="768057"/>
+                <a:chExt cx="2473641" cy="660977"/>
               </a:xfrm>
             </p:grpSpPr>
             <p:cxnSp>
@@ -8337,7 +8338,7 @@
               <p:spPr>
                 <a:xfrm>
                   <a:off x="5369845" y="884935"/>
-                  <a:ext cx="1669625" cy="753411"/>
+                  <a:ext cx="1669625" cy="646331"/>
                 </a:xfrm>
                 <a:prstGeom prst="rect">
                   <a:avLst/>
@@ -8419,9 +8420,9 @@
             <p:grpSpPr>
               <a:xfrm>
                 <a:off x="2405653" y="2198426"/>
-                <a:ext cx="1187766" cy="805032"/>
+                <a:ext cx="1187766" cy="697952"/>
                 <a:chOff x="1296782" y="886939"/>
-                <a:chExt cx="1187766" cy="805032"/>
+                <a:chExt cx="1187766" cy="697952"/>
               </a:xfrm>
             </p:grpSpPr>
             <p:cxnSp>
@@ -8480,7 +8481,7 @@
               <p:spPr>
                 <a:xfrm>
                   <a:off x="1296782" y="938560"/>
-                  <a:ext cx="1187766" cy="753411"/>
+                  <a:ext cx="1187766" cy="646331"/>
                 </a:xfrm>
                 <a:prstGeom prst="rect">
                   <a:avLst/>
@@ -8524,9 +8525,9 @@
             <p:grpSpPr>
               <a:xfrm>
                 <a:off x="17966828" y="1553777"/>
-                <a:ext cx="2284238" cy="1457338"/>
+                <a:ext cx="2284238" cy="1362596"/>
                 <a:chOff x="4373241" y="8848876"/>
-                <a:chExt cx="2284238" cy="1457338"/>
+                <a:chExt cx="2284238" cy="1362596"/>
               </a:xfrm>
             </p:grpSpPr>
             <p:sp>
@@ -8626,7 +8627,7 @@
               <p:spPr>
                 <a:xfrm>
                   <a:off x="5386104" y="9222263"/>
-                  <a:ext cx="1271375" cy="1083951"/>
+                  <a:ext cx="1271375" cy="646331"/>
                 </a:xfrm>
                 <a:prstGeom prst="rect">
                   <a:avLst/>
@@ -8790,7 +8791,7 @@
             <p:spPr>
               <a:xfrm>
                 <a:off x="18052758" y="3007749"/>
-                <a:ext cx="2091010" cy="1083951"/>
+                <a:ext cx="2091010" cy="646331"/>
               </a:xfrm>
               <a:prstGeom prst="rect">
                 <a:avLst/>
@@ -9038,7 +9039,7 @@
               <p:spPr>
                 <a:xfrm>
                   <a:off x="5390196" y="3631648"/>
-                  <a:ext cx="1149105" cy="753411"/>
+                  <a:ext cx="1149105" cy="369332"/>
                 </a:xfrm>
                 <a:prstGeom prst="rect">
                   <a:avLst/>
@@ -9091,9 +9092,9 @@
             <p:grpSpPr>
               <a:xfrm>
                 <a:off x="1242033" y="1625256"/>
-                <a:ext cx="1063412" cy="1382565"/>
+                <a:ext cx="1063412" cy="1329024"/>
                 <a:chOff x="233370" y="313770"/>
-                <a:chExt cx="1063412" cy="1382565"/>
+                <a:chExt cx="1063412" cy="1329024"/>
               </a:xfrm>
             </p:grpSpPr>
             <p:sp>
@@ -9111,7 +9112,7 @@
               <p:spPr>
                 <a:xfrm>
                   <a:off x="233370" y="1273462"/>
-                  <a:ext cx="1063412" cy="422873"/>
+                  <a:ext cx="1063412" cy="369332"/>
                 </a:xfrm>
                 <a:prstGeom prst="rect">
                   <a:avLst/>
@@ -9206,9 +9207,9 @@
             <p:grpSpPr>
               <a:xfrm>
                 <a:off x="11448192" y="2173457"/>
-                <a:ext cx="1918596" cy="806712"/>
+                <a:ext cx="1918596" cy="699632"/>
                 <a:chOff x="9670071" y="900883"/>
-                <a:chExt cx="1918596" cy="806712"/>
+                <a:chExt cx="1918596" cy="699632"/>
               </a:xfrm>
             </p:grpSpPr>
             <p:sp>
@@ -9226,7 +9227,7 @@
               <p:spPr>
                 <a:xfrm>
                   <a:off x="9670071" y="954184"/>
-                  <a:ext cx="1918596" cy="753411"/>
+                  <a:ext cx="1918596" cy="646331"/>
                 </a:xfrm>
                 <a:prstGeom prst="rect">
                   <a:avLst/>
@@ -9390,7 +9391,7 @@
             <p:spPr>
               <a:xfrm>
                 <a:off x="16004013" y="6286407"/>
-                <a:ext cx="2091010" cy="753411"/>
+                <a:ext cx="2091010" cy="646331"/>
               </a:xfrm>
               <a:prstGeom prst="rect">
                 <a:avLst/>
@@ -9444,7 +9445,7 @@
             <p:spPr>
               <a:xfrm>
                 <a:off x="3644455" y="3013584"/>
-                <a:ext cx="2724474" cy="753411"/>
+                <a:ext cx="2724474" cy="369332"/>
               </a:xfrm>
               <a:prstGeom prst="rect">
                 <a:avLst/>
@@ -9499,7 +9500,7 @@
             <p:spPr>
               <a:xfrm>
                 <a:off x="8842569" y="3033670"/>
-                <a:ext cx="2724474" cy="422873"/>
+                <a:ext cx="2724474" cy="369332"/>
               </a:xfrm>
               <a:prstGeom prst="rect">
                 <a:avLst/>
@@ -9567,9 +9568,9 @@
             <p:grpSpPr>
               <a:xfrm>
                 <a:off x="18033212" y="9678611"/>
-                <a:ext cx="2284238" cy="1449959"/>
+                <a:ext cx="2284238" cy="1362596"/>
                 <a:chOff x="3528931" y="4081933"/>
-                <a:chExt cx="2284238" cy="1449959"/>
+                <a:chExt cx="2284238" cy="1362596"/>
               </a:xfrm>
             </p:grpSpPr>
             <p:sp>
@@ -9675,7 +9676,7 @@
               <p:spPr>
                 <a:xfrm>
                   <a:off x="4819895" y="4447941"/>
-                  <a:ext cx="989390" cy="1083951"/>
+                  <a:ext cx="989390" cy="646331"/>
                 </a:xfrm>
                 <a:prstGeom prst="rect">
                   <a:avLst/>
@@ -9719,7 +9720,7 @@
             <p:spPr>
               <a:xfrm>
                 <a:off x="17462923" y="8295411"/>
-                <a:ext cx="2482551" cy="753411"/>
+                <a:ext cx="2482551" cy="646331"/>
               </a:xfrm>
               <a:prstGeom prst="rect">
                 <a:avLst/>
@@ -9813,7 +9814,7 @@
             <p:spPr>
               <a:xfrm>
                 <a:off x="15715731" y="8525155"/>
-                <a:ext cx="1497835" cy="753411"/>
+                <a:ext cx="1497835" cy="646331"/>
               </a:xfrm>
               <a:prstGeom prst="rect">
                 <a:avLst/>
@@ -9935,7 +9936,7 @@
             <p:spPr>
               <a:xfrm>
                 <a:off x="17941920" y="11190800"/>
-                <a:ext cx="2594130" cy="1083951"/>
+                <a:ext cx="2594130" cy="646331"/>
               </a:xfrm>
               <a:prstGeom prst="rect">
                 <a:avLst/>
@@ -10619,7 +10620,7 @@
         </p:blipFill>
         <p:spPr>
           <a:xfrm>
-            <a:off x="18214255" y="7085930"/>
+            <a:off x="21328136" y="7085930"/>
             <a:ext cx="2353028" cy="603820"/>
           </a:xfrm>
           <a:prstGeom prst="rect">
@@ -10654,7 +10655,7 @@
         </p:blipFill>
         <p:spPr>
           <a:xfrm>
-            <a:off x="14271675" y="1330234"/>
+            <a:off x="17385556" y="1330234"/>
             <a:ext cx="2267266" cy="590632"/>
           </a:xfrm>
           <a:prstGeom prst="rect">
@@ -10689,7 +10690,7 @@
         </p:blipFill>
         <p:spPr>
           <a:xfrm>
-            <a:off x="13549064" y="7066555"/>
+            <a:off x="16662945" y="7066555"/>
             <a:ext cx="1686160" cy="685896"/>
           </a:xfrm>
           <a:prstGeom prst="rect">
@@ -10724,7 +10725,7 @@
         </p:blipFill>
         <p:spPr>
           <a:xfrm>
-            <a:off x="18904429" y="688952"/>
+            <a:off x="22018311" y="688953"/>
             <a:ext cx="1600423" cy="1238423"/>
           </a:xfrm>
           <a:prstGeom prst="rect">
@@ -10759,7 +10760,7 @@
         </p:blipFill>
         <p:spPr>
           <a:xfrm>
-            <a:off x="10339395" y="1308398"/>
+            <a:off x="13453276" y="1308398"/>
             <a:ext cx="1343212" cy="571580"/>
           </a:xfrm>
           <a:prstGeom prst="rect">
@@ -10786,7 +10787,7 @@
         </p:nvSpPr>
         <p:spPr>
           <a:xfrm>
-            <a:off x="8406031" y="8430709"/>
+            <a:off x="11519913" y="8430710"/>
             <a:ext cx="5663937" cy="1200329"/>
           </a:xfrm>
           <a:prstGeom prst="rect">
@@ -10894,7 +10895,7 @@
         </p:blipFill>
         <p:spPr>
           <a:xfrm>
-            <a:off x="3221403" y="7391816"/>
+            <a:off x="6335284" y="7391816"/>
             <a:ext cx="4115374" cy="1686160"/>
           </a:xfrm>
           <a:prstGeom prst="rect">
@@ -10921,7 +10922,7 @@
         </p:nvSpPr>
         <p:spPr>
           <a:xfrm>
-            <a:off x="16336035" y="10499456"/>
+            <a:off x="19449916" y="10499457"/>
             <a:ext cx="1863132" cy="646331"/>
           </a:xfrm>
           <a:prstGeom prst="rect">
@@ -10976,7 +10977,7 @@
         </p:nvSpPr>
         <p:spPr>
           <a:xfrm>
-            <a:off x="3180664" y="9107573"/>
+            <a:off x="6294546" y="9107574"/>
             <a:ext cx="1467149" cy="646331"/>
           </a:xfrm>
           <a:prstGeom prst="rect">
@@ -11029,7 +11030,7 @@
         </p:blipFill>
         <p:spPr>
           <a:xfrm>
-            <a:off x="4080884" y="1047245"/>
+            <a:off x="7194765" y="1047246"/>
             <a:ext cx="2962688" cy="619211"/>
           </a:xfrm>
           <a:prstGeom prst="rect">
@@ -11051,7 +11052,7 @@
         </p:nvSpPr>
         <p:spPr>
           <a:xfrm>
-            <a:off x="11599474" y="870451"/>
+            <a:off x="14713356" y="870452"/>
             <a:ext cx="2015533" cy="646331"/>
           </a:xfrm>
           <a:prstGeom prst="rect">
@@ -11096,7 +11097,7 @@
         </p:nvSpPr>
         <p:spPr>
           <a:xfrm>
-            <a:off x="2524533" y="503556"/>
+            <a:off x="5638414" y="503556"/>
             <a:ext cx="2407440" cy="923330"/>
           </a:xfrm>
           <a:prstGeom prst="rect">
@@ -11155,6 +11156,4670 @@
 </file>
 
 <file path=ppt/slides/slide3.xml><?xml version="1.0" encoding="utf-8"?>
+<p:sld xmlns:a="http://schemas.openxmlformats.org/drawingml/2006/main" xmlns:r="http://schemas.openxmlformats.org/officeDocument/2006/relationships" xmlns:p="http://schemas.openxmlformats.org/presentationml/2006/main">
+  <p:cSld>
+    <p:spTree>
+      <p:nvGrpSpPr>
+        <p:cNvPr id="1" name=""/>
+        <p:cNvGrpSpPr/>
+        <p:nvPr/>
+      </p:nvGrpSpPr>
+      <p:grpSpPr>
+        <a:xfrm>
+          <a:off x="0" y="0"/>
+          <a:ext cx="0" cy="0"/>
+          <a:chOff x="0" y="0"/>
+          <a:chExt cx="0" cy="0"/>
+        </a:xfrm>
+      </p:grpSpPr>
+      <p:grpSp>
+        <p:nvGrpSpPr>
+          <p:cNvPr id="52" name="グループ化 51">
+            <a:extLst>
+              <a:ext uri="{FF2B5EF4-FFF2-40B4-BE49-F238E27FC236}">
+                <a16:creationId xmlns:a16="http://schemas.microsoft.com/office/drawing/2014/main" id="{CDD5641A-8090-47AF-B565-7572AE0D8765}"/>
+              </a:ext>
+            </a:extLst>
+          </p:cNvPr>
+          <p:cNvGrpSpPr/>
+          <p:nvPr/>
+        </p:nvGrpSpPr>
+        <p:grpSpPr>
+          <a:xfrm>
+            <a:off x="769615" y="267265"/>
+            <a:ext cx="26791468" cy="12425819"/>
+            <a:chOff x="764694" y="194634"/>
+            <a:chExt cx="26791468" cy="12425819"/>
+          </a:xfrm>
+        </p:grpSpPr>
+        <p:grpSp>
+          <p:nvGrpSpPr>
+            <p:cNvPr id="1050" name="グループ化 1049">
+              <a:extLst>
+                <a:ext uri="{FF2B5EF4-FFF2-40B4-BE49-F238E27FC236}">
+                  <a16:creationId xmlns:a16="http://schemas.microsoft.com/office/drawing/2014/main" id="{D3EBB7F9-A705-4E1F-B147-529368784AF0}"/>
+                </a:ext>
+              </a:extLst>
+            </p:cNvPr>
+            <p:cNvGrpSpPr/>
+            <p:nvPr/>
+          </p:nvGrpSpPr>
+          <p:grpSpPr>
+            <a:xfrm>
+              <a:off x="764694" y="194634"/>
+              <a:ext cx="26791468" cy="12425819"/>
+              <a:chOff x="764694" y="194634"/>
+              <a:chExt cx="26791468" cy="12425819"/>
+            </a:xfrm>
+          </p:grpSpPr>
+          <p:sp>
+            <p:nvSpPr>
+              <p:cNvPr id="1049" name="正方形/長方形 1048">
+                <a:extLst>
+                  <a:ext uri="{FF2B5EF4-FFF2-40B4-BE49-F238E27FC236}">
+                    <a16:creationId xmlns:a16="http://schemas.microsoft.com/office/drawing/2014/main" id="{882CBE2D-4072-4B34-9264-83BA23AB8141}"/>
+                  </a:ext>
+                </a:extLst>
+              </p:cNvPr>
+              <p:cNvSpPr/>
+              <p:nvPr/>
+            </p:nvSpPr>
+            <p:spPr>
+              <a:xfrm>
+                <a:off x="764694" y="194634"/>
+                <a:ext cx="26791468" cy="12425819"/>
+              </a:xfrm>
+              <a:prstGeom prst="rect">
+                <a:avLst/>
+              </a:prstGeom>
+              <a:solidFill>
+                <a:schemeClr val="bg1"/>
+              </a:solidFill>
+              <a:ln>
+                <a:solidFill>
+                  <a:schemeClr val="bg1">
+                    <a:lumMod val="65000"/>
+                  </a:schemeClr>
+                </a:solidFill>
+              </a:ln>
+            </p:spPr>
+            <p:style>
+              <a:lnRef idx="2">
+                <a:schemeClr val="accent1">
+                  <a:shade val="50000"/>
+                </a:schemeClr>
+              </a:lnRef>
+              <a:fillRef idx="1">
+                <a:schemeClr val="accent1"/>
+              </a:fillRef>
+              <a:effectRef idx="0">
+                <a:schemeClr val="accent1"/>
+              </a:effectRef>
+              <a:fontRef idx="minor">
+                <a:schemeClr val="lt1"/>
+              </a:fontRef>
+            </p:style>
+            <p:txBody>
+              <a:bodyPr rtlCol="0" anchor="ctr"/>
+              <a:lstStyle/>
+              <a:p>
+                <a:pPr algn="ctr"/>
+                <a:endParaRPr kumimoji="1" lang="ja-JP" altLang="en-US"/>
+              </a:p>
+            </p:txBody>
+          </p:sp>
+          <p:grpSp>
+            <p:nvGrpSpPr>
+              <p:cNvPr id="1048" name="グループ化 1047">
+                <a:extLst>
+                  <a:ext uri="{FF2B5EF4-FFF2-40B4-BE49-F238E27FC236}">
+                    <a16:creationId xmlns:a16="http://schemas.microsoft.com/office/drawing/2014/main" id="{7027217A-B3C2-48F1-A79C-043CF3C84295}"/>
+                  </a:ext>
+                </a:extLst>
+              </p:cNvPr>
+              <p:cNvGrpSpPr/>
+              <p:nvPr/>
+            </p:nvGrpSpPr>
+            <p:grpSpPr>
+              <a:xfrm>
+                <a:off x="1234421" y="479885"/>
+                <a:ext cx="19766070" cy="11791508"/>
+                <a:chOff x="1002082" y="274172"/>
+                <a:chExt cx="19766070" cy="11791508"/>
+              </a:xfrm>
+            </p:grpSpPr>
+            <p:grpSp>
+              <p:nvGrpSpPr>
+                <p:cNvPr id="1033" name="グループ化 1032">
+                  <a:extLst>
+                    <a:ext uri="{FF2B5EF4-FFF2-40B4-BE49-F238E27FC236}">
+                      <a16:creationId xmlns:a16="http://schemas.microsoft.com/office/drawing/2014/main" id="{DBF999E4-0C85-4CAC-A45B-74627799D47B}"/>
+                    </a:ext>
+                  </a:extLst>
+                </p:cNvPr>
+                <p:cNvGrpSpPr/>
+                <p:nvPr/>
+              </p:nvGrpSpPr>
+              <p:grpSpPr>
+                <a:xfrm>
+                  <a:off x="4643665" y="5643473"/>
+                  <a:ext cx="2284238" cy="1362596"/>
+                  <a:chOff x="6030683" y="4587744"/>
+                  <a:chExt cx="2284238" cy="1362596"/>
+                </a:xfrm>
+              </p:grpSpPr>
+              <p:sp>
+                <p:nvSpPr>
+                  <p:cNvPr id="85" name="正方形/長方形 84">
+                    <a:extLst>
+                      <a:ext uri="{FF2B5EF4-FFF2-40B4-BE49-F238E27FC236}">
+                        <a16:creationId xmlns:a16="http://schemas.microsoft.com/office/drawing/2014/main" id="{1C849B83-4921-4225-8549-1B42F62319BF}"/>
+                      </a:ext>
+                    </a:extLst>
+                  </p:cNvPr>
+                  <p:cNvSpPr/>
+                  <p:nvPr/>
+                </p:nvSpPr>
+                <p:spPr>
+                  <a:xfrm>
+                    <a:off x="6030683" y="4587744"/>
+                    <a:ext cx="2284238" cy="1362596"/>
+                  </a:xfrm>
+                  <a:prstGeom prst="rect">
+                    <a:avLst/>
+                  </a:prstGeom>
+                  <a:solidFill>
+                    <a:srgbClr val="FDF3ED"/>
+                  </a:solidFill>
+                </p:spPr>
+                <p:style>
+                  <a:lnRef idx="0">
+                    <a:schemeClr val="accent2"/>
+                  </a:lnRef>
+                  <a:fillRef idx="3">
+                    <a:schemeClr val="accent2"/>
+                  </a:fillRef>
+                  <a:effectRef idx="3">
+                    <a:schemeClr val="accent2"/>
+                  </a:effectRef>
+                  <a:fontRef idx="minor">
+                    <a:schemeClr val="lt1"/>
+                  </a:fontRef>
+                </p:style>
+                <p:txBody>
+                  <a:bodyPr rot="0" spcFirstLastPara="0" vertOverflow="overflow" horzOverflow="overflow" vert="horz" wrap="square" lIns="91440" tIns="45720" rIns="91440" bIns="45720" numCol="1" spcCol="0" rtlCol="0" fromWordArt="0" anchor="ctr" anchorCtr="0" forceAA="0" compatLnSpc="1">
+                    <a:prstTxWarp prst="textNoShape">
+                      <a:avLst/>
+                    </a:prstTxWarp>
+                    <a:noAutofit/>
+                  </a:bodyPr>
+                  <a:lstStyle/>
+                  <a:p>
+                    <a:pPr algn="ctr"/>
+                    <a:endParaRPr kumimoji="1" lang="ja-JP" altLang="en-US" dirty="0"/>
+                  </a:p>
+                </p:txBody>
+              </p:sp>
+              <p:pic>
+                <p:nvPicPr>
+                  <p:cNvPr id="1026" name="Picture 2" descr="https://previews.us-east-1.widencdn.net/preview/48045879/assets/asset-view/8588de84-f8ed-4488-a456-45ba986280ee/thumbnail/eyJ3IjoyMDQ4LCJoIjoyMDQ4LCJzY29wZSI6ImFwcCJ9?sig.ver=1&amp;sig.keyId=us-east-1.20240821&amp;sig.expires=1768888800&amp;sig=3Mfj63EvT3S_G2babOafFoOBsnu2hJiFiomn7IR-Q3g">
+                    <a:extLst>
+                      <a:ext uri="{FF2B5EF4-FFF2-40B4-BE49-F238E27FC236}">
+                        <a16:creationId xmlns:a16="http://schemas.microsoft.com/office/drawing/2014/main" id="{F5457915-13CB-4366-8D5E-AED8CCEC5C95}"/>
+                      </a:ext>
+                    </a:extLst>
+                  </p:cNvPr>
+                  <p:cNvPicPr>
+                    <a:picLocks noChangeAspect="1" noChangeArrowheads="1"/>
+                  </p:cNvPicPr>
+                  <p:nvPr/>
+                </p:nvPicPr>
+                <p:blipFill rotWithShape="1">
+                  <a:blip r:embed="rId2">
+                    <a:extLst>
+                      <a:ext uri="{28A0092B-C50C-407E-A947-70E740481C1C}">
+                        <a14:useLocalDpi xmlns:a14="http://schemas.microsoft.com/office/drawing/2010/main" val="0"/>
+                      </a:ext>
+                    </a:extLst>
+                  </a:blip>
+                  <a:srcRect l="-1213" t="-4693" r="73510" b="29075"/>
+                  <a:stretch/>
+                </p:blipFill>
+                <p:spPr bwMode="auto">
+                  <a:xfrm>
+                    <a:off x="6185204" y="4725556"/>
+                    <a:ext cx="1063406" cy="1037841"/>
+                  </a:xfrm>
+                  <a:prstGeom prst="rect">
+                    <a:avLst/>
+                  </a:prstGeom>
+                  <a:noFill/>
+                  <a:extLst>
+                    <a:ext uri="{909E8E84-426E-40DD-AFC4-6F175D3DCCD1}">
+                      <a14:hiddenFill xmlns:a14="http://schemas.microsoft.com/office/drawing/2010/main">
+                        <a:solidFill>
+                          <a:srgbClr val="FFFFFF"/>
+                        </a:solidFill>
+                      </a14:hiddenFill>
+                    </a:ext>
+                  </a:extLst>
+                </p:spPr>
+              </p:pic>
+              <p:sp>
+                <p:nvSpPr>
+                  <p:cNvPr id="29" name="テキスト ボックス 28">
+                    <a:extLst>
+                      <a:ext uri="{FF2B5EF4-FFF2-40B4-BE49-F238E27FC236}">
+                        <a16:creationId xmlns:a16="http://schemas.microsoft.com/office/drawing/2014/main" id="{AD1B9559-D7F5-424A-923F-8F829A6174FC}"/>
+                      </a:ext>
+                    </a:extLst>
+                  </p:cNvPr>
+                  <p:cNvSpPr txBox="1"/>
+                  <p:nvPr/>
+                </p:nvSpPr>
+                <p:spPr>
+                  <a:xfrm>
+                    <a:off x="7373232" y="5121536"/>
+                    <a:ext cx="782320" cy="369332"/>
+                  </a:xfrm>
+                  <a:prstGeom prst="rect">
+                    <a:avLst/>
+                  </a:prstGeom>
+                  <a:noFill/>
+                </p:spPr>
+                <p:txBody>
+                  <a:bodyPr wrap="square" rtlCol="0">
+                    <a:spAutoFit/>
+                  </a:bodyPr>
+                  <a:lstStyle/>
+                  <a:p>
+                    <a:r>
+                      <a:rPr lang="en-US" altLang="ja-JP" dirty="0">
+                        <a:solidFill>
+                          <a:schemeClr val="bg1">
+                            <a:lumMod val="50000"/>
+                          </a:schemeClr>
+                        </a:solidFill>
+                        <a:latin typeface="Arial" panose="020B0604020202020204" pitchFamily="34" charset="0"/>
+                        <a:cs typeface="Arial" panose="020B0604020202020204" pitchFamily="34" charset="0"/>
+                      </a:rPr>
+                      <a:t>Slack</a:t>
+                    </a:r>
+                  </a:p>
+                </p:txBody>
+              </p:sp>
+            </p:grpSp>
+            <p:sp>
+              <p:nvSpPr>
+                <p:cNvPr id="1027" name="正方形/長方形 1026">
+                  <a:extLst>
+                    <a:ext uri="{FF2B5EF4-FFF2-40B4-BE49-F238E27FC236}">
+                      <a16:creationId xmlns:a16="http://schemas.microsoft.com/office/drawing/2014/main" id="{0C1D5D69-975F-419D-8A54-490A7585736C}"/>
+                    </a:ext>
+                  </a:extLst>
+                </p:cNvPr>
+                <p:cNvSpPr/>
+                <p:nvPr/>
+              </p:nvSpPr>
+              <p:spPr>
+                <a:xfrm>
+                  <a:off x="1002082" y="1308894"/>
+                  <a:ext cx="15445476" cy="2540564"/>
+                </a:xfrm>
+                <a:prstGeom prst="rect">
+                  <a:avLst/>
+                </a:prstGeom>
+                <a:solidFill>
+                  <a:schemeClr val="accent2">
+                    <a:lumMod val="20000"/>
+                    <a:lumOff val="80000"/>
+                  </a:schemeClr>
+                </a:solidFill>
+                <a:ln w="3175">
+                  <a:solidFill>
+                    <a:schemeClr val="accent2">
+                      <a:lumMod val="50000"/>
+                    </a:schemeClr>
+                  </a:solidFill>
+                </a:ln>
+              </p:spPr>
+              <p:style>
+                <a:lnRef idx="2">
+                  <a:schemeClr val="accent1">
+                    <a:shade val="50000"/>
+                  </a:schemeClr>
+                </a:lnRef>
+                <a:fillRef idx="1">
+                  <a:schemeClr val="accent1"/>
+                </a:fillRef>
+                <a:effectRef idx="0">
+                  <a:schemeClr val="accent1"/>
+                </a:effectRef>
+                <a:fontRef idx="minor">
+                  <a:schemeClr val="lt1"/>
+                </a:fontRef>
+              </p:style>
+              <p:txBody>
+                <a:bodyPr rot="0" spcFirstLastPara="0" vertOverflow="overflow" horzOverflow="overflow" vert="horz" wrap="square" lIns="91440" tIns="45720" rIns="91440" bIns="45720" numCol="1" spcCol="0" rtlCol="0" fromWordArt="0" anchor="ctr" anchorCtr="0" forceAA="0" compatLnSpc="1">
+                  <a:prstTxWarp prst="textNoShape">
+                    <a:avLst/>
+                  </a:prstTxWarp>
+                  <a:noAutofit/>
+                </a:bodyPr>
+                <a:lstStyle/>
+                <a:p>
+                  <a:pPr algn="ctr"/>
+                  <a:endParaRPr kumimoji="1" lang="ja-JP" altLang="en-US"/>
+                </a:p>
+              </p:txBody>
+            </p:sp>
+            <p:grpSp>
+              <p:nvGrpSpPr>
+                <p:cNvPr id="47" name="グループ化 46">
+                  <a:extLst>
+                    <a:ext uri="{FF2B5EF4-FFF2-40B4-BE49-F238E27FC236}">
+                      <a16:creationId xmlns:a16="http://schemas.microsoft.com/office/drawing/2014/main" id="{E1B4269C-8FD0-42DF-B04E-040FEE7496FF}"/>
+                    </a:ext>
+                  </a:extLst>
+                </p:cNvPr>
+                <p:cNvGrpSpPr/>
+                <p:nvPr/>
+              </p:nvGrpSpPr>
+              <p:grpSpPr>
+                <a:xfrm>
+                  <a:off x="9003261" y="1545460"/>
+                  <a:ext cx="2284238" cy="1362596"/>
+                  <a:chOff x="7811676" y="207325"/>
+                  <a:chExt cx="2284238" cy="1362596"/>
+                </a:xfrm>
+              </p:grpSpPr>
+              <p:sp>
+                <p:nvSpPr>
+                  <p:cNvPr id="42" name="正方形/長方形 41">
+                    <a:extLst>
+                      <a:ext uri="{FF2B5EF4-FFF2-40B4-BE49-F238E27FC236}">
+                        <a16:creationId xmlns:a16="http://schemas.microsoft.com/office/drawing/2014/main" id="{08787F34-3549-4018-86CE-BB432F55D0FF}"/>
+                      </a:ext>
+                    </a:extLst>
+                  </p:cNvPr>
+                  <p:cNvSpPr/>
+                  <p:nvPr/>
+                </p:nvSpPr>
+                <p:spPr>
+                  <a:xfrm>
+                    <a:off x="7811676" y="207325"/>
+                    <a:ext cx="2284238" cy="1362596"/>
+                  </a:xfrm>
+                  <a:prstGeom prst="rect">
+                    <a:avLst/>
+                  </a:prstGeom>
+                  <a:solidFill>
+                    <a:srgbClr val="FDF3ED"/>
+                  </a:solidFill>
+                </p:spPr>
+                <p:style>
+                  <a:lnRef idx="0">
+                    <a:schemeClr val="accent2"/>
+                  </a:lnRef>
+                  <a:fillRef idx="3">
+                    <a:schemeClr val="accent2"/>
+                  </a:fillRef>
+                  <a:effectRef idx="3">
+                    <a:schemeClr val="accent2"/>
+                  </a:effectRef>
+                  <a:fontRef idx="minor">
+                    <a:schemeClr val="lt1"/>
+                  </a:fontRef>
+                </p:style>
+                <p:txBody>
+                  <a:bodyPr rot="0" spcFirstLastPara="0" vertOverflow="overflow" horzOverflow="overflow" vert="horz" wrap="square" lIns="91440" tIns="45720" rIns="91440" bIns="45720" numCol="1" spcCol="0" rtlCol="0" fromWordArt="0" anchor="ctr" anchorCtr="0" forceAA="0" compatLnSpc="1">
+                    <a:prstTxWarp prst="textNoShape">
+                      <a:avLst/>
+                    </a:prstTxWarp>
+                    <a:noAutofit/>
+                  </a:bodyPr>
+                  <a:lstStyle/>
+                  <a:p>
+                    <a:pPr algn="ctr"/>
+                    <a:endParaRPr kumimoji="1" lang="ja-JP" altLang="en-US"/>
+                  </a:p>
+                </p:txBody>
+              </p:sp>
+              <p:pic>
+                <p:nvPicPr>
+                  <p:cNvPr id="4" name="図 3">
+                    <a:extLst>
+                      <a:ext uri="{FF2B5EF4-FFF2-40B4-BE49-F238E27FC236}">
+                        <a16:creationId xmlns:a16="http://schemas.microsoft.com/office/drawing/2014/main" id="{1959D133-E280-4CCE-870B-37FAE2261C0C}"/>
+                      </a:ext>
+                    </a:extLst>
+                  </p:cNvPr>
+                  <p:cNvPicPr>
+                    <a:picLocks noChangeAspect="1"/>
+                  </p:cNvPicPr>
+                  <p:nvPr/>
+                </p:nvPicPr>
+                <p:blipFill>
+                  <a:blip r:embed="rId3"/>
+                  <a:stretch>
+                    <a:fillRect/>
+                  </a:stretch>
+                </p:blipFill>
+                <p:spPr>
+                  <a:xfrm>
+                    <a:off x="7907515" y="334809"/>
+                    <a:ext cx="1063412" cy="1063412"/>
+                  </a:xfrm>
+                  <a:prstGeom prst="rect">
+                    <a:avLst/>
+                  </a:prstGeom>
+                </p:spPr>
+              </p:pic>
+              <p:sp>
+                <p:nvSpPr>
+                  <p:cNvPr id="5" name="テキスト ボックス 4">
+                    <a:extLst>
+                      <a:ext uri="{FF2B5EF4-FFF2-40B4-BE49-F238E27FC236}">
+                        <a16:creationId xmlns:a16="http://schemas.microsoft.com/office/drawing/2014/main" id="{63F66351-F35A-4A75-A893-7975F9B7186A}"/>
+                      </a:ext>
+                    </a:extLst>
+                  </p:cNvPr>
+                  <p:cNvSpPr txBox="1"/>
+                  <p:nvPr/>
+                </p:nvSpPr>
+                <p:spPr>
+                  <a:xfrm>
+                    <a:off x="9038425" y="565457"/>
+                    <a:ext cx="972464" cy="646331"/>
+                  </a:xfrm>
+                  <a:prstGeom prst="rect">
+                    <a:avLst/>
+                  </a:prstGeom>
+                  <a:noFill/>
+                </p:spPr>
+                <p:txBody>
+                  <a:bodyPr wrap="square" rtlCol="0">
+                    <a:spAutoFit/>
+                  </a:bodyPr>
+                  <a:lstStyle/>
+                  <a:p>
+                    <a:r>
+                      <a:rPr lang="en-US" altLang="ja-JP" dirty="0">
+                        <a:solidFill>
+                          <a:schemeClr val="bg1">
+                            <a:lumMod val="50000"/>
+                          </a:schemeClr>
+                        </a:solidFill>
+                        <a:latin typeface="Arial" panose="020B0604020202020204" pitchFamily="34" charset="0"/>
+                        <a:cs typeface="Arial" panose="020B0604020202020204" pitchFamily="34" charset="0"/>
+                      </a:rPr>
+                      <a:t>Cloud</a:t>
+                    </a:r>
+                  </a:p>
+                  <a:p>
+                    <a:r>
+                      <a:rPr lang="en-US" altLang="ja-JP" dirty="0">
+                        <a:solidFill>
+                          <a:schemeClr val="bg1">
+                            <a:lumMod val="50000"/>
+                          </a:schemeClr>
+                        </a:solidFill>
+                        <a:latin typeface="Arial" panose="020B0604020202020204" pitchFamily="34" charset="0"/>
+                        <a:cs typeface="Arial" panose="020B0604020202020204" pitchFamily="34" charset="0"/>
+                      </a:rPr>
+                      <a:t>Build</a:t>
+                    </a:r>
+                    <a:endParaRPr lang="ja-JP" altLang="en-US" dirty="0">
+                      <a:solidFill>
+                        <a:schemeClr val="bg1">
+                          <a:lumMod val="50000"/>
+                        </a:schemeClr>
+                      </a:solidFill>
+                      <a:latin typeface="Arial" panose="020B0604020202020204" pitchFamily="34" charset="0"/>
+                      <a:cs typeface="Arial" panose="020B0604020202020204" pitchFamily="34" charset="0"/>
+                    </a:endParaRPr>
+                  </a:p>
+                </p:txBody>
+              </p:sp>
+            </p:grpSp>
+            <p:grpSp>
+              <p:nvGrpSpPr>
+                <p:cNvPr id="48" name="グループ化 47">
+                  <a:extLst>
+                    <a:ext uri="{FF2B5EF4-FFF2-40B4-BE49-F238E27FC236}">
+                      <a16:creationId xmlns:a16="http://schemas.microsoft.com/office/drawing/2014/main" id="{5D3248F9-69C6-406F-B1D6-1D2998BE0DE2}"/>
+                    </a:ext>
+                  </a:extLst>
+                </p:cNvPr>
+                <p:cNvGrpSpPr/>
+                <p:nvPr/>
+              </p:nvGrpSpPr>
+              <p:grpSpPr>
+                <a:xfrm>
+                  <a:off x="13494928" y="1553778"/>
+                  <a:ext cx="2284238" cy="1362596"/>
+                  <a:chOff x="9255485" y="5637245"/>
+                  <a:chExt cx="2284238" cy="1362596"/>
+                </a:xfrm>
+              </p:grpSpPr>
+              <p:sp>
+                <p:nvSpPr>
+                  <p:cNvPr id="50" name="正方形/長方形 49">
+                    <a:extLst>
+                      <a:ext uri="{FF2B5EF4-FFF2-40B4-BE49-F238E27FC236}">
+                        <a16:creationId xmlns:a16="http://schemas.microsoft.com/office/drawing/2014/main" id="{D8F20FCF-5DA1-497F-8473-A275BB8E8237}"/>
+                      </a:ext>
+                    </a:extLst>
+                  </p:cNvPr>
+                  <p:cNvSpPr/>
+                  <p:nvPr/>
+                </p:nvSpPr>
+                <p:spPr>
+                  <a:xfrm>
+                    <a:off x="9255485" y="5637245"/>
+                    <a:ext cx="2284238" cy="1362596"/>
+                  </a:xfrm>
+                  <a:prstGeom prst="rect">
+                    <a:avLst/>
+                  </a:prstGeom>
+                  <a:solidFill>
+                    <a:srgbClr val="FDF3ED"/>
+                  </a:solidFill>
+                </p:spPr>
+                <p:style>
+                  <a:lnRef idx="0">
+                    <a:schemeClr val="accent2"/>
+                  </a:lnRef>
+                  <a:fillRef idx="3">
+                    <a:schemeClr val="accent2"/>
+                  </a:fillRef>
+                  <a:effectRef idx="3">
+                    <a:schemeClr val="accent2"/>
+                  </a:effectRef>
+                  <a:fontRef idx="minor">
+                    <a:schemeClr val="lt1"/>
+                  </a:fontRef>
+                </p:style>
+                <p:txBody>
+                  <a:bodyPr rot="0" spcFirstLastPara="0" vertOverflow="overflow" horzOverflow="overflow" vert="horz" wrap="square" lIns="91440" tIns="45720" rIns="91440" bIns="45720" numCol="1" spcCol="0" rtlCol="0" fromWordArt="0" anchor="ctr" anchorCtr="0" forceAA="0" compatLnSpc="1">
+                    <a:prstTxWarp prst="textNoShape">
+                      <a:avLst/>
+                    </a:prstTxWarp>
+                    <a:noAutofit/>
+                  </a:bodyPr>
+                  <a:lstStyle/>
+                  <a:p>
+                    <a:pPr algn="ctr"/>
+                    <a:endParaRPr kumimoji="1" lang="ja-JP" altLang="en-US" dirty="0"/>
+                  </a:p>
+                </p:txBody>
+              </p:sp>
+              <p:pic>
+                <p:nvPicPr>
+                  <p:cNvPr id="11" name="図 10">
+                    <a:extLst>
+                      <a:ext uri="{FF2B5EF4-FFF2-40B4-BE49-F238E27FC236}">
+                        <a16:creationId xmlns:a16="http://schemas.microsoft.com/office/drawing/2014/main" id="{0030308D-2499-48A0-AC1D-6AA381285356}"/>
+                      </a:ext>
+                    </a:extLst>
+                  </p:cNvPr>
+                  <p:cNvPicPr>
+                    <a:picLocks noChangeAspect="1"/>
+                  </p:cNvPicPr>
+                  <p:nvPr/>
+                </p:nvPicPr>
+                <p:blipFill>
+                  <a:blip r:embed="rId4"/>
+                  <a:stretch>
+                    <a:fillRect/>
+                  </a:stretch>
+                </p:blipFill>
+                <p:spPr>
+                  <a:xfrm>
+                    <a:off x="9421439" y="5790929"/>
+                    <a:ext cx="1063412" cy="1063412"/>
+                  </a:xfrm>
+                  <a:prstGeom prst="rect">
+                    <a:avLst/>
+                  </a:prstGeom>
+                </p:spPr>
+              </p:pic>
+              <p:sp>
+                <p:nvSpPr>
+                  <p:cNvPr id="12" name="テキスト ボックス 11">
+                    <a:extLst>
+                      <a:ext uri="{FF2B5EF4-FFF2-40B4-BE49-F238E27FC236}">
+                        <a16:creationId xmlns:a16="http://schemas.microsoft.com/office/drawing/2014/main" id="{9726CD11-1D52-47B1-921C-526833A22A88}"/>
+                      </a:ext>
+                    </a:extLst>
+                  </p:cNvPr>
+                  <p:cNvSpPr txBox="1"/>
+                  <p:nvPr/>
+                </p:nvSpPr>
+                <p:spPr>
+                  <a:xfrm>
+                    <a:off x="10504730" y="5999471"/>
+                    <a:ext cx="1034993" cy="646331"/>
+                  </a:xfrm>
+                  <a:prstGeom prst="rect">
+                    <a:avLst/>
+                  </a:prstGeom>
+                  <a:noFill/>
+                </p:spPr>
+                <p:txBody>
+                  <a:bodyPr wrap="square" rtlCol="0">
+                    <a:spAutoFit/>
+                  </a:bodyPr>
+                  <a:lstStyle/>
+                  <a:p>
+                    <a:r>
+                      <a:rPr lang="en-US" altLang="ja-JP" dirty="0">
+                        <a:solidFill>
+                          <a:schemeClr val="bg1">
+                            <a:lumMod val="50000"/>
+                          </a:schemeClr>
+                        </a:solidFill>
+                        <a:latin typeface="Arial" panose="020B0604020202020204" pitchFamily="34" charset="0"/>
+                        <a:cs typeface="Arial" panose="020B0604020202020204" pitchFamily="34" charset="0"/>
+                      </a:rPr>
+                      <a:t>Artifact Registry</a:t>
+                    </a:r>
+                    <a:endParaRPr lang="ja-JP" altLang="en-US" dirty="0">
+                      <a:solidFill>
+                        <a:schemeClr val="bg1">
+                          <a:lumMod val="50000"/>
+                        </a:schemeClr>
+                      </a:solidFill>
+                      <a:latin typeface="Arial" panose="020B0604020202020204" pitchFamily="34" charset="0"/>
+                      <a:cs typeface="Arial" panose="020B0604020202020204" pitchFamily="34" charset="0"/>
+                    </a:endParaRPr>
+                  </a:p>
+                </p:txBody>
+              </p:sp>
+            </p:grpSp>
+            <p:sp>
+              <p:nvSpPr>
+                <p:cNvPr id="13" name="テキスト ボックス 12">
+                  <a:extLst>
+                    <a:ext uri="{FF2B5EF4-FFF2-40B4-BE49-F238E27FC236}">
+                      <a16:creationId xmlns:a16="http://schemas.microsoft.com/office/drawing/2014/main" id="{8C4F84A3-D11D-49FA-B769-38E412A50325}"/>
+                    </a:ext>
+                  </a:extLst>
+                </p:cNvPr>
+                <p:cNvSpPr txBox="1"/>
+                <p:nvPr/>
+              </p:nvSpPr>
+              <p:spPr>
+                <a:xfrm>
+                  <a:off x="13362057" y="2954281"/>
+                  <a:ext cx="2724474" cy="646331"/>
+                </a:xfrm>
+                <a:prstGeom prst="rect">
+                  <a:avLst/>
+                </a:prstGeom>
+                <a:noFill/>
+              </p:spPr>
+              <p:txBody>
+                <a:bodyPr wrap="square" rtlCol="0">
+                  <a:spAutoFit/>
+                </a:bodyPr>
+                <a:lstStyle/>
+                <a:p>
+                  <a:r>
+                    <a:rPr lang="ja-JP" altLang="en-US" dirty="0">
+                      <a:solidFill>
+                        <a:schemeClr val="bg1">
+                          <a:lumMod val="50000"/>
+                        </a:schemeClr>
+                      </a:solidFill>
+                      <a:latin typeface="HGPｺﾞｼｯｸM" panose="020B0600000000000000" pitchFamily="50" charset="-128"/>
+                      <a:ea typeface="HGPｺﾞｼｯｸM" panose="020B0600000000000000" pitchFamily="50" charset="-128"/>
+                      <a:cs typeface="Arial" panose="020B0604020202020204" pitchFamily="34" charset="0"/>
+                    </a:rPr>
+                    <a:t>ビルド済コンテナイメージの保存・管理</a:t>
+                  </a:r>
+                  <a:endParaRPr lang="en-US" altLang="ja-JP" dirty="0">
+                    <a:solidFill>
+                      <a:schemeClr val="bg1">
+                        <a:lumMod val="50000"/>
+                      </a:schemeClr>
+                    </a:solidFill>
+                    <a:latin typeface="HGPｺﾞｼｯｸM" panose="020B0600000000000000" pitchFamily="50" charset="-128"/>
+                    <a:ea typeface="HGPｺﾞｼｯｸM" panose="020B0600000000000000" pitchFamily="50" charset="-128"/>
+                    <a:cs typeface="Arial" panose="020B0604020202020204" pitchFamily="34" charset="0"/>
+                  </a:endParaRPr>
+                </a:p>
+              </p:txBody>
+            </p:sp>
+            <p:grpSp>
+              <p:nvGrpSpPr>
+                <p:cNvPr id="55" name="グループ化 54">
+                  <a:extLst>
+                    <a:ext uri="{FF2B5EF4-FFF2-40B4-BE49-F238E27FC236}">
+                      <a16:creationId xmlns:a16="http://schemas.microsoft.com/office/drawing/2014/main" id="{548E97A1-62C3-46C2-89AB-812A999DB698}"/>
+                    </a:ext>
+                  </a:extLst>
+                </p:cNvPr>
+                <p:cNvGrpSpPr/>
+                <p:nvPr/>
+              </p:nvGrpSpPr>
+              <p:grpSpPr>
+                <a:xfrm>
+                  <a:off x="14709535" y="3677847"/>
+                  <a:ext cx="1079757" cy="1781387"/>
+                  <a:chOff x="12863008" y="2405271"/>
+                  <a:chExt cx="1079757" cy="1781387"/>
+                </a:xfrm>
+              </p:grpSpPr>
+              <p:cxnSp>
+                <p:nvCxnSpPr>
+                  <p:cNvPr id="9" name="直線矢印コネクタ 8">
+                    <a:extLst>
+                      <a:ext uri="{FF2B5EF4-FFF2-40B4-BE49-F238E27FC236}">
+                        <a16:creationId xmlns:a16="http://schemas.microsoft.com/office/drawing/2014/main" id="{8294E087-3790-4228-BD6E-23B673B2C566}"/>
+                      </a:ext>
+                    </a:extLst>
+                  </p:cNvPr>
+                  <p:cNvCxnSpPr>
+                    <a:cxnSpLocks/>
+                  </p:cNvCxnSpPr>
+                  <p:nvPr/>
+                </p:nvCxnSpPr>
+                <p:spPr>
+                  <a:xfrm rot="5400000">
+                    <a:off x="11972314" y="3295965"/>
+                    <a:ext cx="1781387" cy="0"/>
+                  </a:xfrm>
+                  <a:prstGeom prst="straightConnector1">
+                    <a:avLst/>
+                  </a:prstGeom>
+                  <a:ln>
+                    <a:tailEnd type="triangle"/>
+                  </a:ln>
+                </p:spPr>
+                <p:style>
+                  <a:lnRef idx="1">
+                    <a:schemeClr val="accent1"/>
+                  </a:lnRef>
+                  <a:fillRef idx="0">
+                    <a:schemeClr val="accent1"/>
+                  </a:fillRef>
+                  <a:effectRef idx="0">
+                    <a:schemeClr val="accent1"/>
+                  </a:effectRef>
+                  <a:fontRef idx="minor">
+                    <a:schemeClr val="tx1"/>
+                  </a:fontRef>
+                </p:style>
+              </p:cxnSp>
+              <p:sp>
+                <p:nvSpPr>
+                  <p:cNvPr id="16" name="テキスト ボックス 15">
+                    <a:extLst>
+                      <a:ext uri="{FF2B5EF4-FFF2-40B4-BE49-F238E27FC236}">
+                        <a16:creationId xmlns:a16="http://schemas.microsoft.com/office/drawing/2014/main" id="{96439FE2-B64F-4B4A-AEB4-72A9195079F1}"/>
+                      </a:ext>
+                    </a:extLst>
+                  </p:cNvPr>
+                  <p:cNvSpPr txBox="1"/>
+                  <p:nvPr/>
+                </p:nvSpPr>
+                <p:spPr>
+                  <a:xfrm>
+                    <a:off x="12879353" y="2881532"/>
+                    <a:ext cx="1063412" cy="369332"/>
+                  </a:xfrm>
+                  <a:prstGeom prst="rect">
+                    <a:avLst/>
+                  </a:prstGeom>
+                  <a:noFill/>
+                </p:spPr>
+                <p:txBody>
+                  <a:bodyPr wrap="square" rtlCol="0">
+                    <a:spAutoFit/>
+                  </a:bodyPr>
+                  <a:lstStyle/>
+                  <a:p>
+                    <a:r>
+                      <a:rPr lang="ja-JP" altLang="en-US" dirty="0">
+                        <a:solidFill>
+                          <a:schemeClr val="bg1">
+                            <a:lumMod val="50000"/>
+                          </a:schemeClr>
+                        </a:solidFill>
+                        <a:latin typeface="HGPｺﾞｼｯｸM" panose="020B0600000000000000" pitchFamily="50" charset="-128"/>
+                        <a:ea typeface="HGPｺﾞｼｯｸM" panose="020B0600000000000000" pitchFamily="50" charset="-128"/>
+                        <a:cs typeface="Arial" panose="020B0604020202020204" pitchFamily="34" charset="0"/>
+                      </a:rPr>
+                      <a:t>デプロイ</a:t>
+                    </a:r>
+                    <a:endParaRPr lang="en-US" altLang="ja-JP" dirty="0">
+                      <a:solidFill>
+                        <a:schemeClr val="bg1">
+                          <a:lumMod val="50000"/>
+                        </a:schemeClr>
+                      </a:solidFill>
+                      <a:latin typeface="HGPｺﾞｼｯｸM" panose="020B0600000000000000" pitchFamily="50" charset="-128"/>
+                      <a:ea typeface="HGPｺﾞｼｯｸM" panose="020B0600000000000000" pitchFamily="50" charset="-128"/>
+                      <a:cs typeface="Arial" panose="020B0604020202020204" pitchFamily="34" charset="0"/>
+                    </a:endParaRPr>
+                  </a:p>
+                </p:txBody>
+              </p:sp>
+            </p:grpSp>
+            <p:grpSp>
+              <p:nvGrpSpPr>
+                <p:cNvPr id="1025" name="グループ化 1024">
+                  <a:extLst>
+                    <a:ext uri="{FF2B5EF4-FFF2-40B4-BE49-F238E27FC236}">
+                      <a16:creationId xmlns:a16="http://schemas.microsoft.com/office/drawing/2014/main" id="{0BF7BAA2-F8E9-4D8D-8126-C3AE55C13BAD}"/>
+                    </a:ext>
+                  </a:extLst>
+                </p:cNvPr>
+                <p:cNvGrpSpPr/>
+                <p:nvPr/>
+              </p:nvGrpSpPr>
+              <p:grpSpPr>
+                <a:xfrm>
+                  <a:off x="13494928" y="5520533"/>
+                  <a:ext cx="2403938" cy="1485537"/>
+                  <a:chOff x="11694703" y="4440238"/>
+                  <a:chExt cx="2403938" cy="1485537"/>
+                </a:xfrm>
+              </p:grpSpPr>
+              <p:sp>
+                <p:nvSpPr>
+                  <p:cNvPr id="68" name="正方形/長方形 67">
+                    <a:extLst>
+                      <a:ext uri="{FF2B5EF4-FFF2-40B4-BE49-F238E27FC236}">
+                        <a16:creationId xmlns:a16="http://schemas.microsoft.com/office/drawing/2014/main" id="{72A3CAE9-B75B-4C64-B854-3B12CEB3EF7F}"/>
+                      </a:ext>
+                    </a:extLst>
+                  </p:cNvPr>
+                  <p:cNvSpPr/>
+                  <p:nvPr/>
+                </p:nvSpPr>
+                <p:spPr>
+                  <a:xfrm>
+                    <a:off x="11814403" y="4440238"/>
+                    <a:ext cx="2284238" cy="1362596"/>
+                  </a:xfrm>
+                  <a:prstGeom prst="rect">
+                    <a:avLst/>
+                  </a:prstGeom>
+                  <a:solidFill>
+                    <a:srgbClr val="FDF3ED"/>
+                  </a:solidFill>
+                </p:spPr>
+                <p:style>
+                  <a:lnRef idx="0">
+                    <a:schemeClr val="accent2"/>
+                  </a:lnRef>
+                  <a:fillRef idx="3">
+                    <a:schemeClr val="accent2"/>
+                  </a:fillRef>
+                  <a:effectRef idx="3">
+                    <a:schemeClr val="accent2"/>
+                  </a:effectRef>
+                  <a:fontRef idx="minor">
+                    <a:schemeClr val="lt1"/>
+                  </a:fontRef>
+                </p:style>
+                <p:txBody>
+                  <a:bodyPr rot="0" spcFirstLastPara="0" vertOverflow="overflow" horzOverflow="overflow" vert="horz" wrap="square" lIns="91440" tIns="45720" rIns="91440" bIns="45720" numCol="1" spcCol="0" rtlCol="0" fromWordArt="0" anchor="ctr" anchorCtr="0" forceAA="0" compatLnSpc="1">
+                    <a:prstTxWarp prst="textNoShape">
+                      <a:avLst/>
+                    </a:prstTxWarp>
+                    <a:noAutofit/>
+                  </a:bodyPr>
+                  <a:lstStyle/>
+                  <a:p>
+                    <a:pPr algn="ctr"/>
+                    <a:endParaRPr kumimoji="1" lang="ja-JP" altLang="en-US" dirty="0"/>
+                  </a:p>
+                </p:txBody>
+              </p:sp>
+              <p:sp>
+                <p:nvSpPr>
+                  <p:cNvPr id="59" name="正方形/長方形 58">
+                    <a:extLst>
+                      <a:ext uri="{FF2B5EF4-FFF2-40B4-BE49-F238E27FC236}">
+                        <a16:creationId xmlns:a16="http://schemas.microsoft.com/office/drawing/2014/main" id="{F45C3853-42BE-4FDB-A1F5-FACA32B84C74}"/>
+                      </a:ext>
+                    </a:extLst>
+                  </p:cNvPr>
+                  <p:cNvSpPr/>
+                  <p:nvPr/>
+                </p:nvSpPr>
+                <p:spPr>
+                  <a:xfrm>
+                    <a:off x="11694703" y="4563179"/>
+                    <a:ext cx="2284238" cy="1362596"/>
+                  </a:xfrm>
+                  <a:prstGeom prst="rect">
+                    <a:avLst/>
+                  </a:prstGeom>
+                  <a:solidFill>
+                    <a:srgbClr val="FDF3ED"/>
+                  </a:solidFill>
+                </p:spPr>
+                <p:style>
+                  <a:lnRef idx="0">
+                    <a:schemeClr val="accent2"/>
+                  </a:lnRef>
+                  <a:fillRef idx="3">
+                    <a:schemeClr val="accent2"/>
+                  </a:fillRef>
+                  <a:effectRef idx="3">
+                    <a:schemeClr val="accent2"/>
+                  </a:effectRef>
+                  <a:fontRef idx="minor">
+                    <a:schemeClr val="lt1"/>
+                  </a:fontRef>
+                </p:style>
+                <p:txBody>
+                  <a:bodyPr rot="0" spcFirstLastPara="0" vertOverflow="overflow" horzOverflow="overflow" vert="horz" wrap="square" lIns="91440" tIns="45720" rIns="91440" bIns="45720" numCol="1" spcCol="0" rtlCol="0" fromWordArt="0" anchor="ctr" anchorCtr="0" forceAA="0" compatLnSpc="1">
+                    <a:prstTxWarp prst="textNoShape">
+                      <a:avLst/>
+                    </a:prstTxWarp>
+                    <a:noAutofit/>
+                  </a:bodyPr>
+                  <a:lstStyle/>
+                  <a:p>
+                    <a:pPr algn="ctr"/>
+                    <a:endParaRPr kumimoji="1" lang="ja-JP" altLang="en-US" dirty="0"/>
+                  </a:p>
+                </p:txBody>
+              </p:sp>
+              <p:pic>
+                <p:nvPicPr>
+                  <p:cNvPr id="17" name="図 16">
+                    <a:extLst>
+                      <a:ext uri="{FF2B5EF4-FFF2-40B4-BE49-F238E27FC236}">
+                        <a16:creationId xmlns:a16="http://schemas.microsoft.com/office/drawing/2014/main" id="{65783604-5095-424A-963C-65E92B5446A2}"/>
+                      </a:ext>
+                    </a:extLst>
+                  </p:cNvPr>
+                  <p:cNvPicPr>
+                    <a:picLocks noChangeAspect="1"/>
+                  </p:cNvPicPr>
+                  <p:nvPr/>
+                </p:nvPicPr>
+                <p:blipFill>
+                  <a:blip r:embed="rId5"/>
+                  <a:stretch>
+                    <a:fillRect/>
+                  </a:stretch>
+                </p:blipFill>
+                <p:spPr>
+                  <a:xfrm>
+                    <a:off x="11799692" y="4716863"/>
+                    <a:ext cx="1063406" cy="1063406"/>
+                  </a:xfrm>
+                  <a:prstGeom prst="rect">
+                    <a:avLst/>
+                  </a:prstGeom>
+                </p:spPr>
+              </p:pic>
+              <p:sp>
+                <p:nvSpPr>
+                  <p:cNvPr id="18" name="テキスト ボックス 17">
+                    <a:extLst>
+                      <a:ext uri="{FF2B5EF4-FFF2-40B4-BE49-F238E27FC236}">
+                        <a16:creationId xmlns:a16="http://schemas.microsoft.com/office/drawing/2014/main" id="{9EE703A7-E1B1-4B5A-9293-6C51349F80EC}"/>
+                      </a:ext>
+                    </a:extLst>
+                  </p:cNvPr>
+                  <p:cNvSpPr txBox="1"/>
+                  <p:nvPr/>
+                </p:nvSpPr>
+                <p:spPr>
+                  <a:xfrm>
+                    <a:off x="12985023" y="4969248"/>
+                    <a:ext cx="877147" cy="646331"/>
+                  </a:xfrm>
+                  <a:prstGeom prst="rect">
+                    <a:avLst/>
+                  </a:prstGeom>
+                  <a:noFill/>
+                </p:spPr>
+                <p:txBody>
+                  <a:bodyPr wrap="square" rtlCol="0">
+                    <a:spAutoFit/>
+                  </a:bodyPr>
+                  <a:lstStyle/>
+                  <a:p>
+                    <a:r>
+                      <a:rPr lang="en-US" altLang="ja-JP" dirty="0">
+                        <a:solidFill>
+                          <a:schemeClr val="bg1">
+                            <a:lumMod val="50000"/>
+                          </a:schemeClr>
+                        </a:solidFill>
+                        <a:latin typeface="Arial" panose="020B0604020202020204" pitchFamily="34" charset="0"/>
+                        <a:cs typeface="Arial" panose="020B0604020202020204" pitchFamily="34" charset="0"/>
+                      </a:rPr>
+                      <a:t>Cloud</a:t>
+                    </a:r>
+                  </a:p>
+                  <a:p>
+                    <a:r>
+                      <a:rPr lang="en-US" altLang="ja-JP" dirty="0">
+                        <a:solidFill>
+                          <a:schemeClr val="bg1">
+                            <a:lumMod val="50000"/>
+                          </a:schemeClr>
+                        </a:solidFill>
+                        <a:latin typeface="Arial" panose="020B0604020202020204" pitchFamily="34" charset="0"/>
+                        <a:cs typeface="Arial" panose="020B0604020202020204" pitchFamily="34" charset="0"/>
+                      </a:rPr>
+                      <a:t>Run</a:t>
+                    </a:r>
+                    <a:endParaRPr lang="ja-JP" altLang="en-US" dirty="0">
+                      <a:solidFill>
+                        <a:schemeClr val="bg1">
+                          <a:lumMod val="50000"/>
+                        </a:schemeClr>
+                      </a:solidFill>
+                      <a:latin typeface="Arial" panose="020B0604020202020204" pitchFamily="34" charset="0"/>
+                      <a:cs typeface="Arial" panose="020B0604020202020204" pitchFamily="34" charset="0"/>
+                    </a:endParaRPr>
+                  </a:p>
+                </p:txBody>
+              </p:sp>
+            </p:grpSp>
+            <p:grpSp>
+              <p:nvGrpSpPr>
+                <p:cNvPr id="43" name="グループ化 42">
+                  <a:extLst>
+                    <a:ext uri="{FF2B5EF4-FFF2-40B4-BE49-F238E27FC236}">
+                      <a16:creationId xmlns:a16="http://schemas.microsoft.com/office/drawing/2014/main" id="{FF08C1FB-9CFE-4418-AE7F-769A2F112943}"/>
+                    </a:ext>
+                  </a:extLst>
+                </p:cNvPr>
+                <p:cNvGrpSpPr/>
+                <p:nvPr/>
+              </p:nvGrpSpPr>
+              <p:grpSpPr>
+                <a:xfrm>
+                  <a:off x="3864574" y="1553777"/>
+                  <a:ext cx="2380077" cy="1362596"/>
+                  <a:chOff x="3511017" y="235859"/>
+                  <a:chExt cx="2380077" cy="1362596"/>
+                </a:xfrm>
+              </p:grpSpPr>
+              <p:sp>
+                <p:nvSpPr>
+                  <p:cNvPr id="40" name="正方形/長方形 39">
+                    <a:extLst>
+                      <a:ext uri="{FF2B5EF4-FFF2-40B4-BE49-F238E27FC236}">
+                        <a16:creationId xmlns:a16="http://schemas.microsoft.com/office/drawing/2014/main" id="{61586DDC-FCBF-4DA7-97DD-EAF06BD5AF76}"/>
+                      </a:ext>
+                    </a:extLst>
+                  </p:cNvPr>
+                  <p:cNvSpPr/>
+                  <p:nvPr/>
+                </p:nvSpPr>
+                <p:spPr>
+                  <a:xfrm>
+                    <a:off x="3511017" y="235859"/>
+                    <a:ext cx="2284238" cy="1362596"/>
+                  </a:xfrm>
+                  <a:prstGeom prst="rect">
+                    <a:avLst/>
+                  </a:prstGeom>
+                  <a:solidFill>
+                    <a:srgbClr val="FDF3ED"/>
+                  </a:solidFill>
+                </p:spPr>
+                <p:style>
+                  <a:lnRef idx="0">
+                    <a:schemeClr val="accent2"/>
+                  </a:lnRef>
+                  <a:fillRef idx="3">
+                    <a:schemeClr val="accent2"/>
+                  </a:fillRef>
+                  <a:effectRef idx="3">
+                    <a:schemeClr val="accent2"/>
+                  </a:effectRef>
+                  <a:fontRef idx="minor">
+                    <a:schemeClr val="lt1"/>
+                  </a:fontRef>
+                </p:style>
+                <p:txBody>
+                  <a:bodyPr rot="0" spcFirstLastPara="0" vertOverflow="overflow" horzOverflow="overflow" vert="horz" wrap="square" lIns="91440" tIns="45720" rIns="91440" bIns="45720" numCol="1" spcCol="0" rtlCol="0" fromWordArt="0" anchor="ctr" anchorCtr="0" forceAA="0" compatLnSpc="1">
+                    <a:prstTxWarp prst="textNoShape">
+                      <a:avLst/>
+                    </a:prstTxWarp>
+                    <a:noAutofit/>
+                  </a:bodyPr>
+                  <a:lstStyle/>
+                  <a:p>
+                    <a:pPr algn="ctr"/>
+                    <a:endParaRPr kumimoji="1" lang="ja-JP" altLang="en-US"/>
+                  </a:p>
+                </p:txBody>
+              </p:sp>
+              <p:pic>
+                <p:nvPicPr>
+                  <p:cNvPr id="20" name="図 19">
+                    <a:extLst>
+                      <a:ext uri="{FF2B5EF4-FFF2-40B4-BE49-F238E27FC236}">
+                        <a16:creationId xmlns:a16="http://schemas.microsoft.com/office/drawing/2014/main" id="{054A0BBD-6CF2-4932-8E89-39A30AF89657}"/>
+                      </a:ext>
+                    </a:extLst>
+                  </p:cNvPr>
+                  <p:cNvPicPr>
+                    <a:picLocks noChangeAspect="1"/>
+                  </p:cNvPicPr>
+                  <p:nvPr/>
+                </p:nvPicPr>
+                <p:blipFill>
+                  <a:blip r:embed="rId6">
+                    <a:extLst>
+                      <a:ext uri="{28A0092B-C50C-407E-A947-70E740481C1C}">
+                        <a14:useLocalDpi xmlns:a14="http://schemas.microsoft.com/office/drawing/2010/main" val="0"/>
+                      </a:ext>
+                    </a:extLst>
+                  </a:blip>
+                  <a:stretch>
+                    <a:fillRect/>
+                  </a:stretch>
+                </p:blipFill>
+                <p:spPr>
+                  <a:xfrm>
+                    <a:off x="3718743" y="431558"/>
+                    <a:ext cx="974451" cy="954564"/>
+                  </a:xfrm>
+                  <a:prstGeom prst="rect">
+                    <a:avLst/>
+                  </a:prstGeom>
+                </p:spPr>
+              </p:pic>
+              <p:sp>
+                <p:nvSpPr>
+                  <p:cNvPr id="23" name="テキスト ボックス 22">
+                    <a:extLst>
+                      <a:ext uri="{FF2B5EF4-FFF2-40B4-BE49-F238E27FC236}">
+                        <a16:creationId xmlns:a16="http://schemas.microsoft.com/office/drawing/2014/main" id="{1AF63369-5588-4258-81BC-26B4F80DF332}"/>
+                      </a:ext>
+                    </a:extLst>
+                  </p:cNvPr>
+                  <p:cNvSpPr txBox="1"/>
+                  <p:nvPr/>
+                </p:nvSpPr>
+                <p:spPr>
+                  <a:xfrm>
+                    <a:off x="4785356" y="762363"/>
+                    <a:ext cx="1105738" cy="369332"/>
+                  </a:xfrm>
+                  <a:prstGeom prst="rect">
+                    <a:avLst/>
+                  </a:prstGeom>
+                  <a:noFill/>
+                </p:spPr>
+                <p:txBody>
+                  <a:bodyPr wrap="square" rtlCol="0">
+                    <a:spAutoFit/>
+                  </a:bodyPr>
+                  <a:lstStyle/>
+                  <a:p>
+                    <a:r>
+                      <a:rPr lang="en-US" altLang="ja-JP" dirty="0">
+                        <a:solidFill>
+                          <a:schemeClr val="bg1">
+                            <a:lumMod val="50000"/>
+                          </a:schemeClr>
+                        </a:solidFill>
+                        <a:latin typeface="Arial" panose="020B0604020202020204" pitchFamily="34" charset="0"/>
+                        <a:cs typeface="Arial" panose="020B0604020202020204" pitchFamily="34" charset="0"/>
+                      </a:rPr>
+                      <a:t>GitHub</a:t>
+                    </a:r>
+                    <a:endParaRPr lang="ja-JP" altLang="en-US" dirty="0">
+                      <a:solidFill>
+                        <a:schemeClr val="bg1">
+                          <a:lumMod val="50000"/>
+                        </a:schemeClr>
+                      </a:solidFill>
+                      <a:latin typeface="Arial" panose="020B0604020202020204" pitchFamily="34" charset="0"/>
+                      <a:cs typeface="Arial" panose="020B0604020202020204" pitchFamily="34" charset="0"/>
+                    </a:endParaRPr>
+                  </a:p>
+                </p:txBody>
+              </p:sp>
+            </p:grpSp>
+            <p:grpSp>
+              <p:nvGrpSpPr>
+                <p:cNvPr id="46" name="グループ化 45">
+                  <a:extLst>
+                    <a:ext uri="{FF2B5EF4-FFF2-40B4-BE49-F238E27FC236}">
+                      <a16:creationId xmlns:a16="http://schemas.microsoft.com/office/drawing/2014/main" id="{DD55D376-C6D2-4CB6-BBC4-17B22D114671}"/>
+                    </a:ext>
+                  </a:extLst>
+                </p:cNvPr>
+                <p:cNvGrpSpPr/>
+                <p:nvPr/>
+              </p:nvGrpSpPr>
+              <p:grpSpPr>
+                <a:xfrm>
+                  <a:off x="6368929" y="2173457"/>
+                  <a:ext cx="2473641" cy="660977"/>
+                  <a:chOff x="5198840" y="870289"/>
+                  <a:chExt cx="2473641" cy="660977"/>
+                </a:xfrm>
+              </p:grpSpPr>
+              <p:cxnSp>
+                <p:nvCxnSpPr>
+                  <p:cNvPr id="24" name="直線矢印コネクタ 23">
+                    <a:extLst>
+                      <a:ext uri="{FF2B5EF4-FFF2-40B4-BE49-F238E27FC236}">
+                        <a16:creationId xmlns:a16="http://schemas.microsoft.com/office/drawing/2014/main" id="{C99783A5-70AD-4A13-97BA-1CC807C6E570}"/>
+                      </a:ext>
+                    </a:extLst>
+                  </p:cNvPr>
+                  <p:cNvCxnSpPr>
+                    <a:cxnSpLocks/>
+                  </p:cNvCxnSpPr>
+                  <p:nvPr/>
+                </p:nvCxnSpPr>
+                <p:spPr>
+                  <a:xfrm>
+                    <a:off x="5198840" y="870289"/>
+                    <a:ext cx="2473641" cy="0"/>
+                  </a:xfrm>
+                  <a:prstGeom prst="straightConnector1">
+                    <a:avLst/>
+                  </a:prstGeom>
+                  <a:ln>
+                    <a:headEnd type="triangle" w="med" len="med"/>
+                    <a:tailEnd type="triangle" w="med" len="med"/>
+                  </a:ln>
+                </p:spPr>
+                <p:style>
+                  <a:lnRef idx="1">
+                    <a:schemeClr val="accent1"/>
+                  </a:lnRef>
+                  <a:fillRef idx="0">
+                    <a:schemeClr val="accent1"/>
+                  </a:fillRef>
+                  <a:effectRef idx="0">
+                    <a:schemeClr val="accent1"/>
+                  </a:effectRef>
+                  <a:fontRef idx="minor">
+                    <a:schemeClr val="tx1"/>
+                  </a:fontRef>
+                </p:style>
+              </p:cxnSp>
+              <p:sp>
+                <p:nvSpPr>
+                  <p:cNvPr id="25" name="テキスト ボックス 24">
+                    <a:extLst>
+                      <a:ext uri="{FF2B5EF4-FFF2-40B4-BE49-F238E27FC236}">
+                        <a16:creationId xmlns:a16="http://schemas.microsoft.com/office/drawing/2014/main" id="{9773E2AC-7C5A-4230-AD0A-A4044C0EB088}"/>
+                      </a:ext>
+                    </a:extLst>
+                  </p:cNvPr>
+                  <p:cNvSpPr txBox="1"/>
+                  <p:nvPr/>
+                </p:nvSpPr>
+                <p:spPr>
+                  <a:xfrm>
+                    <a:off x="5369845" y="884935"/>
+                    <a:ext cx="1669625" cy="646331"/>
+                  </a:xfrm>
+                  <a:prstGeom prst="rect">
+                    <a:avLst/>
+                  </a:prstGeom>
+                  <a:noFill/>
+                </p:spPr>
+                <p:txBody>
+                  <a:bodyPr wrap="square" rtlCol="0">
+                    <a:spAutoFit/>
+                  </a:bodyPr>
+                  <a:lstStyle/>
+                  <a:p>
+                    <a:pPr algn="ctr"/>
+                    <a:r>
+                      <a:rPr lang="ja-JP" altLang="en-US" dirty="0">
+                        <a:solidFill>
+                          <a:schemeClr val="bg1">
+                            <a:lumMod val="50000"/>
+                          </a:schemeClr>
+                        </a:solidFill>
+                        <a:latin typeface="Arial" panose="020B0604020202020204" pitchFamily="34" charset="0"/>
+                        <a:ea typeface="HGPｺﾞｼｯｸM" panose="020B0600000000000000" pitchFamily="50" charset="-128"/>
+                        <a:cs typeface="Arial" panose="020B0604020202020204" pitchFamily="34" charset="0"/>
+                      </a:rPr>
+                      <a:t>変更を</a:t>
+                    </a:r>
+                    <a:endParaRPr lang="en-US" altLang="ja-JP" dirty="0">
+                      <a:solidFill>
+                        <a:schemeClr val="bg1">
+                          <a:lumMod val="50000"/>
+                        </a:schemeClr>
+                      </a:solidFill>
+                      <a:latin typeface="Arial" panose="020B0604020202020204" pitchFamily="34" charset="0"/>
+                      <a:ea typeface="HGPｺﾞｼｯｸM" panose="020B0600000000000000" pitchFamily="50" charset="-128"/>
+                      <a:cs typeface="Arial" panose="020B0604020202020204" pitchFamily="34" charset="0"/>
+                    </a:endParaRPr>
+                  </a:p>
+                  <a:p>
+                    <a:pPr algn="ctr"/>
+                    <a:r>
+                      <a:rPr lang="ja-JP" altLang="en-US" dirty="0">
+                        <a:solidFill>
+                          <a:schemeClr val="bg1">
+                            <a:lumMod val="50000"/>
+                          </a:schemeClr>
+                        </a:solidFill>
+                        <a:latin typeface="Arial" panose="020B0604020202020204" pitchFamily="34" charset="0"/>
+                        <a:ea typeface="HGPｺﾞｼｯｸM" panose="020B0600000000000000" pitchFamily="50" charset="-128"/>
+                        <a:cs typeface="Arial" panose="020B0604020202020204" pitchFamily="34" charset="0"/>
+                      </a:rPr>
+                      <a:t>検知・監視</a:t>
+                    </a:r>
+                    <a:endParaRPr lang="en-US" altLang="ja-JP" dirty="0">
+                      <a:solidFill>
+                        <a:schemeClr val="bg1">
+                          <a:lumMod val="50000"/>
+                        </a:schemeClr>
+                      </a:solidFill>
+                      <a:latin typeface="Arial" panose="020B0604020202020204" pitchFamily="34" charset="0"/>
+                      <a:ea typeface="HGPｺﾞｼｯｸM" panose="020B0600000000000000" pitchFamily="50" charset="-128"/>
+                      <a:cs typeface="Arial" panose="020B0604020202020204" pitchFamily="34" charset="0"/>
+                    </a:endParaRPr>
+                  </a:p>
+                </p:txBody>
+              </p:sp>
+            </p:grpSp>
+            <p:grpSp>
+              <p:nvGrpSpPr>
+                <p:cNvPr id="44" name="グループ化 43">
+                  <a:extLst>
+                    <a:ext uri="{FF2B5EF4-FFF2-40B4-BE49-F238E27FC236}">
+                      <a16:creationId xmlns:a16="http://schemas.microsoft.com/office/drawing/2014/main" id="{0A8EDBAD-1306-4C3E-A67C-8A42A1E05BA1}"/>
+                    </a:ext>
+                  </a:extLst>
+                </p:cNvPr>
+                <p:cNvGrpSpPr/>
+                <p:nvPr/>
+              </p:nvGrpSpPr>
+              <p:grpSpPr>
+                <a:xfrm>
+                  <a:off x="2405653" y="2198426"/>
+                  <a:ext cx="1187766" cy="697952"/>
+                  <a:chOff x="1296782" y="886939"/>
+                  <a:chExt cx="1187766" cy="697952"/>
+                </a:xfrm>
+              </p:grpSpPr>
+              <p:cxnSp>
+                <p:nvCxnSpPr>
+                  <p:cNvPr id="26" name="直線矢印コネクタ 25">
+                    <a:extLst>
+                      <a:ext uri="{FF2B5EF4-FFF2-40B4-BE49-F238E27FC236}">
+                        <a16:creationId xmlns:a16="http://schemas.microsoft.com/office/drawing/2014/main" id="{F15314EF-5B6D-4A35-A5DE-1F77DEEAE861}"/>
+                      </a:ext>
+                    </a:extLst>
+                  </p:cNvPr>
+                  <p:cNvCxnSpPr>
+                    <a:cxnSpLocks/>
+                  </p:cNvCxnSpPr>
+                  <p:nvPr/>
+                </p:nvCxnSpPr>
+                <p:spPr>
+                  <a:xfrm>
+                    <a:off x="1296782" y="886939"/>
+                    <a:ext cx="1174192" cy="0"/>
+                  </a:xfrm>
+                  <a:prstGeom prst="straightConnector1">
+                    <a:avLst/>
+                  </a:prstGeom>
+                  <a:ln>
+                    <a:tailEnd type="triangle"/>
+                  </a:ln>
+                </p:spPr>
+                <p:style>
+                  <a:lnRef idx="1">
+                    <a:schemeClr val="accent1"/>
+                  </a:lnRef>
+                  <a:fillRef idx="0">
+                    <a:schemeClr val="accent1"/>
+                  </a:fillRef>
+                  <a:effectRef idx="0">
+                    <a:schemeClr val="accent1"/>
+                  </a:effectRef>
+                  <a:fontRef idx="minor">
+                    <a:schemeClr val="tx1"/>
+                  </a:fontRef>
+                </p:style>
+              </p:cxnSp>
+              <p:sp>
+                <p:nvSpPr>
+                  <p:cNvPr id="27" name="テキスト ボックス 26">
+                    <a:extLst>
+                      <a:ext uri="{FF2B5EF4-FFF2-40B4-BE49-F238E27FC236}">
+                        <a16:creationId xmlns:a16="http://schemas.microsoft.com/office/drawing/2014/main" id="{4CC4C144-4C33-41BA-8B2B-CD406552EA1A}"/>
+                      </a:ext>
+                    </a:extLst>
+                  </p:cNvPr>
+                  <p:cNvSpPr txBox="1"/>
+                  <p:nvPr/>
+                </p:nvSpPr>
+                <p:spPr>
+                  <a:xfrm>
+                    <a:off x="1296782" y="938560"/>
+                    <a:ext cx="1187766" cy="646331"/>
+                  </a:xfrm>
+                  <a:prstGeom prst="rect">
+                    <a:avLst/>
+                  </a:prstGeom>
+                  <a:noFill/>
+                </p:spPr>
+                <p:txBody>
+                  <a:bodyPr wrap="square" rtlCol="0">
+                    <a:spAutoFit/>
+                  </a:bodyPr>
+                  <a:lstStyle/>
+                  <a:p>
+                    <a:r>
+                      <a:rPr lang="ja-JP" altLang="en-US" dirty="0">
+                        <a:solidFill>
+                          <a:schemeClr val="bg1">
+                            <a:lumMod val="50000"/>
+                          </a:schemeClr>
+                        </a:solidFill>
+                        <a:latin typeface="Arial" panose="020B0604020202020204" pitchFamily="34" charset="0"/>
+                        <a:cs typeface="Arial" panose="020B0604020202020204" pitchFamily="34" charset="0"/>
+                      </a:rPr>
+                      <a:t>ソースの更新</a:t>
+                    </a:r>
+                  </a:p>
+                </p:txBody>
+              </p:sp>
+            </p:grpSp>
+            <p:grpSp>
+              <p:nvGrpSpPr>
+                <p:cNvPr id="62" name="グループ化 61">
+                  <a:extLst>
+                    <a:ext uri="{FF2B5EF4-FFF2-40B4-BE49-F238E27FC236}">
+                      <a16:creationId xmlns:a16="http://schemas.microsoft.com/office/drawing/2014/main" id="{E9C0712E-BE93-4375-8345-72CCDFF3D171}"/>
+                    </a:ext>
+                  </a:extLst>
+                </p:cNvPr>
+                <p:cNvGrpSpPr/>
+                <p:nvPr/>
+              </p:nvGrpSpPr>
+              <p:grpSpPr>
+                <a:xfrm>
+                  <a:off x="17966828" y="1553777"/>
+                  <a:ext cx="2284238" cy="1362596"/>
+                  <a:chOff x="4373241" y="8848876"/>
+                  <a:chExt cx="2284238" cy="1362596"/>
+                </a:xfrm>
+              </p:grpSpPr>
+              <p:sp>
+                <p:nvSpPr>
+                  <p:cNvPr id="63" name="正方形/長方形 62">
+                    <a:extLst>
+                      <a:ext uri="{FF2B5EF4-FFF2-40B4-BE49-F238E27FC236}">
+                        <a16:creationId xmlns:a16="http://schemas.microsoft.com/office/drawing/2014/main" id="{E461E8AD-8C3A-4B25-9D4C-CED71EB13644}"/>
+                      </a:ext>
+                    </a:extLst>
+                  </p:cNvPr>
+                  <p:cNvSpPr/>
+                  <p:nvPr/>
+                </p:nvSpPr>
+                <p:spPr>
+                  <a:xfrm>
+                    <a:off x="4373241" y="8848876"/>
+                    <a:ext cx="2284238" cy="1362596"/>
+                  </a:xfrm>
+                  <a:prstGeom prst="rect">
+                    <a:avLst/>
+                  </a:prstGeom>
+                  <a:solidFill>
+                    <a:srgbClr val="FDF3ED"/>
+                  </a:solidFill>
+                </p:spPr>
+                <p:style>
+                  <a:lnRef idx="0">
+                    <a:schemeClr val="accent2"/>
+                  </a:lnRef>
+                  <a:fillRef idx="3">
+                    <a:schemeClr val="accent2"/>
+                  </a:fillRef>
+                  <a:effectRef idx="3">
+                    <a:schemeClr val="accent2"/>
+                  </a:effectRef>
+                  <a:fontRef idx="minor">
+                    <a:schemeClr val="lt1"/>
+                  </a:fontRef>
+                </p:style>
+                <p:txBody>
+                  <a:bodyPr rot="0" spcFirstLastPara="0" vertOverflow="overflow" horzOverflow="overflow" vert="horz" wrap="square" lIns="91440" tIns="45720" rIns="91440" bIns="45720" numCol="1" spcCol="0" rtlCol="0" fromWordArt="0" anchor="ctr" anchorCtr="0" forceAA="0" compatLnSpc="1">
+                    <a:prstTxWarp prst="textNoShape">
+                      <a:avLst/>
+                    </a:prstTxWarp>
+                    <a:noAutofit/>
+                  </a:bodyPr>
+                  <a:lstStyle/>
+                  <a:p>
+                    <a:pPr algn="ctr"/>
+                    <a:endParaRPr kumimoji="1" lang="ja-JP" altLang="en-US" dirty="0"/>
+                  </a:p>
+                </p:txBody>
+              </p:sp>
+              <p:pic>
+                <p:nvPicPr>
+                  <p:cNvPr id="21" name="図 20">
+                    <a:extLst>
+                      <a:ext uri="{FF2B5EF4-FFF2-40B4-BE49-F238E27FC236}">
+                        <a16:creationId xmlns:a16="http://schemas.microsoft.com/office/drawing/2014/main" id="{BB54CDFE-7E87-4E14-8CE6-C106011630B3}"/>
+                      </a:ext>
+                    </a:extLst>
+                  </p:cNvPr>
+                  <p:cNvPicPr>
+                    <a:picLocks noChangeAspect="1"/>
+                  </p:cNvPicPr>
+                  <p:nvPr/>
+                </p:nvPicPr>
+                <p:blipFill>
+                  <a:blip r:embed="rId7"/>
+                  <a:stretch>
+                    <a:fillRect/>
+                  </a:stretch>
+                </p:blipFill>
+                <p:spPr>
+                  <a:xfrm>
+                    <a:off x="4405344" y="8998469"/>
+                    <a:ext cx="1063413" cy="1063413"/>
+                  </a:xfrm>
+                  <a:prstGeom prst="rect">
+                    <a:avLst/>
+                  </a:prstGeom>
+                </p:spPr>
+              </p:pic>
+              <p:sp>
+                <p:nvSpPr>
+                  <p:cNvPr id="31" name="テキスト ボックス 30">
+                    <a:extLst>
+                      <a:ext uri="{FF2B5EF4-FFF2-40B4-BE49-F238E27FC236}">
+                        <a16:creationId xmlns:a16="http://schemas.microsoft.com/office/drawing/2014/main" id="{F876EF95-AC6B-4D85-943E-27CC01D5AD64}"/>
+                      </a:ext>
+                    </a:extLst>
+                  </p:cNvPr>
+                  <p:cNvSpPr txBox="1"/>
+                  <p:nvPr/>
+                </p:nvSpPr>
+                <p:spPr>
+                  <a:xfrm>
+                    <a:off x="5386104" y="9222263"/>
+                    <a:ext cx="1271375" cy="646331"/>
+                  </a:xfrm>
+                  <a:prstGeom prst="rect">
+                    <a:avLst/>
+                  </a:prstGeom>
+                  <a:noFill/>
+                </p:spPr>
+                <p:txBody>
+                  <a:bodyPr wrap="square" rtlCol="0">
+                    <a:spAutoFit/>
+                  </a:bodyPr>
+                  <a:lstStyle/>
+                  <a:p>
+                    <a:r>
+                      <a:rPr lang="en-US" altLang="ja-JP" dirty="0">
+                        <a:solidFill>
+                          <a:schemeClr val="bg1">
+                            <a:lumMod val="50000"/>
+                          </a:schemeClr>
+                        </a:solidFill>
+                        <a:latin typeface="Arial" panose="020B0604020202020204" pitchFamily="34" charset="0"/>
+                        <a:cs typeface="Arial" panose="020B0604020202020204" pitchFamily="34" charset="0"/>
+                      </a:rPr>
+                      <a:t>Cloud</a:t>
+                    </a:r>
+                  </a:p>
+                  <a:p>
+                    <a:r>
+                      <a:rPr lang="en-US" altLang="ja-JP" dirty="0">
+                        <a:solidFill>
+                          <a:schemeClr val="bg1">
+                            <a:lumMod val="50000"/>
+                          </a:schemeClr>
+                        </a:solidFill>
+                        <a:latin typeface="Arial" panose="020B0604020202020204" pitchFamily="34" charset="0"/>
+                        <a:cs typeface="Arial" panose="020B0604020202020204" pitchFamily="34" charset="0"/>
+                      </a:rPr>
+                      <a:t>Scheduler</a:t>
+                    </a:r>
+                    <a:endParaRPr lang="ja-JP" altLang="en-US" dirty="0">
+                      <a:solidFill>
+                        <a:schemeClr val="bg1">
+                          <a:lumMod val="50000"/>
+                        </a:schemeClr>
+                      </a:solidFill>
+                      <a:latin typeface="Arial" panose="020B0604020202020204" pitchFamily="34" charset="0"/>
+                      <a:cs typeface="Arial" panose="020B0604020202020204" pitchFamily="34" charset="0"/>
+                    </a:endParaRPr>
+                  </a:p>
+                </p:txBody>
+              </p:sp>
+            </p:grpSp>
+            <p:sp>
+              <p:nvSpPr>
+                <p:cNvPr id="33" name="テキスト ボックス 32">
+                  <a:extLst>
+                    <a:ext uri="{FF2B5EF4-FFF2-40B4-BE49-F238E27FC236}">
+                      <a16:creationId xmlns:a16="http://schemas.microsoft.com/office/drawing/2014/main" id="{046EF8E9-D397-4A94-9278-7B47188F1665}"/>
+                    </a:ext>
+                  </a:extLst>
+                </p:cNvPr>
+                <p:cNvSpPr txBox="1"/>
+                <p:nvPr/>
+              </p:nvSpPr>
+              <p:spPr>
+                <a:xfrm>
+                  <a:off x="16774454" y="3940194"/>
+                  <a:ext cx="3303262" cy="646331"/>
+                </a:xfrm>
+                <a:prstGeom prst="rect">
+                  <a:avLst/>
+                </a:prstGeom>
+                <a:noFill/>
+              </p:spPr>
+              <p:txBody>
+                <a:bodyPr wrap="square" rtlCol="0">
+                  <a:spAutoFit/>
+                </a:bodyPr>
+                <a:lstStyle/>
+                <a:p>
+                  <a:pPr algn="ctr"/>
+                  <a:r>
+                    <a:rPr lang="ja-JP" altLang="en-US" dirty="0">
+                      <a:solidFill>
+                        <a:schemeClr val="bg1">
+                          <a:lumMod val="50000"/>
+                        </a:schemeClr>
+                      </a:solidFill>
+                      <a:latin typeface="Arial" panose="020B0604020202020204" pitchFamily="34" charset="0"/>
+                      <a:ea typeface="HGPｺﾞｼｯｸM" panose="020B0600000000000000" pitchFamily="50" charset="-128"/>
+                      <a:cs typeface="Arial" panose="020B0604020202020204" pitchFamily="34" charset="0"/>
+                    </a:rPr>
+                    <a:t>定期レポート作成要求</a:t>
+                  </a:r>
+                  <a:endParaRPr lang="en-US" altLang="ja-JP" dirty="0">
+                    <a:solidFill>
+                      <a:schemeClr val="bg1">
+                        <a:lumMod val="50000"/>
+                      </a:schemeClr>
+                    </a:solidFill>
+                    <a:latin typeface="Arial" panose="020B0604020202020204" pitchFamily="34" charset="0"/>
+                    <a:ea typeface="HGPｺﾞｼｯｸM" panose="020B0600000000000000" pitchFamily="50" charset="-128"/>
+                    <a:cs typeface="Arial" panose="020B0604020202020204" pitchFamily="34" charset="0"/>
+                  </a:endParaRPr>
+                </a:p>
+                <a:p>
+                  <a:pPr algn="ctr"/>
+                  <a:r>
+                    <a:rPr lang="en-US" altLang="ja-JP" dirty="0">
+                      <a:solidFill>
+                        <a:schemeClr val="bg1">
+                          <a:lumMod val="50000"/>
+                        </a:schemeClr>
+                      </a:solidFill>
+                      <a:latin typeface="Arial" panose="020B0604020202020204" pitchFamily="34" charset="0"/>
+                      <a:ea typeface="HGPｺﾞｼｯｸM" panose="020B0600000000000000" pitchFamily="50" charset="-128"/>
+                      <a:cs typeface="Arial" panose="020B0604020202020204" pitchFamily="34" charset="0"/>
+                    </a:rPr>
+                    <a:t>HTTP</a:t>
+                  </a:r>
+                  <a:r>
+                    <a:rPr lang="ja-JP" altLang="en-US" dirty="0">
+                      <a:solidFill>
+                        <a:schemeClr val="bg1">
+                          <a:lumMod val="50000"/>
+                        </a:schemeClr>
+                      </a:solidFill>
+                      <a:latin typeface="Arial" panose="020B0604020202020204" pitchFamily="34" charset="0"/>
+                      <a:ea typeface="HGPｺﾞｼｯｸM" panose="020B0600000000000000" pitchFamily="50" charset="-128"/>
+                      <a:cs typeface="Arial" panose="020B0604020202020204" pitchFamily="34" charset="0"/>
+                    </a:rPr>
+                    <a:t>リクエスト </a:t>
+                  </a:r>
+                  <a:r>
+                    <a:rPr lang="en-US" altLang="ja-JP" dirty="0">
+                      <a:solidFill>
+                        <a:schemeClr val="bg1">
+                          <a:lumMod val="50000"/>
+                        </a:schemeClr>
+                      </a:solidFill>
+                      <a:latin typeface="Arial" panose="020B0604020202020204" pitchFamily="34" charset="0"/>
+                      <a:ea typeface="HGPｺﾞｼｯｸM" panose="020B0600000000000000" pitchFamily="50" charset="-128"/>
+                      <a:cs typeface="Arial" panose="020B0604020202020204" pitchFamily="34" charset="0"/>
+                    </a:rPr>
+                    <a:t>(/job/report)</a:t>
+                  </a:r>
+                </a:p>
+              </p:txBody>
+            </p:sp>
+            <p:sp>
+              <p:nvSpPr>
+                <p:cNvPr id="35" name="テキスト ボックス 34">
+                  <a:extLst>
+                    <a:ext uri="{FF2B5EF4-FFF2-40B4-BE49-F238E27FC236}">
+                      <a16:creationId xmlns:a16="http://schemas.microsoft.com/office/drawing/2014/main" id="{948CEA27-7A2A-4295-B762-D8762413E1E8}"/>
+                    </a:ext>
+                  </a:extLst>
+                </p:cNvPr>
+                <p:cNvSpPr txBox="1"/>
+                <p:nvPr/>
+              </p:nvSpPr>
+              <p:spPr>
+                <a:xfrm>
+                  <a:off x="18052758" y="3007749"/>
+                  <a:ext cx="2091010" cy="646331"/>
+                </a:xfrm>
+                <a:prstGeom prst="rect">
+                  <a:avLst/>
+                </a:prstGeom>
+                <a:noFill/>
+              </p:spPr>
+              <p:txBody>
+                <a:bodyPr wrap="square" rtlCol="0">
+                  <a:spAutoFit/>
+                </a:bodyPr>
+                <a:lstStyle/>
+                <a:p>
+                  <a:r>
+                    <a:rPr lang="ja-JP" altLang="en-US" dirty="0">
+                      <a:solidFill>
+                        <a:schemeClr val="bg1">
+                          <a:lumMod val="50000"/>
+                        </a:schemeClr>
+                      </a:solidFill>
+                      <a:latin typeface="Arial" panose="020B0604020202020204" pitchFamily="34" charset="0"/>
+                      <a:ea typeface="HGPｺﾞｼｯｸM" panose="020B0600000000000000" pitchFamily="50" charset="-128"/>
+                      <a:cs typeface="Arial" panose="020B0604020202020204" pitchFamily="34" charset="0"/>
+                    </a:rPr>
+                    <a:t>平日朝</a:t>
+                  </a:r>
+                  <a:r>
+                    <a:rPr lang="en-US" altLang="ja-JP" dirty="0">
+                      <a:solidFill>
+                        <a:schemeClr val="bg1">
+                          <a:lumMod val="50000"/>
+                        </a:schemeClr>
+                      </a:solidFill>
+                      <a:latin typeface="Arial" panose="020B0604020202020204" pitchFamily="34" charset="0"/>
+                      <a:ea typeface="HGPｺﾞｼｯｸM" panose="020B0600000000000000" pitchFamily="50" charset="-128"/>
+                      <a:cs typeface="Arial" panose="020B0604020202020204" pitchFamily="34" charset="0"/>
+                    </a:rPr>
+                    <a:t>9</a:t>
+                  </a:r>
+                  <a:r>
+                    <a:rPr lang="ja-JP" altLang="en-US" dirty="0">
+                      <a:solidFill>
+                        <a:schemeClr val="bg1">
+                          <a:lumMod val="50000"/>
+                        </a:schemeClr>
+                      </a:solidFill>
+                      <a:latin typeface="Arial" panose="020B0604020202020204" pitchFamily="34" charset="0"/>
+                      <a:ea typeface="HGPｺﾞｼｯｸM" panose="020B0600000000000000" pitchFamily="50" charset="-128"/>
+                      <a:cs typeface="Arial" panose="020B0604020202020204" pitchFamily="34" charset="0"/>
+                    </a:rPr>
+                    <a:t>時</a:t>
+                  </a:r>
+                  <a:endParaRPr lang="en-US" altLang="ja-JP" dirty="0">
+                    <a:solidFill>
+                      <a:schemeClr val="bg1">
+                        <a:lumMod val="50000"/>
+                      </a:schemeClr>
+                    </a:solidFill>
+                    <a:latin typeface="Arial" panose="020B0604020202020204" pitchFamily="34" charset="0"/>
+                    <a:ea typeface="HGPｺﾞｼｯｸM" panose="020B0600000000000000" pitchFamily="50" charset="-128"/>
+                    <a:cs typeface="Arial" panose="020B0604020202020204" pitchFamily="34" charset="0"/>
+                  </a:endParaRPr>
+                </a:p>
+                <a:p>
+                  <a:r>
+                    <a:rPr lang="ja-JP" altLang="en-US" dirty="0">
+                      <a:solidFill>
+                        <a:schemeClr val="bg1">
+                          <a:lumMod val="50000"/>
+                        </a:schemeClr>
+                      </a:solidFill>
+                      <a:latin typeface="Arial" panose="020B0604020202020204" pitchFamily="34" charset="0"/>
+                      <a:ea typeface="HGPｺﾞｼｯｸM" panose="020B0600000000000000" pitchFamily="50" charset="-128"/>
+                      <a:cs typeface="Arial" panose="020B0604020202020204" pitchFamily="34" charset="0"/>
+                    </a:rPr>
+                    <a:t>定期実行のトリガー</a:t>
+                  </a:r>
+                  <a:endParaRPr lang="en-US" altLang="ja-JP" dirty="0">
+                    <a:solidFill>
+                      <a:schemeClr val="bg1">
+                        <a:lumMod val="50000"/>
+                      </a:schemeClr>
+                    </a:solidFill>
+                    <a:latin typeface="Arial" panose="020B0604020202020204" pitchFamily="34" charset="0"/>
+                    <a:ea typeface="HGPｺﾞｼｯｸM" panose="020B0600000000000000" pitchFamily="50" charset="-128"/>
+                    <a:cs typeface="Arial" panose="020B0604020202020204" pitchFamily="34" charset="0"/>
+                  </a:endParaRPr>
+                </a:p>
+              </p:txBody>
+            </p:sp>
+            <p:cxnSp>
+              <p:nvCxnSpPr>
+                <p:cNvPr id="36" name="直線矢印コネクタ 35">
+                  <a:extLst>
+                    <a:ext uri="{FF2B5EF4-FFF2-40B4-BE49-F238E27FC236}">
+                      <a16:creationId xmlns:a16="http://schemas.microsoft.com/office/drawing/2014/main" id="{40A116C2-6FF4-4802-B945-F11986C6407A}"/>
+                    </a:ext>
+                  </a:extLst>
+                </p:cNvPr>
+                <p:cNvCxnSpPr>
+                  <a:cxnSpLocks/>
+                </p:cNvCxnSpPr>
+                <p:nvPr/>
+              </p:nvCxnSpPr>
+              <p:spPr>
+                <a:xfrm flipH="1">
+                  <a:off x="7213053" y="6409876"/>
+                  <a:ext cx="6069394" cy="0"/>
+                </a:xfrm>
+                <a:prstGeom prst="straightConnector1">
+                  <a:avLst/>
+                </a:prstGeom>
+                <a:ln>
+                  <a:tailEnd type="triangle"/>
+                </a:ln>
+              </p:spPr>
+              <p:style>
+                <a:lnRef idx="1">
+                  <a:schemeClr val="accent1"/>
+                </a:lnRef>
+                <a:fillRef idx="0">
+                  <a:schemeClr val="accent1"/>
+                </a:fillRef>
+                <a:effectRef idx="0">
+                  <a:schemeClr val="accent1"/>
+                </a:effectRef>
+                <a:fontRef idx="minor">
+                  <a:schemeClr val="tx1"/>
+                </a:fontRef>
+              </p:style>
+            </p:cxnSp>
+            <p:grpSp>
+              <p:nvGrpSpPr>
+                <p:cNvPr id="60" name="グループ化 59">
+                  <a:extLst>
+                    <a:ext uri="{FF2B5EF4-FFF2-40B4-BE49-F238E27FC236}">
+                      <a16:creationId xmlns:a16="http://schemas.microsoft.com/office/drawing/2014/main" id="{2ECA31D7-6BFF-4967-A9F2-1F9387868DD4}"/>
+                    </a:ext>
+                  </a:extLst>
+                </p:cNvPr>
+                <p:cNvGrpSpPr/>
+                <p:nvPr/>
+              </p:nvGrpSpPr>
+              <p:grpSpPr>
+                <a:xfrm>
+                  <a:off x="18016311" y="5643473"/>
+                  <a:ext cx="2284238" cy="1362596"/>
+                  <a:chOff x="4281498" y="3110451"/>
+                  <a:chExt cx="2284238" cy="1362596"/>
+                </a:xfrm>
+              </p:grpSpPr>
+              <p:sp>
+                <p:nvSpPr>
+                  <p:cNvPr id="61" name="正方形/長方形 60">
+                    <a:extLst>
+                      <a:ext uri="{FF2B5EF4-FFF2-40B4-BE49-F238E27FC236}">
+                        <a16:creationId xmlns:a16="http://schemas.microsoft.com/office/drawing/2014/main" id="{0914569E-84DB-4FFB-B24B-A1DA4A16E7A7}"/>
+                      </a:ext>
+                    </a:extLst>
+                  </p:cNvPr>
+                  <p:cNvSpPr/>
+                  <p:nvPr/>
+                </p:nvSpPr>
+                <p:spPr>
+                  <a:xfrm>
+                    <a:off x="4281498" y="3110451"/>
+                    <a:ext cx="2284238" cy="1362596"/>
+                  </a:xfrm>
+                  <a:prstGeom prst="rect">
+                    <a:avLst/>
+                  </a:prstGeom>
+                  <a:solidFill>
+                    <a:srgbClr val="FDF3ED"/>
+                  </a:solidFill>
+                </p:spPr>
+                <p:style>
+                  <a:lnRef idx="0">
+                    <a:schemeClr val="accent2"/>
+                  </a:lnRef>
+                  <a:fillRef idx="3">
+                    <a:schemeClr val="accent2"/>
+                  </a:fillRef>
+                  <a:effectRef idx="3">
+                    <a:schemeClr val="accent2"/>
+                  </a:effectRef>
+                  <a:fontRef idx="minor">
+                    <a:schemeClr val="lt1"/>
+                  </a:fontRef>
+                </p:style>
+                <p:txBody>
+                  <a:bodyPr rot="0" spcFirstLastPara="0" vertOverflow="overflow" horzOverflow="overflow" vert="horz" wrap="square" lIns="91440" tIns="45720" rIns="91440" bIns="45720" numCol="1" spcCol="0" rtlCol="0" fromWordArt="0" anchor="ctr" anchorCtr="0" forceAA="0" compatLnSpc="1">
+                    <a:prstTxWarp prst="textNoShape">
+                      <a:avLst/>
+                    </a:prstTxWarp>
+                    <a:noAutofit/>
+                  </a:bodyPr>
+                  <a:lstStyle/>
+                  <a:p>
+                    <a:pPr algn="ctr"/>
+                    <a:endParaRPr kumimoji="1" lang="ja-JP" altLang="en-US" dirty="0"/>
+                  </a:p>
+                </p:txBody>
+              </p:sp>
+              <p:pic>
+                <p:nvPicPr>
+                  <p:cNvPr id="30" name="図 29">
+                    <a:extLst>
+                      <a:ext uri="{FF2B5EF4-FFF2-40B4-BE49-F238E27FC236}">
+                        <a16:creationId xmlns:a16="http://schemas.microsoft.com/office/drawing/2014/main" id="{716DF112-D1DE-41E2-8A20-EBD73903BEC7}"/>
+                      </a:ext>
+                    </a:extLst>
+                  </p:cNvPr>
+                  <p:cNvPicPr>
+                    <a:picLocks noChangeAspect="1"/>
+                  </p:cNvPicPr>
+                  <p:nvPr/>
+                </p:nvPicPr>
+                <p:blipFill>
+                  <a:blip r:embed="rId8"/>
+                  <a:stretch>
+                    <a:fillRect/>
+                  </a:stretch>
+                </p:blipFill>
+                <p:spPr>
+                  <a:xfrm>
+                    <a:off x="4360210" y="3262977"/>
+                    <a:ext cx="1063407" cy="1063407"/>
+                  </a:xfrm>
+                  <a:prstGeom prst="rect">
+                    <a:avLst/>
+                  </a:prstGeom>
+                </p:spPr>
+              </p:pic>
+              <p:sp>
+                <p:nvSpPr>
+                  <p:cNvPr id="38" name="テキスト ボックス 37">
+                    <a:extLst>
+                      <a:ext uri="{FF2B5EF4-FFF2-40B4-BE49-F238E27FC236}">
+                        <a16:creationId xmlns:a16="http://schemas.microsoft.com/office/drawing/2014/main" id="{A3F9CDD8-F507-4EDA-BC67-809A483AF78E}"/>
+                      </a:ext>
+                    </a:extLst>
+                  </p:cNvPr>
+                  <p:cNvSpPr txBox="1"/>
+                  <p:nvPr/>
+                </p:nvSpPr>
+                <p:spPr>
+                  <a:xfrm>
+                    <a:off x="5390196" y="3631648"/>
+                    <a:ext cx="1149105" cy="369332"/>
+                  </a:xfrm>
+                  <a:prstGeom prst="rect">
+                    <a:avLst/>
+                  </a:prstGeom>
+                  <a:noFill/>
+                </p:spPr>
+                <p:txBody>
+                  <a:bodyPr wrap="square" rtlCol="0">
+                    <a:spAutoFit/>
+                  </a:bodyPr>
+                  <a:lstStyle/>
+                  <a:p>
+                    <a:r>
+                      <a:rPr lang="en-US" altLang="ja-JP" dirty="0" err="1">
+                        <a:solidFill>
+                          <a:schemeClr val="bg1">
+                            <a:lumMod val="50000"/>
+                          </a:schemeClr>
+                        </a:solidFill>
+                        <a:latin typeface="Arial" panose="020B0604020202020204" pitchFamily="34" charset="0"/>
+                        <a:cs typeface="Arial" panose="020B0604020202020204" pitchFamily="34" charset="0"/>
+                      </a:rPr>
+                      <a:t>Firestore</a:t>
+                    </a:r>
+                    <a:endParaRPr lang="ja-JP" altLang="en-US" dirty="0">
+                      <a:solidFill>
+                        <a:schemeClr val="bg1">
+                          <a:lumMod val="50000"/>
+                        </a:schemeClr>
+                      </a:solidFill>
+                      <a:latin typeface="Arial" panose="020B0604020202020204" pitchFamily="34" charset="0"/>
+                      <a:cs typeface="Arial" panose="020B0604020202020204" pitchFamily="34" charset="0"/>
+                    </a:endParaRPr>
+                  </a:p>
+                </p:txBody>
+              </p:sp>
+            </p:grpSp>
+            <p:grpSp>
+              <p:nvGrpSpPr>
+                <p:cNvPr id="45" name="グループ化 44">
+                  <a:extLst>
+                    <a:ext uri="{FF2B5EF4-FFF2-40B4-BE49-F238E27FC236}">
+                      <a16:creationId xmlns:a16="http://schemas.microsoft.com/office/drawing/2014/main" id="{6F48539C-F392-449C-90DB-1EF5776A0C1C}"/>
+                    </a:ext>
+                  </a:extLst>
+                </p:cNvPr>
+                <p:cNvGrpSpPr/>
+                <p:nvPr/>
+              </p:nvGrpSpPr>
+              <p:grpSpPr>
+                <a:xfrm>
+                  <a:off x="1242033" y="1625256"/>
+                  <a:ext cx="1063412" cy="1329024"/>
+                  <a:chOff x="233370" y="313770"/>
+                  <a:chExt cx="1063412" cy="1329024"/>
+                </a:xfrm>
+              </p:grpSpPr>
+              <p:sp>
+                <p:nvSpPr>
+                  <p:cNvPr id="22" name="テキスト ボックス 21">
+                    <a:extLst>
+                      <a:ext uri="{FF2B5EF4-FFF2-40B4-BE49-F238E27FC236}">
+                        <a16:creationId xmlns:a16="http://schemas.microsoft.com/office/drawing/2014/main" id="{0678379E-C4E5-45E4-A7E6-AED440CA5FD7}"/>
+                      </a:ext>
+                    </a:extLst>
+                  </p:cNvPr>
+                  <p:cNvSpPr txBox="1"/>
+                  <p:nvPr/>
+                </p:nvSpPr>
+                <p:spPr>
+                  <a:xfrm>
+                    <a:off x="233370" y="1273462"/>
+                    <a:ext cx="1063412" cy="369332"/>
+                  </a:xfrm>
+                  <a:prstGeom prst="rect">
+                    <a:avLst/>
+                  </a:prstGeom>
+                  <a:noFill/>
+                </p:spPr>
+                <p:txBody>
+                  <a:bodyPr wrap="square" rtlCol="0">
+                    <a:spAutoFit/>
+                  </a:bodyPr>
+                  <a:lstStyle/>
+                  <a:p>
+                    <a:pPr algn="ctr"/>
+                    <a:r>
+                      <a:rPr lang="ja-JP" altLang="en-US" dirty="0">
+                        <a:solidFill>
+                          <a:schemeClr val="bg1">
+                            <a:lumMod val="50000"/>
+                          </a:schemeClr>
+                        </a:solidFill>
+                        <a:latin typeface="HGPｺﾞｼｯｸM" panose="020B0600000000000000" pitchFamily="50" charset="-128"/>
+                        <a:ea typeface="HGPｺﾞｼｯｸM" panose="020B0600000000000000" pitchFamily="50" charset="-128"/>
+                        <a:cs typeface="Arial" panose="020B0604020202020204" pitchFamily="34" charset="0"/>
+                      </a:rPr>
+                      <a:t>開発者</a:t>
+                    </a:r>
+                    <a:endParaRPr lang="en-US" altLang="ja-JP" dirty="0">
+                      <a:solidFill>
+                        <a:schemeClr val="bg1">
+                          <a:lumMod val="50000"/>
+                        </a:schemeClr>
+                      </a:solidFill>
+                      <a:latin typeface="HGPｺﾞｼｯｸM" panose="020B0600000000000000" pitchFamily="50" charset="-128"/>
+                      <a:ea typeface="HGPｺﾞｼｯｸM" panose="020B0600000000000000" pitchFamily="50" charset="-128"/>
+                      <a:cs typeface="Arial" panose="020B0604020202020204" pitchFamily="34" charset="0"/>
+                    </a:endParaRPr>
+                  </a:p>
+                </p:txBody>
+              </p:sp>
+              <p:pic>
+                <p:nvPicPr>
+                  <p:cNvPr id="39" name="グラフィックス 38" descr="プログラマー">
+                    <a:extLst>
+                      <a:ext uri="{FF2B5EF4-FFF2-40B4-BE49-F238E27FC236}">
+                        <a16:creationId xmlns:a16="http://schemas.microsoft.com/office/drawing/2014/main" id="{3DF5B81D-C131-41A1-B6D9-8713C2AD6173}"/>
+                      </a:ext>
+                    </a:extLst>
+                  </p:cNvPr>
+                  <p:cNvPicPr>
+                    <a:picLocks noChangeAspect="1"/>
+                  </p:cNvPicPr>
+                  <p:nvPr/>
+                </p:nvPicPr>
+                <p:blipFill>
+                  <a:blip r:embed="rId9">
+                    <a:extLst>
+                      <a:ext uri="{28A0092B-C50C-407E-A947-70E740481C1C}">
+                        <a14:useLocalDpi xmlns:a14="http://schemas.microsoft.com/office/drawing/2010/main" val="0"/>
+                      </a:ext>
+                      <a:ext uri="{96DAC541-7B7A-43D3-8B79-37D633B846F1}">
+                        <asvg:svgBlip xmlns:asvg="http://schemas.microsoft.com/office/drawing/2016/SVG/main" r:embed="rId10"/>
+                      </a:ext>
+                    </a:extLst>
+                  </a:blip>
+                  <a:stretch>
+                    <a:fillRect/>
+                  </a:stretch>
+                </p:blipFill>
+                <p:spPr>
+                  <a:xfrm>
+                    <a:off x="307876" y="313770"/>
+                    <a:ext cx="914400" cy="914400"/>
+                  </a:xfrm>
+                  <a:prstGeom prst="rect">
+                    <a:avLst/>
+                  </a:prstGeom>
+                </p:spPr>
+              </p:pic>
+            </p:grpSp>
+            <p:grpSp>
+              <p:nvGrpSpPr>
+                <p:cNvPr id="53" name="グループ化 52">
+                  <a:extLst>
+                    <a:ext uri="{FF2B5EF4-FFF2-40B4-BE49-F238E27FC236}">
+                      <a16:creationId xmlns:a16="http://schemas.microsoft.com/office/drawing/2014/main" id="{95C797B6-2257-4F4A-B31A-39F44D5A2B17}"/>
+                    </a:ext>
+                  </a:extLst>
+                </p:cNvPr>
+                <p:cNvGrpSpPr/>
+                <p:nvPr/>
+              </p:nvGrpSpPr>
+              <p:grpSpPr>
+                <a:xfrm>
+                  <a:off x="11448192" y="2173457"/>
+                  <a:ext cx="1918596" cy="699632"/>
+                  <a:chOff x="9670071" y="900883"/>
+                  <a:chExt cx="1918596" cy="699632"/>
+                </a:xfrm>
+              </p:grpSpPr>
+              <p:sp>
+                <p:nvSpPr>
+                  <p:cNvPr id="10" name="テキスト ボックス 9">
+                    <a:extLst>
+                      <a:ext uri="{FF2B5EF4-FFF2-40B4-BE49-F238E27FC236}">
+                        <a16:creationId xmlns:a16="http://schemas.microsoft.com/office/drawing/2014/main" id="{B76330FE-F952-4BC3-B517-1C37095869D6}"/>
+                      </a:ext>
+                    </a:extLst>
+                  </p:cNvPr>
+                  <p:cNvSpPr txBox="1"/>
+                  <p:nvPr/>
+                </p:nvSpPr>
+                <p:spPr>
+                  <a:xfrm>
+                    <a:off x="9670071" y="954184"/>
+                    <a:ext cx="1918596" cy="646331"/>
+                  </a:xfrm>
+                  <a:prstGeom prst="rect">
+                    <a:avLst/>
+                  </a:prstGeom>
+                  <a:noFill/>
+                </p:spPr>
+                <p:txBody>
+                  <a:bodyPr wrap="square" rtlCol="0">
+                    <a:spAutoFit/>
+                  </a:bodyPr>
+                  <a:lstStyle/>
+                  <a:p>
+                    <a:r>
+                      <a:rPr lang="ja-JP" altLang="en-US" dirty="0">
+                        <a:solidFill>
+                          <a:schemeClr val="bg1">
+                            <a:lumMod val="50000"/>
+                          </a:schemeClr>
+                        </a:solidFill>
+                        <a:latin typeface="HGPｺﾞｼｯｸM" panose="020B0600000000000000" pitchFamily="50" charset="-128"/>
+                        <a:ea typeface="HGPｺﾞｼｯｸM" panose="020B0600000000000000" pitchFamily="50" charset="-128"/>
+                        <a:cs typeface="Arial" panose="020B0604020202020204" pitchFamily="34" charset="0"/>
+                      </a:rPr>
+                      <a:t>コンテナイメージの作成</a:t>
+                    </a:r>
+                  </a:p>
+                </p:txBody>
+              </p:sp>
+              <p:cxnSp>
+                <p:nvCxnSpPr>
+                  <p:cNvPr id="54" name="直線矢印コネクタ 53">
+                    <a:extLst>
+                      <a:ext uri="{FF2B5EF4-FFF2-40B4-BE49-F238E27FC236}">
+                        <a16:creationId xmlns:a16="http://schemas.microsoft.com/office/drawing/2014/main" id="{0318F9C2-27BE-4335-9398-41ACED8F86A8}"/>
+                      </a:ext>
+                    </a:extLst>
+                  </p:cNvPr>
+                  <p:cNvCxnSpPr/>
+                  <p:nvPr/>
+                </p:nvCxnSpPr>
+                <p:spPr>
+                  <a:xfrm>
+                    <a:off x="9706088" y="900883"/>
+                    <a:ext cx="1781387" cy="0"/>
+                  </a:xfrm>
+                  <a:prstGeom prst="straightConnector1">
+                    <a:avLst/>
+                  </a:prstGeom>
+                  <a:ln>
+                    <a:tailEnd type="triangle"/>
+                  </a:ln>
+                </p:spPr>
+                <p:style>
+                  <a:lnRef idx="1">
+                    <a:schemeClr val="accent1"/>
+                  </a:lnRef>
+                  <a:fillRef idx="0">
+                    <a:schemeClr val="accent1"/>
+                  </a:fillRef>
+                  <a:effectRef idx="0">
+                    <a:schemeClr val="accent1"/>
+                  </a:effectRef>
+                  <a:fontRef idx="minor">
+                    <a:schemeClr val="tx1"/>
+                  </a:fontRef>
+                </p:style>
+              </p:cxnSp>
+            </p:grpSp>
+            <p:cxnSp>
+              <p:nvCxnSpPr>
+                <p:cNvPr id="57" name="直線矢印コネクタ 56">
+                  <a:extLst>
+                    <a:ext uri="{FF2B5EF4-FFF2-40B4-BE49-F238E27FC236}">
+                      <a16:creationId xmlns:a16="http://schemas.microsoft.com/office/drawing/2014/main" id="{2992BD25-8410-4A20-A004-C5FF7C74CE2E}"/>
+                    </a:ext>
+                  </a:extLst>
+                </p:cNvPr>
+                <p:cNvCxnSpPr>
+                  <a:cxnSpLocks/>
+                </p:cNvCxnSpPr>
+                <p:nvPr/>
+              </p:nvCxnSpPr>
+              <p:spPr>
+                <a:xfrm>
+                  <a:off x="7234073" y="6164670"/>
+                  <a:ext cx="6048372" cy="0"/>
+                </a:xfrm>
+                <a:prstGeom prst="straightConnector1">
+                  <a:avLst/>
+                </a:prstGeom>
+                <a:ln>
+                  <a:tailEnd type="triangle"/>
+                </a:ln>
+              </p:spPr>
+              <p:style>
+                <a:lnRef idx="1">
+                  <a:schemeClr val="accent1"/>
+                </a:lnRef>
+                <a:fillRef idx="0">
+                  <a:schemeClr val="accent1"/>
+                </a:fillRef>
+                <a:effectRef idx="0">
+                  <a:schemeClr val="accent1"/>
+                </a:effectRef>
+                <a:fontRef idx="minor">
+                  <a:schemeClr val="tx1"/>
+                </a:fontRef>
+              </p:style>
+            </p:cxnSp>
+            <p:cxnSp>
+              <p:nvCxnSpPr>
+                <p:cNvPr id="66" name="直線矢印コネクタ 65">
+                  <a:extLst>
+                    <a:ext uri="{FF2B5EF4-FFF2-40B4-BE49-F238E27FC236}">
+                      <a16:creationId xmlns:a16="http://schemas.microsoft.com/office/drawing/2014/main" id="{C69C5203-FE2D-4D9B-A31F-4A209FC090EF}"/>
+                    </a:ext>
+                  </a:extLst>
+                </p:cNvPr>
+                <p:cNvCxnSpPr/>
+                <p:nvPr/>
+              </p:nvCxnSpPr>
+              <p:spPr>
+                <a:xfrm>
+                  <a:off x="16085758" y="6239412"/>
+                  <a:ext cx="1781387" cy="0"/>
+                </a:xfrm>
+                <a:prstGeom prst="straightConnector1">
+                  <a:avLst/>
+                </a:prstGeom>
+                <a:ln>
+                  <a:tailEnd type="triangle"/>
+                </a:ln>
+              </p:spPr>
+              <p:style>
+                <a:lnRef idx="1">
+                  <a:schemeClr val="accent1"/>
+                </a:lnRef>
+                <a:fillRef idx="0">
+                  <a:schemeClr val="accent1"/>
+                </a:fillRef>
+                <a:effectRef idx="0">
+                  <a:schemeClr val="accent1"/>
+                </a:effectRef>
+                <a:fontRef idx="minor">
+                  <a:schemeClr val="tx1"/>
+                </a:fontRef>
+              </p:style>
+            </p:cxnSp>
+            <p:sp>
+              <p:nvSpPr>
+                <p:cNvPr id="67" name="テキスト ボックス 66">
+                  <a:extLst>
+                    <a:ext uri="{FF2B5EF4-FFF2-40B4-BE49-F238E27FC236}">
+                      <a16:creationId xmlns:a16="http://schemas.microsoft.com/office/drawing/2014/main" id="{FD838DEF-9012-493F-87B9-FC0E39BE8D10}"/>
+                    </a:ext>
+                  </a:extLst>
+                </p:cNvPr>
+                <p:cNvSpPr txBox="1"/>
+                <p:nvPr/>
+              </p:nvSpPr>
+              <p:spPr>
+                <a:xfrm>
+                  <a:off x="16004013" y="6286407"/>
+                  <a:ext cx="2091010" cy="646331"/>
+                </a:xfrm>
+                <a:prstGeom prst="rect">
+                  <a:avLst/>
+                </a:prstGeom>
+                <a:noFill/>
+              </p:spPr>
+              <p:txBody>
+                <a:bodyPr wrap="square" rtlCol="0">
+                  <a:spAutoFit/>
+                </a:bodyPr>
+                <a:lstStyle/>
+                <a:p>
+                  <a:r>
+                    <a:rPr lang="ja-JP" altLang="en-US" dirty="0">
+                      <a:solidFill>
+                        <a:schemeClr val="bg1">
+                          <a:lumMod val="50000"/>
+                        </a:schemeClr>
+                      </a:solidFill>
+                      <a:latin typeface="Arial" panose="020B0604020202020204" pitchFamily="34" charset="0"/>
+                      <a:ea typeface="HGPｺﾞｼｯｸM" panose="020B0600000000000000" pitchFamily="50" charset="-128"/>
+                      <a:cs typeface="Arial" panose="020B0604020202020204" pitchFamily="34" charset="0"/>
+                    </a:rPr>
+                    <a:t>データ保存・参照・削除</a:t>
+                  </a:r>
+                  <a:endParaRPr lang="en-US" altLang="ja-JP" dirty="0">
+                    <a:solidFill>
+                      <a:schemeClr val="bg1">
+                        <a:lumMod val="50000"/>
+                      </a:schemeClr>
+                    </a:solidFill>
+                    <a:latin typeface="Arial" panose="020B0604020202020204" pitchFamily="34" charset="0"/>
+                    <a:ea typeface="HGPｺﾞｼｯｸM" panose="020B0600000000000000" pitchFamily="50" charset="-128"/>
+                    <a:cs typeface="Arial" panose="020B0604020202020204" pitchFamily="34" charset="0"/>
+                  </a:endParaRPr>
+                </a:p>
+              </p:txBody>
+            </p:sp>
+            <p:sp>
+              <p:nvSpPr>
+                <p:cNvPr id="70" name="テキスト ボックス 69">
+                  <a:extLst>
+                    <a:ext uri="{FF2B5EF4-FFF2-40B4-BE49-F238E27FC236}">
+                      <a16:creationId xmlns:a16="http://schemas.microsoft.com/office/drawing/2014/main" id="{1ED87144-9A0F-44FC-B9A0-9CCFA9EA2F7B}"/>
+                    </a:ext>
+                  </a:extLst>
+                </p:cNvPr>
+                <p:cNvSpPr txBox="1"/>
+                <p:nvPr/>
+              </p:nvSpPr>
+              <p:spPr>
+                <a:xfrm>
+                  <a:off x="3644455" y="3013584"/>
+                  <a:ext cx="2724474" cy="369332"/>
+                </a:xfrm>
+                <a:prstGeom prst="rect">
+                  <a:avLst/>
+                </a:prstGeom>
+                <a:noFill/>
+              </p:spPr>
+              <p:txBody>
+                <a:bodyPr wrap="square" rtlCol="0">
+                  <a:spAutoFit/>
+                </a:bodyPr>
+                <a:lstStyle/>
+                <a:p>
+                  <a:pPr algn="ctr"/>
+                  <a:r>
+                    <a:rPr lang="ja-JP" altLang="en-US" dirty="0">
+                      <a:solidFill>
+                        <a:schemeClr val="bg1">
+                          <a:lumMod val="50000"/>
+                        </a:schemeClr>
+                      </a:solidFill>
+                      <a:latin typeface="HGPｺﾞｼｯｸM" panose="020B0600000000000000" pitchFamily="50" charset="-128"/>
+                      <a:ea typeface="HGPｺﾞｼｯｸM" panose="020B0600000000000000" pitchFamily="50" charset="-128"/>
+                      <a:cs typeface="Arial" panose="020B0604020202020204" pitchFamily="34" charset="0"/>
+                    </a:rPr>
+                    <a:t>ソースコード管理システム</a:t>
+                  </a:r>
+                  <a:endParaRPr lang="en-US" altLang="ja-JP" dirty="0">
+                    <a:solidFill>
+                      <a:schemeClr val="bg1">
+                        <a:lumMod val="50000"/>
+                      </a:schemeClr>
+                    </a:solidFill>
+                    <a:latin typeface="HGPｺﾞｼｯｸM" panose="020B0600000000000000" pitchFamily="50" charset="-128"/>
+                    <a:ea typeface="HGPｺﾞｼｯｸM" panose="020B0600000000000000" pitchFamily="50" charset="-128"/>
+                    <a:cs typeface="Arial" panose="020B0604020202020204" pitchFamily="34" charset="0"/>
+                  </a:endParaRPr>
+                </a:p>
+              </p:txBody>
+            </p:sp>
+            <p:sp>
+              <p:nvSpPr>
+                <p:cNvPr id="71" name="テキスト ボックス 70">
+                  <a:extLst>
+                    <a:ext uri="{FF2B5EF4-FFF2-40B4-BE49-F238E27FC236}">
+                      <a16:creationId xmlns:a16="http://schemas.microsoft.com/office/drawing/2014/main" id="{6FBDEE2D-46DE-475F-8A1C-CA87929B0C78}"/>
+                    </a:ext>
+                  </a:extLst>
+                </p:cNvPr>
+                <p:cNvSpPr txBox="1"/>
+                <p:nvPr/>
+              </p:nvSpPr>
+              <p:spPr>
+                <a:xfrm>
+                  <a:off x="8842569" y="3033670"/>
+                  <a:ext cx="2724474" cy="369332"/>
+                </a:xfrm>
+                <a:prstGeom prst="rect">
+                  <a:avLst/>
+                </a:prstGeom>
+                <a:noFill/>
+              </p:spPr>
+              <p:txBody>
+                <a:bodyPr wrap="square" rtlCol="0">
+                  <a:spAutoFit/>
+                </a:bodyPr>
+                <a:lstStyle/>
+                <a:p>
+                  <a:pPr algn="ctr"/>
+                  <a:r>
+                    <a:rPr lang="en-US" altLang="ja-JP" dirty="0">
+                      <a:solidFill>
+                        <a:schemeClr val="bg1">
+                          <a:lumMod val="50000"/>
+                        </a:schemeClr>
+                      </a:solidFill>
+                      <a:latin typeface="HGPｺﾞｼｯｸM" panose="020B0600000000000000" pitchFamily="50" charset="-128"/>
+                      <a:ea typeface="HGPｺﾞｼｯｸM" panose="020B0600000000000000" pitchFamily="50" charset="-128"/>
+                      <a:cs typeface="Arial" panose="020B0604020202020204" pitchFamily="34" charset="0"/>
+                    </a:rPr>
+                    <a:t>CI</a:t>
+                  </a:r>
+                  <a:r>
+                    <a:rPr lang="ja-JP" altLang="en-US" dirty="0">
+                      <a:solidFill>
+                        <a:schemeClr val="bg1">
+                          <a:lumMod val="50000"/>
+                        </a:schemeClr>
+                      </a:solidFill>
+                      <a:latin typeface="HGPｺﾞｼｯｸM" panose="020B0600000000000000" pitchFamily="50" charset="-128"/>
+                      <a:ea typeface="HGPｺﾞｼｯｸM" panose="020B0600000000000000" pitchFamily="50" charset="-128"/>
+                      <a:cs typeface="Arial" panose="020B0604020202020204" pitchFamily="34" charset="0"/>
+                    </a:rPr>
+                    <a:t>・ビルドサーバ</a:t>
+                  </a:r>
+                  <a:endParaRPr lang="en-US" altLang="ja-JP" dirty="0">
+                    <a:solidFill>
+                      <a:schemeClr val="bg1">
+                        <a:lumMod val="50000"/>
+                      </a:schemeClr>
+                    </a:solidFill>
+                    <a:latin typeface="HGPｺﾞｼｯｸM" panose="020B0600000000000000" pitchFamily="50" charset="-128"/>
+                    <a:ea typeface="HGPｺﾞｼｯｸM" panose="020B0600000000000000" pitchFamily="50" charset="-128"/>
+                    <a:cs typeface="Arial" panose="020B0604020202020204" pitchFamily="34" charset="0"/>
+                  </a:endParaRPr>
+                </a:p>
+              </p:txBody>
+            </p:sp>
+            <p:grpSp>
+              <p:nvGrpSpPr>
+                <p:cNvPr id="1031" name="グループ化 1030">
+                  <a:extLst>
+                    <a:ext uri="{FF2B5EF4-FFF2-40B4-BE49-F238E27FC236}">
+                      <a16:creationId xmlns:a16="http://schemas.microsoft.com/office/drawing/2014/main" id="{83CAE3D4-6EAE-4034-AF09-0461EC8BE192}"/>
+                    </a:ext>
+                  </a:extLst>
+                </p:cNvPr>
+                <p:cNvGrpSpPr/>
+                <p:nvPr/>
+              </p:nvGrpSpPr>
+              <p:grpSpPr>
+                <a:xfrm>
+                  <a:off x="4719473" y="9937290"/>
+                  <a:ext cx="2284238" cy="1362596"/>
+                  <a:chOff x="-9784808" y="4340612"/>
+                  <a:chExt cx="2284238" cy="1362596"/>
+                </a:xfrm>
+              </p:grpSpPr>
+              <p:sp>
+                <p:nvSpPr>
+                  <p:cNvPr id="58" name="正方形/長方形 57">
+                    <a:extLst>
+                      <a:ext uri="{FF2B5EF4-FFF2-40B4-BE49-F238E27FC236}">
+                        <a16:creationId xmlns:a16="http://schemas.microsoft.com/office/drawing/2014/main" id="{E3083198-E6DC-48BF-A38F-7C97DD3EFFEA}"/>
+                      </a:ext>
+                    </a:extLst>
+                  </p:cNvPr>
+                  <p:cNvSpPr/>
+                  <p:nvPr/>
+                </p:nvSpPr>
+                <p:spPr>
+                  <a:xfrm>
+                    <a:off x="-9784808" y="4340612"/>
+                    <a:ext cx="2284238" cy="1362596"/>
+                  </a:xfrm>
+                  <a:prstGeom prst="rect">
+                    <a:avLst/>
+                  </a:prstGeom>
+                  <a:solidFill>
+                    <a:srgbClr val="FDF3ED"/>
+                  </a:solidFill>
+                </p:spPr>
+                <p:style>
+                  <a:lnRef idx="0">
+                    <a:schemeClr val="accent2"/>
+                  </a:lnRef>
+                  <a:fillRef idx="3">
+                    <a:schemeClr val="accent2"/>
+                  </a:fillRef>
+                  <a:effectRef idx="3">
+                    <a:schemeClr val="accent2"/>
+                  </a:effectRef>
+                  <a:fontRef idx="minor">
+                    <a:schemeClr val="lt1"/>
+                  </a:fontRef>
+                </p:style>
+                <p:txBody>
+                  <a:bodyPr rot="0" spcFirstLastPara="0" vertOverflow="overflow" horzOverflow="overflow" vert="horz" wrap="square" lIns="91440" tIns="45720" rIns="91440" bIns="45720" numCol="1" spcCol="0" rtlCol="0" fromWordArt="0" anchor="ctr" anchorCtr="0" forceAA="0" compatLnSpc="1">
+                    <a:prstTxWarp prst="textNoShape">
+                      <a:avLst/>
+                    </a:prstTxWarp>
+                    <a:noAutofit/>
+                  </a:bodyPr>
+                  <a:lstStyle/>
+                  <a:p>
+                    <a:pPr algn="ctr"/>
+                    <a:endParaRPr kumimoji="1" lang="ja-JP" altLang="en-US" dirty="0"/>
+                  </a:p>
+                </p:txBody>
+              </p:sp>
+              <p:pic>
+                <p:nvPicPr>
+                  <p:cNvPr id="1029" name="図 1028">
+                    <a:extLst>
+                      <a:ext uri="{FF2B5EF4-FFF2-40B4-BE49-F238E27FC236}">
+                        <a16:creationId xmlns:a16="http://schemas.microsoft.com/office/drawing/2014/main" id="{6F4FE586-AC1C-4B93-8658-C1432536C141}"/>
+                      </a:ext>
+                    </a:extLst>
+                  </p:cNvPr>
+                  <p:cNvPicPr>
+                    <a:picLocks noChangeAspect="1"/>
+                  </p:cNvPicPr>
+                  <p:nvPr/>
+                </p:nvPicPr>
+                <p:blipFill>
+                  <a:blip r:embed="rId11">
+                    <a:extLst>
+                      <a:ext uri="{28A0092B-C50C-407E-A947-70E740481C1C}">
+                        <a14:useLocalDpi xmlns:a14="http://schemas.microsoft.com/office/drawing/2010/main" val="0"/>
+                      </a:ext>
+                    </a:extLst>
+                  </a:blip>
+                  <a:stretch>
+                    <a:fillRect/>
+                  </a:stretch>
+                </p:blipFill>
+                <p:spPr>
+                  <a:xfrm>
+                    <a:off x="-9733798" y="4420169"/>
+                    <a:ext cx="1239954" cy="1239954"/>
+                  </a:xfrm>
+                  <a:prstGeom prst="rect">
+                    <a:avLst/>
+                  </a:prstGeom>
+                </p:spPr>
+              </p:pic>
+              <p:sp>
+                <p:nvSpPr>
+                  <p:cNvPr id="76" name="テキスト ボックス 75">
+                    <a:extLst>
+                      <a:ext uri="{FF2B5EF4-FFF2-40B4-BE49-F238E27FC236}">
+                        <a16:creationId xmlns:a16="http://schemas.microsoft.com/office/drawing/2014/main" id="{355D6551-0702-4808-90C0-563049C9355D}"/>
+                      </a:ext>
+                    </a:extLst>
+                  </p:cNvPr>
+                  <p:cNvSpPr txBox="1"/>
+                  <p:nvPr/>
+                </p:nvSpPr>
+                <p:spPr>
+                  <a:xfrm>
+                    <a:off x="-8493844" y="4706620"/>
+                    <a:ext cx="989390" cy="646331"/>
+                  </a:xfrm>
+                  <a:prstGeom prst="rect">
+                    <a:avLst/>
+                  </a:prstGeom>
+                  <a:noFill/>
+                </p:spPr>
+                <p:txBody>
+                  <a:bodyPr wrap="square" rtlCol="0">
+                    <a:spAutoFit/>
+                  </a:bodyPr>
+                  <a:lstStyle/>
+                  <a:p>
+                    <a:r>
+                      <a:rPr lang="en-US" altLang="ja-JP" dirty="0">
+                        <a:solidFill>
+                          <a:schemeClr val="bg1">
+                            <a:lumMod val="50000"/>
+                          </a:schemeClr>
+                        </a:solidFill>
+                        <a:latin typeface="Arial" panose="020B0604020202020204" pitchFamily="34" charset="0"/>
+                        <a:cs typeface="Arial" panose="020B0604020202020204" pitchFamily="34" charset="0"/>
+                      </a:rPr>
+                      <a:t>GPT-4o mini</a:t>
+                    </a:r>
+                  </a:p>
+                </p:txBody>
+              </p:sp>
+            </p:grpSp>
+            <p:sp>
+              <p:nvSpPr>
+                <p:cNvPr id="80" name="テキスト ボックス 79">
+                  <a:extLst>
+                    <a:ext uri="{FF2B5EF4-FFF2-40B4-BE49-F238E27FC236}">
+                      <a16:creationId xmlns:a16="http://schemas.microsoft.com/office/drawing/2014/main" id="{4764639D-9E47-494B-9936-A1FE7C97C267}"/>
+                    </a:ext>
+                  </a:extLst>
+                </p:cNvPr>
+                <p:cNvSpPr txBox="1"/>
+                <p:nvPr/>
+              </p:nvSpPr>
+              <p:spPr>
+                <a:xfrm>
+                  <a:off x="9818092" y="8761843"/>
+                  <a:ext cx="2482551" cy="646331"/>
+                </a:xfrm>
+                <a:prstGeom prst="rect">
+                  <a:avLst/>
+                </a:prstGeom>
+                <a:noFill/>
+              </p:spPr>
+              <p:txBody>
+                <a:bodyPr wrap="square" rtlCol="0">
+                  <a:spAutoFit/>
+                </a:bodyPr>
+                <a:lstStyle/>
+                <a:p>
+                  <a:pPr algn="ctr"/>
+                  <a:r>
+                    <a:rPr lang="ja-JP" altLang="en-US" dirty="0">
+                      <a:solidFill>
+                        <a:schemeClr val="bg1">
+                          <a:lumMod val="50000"/>
+                        </a:schemeClr>
+                      </a:solidFill>
+                      <a:latin typeface="Arial" panose="020B0604020202020204" pitchFamily="34" charset="0"/>
+                      <a:ea typeface="HGPｺﾞｼｯｸM" panose="020B0600000000000000" pitchFamily="50" charset="-128"/>
+                      <a:cs typeface="Arial" panose="020B0604020202020204" pitchFamily="34" charset="0"/>
+                    </a:rPr>
+                    <a:t>メッセージ解析要求</a:t>
+                  </a:r>
+                  <a:endParaRPr lang="en-US" altLang="ja-JP" dirty="0">
+                    <a:solidFill>
+                      <a:schemeClr val="bg1">
+                        <a:lumMod val="50000"/>
+                      </a:schemeClr>
+                    </a:solidFill>
+                    <a:latin typeface="Arial" panose="020B0604020202020204" pitchFamily="34" charset="0"/>
+                    <a:ea typeface="HGPｺﾞｼｯｸM" panose="020B0600000000000000" pitchFamily="50" charset="-128"/>
+                    <a:cs typeface="Arial" panose="020B0604020202020204" pitchFamily="34" charset="0"/>
+                  </a:endParaRPr>
+                </a:p>
+                <a:p>
+                  <a:pPr algn="ctr"/>
+                  <a:r>
+                    <a:rPr lang="en-US" altLang="ja-JP" dirty="0">
+                      <a:solidFill>
+                        <a:schemeClr val="bg1">
+                          <a:lumMod val="50000"/>
+                        </a:schemeClr>
+                      </a:solidFill>
+                      <a:latin typeface="Arial" panose="020B0604020202020204" pitchFamily="34" charset="0"/>
+                      <a:ea typeface="HGPｺﾞｼｯｸM" panose="020B0600000000000000" pitchFamily="50" charset="-128"/>
+                      <a:cs typeface="Arial" panose="020B0604020202020204" pitchFamily="34" charset="0"/>
+                    </a:rPr>
+                    <a:t>HTTPS</a:t>
+                  </a:r>
+                  <a:r>
+                    <a:rPr lang="ja-JP" altLang="en-US" dirty="0">
+                      <a:solidFill>
+                        <a:schemeClr val="bg1">
+                          <a:lumMod val="50000"/>
+                        </a:schemeClr>
+                      </a:solidFill>
+                      <a:latin typeface="Arial" panose="020B0604020202020204" pitchFamily="34" charset="0"/>
+                      <a:ea typeface="HGPｺﾞｼｯｸM" panose="020B0600000000000000" pitchFamily="50" charset="-128"/>
+                      <a:cs typeface="Arial" panose="020B0604020202020204" pitchFamily="34" charset="0"/>
+                    </a:rPr>
+                    <a:t>リクエスト</a:t>
+                  </a:r>
+                  <a:endParaRPr lang="en-US" altLang="ja-JP" dirty="0">
+                    <a:solidFill>
+                      <a:schemeClr val="bg1">
+                        <a:lumMod val="50000"/>
+                      </a:schemeClr>
+                    </a:solidFill>
+                    <a:latin typeface="Arial" panose="020B0604020202020204" pitchFamily="34" charset="0"/>
+                    <a:ea typeface="HGPｺﾞｼｯｸM" panose="020B0600000000000000" pitchFamily="50" charset="-128"/>
+                    <a:cs typeface="Arial" panose="020B0604020202020204" pitchFamily="34" charset="0"/>
+                  </a:endParaRPr>
+                </a:p>
+              </p:txBody>
+            </p:sp>
+            <p:sp>
+              <p:nvSpPr>
+                <p:cNvPr id="81" name="テキスト ボックス 80">
+                  <a:extLst>
+                    <a:ext uri="{FF2B5EF4-FFF2-40B4-BE49-F238E27FC236}">
+                      <a16:creationId xmlns:a16="http://schemas.microsoft.com/office/drawing/2014/main" id="{A2478A3D-07F1-46AC-9BF2-9FFD548921A8}"/>
+                    </a:ext>
+                  </a:extLst>
+                </p:cNvPr>
+                <p:cNvSpPr txBox="1"/>
+                <p:nvPr/>
+              </p:nvSpPr>
+              <p:spPr>
+                <a:xfrm>
+                  <a:off x="8939873" y="7807220"/>
+                  <a:ext cx="1497835" cy="646331"/>
+                </a:xfrm>
+                <a:prstGeom prst="rect">
+                  <a:avLst/>
+                </a:prstGeom>
+                <a:noFill/>
+              </p:spPr>
+              <p:txBody>
+                <a:bodyPr wrap="square" rtlCol="0">
+                  <a:spAutoFit/>
+                </a:bodyPr>
+                <a:lstStyle/>
+                <a:p>
+                  <a:pPr algn="ctr"/>
+                  <a:r>
+                    <a:rPr lang="ja-JP" altLang="en-US" dirty="0">
+                      <a:solidFill>
+                        <a:schemeClr val="bg1">
+                          <a:lumMod val="50000"/>
+                        </a:schemeClr>
+                      </a:solidFill>
+                      <a:latin typeface="Arial" panose="020B0604020202020204" pitchFamily="34" charset="0"/>
+                      <a:ea typeface="HGPｺﾞｼｯｸM" panose="020B0600000000000000" pitchFamily="50" charset="-128"/>
+                      <a:cs typeface="Arial" panose="020B0604020202020204" pitchFamily="34" charset="0"/>
+                    </a:rPr>
+                    <a:t>抽出データ（</a:t>
+                  </a:r>
+                  <a:r>
+                    <a:rPr lang="en-US" altLang="ja-JP" dirty="0">
+                      <a:solidFill>
+                        <a:schemeClr val="bg1">
+                          <a:lumMod val="50000"/>
+                        </a:schemeClr>
+                      </a:solidFill>
+                      <a:latin typeface="Arial" panose="020B0604020202020204" pitchFamily="34" charset="0"/>
+                      <a:ea typeface="HGPｺﾞｼｯｸM" panose="020B0600000000000000" pitchFamily="50" charset="-128"/>
+                      <a:cs typeface="Arial" panose="020B0604020202020204" pitchFamily="34" charset="0"/>
+                    </a:rPr>
+                    <a:t>JSON</a:t>
+                  </a:r>
+                  <a:r>
+                    <a:rPr lang="ja-JP" altLang="en-US" dirty="0">
+                      <a:solidFill>
+                        <a:schemeClr val="bg1">
+                          <a:lumMod val="50000"/>
+                        </a:schemeClr>
+                      </a:solidFill>
+                      <a:latin typeface="Arial" panose="020B0604020202020204" pitchFamily="34" charset="0"/>
+                      <a:ea typeface="HGPｺﾞｼｯｸM" panose="020B0600000000000000" pitchFamily="50" charset="-128"/>
+                      <a:cs typeface="Arial" panose="020B0604020202020204" pitchFamily="34" charset="0"/>
+                    </a:rPr>
+                    <a:t>）</a:t>
+                  </a:r>
+                  <a:endParaRPr lang="en-US" altLang="ja-JP" dirty="0">
+                    <a:solidFill>
+                      <a:schemeClr val="bg1">
+                        <a:lumMod val="50000"/>
+                      </a:schemeClr>
+                    </a:solidFill>
+                    <a:latin typeface="Arial" panose="020B0604020202020204" pitchFamily="34" charset="0"/>
+                    <a:ea typeface="HGPｺﾞｼｯｸM" panose="020B0600000000000000" pitchFamily="50" charset="-128"/>
+                    <a:cs typeface="Arial" panose="020B0604020202020204" pitchFamily="34" charset="0"/>
+                  </a:endParaRPr>
+                </a:p>
+              </p:txBody>
+            </p:sp>
+            <p:cxnSp>
+              <p:nvCxnSpPr>
+                <p:cNvPr id="82" name="直線矢印コネクタ 81">
+                  <a:extLst>
+                    <a:ext uri="{FF2B5EF4-FFF2-40B4-BE49-F238E27FC236}">
+                      <a16:creationId xmlns:a16="http://schemas.microsoft.com/office/drawing/2014/main" id="{8A84CBC2-8D3F-4D59-B6EC-CC2E695DFA22}"/>
+                    </a:ext>
+                  </a:extLst>
+                </p:cNvPr>
+                <p:cNvCxnSpPr>
+                  <a:cxnSpLocks/>
+                </p:cNvCxnSpPr>
+                <p:nvPr/>
+              </p:nvCxnSpPr>
+              <p:spPr>
+                <a:xfrm flipV="1">
+                  <a:off x="6999827" y="7411883"/>
+                  <a:ext cx="6047149" cy="2226544"/>
+                </a:xfrm>
+                <a:prstGeom prst="straightConnector1">
+                  <a:avLst/>
+                </a:prstGeom>
+                <a:ln>
+                  <a:tailEnd type="triangle"/>
+                </a:ln>
+              </p:spPr>
+              <p:style>
+                <a:lnRef idx="1">
+                  <a:schemeClr val="accent1"/>
+                </a:lnRef>
+                <a:fillRef idx="0">
+                  <a:schemeClr val="accent1"/>
+                </a:fillRef>
+                <a:effectRef idx="0">
+                  <a:schemeClr val="accent1"/>
+                </a:effectRef>
+                <a:fontRef idx="minor">
+                  <a:schemeClr val="tx1"/>
+                </a:fontRef>
+              </p:style>
+            </p:cxnSp>
+            <p:sp>
+              <p:nvSpPr>
+                <p:cNvPr id="83" name="テキスト ボックス 82">
+                  <a:extLst>
+                    <a:ext uri="{FF2B5EF4-FFF2-40B4-BE49-F238E27FC236}">
+                      <a16:creationId xmlns:a16="http://schemas.microsoft.com/office/drawing/2014/main" id="{384E30E2-601F-4FF3-834B-5BEFEEA81709}"/>
+                    </a:ext>
+                  </a:extLst>
+                </p:cNvPr>
+                <p:cNvSpPr txBox="1"/>
+                <p:nvPr/>
+              </p:nvSpPr>
+              <p:spPr>
+                <a:xfrm>
+                  <a:off x="4571511" y="11379443"/>
+                  <a:ext cx="2594130" cy="646331"/>
+                </a:xfrm>
+                <a:prstGeom prst="rect">
+                  <a:avLst/>
+                </a:prstGeom>
+                <a:noFill/>
+              </p:spPr>
+              <p:txBody>
+                <a:bodyPr wrap="square" rtlCol="0">
+                  <a:spAutoFit/>
+                </a:bodyPr>
+                <a:lstStyle/>
+                <a:p>
+                  <a:r>
+                    <a:rPr lang="ja-JP" altLang="en-US" dirty="0">
+                      <a:solidFill>
+                        <a:schemeClr val="bg1">
+                          <a:lumMod val="50000"/>
+                        </a:schemeClr>
+                      </a:solidFill>
+                      <a:latin typeface="Arial" panose="020B0604020202020204" pitchFamily="34" charset="0"/>
+                      <a:ea typeface="HGPｺﾞｼｯｸM" panose="020B0600000000000000" pitchFamily="50" charset="-128"/>
+                      <a:cs typeface="Arial" panose="020B0604020202020204" pitchFamily="34" charset="0"/>
+                    </a:rPr>
+                    <a:t>チャンネル投稿内容から</a:t>
+                  </a:r>
+                  <a:endParaRPr lang="en-US" altLang="ja-JP" dirty="0">
+                    <a:solidFill>
+                      <a:schemeClr val="bg1">
+                        <a:lumMod val="50000"/>
+                      </a:schemeClr>
+                    </a:solidFill>
+                    <a:latin typeface="Arial" panose="020B0604020202020204" pitchFamily="34" charset="0"/>
+                    <a:ea typeface="HGPｺﾞｼｯｸM" panose="020B0600000000000000" pitchFamily="50" charset="-128"/>
+                    <a:cs typeface="Arial" panose="020B0604020202020204" pitchFamily="34" charset="0"/>
+                  </a:endParaRPr>
+                </a:p>
+                <a:p>
+                  <a:r>
+                    <a:rPr lang="ja-JP" altLang="en-US" dirty="0">
+                      <a:solidFill>
+                        <a:schemeClr val="bg1">
+                          <a:lumMod val="50000"/>
+                        </a:schemeClr>
+                      </a:solidFill>
+                      <a:latin typeface="Arial" panose="020B0604020202020204" pitchFamily="34" charset="0"/>
+                      <a:ea typeface="HGPｺﾞｼｯｸM" panose="020B0600000000000000" pitchFamily="50" charset="-128"/>
+                      <a:cs typeface="Arial" panose="020B0604020202020204" pitchFamily="34" charset="0"/>
+                    </a:rPr>
+                    <a:t>勤怠情報を抽出</a:t>
+                  </a:r>
+                  <a:endParaRPr lang="en-US" altLang="ja-JP" dirty="0">
+                    <a:solidFill>
+                      <a:schemeClr val="bg1">
+                        <a:lumMod val="50000"/>
+                      </a:schemeClr>
+                    </a:solidFill>
+                    <a:latin typeface="Arial" panose="020B0604020202020204" pitchFamily="34" charset="0"/>
+                    <a:ea typeface="HGPｺﾞｼｯｸM" panose="020B0600000000000000" pitchFamily="50" charset="-128"/>
+                    <a:cs typeface="Arial" panose="020B0604020202020204" pitchFamily="34" charset="0"/>
+                  </a:endParaRPr>
+                </a:p>
+              </p:txBody>
+            </p:sp>
+            <p:sp>
+              <p:nvSpPr>
+                <p:cNvPr id="84" name="テキスト ボックス 83">
+                  <a:extLst>
+                    <a:ext uri="{FF2B5EF4-FFF2-40B4-BE49-F238E27FC236}">
+                      <a16:creationId xmlns:a16="http://schemas.microsoft.com/office/drawing/2014/main" id="{67682AA9-3496-47FC-9D3A-D8A2BC23098D}"/>
+                    </a:ext>
+                  </a:extLst>
+                </p:cNvPr>
+                <p:cNvSpPr txBox="1"/>
+                <p:nvPr/>
+              </p:nvSpPr>
+              <p:spPr>
+                <a:xfrm>
+                  <a:off x="8127548" y="5503694"/>
+                  <a:ext cx="3227947" cy="646331"/>
+                </a:xfrm>
+                <a:prstGeom prst="rect">
+                  <a:avLst/>
+                </a:prstGeom>
+                <a:noFill/>
+              </p:spPr>
+              <p:txBody>
+                <a:bodyPr wrap="square" rtlCol="0">
+                  <a:spAutoFit/>
+                </a:bodyPr>
+                <a:lstStyle/>
+                <a:p>
+                  <a:pPr algn="ctr"/>
+                  <a:r>
+                    <a:rPr lang="ja-JP" altLang="en-US" dirty="0">
+                      <a:solidFill>
+                        <a:schemeClr val="bg1">
+                          <a:lumMod val="50000"/>
+                        </a:schemeClr>
+                      </a:solidFill>
+                      <a:latin typeface="Arial" panose="020B0604020202020204" pitchFamily="34" charset="0"/>
+                      <a:ea typeface="HGPｺﾞｼｯｸM" panose="020B0600000000000000" pitchFamily="50" charset="-128"/>
+                      <a:cs typeface="Arial" panose="020B0604020202020204" pitchFamily="34" charset="0"/>
+                    </a:rPr>
+                    <a:t>モーダル表示・勤怠連絡</a:t>
+                  </a:r>
+                  <a:endParaRPr lang="en-US" altLang="ja-JP" dirty="0">
+                    <a:solidFill>
+                      <a:schemeClr val="bg1">
+                        <a:lumMod val="50000"/>
+                      </a:schemeClr>
+                    </a:solidFill>
+                    <a:latin typeface="Arial" panose="020B0604020202020204" pitchFamily="34" charset="0"/>
+                    <a:ea typeface="HGPｺﾞｼｯｸM" panose="020B0600000000000000" pitchFamily="50" charset="-128"/>
+                    <a:cs typeface="Arial" panose="020B0604020202020204" pitchFamily="34" charset="0"/>
+                  </a:endParaRPr>
+                </a:p>
+                <a:p>
+                  <a:pPr algn="ctr"/>
+                  <a:r>
+                    <a:rPr lang="en-US" altLang="ja-JP" dirty="0">
+                      <a:solidFill>
+                        <a:schemeClr val="bg1">
+                          <a:lumMod val="50000"/>
+                        </a:schemeClr>
+                      </a:solidFill>
+                      <a:latin typeface="Arial" panose="020B0604020202020204" pitchFamily="34" charset="0"/>
+                      <a:ea typeface="HGPｺﾞｼｯｸM" panose="020B0600000000000000" pitchFamily="50" charset="-128"/>
+                      <a:cs typeface="Arial" panose="020B0604020202020204" pitchFamily="34" charset="0"/>
+                    </a:rPr>
+                    <a:t>HTTP</a:t>
+                  </a:r>
+                  <a:r>
+                    <a:rPr lang="ja-JP" altLang="en-US" dirty="0">
+                      <a:solidFill>
+                        <a:schemeClr val="bg1">
+                          <a:lumMod val="50000"/>
+                        </a:schemeClr>
+                      </a:solidFill>
+                      <a:latin typeface="Arial" panose="020B0604020202020204" pitchFamily="34" charset="0"/>
+                      <a:ea typeface="HGPｺﾞｼｯｸM" panose="020B0600000000000000" pitchFamily="50" charset="-128"/>
+                      <a:cs typeface="Arial" panose="020B0604020202020204" pitchFamily="34" charset="0"/>
+                    </a:rPr>
+                    <a:t>リクエスト</a:t>
+                  </a:r>
+                  <a:r>
+                    <a:rPr lang="en-US" altLang="ja-JP" dirty="0">
+                      <a:solidFill>
+                        <a:schemeClr val="bg1">
+                          <a:lumMod val="50000"/>
+                        </a:schemeClr>
+                      </a:solidFill>
+                      <a:latin typeface="Arial" panose="020B0604020202020204" pitchFamily="34" charset="0"/>
+                      <a:ea typeface="HGPｺﾞｼｯｸM" panose="020B0600000000000000" pitchFamily="50" charset="-128"/>
+                      <a:cs typeface="Arial" panose="020B0604020202020204" pitchFamily="34" charset="0"/>
+                    </a:rPr>
+                    <a:t> (/slack/events)</a:t>
+                  </a:r>
+                </a:p>
+              </p:txBody>
+            </p:sp>
+            <p:cxnSp>
+              <p:nvCxnSpPr>
+                <p:cNvPr id="94" name="直線矢印コネクタ 93">
+                  <a:extLst>
+                    <a:ext uri="{FF2B5EF4-FFF2-40B4-BE49-F238E27FC236}">
+                      <a16:creationId xmlns:a16="http://schemas.microsoft.com/office/drawing/2014/main" id="{AF30B177-FD53-49EB-9BBC-8C8DCD00082E}"/>
+                    </a:ext>
+                  </a:extLst>
+                </p:cNvPr>
+                <p:cNvCxnSpPr>
+                  <a:cxnSpLocks/>
+                </p:cNvCxnSpPr>
+                <p:nvPr/>
+              </p:nvCxnSpPr>
+              <p:spPr>
+                <a:xfrm flipH="1">
+                  <a:off x="15898866" y="3330986"/>
+                  <a:ext cx="1988021" cy="1988020"/>
+                </a:xfrm>
+                <a:prstGeom prst="straightConnector1">
+                  <a:avLst/>
+                </a:prstGeom>
+                <a:ln>
+                  <a:tailEnd type="triangle"/>
+                </a:ln>
+              </p:spPr>
+              <p:style>
+                <a:lnRef idx="1">
+                  <a:schemeClr val="accent1"/>
+                </a:lnRef>
+                <a:fillRef idx="0">
+                  <a:schemeClr val="accent1"/>
+                </a:fillRef>
+                <a:effectRef idx="0">
+                  <a:schemeClr val="accent1"/>
+                </a:effectRef>
+                <a:fontRef idx="minor">
+                  <a:schemeClr val="tx1"/>
+                </a:fontRef>
+              </p:style>
+            </p:cxnSp>
+            <p:sp>
+              <p:nvSpPr>
+                <p:cNvPr id="96" name="正方形/長方形 95">
+                  <a:extLst>
+                    <a:ext uri="{FF2B5EF4-FFF2-40B4-BE49-F238E27FC236}">
+                      <a16:creationId xmlns:a16="http://schemas.microsoft.com/office/drawing/2014/main" id="{8E696BBB-DDEE-4A31-AFF0-B74A0396C4F3}"/>
+                    </a:ext>
+                  </a:extLst>
+                </p:cNvPr>
+                <p:cNvSpPr/>
+                <p:nvPr/>
+              </p:nvSpPr>
+              <p:spPr>
+                <a:xfrm>
+                  <a:off x="8120825" y="274172"/>
+                  <a:ext cx="12647327" cy="11791508"/>
+                </a:xfrm>
+                <a:prstGeom prst="rect">
+                  <a:avLst/>
+                </a:prstGeom>
+                <a:noFill/>
+                <a:ln w="3175">
+                  <a:solidFill>
+                    <a:schemeClr val="accent6">
+                      <a:lumMod val="50000"/>
+                    </a:schemeClr>
+                  </a:solidFill>
+                </a:ln>
+              </p:spPr>
+              <p:style>
+                <a:lnRef idx="2">
+                  <a:schemeClr val="accent1">
+                    <a:shade val="50000"/>
+                  </a:schemeClr>
+                </a:lnRef>
+                <a:fillRef idx="1">
+                  <a:schemeClr val="accent1"/>
+                </a:fillRef>
+                <a:effectRef idx="0">
+                  <a:schemeClr val="accent1"/>
+                </a:effectRef>
+                <a:fontRef idx="minor">
+                  <a:schemeClr val="lt1"/>
+                </a:fontRef>
+              </p:style>
+              <p:txBody>
+                <a:bodyPr rot="0" spcFirstLastPara="0" vertOverflow="overflow" horzOverflow="overflow" vert="horz" wrap="square" lIns="91440" tIns="45720" rIns="91440" bIns="45720" numCol="1" spcCol="0" rtlCol="0" fromWordArt="0" anchor="t" anchorCtr="0" forceAA="0" compatLnSpc="1">
+                  <a:prstTxWarp prst="textNoShape">
+                    <a:avLst/>
+                  </a:prstTxWarp>
+                  <a:noAutofit/>
+                </a:bodyPr>
+                <a:lstStyle/>
+                <a:p>
+                  <a:r>
+                    <a:rPr kumimoji="1" lang="en-US" altLang="ja-JP" dirty="0">
+                      <a:solidFill>
+                        <a:schemeClr val="bg1"/>
+                      </a:solidFill>
+                      <a:highlight>
+                        <a:srgbClr val="008000"/>
+                      </a:highlight>
+                      <a:latin typeface="Arial" panose="020B0604020202020204" pitchFamily="34" charset="0"/>
+                      <a:ea typeface="HGPｺﾞｼｯｸM" panose="020B0600000000000000" pitchFamily="50" charset="-128"/>
+                      <a:cs typeface="Arial" panose="020B0604020202020204" pitchFamily="34" charset="0"/>
+                    </a:rPr>
+                    <a:t>GCP</a:t>
+                  </a:r>
+                  <a:r>
+                    <a:rPr kumimoji="1" lang="ja-JP" altLang="en-US" dirty="0">
+                      <a:solidFill>
+                        <a:schemeClr val="bg1"/>
+                      </a:solidFill>
+                      <a:highlight>
+                        <a:srgbClr val="008000"/>
+                      </a:highlight>
+                      <a:latin typeface="Arial" panose="020B0604020202020204" pitchFamily="34" charset="0"/>
+                      <a:ea typeface="HGPｺﾞｼｯｸM" panose="020B0600000000000000" pitchFamily="50" charset="-128"/>
+                      <a:cs typeface="Arial" panose="020B0604020202020204" pitchFamily="34" charset="0"/>
+                    </a:rPr>
+                    <a:t>（プロジェクト名：</a:t>
+                  </a:r>
+                  <a:r>
+                    <a:rPr kumimoji="1" lang="en-US" altLang="ja-JP" dirty="0">
+                      <a:solidFill>
+                        <a:schemeClr val="bg1"/>
+                      </a:solidFill>
+                      <a:highlight>
+                        <a:srgbClr val="008000"/>
+                      </a:highlight>
+                      <a:latin typeface="Arial" panose="020B0604020202020204" pitchFamily="34" charset="0"/>
+                      <a:ea typeface="HGPｺﾞｼｯｸM" panose="020B0600000000000000" pitchFamily="50" charset="-128"/>
+                      <a:cs typeface="Arial" panose="020B0604020202020204" pitchFamily="34" charset="0"/>
+                    </a:rPr>
+                    <a:t>Slack-</a:t>
+                  </a:r>
+                  <a:r>
+                    <a:rPr kumimoji="1" lang="en-US" altLang="ja-JP" dirty="0" err="1">
+                      <a:solidFill>
+                        <a:schemeClr val="bg1"/>
+                      </a:solidFill>
+                      <a:highlight>
+                        <a:srgbClr val="008000"/>
+                      </a:highlight>
+                      <a:latin typeface="Arial" panose="020B0604020202020204" pitchFamily="34" charset="0"/>
+                      <a:ea typeface="HGPｺﾞｼｯｸM" panose="020B0600000000000000" pitchFamily="50" charset="-128"/>
+                      <a:cs typeface="Arial" panose="020B0604020202020204" pitchFamily="34" charset="0"/>
+                    </a:rPr>
+                    <a:t>kintai</a:t>
+                  </a:r>
+                  <a:r>
+                    <a:rPr kumimoji="1" lang="en-US" altLang="ja-JP" dirty="0">
+                      <a:solidFill>
+                        <a:schemeClr val="bg1"/>
+                      </a:solidFill>
+                      <a:highlight>
+                        <a:srgbClr val="008000"/>
+                      </a:highlight>
+                      <a:latin typeface="Arial" panose="020B0604020202020204" pitchFamily="34" charset="0"/>
+                      <a:ea typeface="HGPｺﾞｼｯｸM" panose="020B0600000000000000" pitchFamily="50" charset="-128"/>
+                      <a:cs typeface="Arial" panose="020B0604020202020204" pitchFamily="34" charset="0"/>
+                    </a:rPr>
+                    <a:t>-bot</a:t>
+                  </a:r>
+                  <a:r>
+                    <a:rPr kumimoji="1" lang="ja-JP" altLang="en-US" dirty="0">
+                      <a:solidFill>
+                        <a:schemeClr val="bg1"/>
+                      </a:solidFill>
+                      <a:highlight>
+                        <a:srgbClr val="008000"/>
+                      </a:highlight>
+                      <a:latin typeface="Arial" panose="020B0604020202020204" pitchFamily="34" charset="0"/>
+                      <a:ea typeface="HGPｺﾞｼｯｸM" panose="020B0600000000000000" pitchFamily="50" charset="-128"/>
+                      <a:cs typeface="Arial" panose="020B0604020202020204" pitchFamily="34" charset="0"/>
+                    </a:rPr>
+                    <a:t>）</a:t>
+                  </a:r>
+                </a:p>
+              </p:txBody>
+            </p:sp>
+            <p:grpSp>
+              <p:nvGrpSpPr>
+                <p:cNvPr id="1047" name="グループ化 1046">
+                  <a:extLst>
+                    <a:ext uri="{FF2B5EF4-FFF2-40B4-BE49-F238E27FC236}">
+                      <a16:creationId xmlns:a16="http://schemas.microsoft.com/office/drawing/2014/main" id="{68E2E1A0-C27A-4FCF-9B96-863E22710AF9}"/>
+                    </a:ext>
+                  </a:extLst>
+                </p:cNvPr>
+                <p:cNvGrpSpPr/>
+                <p:nvPr/>
+              </p:nvGrpSpPr>
+              <p:grpSpPr>
+                <a:xfrm>
+                  <a:off x="1235137" y="5636015"/>
+                  <a:ext cx="1063412" cy="1497479"/>
+                  <a:chOff x="1272805" y="5833199"/>
+                  <a:chExt cx="1063412" cy="1497479"/>
+                </a:xfrm>
+              </p:grpSpPr>
+              <p:pic>
+                <p:nvPicPr>
+                  <p:cNvPr id="1046" name="グラフィックス 1045" descr="男性のプロフィール">
+                    <a:extLst>
+                      <a:ext uri="{FF2B5EF4-FFF2-40B4-BE49-F238E27FC236}">
+                        <a16:creationId xmlns:a16="http://schemas.microsoft.com/office/drawing/2014/main" id="{3A1164DC-C279-4491-AF77-58366AAA271F}"/>
+                      </a:ext>
+                    </a:extLst>
+                  </p:cNvPr>
+                  <p:cNvPicPr>
+                    <a:picLocks noChangeAspect="1"/>
+                  </p:cNvPicPr>
+                  <p:nvPr/>
+                </p:nvPicPr>
+                <p:blipFill>
+                  <a:blip r:embed="rId12">
+                    <a:extLst>
+                      <a:ext uri="{28A0092B-C50C-407E-A947-70E740481C1C}">
+                        <a14:useLocalDpi xmlns:a14="http://schemas.microsoft.com/office/drawing/2010/main" val="0"/>
+                      </a:ext>
+                      <a:ext uri="{96DAC541-7B7A-43D3-8B79-37D633B846F1}">
+                        <asvg:svgBlip xmlns:asvg="http://schemas.microsoft.com/office/drawing/2016/SVG/main" r:embed="rId13"/>
+                      </a:ext>
+                    </a:extLst>
+                  </a:blip>
+                  <a:stretch>
+                    <a:fillRect/>
+                  </a:stretch>
+                </p:blipFill>
+                <p:spPr>
+                  <a:xfrm>
+                    <a:off x="1347311" y="5833199"/>
+                    <a:ext cx="914400" cy="914400"/>
+                  </a:xfrm>
+                  <a:prstGeom prst="rect">
+                    <a:avLst/>
+                  </a:prstGeom>
+                </p:spPr>
+              </p:pic>
+              <p:sp>
+                <p:nvSpPr>
+                  <p:cNvPr id="103" name="テキスト ボックス 102">
+                    <a:extLst>
+                      <a:ext uri="{FF2B5EF4-FFF2-40B4-BE49-F238E27FC236}">
+                        <a16:creationId xmlns:a16="http://schemas.microsoft.com/office/drawing/2014/main" id="{AC915DD5-113E-42CC-B76E-0CB4E1316FE1}"/>
+                      </a:ext>
+                    </a:extLst>
+                  </p:cNvPr>
+                  <p:cNvSpPr txBox="1"/>
+                  <p:nvPr/>
+                </p:nvSpPr>
+                <p:spPr>
+                  <a:xfrm>
+                    <a:off x="1272805" y="6684347"/>
+                    <a:ext cx="1063412" cy="646331"/>
+                  </a:xfrm>
+                  <a:prstGeom prst="rect">
+                    <a:avLst/>
+                  </a:prstGeom>
+                  <a:noFill/>
+                </p:spPr>
+                <p:txBody>
+                  <a:bodyPr wrap="square" rtlCol="0">
+                    <a:spAutoFit/>
+                  </a:bodyPr>
+                  <a:lstStyle/>
+                  <a:p>
+                    <a:pPr algn="ctr"/>
+                    <a:r>
+                      <a:rPr lang="en-US" altLang="ja-JP" dirty="0">
+                        <a:solidFill>
+                          <a:schemeClr val="bg1">
+                            <a:lumMod val="50000"/>
+                          </a:schemeClr>
+                        </a:solidFill>
+                        <a:latin typeface="Arial" panose="020B0604020202020204" pitchFamily="34" charset="0"/>
+                        <a:ea typeface="HGPｺﾞｼｯｸM" panose="020B0600000000000000" pitchFamily="50" charset="-128"/>
+                        <a:cs typeface="Arial" panose="020B0604020202020204" pitchFamily="34" charset="0"/>
+                      </a:rPr>
+                      <a:t>Slack</a:t>
+                    </a:r>
+                    <a:r>
+                      <a:rPr lang="ja-JP" altLang="en-US" dirty="0">
+                        <a:solidFill>
+                          <a:schemeClr val="bg1">
+                            <a:lumMod val="50000"/>
+                          </a:schemeClr>
+                        </a:solidFill>
+                        <a:latin typeface="Arial" panose="020B0604020202020204" pitchFamily="34" charset="0"/>
+                        <a:ea typeface="HGPｺﾞｼｯｸM" panose="020B0600000000000000" pitchFamily="50" charset="-128"/>
+                        <a:cs typeface="Arial" panose="020B0604020202020204" pitchFamily="34" charset="0"/>
+                      </a:rPr>
+                      <a:t>ユーザ</a:t>
+                    </a:r>
+                    <a:endParaRPr lang="en-US" altLang="ja-JP" dirty="0">
+                      <a:solidFill>
+                        <a:schemeClr val="bg1">
+                          <a:lumMod val="50000"/>
+                        </a:schemeClr>
+                      </a:solidFill>
+                      <a:latin typeface="Arial" panose="020B0604020202020204" pitchFamily="34" charset="0"/>
+                      <a:ea typeface="HGPｺﾞｼｯｸM" panose="020B0600000000000000" pitchFamily="50" charset="-128"/>
+                      <a:cs typeface="Arial" panose="020B0604020202020204" pitchFamily="34" charset="0"/>
+                    </a:endParaRPr>
+                  </a:p>
+                </p:txBody>
+              </p:sp>
+            </p:grpSp>
+            <p:cxnSp>
+              <p:nvCxnSpPr>
+                <p:cNvPr id="106" name="直線矢印コネクタ 105">
+                  <a:extLst>
+                    <a:ext uri="{FF2B5EF4-FFF2-40B4-BE49-F238E27FC236}">
+                      <a16:creationId xmlns:a16="http://schemas.microsoft.com/office/drawing/2014/main" id="{F06C9D40-FFAE-41C4-891A-9F2972BDE072}"/>
+                    </a:ext>
+                  </a:extLst>
+                </p:cNvPr>
+                <p:cNvCxnSpPr/>
+                <p:nvPr/>
+              </p:nvCxnSpPr>
+              <p:spPr>
+                <a:xfrm>
+                  <a:off x="2581448" y="6121075"/>
+                  <a:ext cx="1781387" cy="0"/>
+                </a:xfrm>
+                <a:prstGeom prst="straightConnector1">
+                  <a:avLst/>
+                </a:prstGeom>
+                <a:ln>
+                  <a:tailEnd type="triangle"/>
+                </a:ln>
+              </p:spPr>
+              <p:style>
+                <a:lnRef idx="1">
+                  <a:schemeClr val="accent1"/>
+                </a:lnRef>
+                <a:fillRef idx="0">
+                  <a:schemeClr val="accent1"/>
+                </a:fillRef>
+                <a:effectRef idx="0">
+                  <a:schemeClr val="accent1"/>
+                </a:effectRef>
+                <a:fontRef idx="minor">
+                  <a:schemeClr val="tx1"/>
+                </a:fontRef>
+              </p:style>
+            </p:cxnSp>
+            <p:cxnSp>
+              <p:nvCxnSpPr>
+                <p:cNvPr id="107" name="直線矢印コネクタ 106">
+                  <a:extLst>
+                    <a:ext uri="{FF2B5EF4-FFF2-40B4-BE49-F238E27FC236}">
+                      <a16:creationId xmlns:a16="http://schemas.microsoft.com/office/drawing/2014/main" id="{3E86519E-A634-4F78-91B2-C9F4EA249608}"/>
+                    </a:ext>
+                  </a:extLst>
+                </p:cNvPr>
+                <p:cNvCxnSpPr>
+                  <a:cxnSpLocks/>
+                </p:cNvCxnSpPr>
+                <p:nvPr/>
+              </p:nvCxnSpPr>
+              <p:spPr>
+                <a:xfrm flipH="1">
+                  <a:off x="2581448" y="6345181"/>
+                  <a:ext cx="1781387" cy="0"/>
+                </a:xfrm>
+                <a:prstGeom prst="straightConnector1">
+                  <a:avLst/>
+                </a:prstGeom>
+                <a:ln>
+                  <a:tailEnd type="triangle"/>
+                </a:ln>
+              </p:spPr>
+              <p:style>
+                <a:lnRef idx="1">
+                  <a:schemeClr val="accent1"/>
+                </a:lnRef>
+                <a:fillRef idx="0">
+                  <a:schemeClr val="accent1"/>
+                </a:fillRef>
+                <a:effectRef idx="0">
+                  <a:schemeClr val="accent1"/>
+                </a:effectRef>
+                <a:fontRef idx="minor">
+                  <a:schemeClr val="tx1"/>
+                </a:fontRef>
+              </p:style>
+            </p:cxnSp>
+            <p:sp>
+              <p:nvSpPr>
+                <p:cNvPr id="108" name="テキスト ボックス 107">
+                  <a:extLst>
+                    <a:ext uri="{FF2B5EF4-FFF2-40B4-BE49-F238E27FC236}">
+                      <a16:creationId xmlns:a16="http://schemas.microsoft.com/office/drawing/2014/main" id="{96D6DEC9-EB96-4EDD-8DB1-F021BC8245FC}"/>
+                    </a:ext>
+                  </a:extLst>
+                </p:cNvPr>
+                <p:cNvSpPr txBox="1"/>
+                <p:nvPr/>
+              </p:nvSpPr>
+              <p:spPr>
+                <a:xfrm>
+                  <a:off x="2688094" y="6409876"/>
+                  <a:ext cx="1640531" cy="369332"/>
+                </a:xfrm>
+                <a:prstGeom prst="rect">
+                  <a:avLst/>
+                </a:prstGeom>
+                <a:noFill/>
+              </p:spPr>
+              <p:txBody>
+                <a:bodyPr wrap="square" rtlCol="0">
+                  <a:spAutoFit/>
+                </a:bodyPr>
+                <a:lstStyle/>
+                <a:p>
+                  <a:pPr algn="ctr"/>
+                  <a:r>
+                    <a:rPr lang="ja-JP" altLang="en-US" dirty="0">
+                      <a:solidFill>
+                        <a:schemeClr val="bg1">
+                          <a:lumMod val="50000"/>
+                        </a:schemeClr>
+                      </a:solidFill>
+                      <a:latin typeface="Arial" panose="020B0604020202020204" pitchFamily="34" charset="0"/>
+                      <a:ea typeface="HGPｺﾞｼｯｸM" panose="020B0600000000000000" pitchFamily="50" charset="-128"/>
+                      <a:cs typeface="Arial" panose="020B0604020202020204" pitchFamily="34" charset="0"/>
+                    </a:rPr>
+                    <a:t>勤怠の確認</a:t>
+                  </a:r>
+                  <a:endParaRPr lang="en-US" altLang="ja-JP" dirty="0">
+                    <a:solidFill>
+                      <a:schemeClr val="bg1">
+                        <a:lumMod val="50000"/>
+                      </a:schemeClr>
+                    </a:solidFill>
+                    <a:latin typeface="Arial" panose="020B0604020202020204" pitchFamily="34" charset="0"/>
+                    <a:ea typeface="HGPｺﾞｼｯｸM" panose="020B0600000000000000" pitchFamily="50" charset="-128"/>
+                    <a:cs typeface="Arial" panose="020B0604020202020204" pitchFamily="34" charset="0"/>
+                  </a:endParaRPr>
+                </a:p>
+              </p:txBody>
+            </p:sp>
+            <p:sp>
+              <p:nvSpPr>
+                <p:cNvPr id="109" name="テキスト ボックス 108">
+                  <a:extLst>
+                    <a:ext uri="{FF2B5EF4-FFF2-40B4-BE49-F238E27FC236}">
+                      <a16:creationId xmlns:a16="http://schemas.microsoft.com/office/drawing/2014/main" id="{AD13949B-D56E-49D8-A6A3-CB8F823C889F}"/>
+                    </a:ext>
+                  </a:extLst>
+                </p:cNvPr>
+                <p:cNvSpPr txBox="1"/>
+                <p:nvPr/>
+              </p:nvSpPr>
+              <p:spPr>
+                <a:xfrm>
+                  <a:off x="2727004" y="5687049"/>
+                  <a:ext cx="1640531" cy="369332"/>
+                </a:xfrm>
+                <a:prstGeom prst="rect">
+                  <a:avLst/>
+                </a:prstGeom>
+                <a:noFill/>
+              </p:spPr>
+              <p:txBody>
+                <a:bodyPr wrap="square" rtlCol="0">
+                  <a:spAutoFit/>
+                </a:bodyPr>
+                <a:lstStyle/>
+                <a:p>
+                  <a:pPr algn="ctr"/>
+                  <a:r>
+                    <a:rPr lang="ja-JP" altLang="en-US" dirty="0">
+                      <a:solidFill>
+                        <a:schemeClr val="bg1">
+                          <a:lumMod val="50000"/>
+                        </a:schemeClr>
+                      </a:solidFill>
+                      <a:latin typeface="Arial" panose="020B0604020202020204" pitchFamily="34" charset="0"/>
+                      <a:ea typeface="HGPｺﾞｼｯｸM" panose="020B0600000000000000" pitchFamily="50" charset="-128"/>
+                      <a:cs typeface="Arial" panose="020B0604020202020204" pitchFamily="34" charset="0"/>
+                    </a:rPr>
+                    <a:t>勤怠の連絡</a:t>
+                  </a:r>
+                  <a:endParaRPr lang="en-US" altLang="ja-JP" dirty="0">
+                    <a:solidFill>
+                      <a:schemeClr val="bg1">
+                        <a:lumMod val="50000"/>
+                      </a:schemeClr>
+                    </a:solidFill>
+                    <a:latin typeface="Arial" panose="020B0604020202020204" pitchFamily="34" charset="0"/>
+                    <a:ea typeface="HGPｺﾞｼｯｸM" panose="020B0600000000000000" pitchFamily="50" charset="-128"/>
+                    <a:cs typeface="Arial" panose="020B0604020202020204" pitchFamily="34" charset="0"/>
+                  </a:endParaRPr>
+                </a:p>
+              </p:txBody>
+            </p:sp>
+          </p:grpSp>
+        </p:grpSp>
+        <p:pic>
+          <p:nvPicPr>
+            <p:cNvPr id="79" name="図 78">
+              <a:extLst>
+                <a:ext uri="{FF2B5EF4-FFF2-40B4-BE49-F238E27FC236}">
+                  <a16:creationId xmlns:a16="http://schemas.microsoft.com/office/drawing/2014/main" id="{CFDFB50C-6E69-4DF8-9D9F-057234AF1BDD}"/>
+                </a:ext>
+              </a:extLst>
+            </p:cNvPr>
+            <p:cNvPicPr>
+              <a:picLocks noChangeAspect="1"/>
+            </p:cNvPicPr>
+            <p:nvPr/>
+          </p:nvPicPr>
+          <p:blipFill rotWithShape="1">
+            <a:blip r:embed="rId14"/>
+            <a:srcRect r="43607" b="2485"/>
+            <a:stretch/>
+          </p:blipFill>
+          <p:spPr>
+            <a:xfrm>
+              <a:off x="18214255" y="7085930"/>
+              <a:ext cx="2353028" cy="603820"/>
+            </a:xfrm>
+            <a:prstGeom prst="rect">
+              <a:avLst/>
+            </a:prstGeom>
+            <a:ln>
+              <a:solidFill>
+                <a:schemeClr val="tx1"/>
+              </a:solidFill>
+            </a:ln>
+          </p:spPr>
+        </p:pic>
+        <p:pic>
+          <p:nvPicPr>
+            <p:cNvPr id="2" name="図 1">
+              <a:extLst>
+                <a:ext uri="{FF2B5EF4-FFF2-40B4-BE49-F238E27FC236}">
+                  <a16:creationId xmlns:a16="http://schemas.microsoft.com/office/drawing/2014/main" id="{46868228-3733-4DD1-898C-27D842F729FB}"/>
+                </a:ext>
+              </a:extLst>
+            </p:cNvPr>
+            <p:cNvPicPr>
+              <a:picLocks noChangeAspect="1"/>
+            </p:cNvPicPr>
+            <p:nvPr/>
+          </p:nvPicPr>
+          <p:blipFill>
+            <a:blip r:embed="rId15"/>
+            <a:stretch>
+              <a:fillRect/>
+            </a:stretch>
+          </p:blipFill>
+          <p:spPr>
+            <a:xfrm>
+              <a:off x="14271675" y="1330234"/>
+              <a:ext cx="2267266" cy="590632"/>
+            </a:xfrm>
+            <a:prstGeom prst="rect">
+              <a:avLst/>
+            </a:prstGeom>
+            <a:ln>
+              <a:solidFill>
+                <a:schemeClr val="tx1"/>
+              </a:solidFill>
+            </a:ln>
+          </p:spPr>
+        </p:pic>
+        <p:pic>
+          <p:nvPicPr>
+            <p:cNvPr id="3" name="図 2">
+              <a:extLst>
+                <a:ext uri="{FF2B5EF4-FFF2-40B4-BE49-F238E27FC236}">
+                  <a16:creationId xmlns:a16="http://schemas.microsoft.com/office/drawing/2014/main" id="{EC4F0E8E-30A5-4C54-BD2A-47CAF69BF3C2}"/>
+                </a:ext>
+              </a:extLst>
+            </p:cNvPr>
+            <p:cNvPicPr>
+              <a:picLocks noChangeAspect="1"/>
+            </p:cNvPicPr>
+            <p:nvPr/>
+          </p:nvPicPr>
+          <p:blipFill>
+            <a:blip r:embed="rId16"/>
+            <a:stretch>
+              <a:fillRect/>
+            </a:stretch>
+          </p:blipFill>
+          <p:spPr>
+            <a:xfrm>
+              <a:off x="13549064" y="7066555"/>
+              <a:ext cx="1686160" cy="685896"/>
+            </a:xfrm>
+            <a:prstGeom prst="rect">
+              <a:avLst/>
+            </a:prstGeom>
+            <a:ln>
+              <a:solidFill>
+                <a:schemeClr val="tx1"/>
+              </a:solidFill>
+            </a:ln>
+          </p:spPr>
+        </p:pic>
+        <p:pic>
+          <p:nvPicPr>
+            <p:cNvPr id="6" name="図 5">
+              <a:extLst>
+                <a:ext uri="{FF2B5EF4-FFF2-40B4-BE49-F238E27FC236}">
+                  <a16:creationId xmlns:a16="http://schemas.microsoft.com/office/drawing/2014/main" id="{26767783-B951-4265-B3C9-097EDF75C044}"/>
+                </a:ext>
+              </a:extLst>
+            </p:cNvPr>
+            <p:cNvPicPr>
+              <a:picLocks noChangeAspect="1"/>
+            </p:cNvPicPr>
+            <p:nvPr/>
+          </p:nvPicPr>
+          <p:blipFill>
+            <a:blip r:embed="rId17"/>
+            <a:stretch>
+              <a:fillRect/>
+            </a:stretch>
+          </p:blipFill>
+          <p:spPr>
+            <a:xfrm>
+              <a:off x="18904429" y="688952"/>
+              <a:ext cx="1600423" cy="1238423"/>
+            </a:xfrm>
+            <a:prstGeom prst="rect">
+              <a:avLst/>
+            </a:prstGeom>
+            <a:ln>
+              <a:solidFill>
+                <a:schemeClr val="tx1"/>
+              </a:solidFill>
+            </a:ln>
+          </p:spPr>
+        </p:pic>
+        <p:pic>
+          <p:nvPicPr>
+            <p:cNvPr id="8" name="図 7">
+              <a:extLst>
+                <a:ext uri="{FF2B5EF4-FFF2-40B4-BE49-F238E27FC236}">
+                  <a16:creationId xmlns:a16="http://schemas.microsoft.com/office/drawing/2014/main" id="{E183CA06-E4B4-4CF7-980C-BA8149AB347C}"/>
+                </a:ext>
+              </a:extLst>
+            </p:cNvPr>
+            <p:cNvPicPr>
+              <a:picLocks noChangeAspect="1"/>
+            </p:cNvPicPr>
+            <p:nvPr/>
+          </p:nvPicPr>
+          <p:blipFill>
+            <a:blip r:embed="rId18"/>
+            <a:stretch>
+              <a:fillRect/>
+            </a:stretch>
+          </p:blipFill>
+          <p:spPr>
+            <a:xfrm>
+              <a:off x="10339395" y="1308398"/>
+              <a:ext cx="1343212" cy="571580"/>
+            </a:xfrm>
+            <a:prstGeom prst="rect">
+              <a:avLst/>
+            </a:prstGeom>
+            <a:ln>
+              <a:solidFill>
+                <a:schemeClr val="tx1"/>
+              </a:solidFill>
+            </a:ln>
+          </p:spPr>
+        </p:pic>
+        <p:sp>
+          <p:nvSpPr>
+            <p:cNvPr id="15" name="テキスト ボックス 14">
+              <a:extLst>
+                <a:ext uri="{FF2B5EF4-FFF2-40B4-BE49-F238E27FC236}">
+                  <a16:creationId xmlns:a16="http://schemas.microsoft.com/office/drawing/2014/main" id="{5C646FD1-8448-4D34-BEB0-228EC67AA88E}"/>
+                </a:ext>
+              </a:extLst>
+            </p:cNvPr>
+            <p:cNvSpPr txBox="1"/>
+            <p:nvPr/>
+          </p:nvSpPr>
+          <p:spPr>
+            <a:xfrm>
+              <a:off x="8777759" y="10775587"/>
+              <a:ext cx="5663937" cy="1200329"/>
+            </a:xfrm>
+            <a:prstGeom prst="rect">
+              <a:avLst/>
+            </a:prstGeom>
+            <a:noFill/>
+          </p:spPr>
+          <p:txBody>
+            <a:bodyPr wrap="square" rtlCol="0">
+              <a:spAutoFit/>
+            </a:bodyPr>
+            <a:lstStyle/>
+            <a:p>
+              <a:r>
+                <a:rPr kumimoji="1" lang="ja-JP" altLang="en-US" dirty="0"/>
+                <a:t>基本的に以下で本番環境</a:t>
+              </a:r>
+              <a:r>
+                <a:rPr kumimoji="1" lang="en-US" altLang="ja-JP" dirty="0"/>
+                <a:t>/</a:t>
+              </a:r>
+              <a:r>
+                <a:rPr kumimoji="1" lang="ja-JP" altLang="en-US" dirty="0"/>
+                <a:t>開発環境の分離をしている。</a:t>
+              </a:r>
+              <a:endParaRPr kumimoji="1" lang="en-US" altLang="ja-JP" dirty="0"/>
+            </a:p>
+            <a:p>
+              <a:r>
+                <a:rPr kumimoji="1" lang="ja-JP" altLang="en-US" dirty="0"/>
+                <a:t>開発環境</a:t>
+              </a:r>
+              <a:r>
+                <a:rPr kumimoji="1" lang="en-US" altLang="ja-JP" dirty="0"/>
+                <a:t>: </a:t>
+              </a:r>
+              <a:r>
+                <a:rPr kumimoji="1" lang="ja-JP" altLang="en-US" dirty="0"/>
+                <a:t>末尾に</a:t>
+              </a:r>
+              <a:r>
+                <a:rPr kumimoji="1" lang="en-US" altLang="ja-JP" dirty="0"/>
+                <a:t>-dev ,develop</a:t>
+              </a:r>
+              <a:br>
+                <a:rPr kumimoji="1" lang="en-US" altLang="ja-JP" dirty="0"/>
+              </a:br>
+              <a:r>
+                <a:rPr kumimoji="1" lang="ja-JP" altLang="en-US" dirty="0"/>
+                <a:t>本番環境</a:t>
+              </a:r>
+              <a:r>
+                <a:rPr kumimoji="1" lang="en-US" altLang="ja-JP" dirty="0"/>
+                <a:t>: </a:t>
+              </a:r>
+              <a:r>
+                <a:rPr kumimoji="1" lang="ja-JP" altLang="en-US" dirty="0"/>
+                <a:t>末尾に</a:t>
+              </a:r>
+              <a:r>
+                <a:rPr kumimoji="1" lang="en-US" altLang="ja-JP" dirty="0"/>
+                <a:t>-prod , production</a:t>
+              </a:r>
+            </a:p>
+            <a:p>
+              <a:r>
+                <a:rPr kumimoji="1" lang="en-US" altLang="ja-JP" dirty="0"/>
+                <a:t>※</a:t>
+              </a:r>
+              <a:r>
+                <a:rPr kumimoji="1" lang="en-US" altLang="ja-JP" dirty="0" err="1"/>
+                <a:t>OpenAI</a:t>
+              </a:r>
+              <a:r>
+                <a:rPr kumimoji="1" lang="en-US" altLang="ja-JP" dirty="0"/>
+                <a:t> API</a:t>
+              </a:r>
+              <a:r>
+                <a:rPr kumimoji="1" lang="ja-JP" altLang="en-US" dirty="0"/>
+                <a:t>のみ本番・開発共通</a:t>
+              </a:r>
+              <a:endParaRPr kumimoji="1" lang="en-US" altLang="ja-JP" dirty="0"/>
+            </a:p>
+          </p:txBody>
+        </p:sp>
+        <p:pic>
+          <p:nvPicPr>
+            <p:cNvPr id="19" name="図 18">
+              <a:extLst>
+                <a:ext uri="{FF2B5EF4-FFF2-40B4-BE49-F238E27FC236}">
+                  <a16:creationId xmlns:a16="http://schemas.microsoft.com/office/drawing/2014/main" id="{93171884-BCF6-4ABE-AC3A-5549BBD2CE4C}"/>
+                </a:ext>
+              </a:extLst>
+            </p:cNvPr>
+            <p:cNvPicPr>
+              <a:picLocks noChangeAspect="1"/>
+            </p:cNvPicPr>
+            <p:nvPr/>
+          </p:nvPicPr>
+          <p:blipFill>
+            <a:blip r:embed="rId19"/>
+            <a:stretch>
+              <a:fillRect/>
+            </a:stretch>
+          </p:blipFill>
+          <p:spPr>
+            <a:xfrm>
+              <a:off x="3221403" y="7391816"/>
+              <a:ext cx="4115374" cy="1686160"/>
+            </a:xfrm>
+            <a:prstGeom prst="rect">
+              <a:avLst/>
+            </a:prstGeom>
+            <a:ln>
+              <a:solidFill>
+                <a:schemeClr val="tx1"/>
+              </a:solidFill>
+            </a:ln>
+          </p:spPr>
+        </p:pic>
+        <p:sp>
+          <p:nvSpPr>
+            <p:cNvPr id="28" name="テキスト ボックス 27">
+              <a:extLst>
+                <a:ext uri="{FF2B5EF4-FFF2-40B4-BE49-F238E27FC236}">
+                  <a16:creationId xmlns:a16="http://schemas.microsoft.com/office/drawing/2014/main" id="{B228D97F-C1AC-4F56-BC44-1077E6C0B5C2}"/>
+                </a:ext>
+              </a:extLst>
+            </p:cNvPr>
+            <p:cNvSpPr txBox="1"/>
+            <p:nvPr/>
+          </p:nvSpPr>
+          <p:spPr>
+            <a:xfrm>
+              <a:off x="2855336" y="10563554"/>
+              <a:ext cx="1863132" cy="646331"/>
+            </a:xfrm>
+            <a:prstGeom prst="rect">
+              <a:avLst/>
+            </a:prstGeom>
+            <a:noFill/>
+            <a:ln>
+              <a:solidFill>
+                <a:schemeClr val="tx1"/>
+              </a:solidFill>
+            </a:ln>
+          </p:spPr>
+          <p:txBody>
+            <a:bodyPr wrap="square" rtlCol="0">
+              <a:spAutoFit/>
+            </a:bodyPr>
+            <a:lstStyle/>
+            <a:p>
+              <a:r>
+                <a:rPr kumimoji="1" lang="ja-JP" altLang="en-US" dirty="0"/>
+                <a:t>本番・開発</a:t>
+              </a:r>
+              <a:endParaRPr kumimoji="1" lang="en-US" altLang="ja-JP" dirty="0"/>
+            </a:p>
+            <a:p>
+              <a:r>
+                <a:rPr kumimoji="1" lang="ja-JP" altLang="en-US" dirty="0"/>
+                <a:t>共に</a:t>
+              </a:r>
+              <a:r>
+                <a:rPr kumimoji="1" lang="en-US" altLang="ja-JP" dirty="0"/>
+                <a:t>API</a:t>
+              </a:r>
+              <a:r>
+                <a:rPr kumimoji="1" lang="ja-JP" altLang="en-US" dirty="0"/>
+                <a:t>は共通</a:t>
+              </a:r>
+            </a:p>
+          </p:txBody>
+        </p:sp>
+        <p:sp>
+          <p:nvSpPr>
+            <p:cNvPr id="88" name="テキスト ボックス 87">
+              <a:extLst>
+                <a:ext uri="{FF2B5EF4-FFF2-40B4-BE49-F238E27FC236}">
+                  <a16:creationId xmlns:a16="http://schemas.microsoft.com/office/drawing/2014/main" id="{275332B6-7D01-445D-BD95-48C5A00F62F2}"/>
+                </a:ext>
+              </a:extLst>
+            </p:cNvPr>
+            <p:cNvSpPr txBox="1"/>
+            <p:nvPr/>
+          </p:nvSpPr>
+          <p:spPr>
+            <a:xfrm>
+              <a:off x="3180664" y="9107573"/>
+              <a:ext cx="1467149" cy="646331"/>
+            </a:xfrm>
+            <a:prstGeom prst="rect">
+              <a:avLst/>
+            </a:prstGeom>
+            <a:noFill/>
+            <a:ln>
+              <a:noFill/>
+            </a:ln>
+          </p:spPr>
+          <p:txBody>
+            <a:bodyPr wrap="square" rtlCol="0">
+              <a:spAutoFit/>
+            </a:bodyPr>
+            <a:lstStyle/>
+            <a:p>
+              <a:r>
+                <a:rPr kumimoji="1" lang="ja-JP" altLang="en-US" dirty="0"/>
+                <a:t>本番・開発</a:t>
+              </a:r>
+              <a:endParaRPr kumimoji="1" lang="en-US" altLang="ja-JP" dirty="0"/>
+            </a:p>
+            <a:p>
+              <a:r>
+                <a:rPr kumimoji="1" lang="ja-JP" altLang="en-US" dirty="0"/>
+                <a:t>アプリは別</a:t>
+              </a:r>
+            </a:p>
+          </p:txBody>
+        </p:sp>
+        <p:pic>
+          <p:nvPicPr>
+            <p:cNvPr id="32" name="図 31">
+              <a:extLst>
+                <a:ext uri="{FF2B5EF4-FFF2-40B4-BE49-F238E27FC236}">
+                  <a16:creationId xmlns:a16="http://schemas.microsoft.com/office/drawing/2014/main" id="{93D5B984-AD49-46FA-81B4-1774ED5856CC}"/>
+                </a:ext>
+              </a:extLst>
+            </p:cNvPr>
+            <p:cNvPicPr>
+              <a:picLocks noChangeAspect="1"/>
+            </p:cNvPicPr>
+            <p:nvPr/>
+          </p:nvPicPr>
+          <p:blipFill>
+            <a:blip r:embed="rId20"/>
+            <a:stretch>
+              <a:fillRect/>
+            </a:stretch>
+          </p:blipFill>
+          <p:spPr>
+            <a:xfrm>
+              <a:off x="4080884" y="1047245"/>
+              <a:ext cx="2962688" cy="619211"/>
+            </a:xfrm>
+            <a:prstGeom prst="rect">
+              <a:avLst/>
+            </a:prstGeom>
+          </p:spPr>
+        </p:pic>
+        <p:sp>
+          <p:nvSpPr>
+            <p:cNvPr id="90" name="テキスト ボックス 89">
+              <a:extLst>
+                <a:ext uri="{FF2B5EF4-FFF2-40B4-BE49-F238E27FC236}">
+                  <a16:creationId xmlns:a16="http://schemas.microsoft.com/office/drawing/2014/main" id="{90362D18-EB13-4D3A-B2DA-BC71E847888C}"/>
+                </a:ext>
+              </a:extLst>
+            </p:cNvPr>
+            <p:cNvSpPr txBox="1"/>
+            <p:nvPr/>
+          </p:nvSpPr>
+          <p:spPr>
+            <a:xfrm>
+              <a:off x="11599474" y="870451"/>
+              <a:ext cx="2015533" cy="646331"/>
+            </a:xfrm>
+            <a:prstGeom prst="rect">
+              <a:avLst/>
+            </a:prstGeom>
+            <a:noFill/>
+            <a:ln>
+              <a:noFill/>
+            </a:ln>
+          </p:spPr>
+          <p:txBody>
+            <a:bodyPr wrap="square" rtlCol="0">
+              <a:spAutoFit/>
+            </a:bodyPr>
+            <a:lstStyle/>
+            <a:p>
+              <a:r>
+                <a:rPr kumimoji="1" lang="ja-JP" altLang="en-US" dirty="0"/>
+                <a:t>本番・開発</a:t>
+              </a:r>
+              <a:endParaRPr kumimoji="1" lang="en-US" altLang="ja-JP" dirty="0"/>
+            </a:p>
+            <a:p>
+              <a:r>
+                <a:rPr kumimoji="1" lang="ja-JP" altLang="en-US" dirty="0"/>
+                <a:t>トリガーが別</a:t>
+              </a:r>
+            </a:p>
+          </p:txBody>
+        </p:sp>
+        <p:sp>
+          <p:nvSpPr>
+            <p:cNvPr id="91" name="テキスト ボックス 90">
+              <a:extLst>
+                <a:ext uri="{FF2B5EF4-FFF2-40B4-BE49-F238E27FC236}">
+                  <a16:creationId xmlns:a16="http://schemas.microsoft.com/office/drawing/2014/main" id="{8585D2C7-C782-49D5-8495-8C3A3F26FD6E}"/>
+                </a:ext>
+              </a:extLst>
+            </p:cNvPr>
+            <p:cNvSpPr txBox="1"/>
+            <p:nvPr/>
+          </p:nvSpPr>
+          <p:spPr>
+            <a:xfrm>
+              <a:off x="2524533" y="503556"/>
+              <a:ext cx="2407440" cy="923330"/>
+            </a:xfrm>
+            <a:prstGeom prst="rect">
+              <a:avLst/>
+            </a:prstGeom>
+            <a:noFill/>
+            <a:ln>
+              <a:noFill/>
+            </a:ln>
+          </p:spPr>
+          <p:txBody>
+            <a:bodyPr wrap="square" rtlCol="0">
+              <a:spAutoFit/>
+            </a:bodyPr>
+            <a:lstStyle/>
+            <a:p>
+              <a:r>
+                <a:rPr kumimoji="1" lang="ja-JP" altLang="en-US" dirty="0"/>
+                <a:t>ブランチが別</a:t>
+              </a:r>
+              <a:br>
+                <a:rPr kumimoji="1" lang="en-US" altLang="ja-JP" dirty="0"/>
+              </a:br>
+              <a:r>
+                <a:rPr kumimoji="1" lang="ja-JP" altLang="en-US" dirty="0"/>
+                <a:t>本番：</a:t>
+              </a:r>
+              <a:r>
+                <a:rPr kumimoji="1" lang="en-US" altLang="ja-JP" dirty="0"/>
+                <a:t>main</a:t>
+              </a:r>
+            </a:p>
+            <a:p>
+              <a:r>
+                <a:rPr kumimoji="1" lang="ja-JP" altLang="en-US" dirty="0"/>
+                <a:t>開発：</a:t>
+              </a:r>
+              <a:r>
+                <a:rPr kumimoji="1" lang="en-US" altLang="ja-JP" dirty="0"/>
+                <a:t>develop</a:t>
+              </a:r>
+            </a:p>
+          </p:txBody>
+        </p:sp>
+        <p:cxnSp>
+          <p:nvCxnSpPr>
+            <p:cNvPr id="93" name="直線矢印コネクタ 92">
+              <a:extLst>
+                <a:ext uri="{FF2B5EF4-FFF2-40B4-BE49-F238E27FC236}">
+                  <a16:creationId xmlns:a16="http://schemas.microsoft.com/office/drawing/2014/main" id="{DF7FC91F-B136-460C-80AE-A673A72721D0}"/>
+                </a:ext>
+              </a:extLst>
+            </p:cNvPr>
+            <p:cNvCxnSpPr>
+              <a:cxnSpLocks/>
+            </p:cNvCxnSpPr>
+            <p:nvPr/>
+          </p:nvCxnSpPr>
+          <p:spPr>
+            <a:xfrm flipH="1">
+              <a:off x="7367040" y="7882010"/>
+              <a:ext cx="6047149" cy="2226544"/>
+            </a:xfrm>
+            <a:prstGeom prst="straightConnector1">
+              <a:avLst/>
+            </a:prstGeom>
+            <a:ln>
+              <a:tailEnd type="triangle"/>
+            </a:ln>
+          </p:spPr>
+          <p:style>
+            <a:lnRef idx="1">
+              <a:schemeClr val="accent1"/>
+            </a:lnRef>
+            <a:fillRef idx="0">
+              <a:schemeClr val="accent1"/>
+            </a:fillRef>
+            <a:effectRef idx="0">
+              <a:schemeClr val="accent1"/>
+            </a:effectRef>
+            <a:fontRef idx="minor">
+              <a:schemeClr val="tx1"/>
+            </a:fontRef>
+          </p:style>
+        </p:cxnSp>
+        <p:sp>
+          <p:nvSpPr>
+            <p:cNvPr id="97" name="正方形/長方形 96">
+              <a:extLst>
+                <a:ext uri="{FF2B5EF4-FFF2-40B4-BE49-F238E27FC236}">
+                  <a16:creationId xmlns:a16="http://schemas.microsoft.com/office/drawing/2014/main" id="{0E1D9FB1-6A74-4E3E-9C1E-BAC26A3FC7FB}"/>
+                </a:ext>
+              </a:extLst>
+            </p:cNvPr>
+            <p:cNvSpPr/>
+            <p:nvPr/>
+          </p:nvSpPr>
+          <p:spPr>
+            <a:xfrm>
+              <a:off x="17026733" y="9479596"/>
+              <a:ext cx="2284238" cy="1362596"/>
+            </a:xfrm>
+            <a:prstGeom prst="rect">
+              <a:avLst/>
+            </a:prstGeom>
+            <a:solidFill>
+              <a:srgbClr val="FDF3ED"/>
+            </a:solidFill>
+          </p:spPr>
+          <p:style>
+            <a:lnRef idx="0">
+              <a:schemeClr val="accent2"/>
+            </a:lnRef>
+            <a:fillRef idx="3">
+              <a:schemeClr val="accent2"/>
+            </a:fillRef>
+            <a:effectRef idx="3">
+              <a:schemeClr val="accent2"/>
+            </a:effectRef>
+            <a:fontRef idx="minor">
+              <a:schemeClr val="lt1"/>
+            </a:fontRef>
+          </p:style>
+          <p:txBody>
+            <a:bodyPr rot="0" spcFirstLastPara="0" vertOverflow="overflow" horzOverflow="overflow" vert="horz" wrap="square" lIns="91440" tIns="45720" rIns="91440" bIns="45720" numCol="1" spcCol="0" rtlCol="0" fromWordArt="0" anchor="ctr" anchorCtr="0" forceAA="0" compatLnSpc="1">
+              <a:prstTxWarp prst="textNoShape">
+                <a:avLst/>
+              </a:prstTxWarp>
+              <a:noAutofit/>
+            </a:bodyPr>
+            <a:lstStyle/>
+            <a:p>
+              <a:pPr algn="ctr"/>
+              <a:endParaRPr kumimoji="1" lang="ja-JP" altLang="en-US" dirty="0"/>
+            </a:p>
+          </p:txBody>
+        </p:sp>
+        <p:pic>
+          <p:nvPicPr>
+            <p:cNvPr id="41" name="グラフィックス 40">
+              <a:extLst>
+                <a:ext uri="{FF2B5EF4-FFF2-40B4-BE49-F238E27FC236}">
+                  <a16:creationId xmlns:a16="http://schemas.microsoft.com/office/drawing/2014/main" id="{1A5CF29A-5F70-4A2B-A061-EA1C5843DFEA}"/>
+                </a:ext>
+              </a:extLst>
+            </p:cNvPr>
+            <p:cNvPicPr>
+              <a:picLocks noChangeAspect="1"/>
+            </p:cNvPicPr>
+            <p:nvPr/>
+          </p:nvPicPr>
+          <p:blipFill>
+            <a:blip r:embed="rId21">
+              <a:extLst>
+                <a:ext uri="{28A0092B-C50C-407E-A947-70E740481C1C}">
+                  <a14:useLocalDpi xmlns:a14="http://schemas.microsoft.com/office/drawing/2010/main" val="0"/>
+                </a:ext>
+                <a:ext uri="{96DAC541-7B7A-43D3-8B79-37D633B846F1}">
+                  <asvg:svgBlip xmlns:asvg="http://schemas.microsoft.com/office/drawing/2016/SVG/main" r:embed="rId22"/>
+                </a:ext>
+              </a:extLst>
+            </a:blip>
+            <a:stretch>
+              <a:fillRect/>
+            </a:stretch>
+          </p:blipFill>
+          <p:spPr>
+            <a:xfrm>
+              <a:off x="17090446" y="9621550"/>
+              <a:ext cx="1187522" cy="1187522"/>
+            </a:xfrm>
+            <a:prstGeom prst="rect">
+              <a:avLst/>
+            </a:prstGeom>
+          </p:spPr>
+        </p:pic>
+        <p:sp>
+          <p:nvSpPr>
+            <p:cNvPr id="98" name="テキスト ボックス 97">
+              <a:extLst>
+                <a:ext uri="{FF2B5EF4-FFF2-40B4-BE49-F238E27FC236}">
+                  <a16:creationId xmlns:a16="http://schemas.microsoft.com/office/drawing/2014/main" id="{EBD262B4-7229-4AB3-8EBD-166455E91996}"/>
+                </a:ext>
+              </a:extLst>
+            </p:cNvPr>
+            <p:cNvSpPr txBox="1"/>
+            <p:nvPr/>
+          </p:nvSpPr>
+          <p:spPr>
+            <a:xfrm>
+              <a:off x="18199167" y="9938882"/>
+              <a:ext cx="1224341" cy="369332"/>
+            </a:xfrm>
+            <a:prstGeom prst="rect">
+              <a:avLst/>
+            </a:prstGeom>
+            <a:noFill/>
+          </p:spPr>
+          <p:txBody>
+            <a:bodyPr wrap="square" rtlCol="0">
+              <a:spAutoFit/>
+            </a:bodyPr>
+            <a:lstStyle/>
+            <a:p>
+              <a:r>
+                <a:rPr lang="en-US" altLang="ja-JP" dirty="0">
+                  <a:solidFill>
+                    <a:schemeClr val="bg1">
+                      <a:lumMod val="50000"/>
+                    </a:schemeClr>
+                  </a:solidFill>
+                  <a:latin typeface="Arial" panose="020B0604020202020204" pitchFamily="34" charset="0"/>
+                  <a:cs typeface="Arial" panose="020B0604020202020204" pitchFamily="34" charset="0"/>
+                </a:rPr>
+                <a:t>Pub/Sub</a:t>
+              </a:r>
+            </a:p>
+          </p:txBody>
+        </p:sp>
+        <p:cxnSp>
+          <p:nvCxnSpPr>
+            <p:cNvPr id="99" name="直線矢印コネクタ 98">
+              <a:extLst>
+                <a:ext uri="{FF2B5EF4-FFF2-40B4-BE49-F238E27FC236}">
+                  <a16:creationId xmlns:a16="http://schemas.microsoft.com/office/drawing/2014/main" id="{AD2F3FE9-BFC6-4994-982F-F13EF399D8A1}"/>
+                </a:ext>
+              </a:extLst>
+            </p:cNvPr>
+            <p:cNvCxnSpPr>
+              <a:cxnSpLocks/>
+            </p:cNvCxnSpPr>
+            <p:nvPr/>
+          </p:nvCxnSpPr>
+          <p:spPr>
+            <a:xfrm>
+              <a:off x="15629685" y="7475918"/>
+              <a:ext cx="1690363" cy="1769592"/>
+            </a:xfrm>
+            <a:prstGeom prst="straightConnector1">
+              <a:avLst/>
+            </a:prstGeom>
+            <a:ln>
+              <a:tailEnd type="triangle"/>
+            </a:ln>
+          </p:spPr>
+          <p:style>
+            <a:lnRef idx="1">
+              <a:schemeClr val="accent1"/>
+            </a:lnRef>
+            <a:fillRef idx="0">
+              <a:schemeClr val="accent1"/>
+            </a:fillRef>
+            <a:effectRef idx="0">
+              <a:schemeClr val="accent1"/>
+            </a:effectRef>
+            <a:fontRef idx="minor">
+              <a:schemeClr val="tx1"/>
+            </a:fontRef>
+          </p:style>
+        </p:cxnSp>
+        <p:cxnSp>
+          <p:nvCxnSpPr>
+            <p:cNvPr id="101" name="直線矢印コネクタ 100">
+              <a:extLst>
+                <a:ext uri="{FF2B5EF4-FFF2-40B4-BE49-F238E27FC236}">
+                  <a16:creationId xmlns:a16="http://schemas.microsoft.com/office/drawing/2014/main" id="{FEED44CC-14BE-4BBD-A68B-F41EBFC7D77F}"/>
+                </a:ext>
+              </a:extLst>
+            </p:cNvPr>
+            <p:cNvCxnSpPr>
+              <a:cxnSpLocks/>
+            </p:cNvCxnSpPr>
+            <p:nvPr/>
+          </p:nvCxnSpPr>
+          <p:spPr>
+            <a:xfrm rot="10800000">
+              <a:off x="15456160" y="7628516"/>
+              <a:ext cx="1690363" cy="1769592"/>
+            </a:xfrm>
+            <a:prstGeom prst="straightConnector1">
+              <a:avLst/>
+            </a:prstGeom>
+            <a:ln>
+              <a:tailEnd type="triangle"/>
+            </a:ln>
+          </p:spPr>
+          <p:style>
+            <a:lnRef idx="1">
+              <a:schemeClr val="accent1"/>
+            </a:lnRef>
+            <a:fillRef idx="0">
+              <a:schemeClr val="accent1"/>
+            </a:fillRef>
+            <a:effectRef idx="0">
+              <a:schemeClr val="accent1"/>
+            </a:effectRef>
+            <a:fontRef idx="minor">
+              <a:schemeClr val="tx1"/>
+            </a:fontRef>
+          </p:style>
+        </p:cxnSp>
+        <p:sp>
+          <p:nvSpPr>
+            <p:cNvPr id="102" name="テキスト ボックス 101">
+              <a:extLst>
+                <a:ext uri="{FF2B5EF4-FFF2-40B4-BE49-F238E27FC236}">
+                  <a16:creationId xmlns:a16="http://schemas.microsoft.com/office/drawing/2014/main" id="{DF3A7689-BC92-4FE8-8849-74D11A42E987}"/>
+                </a:ext>
+              </a:extLst>
+            </p:cNvPr>
+            <p:cNvSpPr txBox="1"/>
+            <p:nvPr/>
+          </p:nvSpPr>
+          <p:spPr>
+            <a:xfrm>
+              <a:off x="16410212" y="8042254"/>
+              <a:ext cx="2482551" cy="646331"/>
+            </a:xfrm>
+            <a:prstGeom prst="rect">
+              <a:avLst/>
+            </a:prstGeom>
+            <a:noFill/>
+          </p:spPr>
+          <p:txBody>
+            <a:bodyPr wrap="square" rtlCol="0">
+              <a:spAutoFit/>
+            </a:bodyPr>
+            <a:lstStyle/>
+            <a:p>
+              <a:pPr algn="ctr"/>
+              <a:r>
+                <a:rPr lang="en-US" altLang="ja-JP" dirty="0">
+                  <a:solidFill>
+                    <a:schemeClr val="bg1">
+                      <a:lumMod val="50000"/>
+                    </a:schemeClr>
+                  </a:solidFill>
+                  <a:latin typeface="Arial" panose="020B0604020202020204" pitchFamily="34" charset="0"/>
+                  <a:ea typeface="HGPｺﾞｼｯｸM" panose="020B0600000000000000" pitchFamily="50" charset="-128"/>
+                  <a:cs typeface="Arial" panose="020B0604020202020204" pitchFamily="34" charset="0"/>
+                </a:rPr>
+                <a:t>Publish</a:t>
+              </a:r>
+              <a:br>
+                <a:rPr lang="en-US" altLang="ja-JP" dirty="0">
+                  <a:solidFill>
+                    <a:schemeClr val="bg1">
+                      <a:lumMod val="50000"/>
+                    </a:schemeClr>
+                  </a:solidFill>
+                  <a:latin typeface="Arial" panose="020B0604020202020204" pitchFamily="34" charset="0"/>
+                  <a:ea typeface="HGPｺﾞｼｯｸM" panose="020B0600000000000000" pitchFamily="50" charset="-128"/>
+                  <a:cs typeface="Arial" panose="020B0604020202020204" pitchFamily="34" charset="0"/>
+                </a:rPr>
+              </a:br>
+              <a:r>
+                <a:rPr lang="ja-JP" altLang="en-US" dirty="0">
+                  <a:solidFill>
+                    <a:schemeClr val="bg1">
+                      <a:lumMod val="50000"/>
+                    </a:schemeClr>
+                  </a:solidFill>
+                  <a:latin typeface="Arial" panose="020B0604020202020204" pitchFamily="34" charset="0"/>
+                  <a:ea typeface="HGPｺﾞｼｯｸM" panose="020B0600000000000000" pitchFamily="50" charset="-128"/>
+                  <a:cs typeface="Arial" panose="020B0604020202020204" pitchFamily="34" charset="0"/>
+                </a:rPr>
+                <a:t>（メッセージ送信）</a:t>
+              </a:r>
+              <a:endParaRPr lang="en-US" altLang="ja-JP" dirty="0">
+                <a:solidFill>
+                  <a:schemeClr val="bg1">
+                    <a:lumMod val="50000"/>
+                  </a:schemeClr>
+                </a:solidFill>
+                <a:latin typeface="Arial" panose="020B0604020202020204" pitchFamily="34" charset="0"/>
+                <a:ea typeface="HGPｺﾞｼｯｸM" panose="020B0600000000000000" pitchFamily="50" charset="-128"/>
+                <a:cs typeface="Arial" panose="020B0604020202020204" pitchFamily="34" charset="0"/>
+              </a:endParaRPr>
+            </a:p>
+          </p:txBody>
+        </p:sp>
+        <p:sp>
+          <p:nvSpPr>
+            <p:cNvPr id="104" name="テキスト ボックス 103">
+              <a:extLst>
+                <a:ext uri="{FF2B5EF4-FFF2-40B4-BE49-F238E27FC236}">
+                  <a16:creationId xmlns:a16="http://schemas.microsoft.com/office/drawing/2014/main" id="{CBD326F3-5439-480F-A37C-A6CA99DA3F29}"/>
+                </a:ext>
+              </a:extLst>
+            </p:cNvPr>
+            <p:cNvSpPr txBox="1"/>
+            <p:nvPr/>
+          </p:nvSpPr>
+          <p:spPr>
+            <a:xfrm>
+              <a:off x="14852477" y="8825296"/>
+              <a:ext cx="1772982" cy="369332"/>
+            </a:xfrm>
+            <a:prstGeom prst="rect">
+              <a:avLst/>
+            </a:prstGeom>
+            <a:noFill/>
+          </p:spPr>
+          <p:txBody>
+            <a:bodyPr wrap="square" rtlCol="0">
+              <a:spAutoFit/>
+            </a:bodyPr>
+            <a:lstStyle/>
+            <a:p>
+              <a:pPr algn="ctr"/>
+              <a:r>
+                <a:rPr lang="ja-JP" altLang="en-US" dirty="0">
+                  <a:solidFill>
+                    <a:schemeClr val="bg1">
+                      <a:lumMod val="50000"/>
+                    </a:schemeClr>
+                  </a:solidFill>
+                  <a:latin typeface="Arial" panose="020B0604020202020204" pitchFamily="34" charset="0"/>
+                  <a:ea typeface="HGPｺﾞｼｯｸM" panose="020B0600000000000000" pitchFamily="50" charset="-128"/>
+                  <a:cs typeface="Arial" panose="020B0604020202020204" pitchFamily="34" charset="0"/>
+                </a:rPr>
+                <a:t>メッセージ送信</a:t>
+              </a:r>
+              <a:endParaRPr lang="en-US" altLang="ja-JP" dirty="0">
+                <a:solidFill>
+                  <a:schemeClr val="bg1">
+                    <a:lumMod val="50000"/>
+                  </a:schemeClr>
+                </a:solidFill>
+                <a:latin typeface="Arial" panose="020B0604020202020204" pitchFamily="34" charset="0"/>
+                <a:ea typeface="HGPｺﾞｼｯｸM" panose="020B0600000000000000" pitchFamily="50" charset="-128"/>
+                <a:cs typeface="Arial" panose="020B0604020202020204" pitchFamily="34" charset="0"/>
+              </a:endParaRPr>
+            </a:p>
+          </p:txBody>
+        </p:sp>
+        <p:sp>
+          <p:nvSpPr>
+            <p:cNvPr id="105" name="テキスト ボックス 104">
+              <a:extLst>
+                <a:ext uri="{FF2B5EF4-FFF2-40B4-BE49-F238E27FC236}">
+                  <a16:creationId xmlns:a16="http://schemas.microsoft.com/office/drawing/2014/main" id="{6459B9C0-0B86-4AD8-9C09-95B52F2B4F70}"/>
+                </a:ext>
+              </a:extLst>
+            </p:cNvPr>
+            <p:cNvSpPr txBox="1"/>
+            <p:nvPr/>
+          </p:nvSpPr>
+          <p:spPr>
+            <a:xfrm>
+              <a:off x="17090446" y="10966638"/>
+              <a:ext cx="2163284" cy="646331"/>
+            </a:xfrm>
+            <a:prstGeom prst="rect">
+              <a:avLst/>
+            </a:prstGeom>
+            <a:noFill/>
+          </p:spPr>
+          <p:txBody>
+            <a:bodyPr wrap="square" rtlCol="0">
+              <a:spAutoFit/>
+            </a:bodyPr>
+            <a:lstStyle/>
+            <a:p>
+              <a:pPr algn="ctr"/>
+              <a:r>
+                <a:rPr lang="ja-JP" altLang="en-US" dirty="0">
+                  <a:solidFill>
+                    <a:schemeClr val="bg1">
+                      <a:lumMod val="50000"/>
+                    </a:schemeClr>
+                  </a:solidFill>
+                  <a:latin typeface="Arial" panose="020B0604020202020204" pitchFamily="34" charset="0"/>
+                  <a:ea typeface="HGPｺﾞｼｯｸM" panose="020B0600000000000000" pitchFamily="50" charset="-128"/>
+                  <a:cs typeface="Arial" panose="020B0604020202020204" pitchFamily="34" charset="0"/>
+                </a:rPr>
+                <a:t>応答までに</a:t>
+              </a:r>
+              <a:r>
+                <a:rPr lang="en-US" altLang="ja-JP" dirty="0">
+                  <a:solidFill>
+                    <a:schemeClr val="bg1">
+                      <a:lumMod val="50000"/>
+                    </a:schemeClr>
+                  </a:solidFill>
+                  <a:latin typeface="Arial" panose="020B0604020202020204" pitchFamily="34" charset="0"/>
+                  <a:ea typeface="HGPｺﾞｼｯｸM" panose="020B0600000000000000" pitchFamily="50" charset="-128"/>
+                  <a:cs typeface="Arial" panose="020B0604020202020204" pitchFamily="34" charset="0"/>
+                </a:rPr>
+                <a:t>3</a:t>
+              </a:r>
+              <a:r>
+                <a:rPr lang="ja-JP" altLang="en-US" dirty="0">
+                  <a:solidFill>
+                    <a:schemeClr val="bg1">
+                      <a:lumMod val="50000"/>
+                    </a:schemeClr>
+                  </a:solidFill>
+                  <a:latin typeface="Arial" panose="020B0604020202020204" pitchFamily="34" charset="0"/>
+                  <a:ea typeface="HGPｺﾞｼｯｸM" panose="020B0600000000000000" pitchFamily="50" charset="-128"/>
+                  <a:cs typeface="Arial" panose="020B0604020202020204" pitchFamily="34" charset="0"/>
+                </a:rPr>
+                <a:t>秒以上かかりそうな処理</a:t>
+              </a:r>
+              <a:endParaRPr lang="en-US" altLang="ja-JP" dirty="0">
+                <a:solidFill>
+                  <a:schemeClr val="bg1">
+                    <a:lumMod val="50000"/>
+                  </a:schemeClr>
+                </a:solidFill>
+                <a:latin typeface="Arial" panose="020B0604020202020204" pitchFamily="34" charset="0"/>
+                <a:ea typeface="HGPｺﾞｼｯｸM" panose="020B0600000000000000" pitchFamily="50" charset="-128"/>
+                <a:cs typeface="Arial" panose="020B0604020202020204" pitchFamily="34" charset="0"/>
+              </a:endParaRPr>
+            </a:p>
+          </p:txBody>
+        </p:sp>
+      </p:grpSp>
+      <p:sp>
+        <p:nvSpPr>
+          <p:cNvPr id="207" name="テキスト ボックス 206">
+            <a:extLst>
+              <a:ext uri="{FF2B5EF4-FFF2-40B4-BE49-F238E27FC236}">
+                <a16:creationId xmlns:a16="http://schemas.microsoft.com/office/drawing/2014/main" id="{6744418B-CFAE-4D8E-9D58-9DBB280631C3}"/>
+              </a:ext>
+            </a:extLst>
+          </p:cNvPr>
+          <p:cNvSpPr txBox="1"/>
+          <p:nvPr/>
+        </p:nvSpPr>
+        <p:spPr>
+          <a:xfrm>
+            <a:off x="18789215" y="7834721"/>
+            <a:ext cx="2163284" cy="646331"/>
+          </a:xfrm>
+          <a:prstGeom prst="rect">
+            <a:avLst/>
+          </a:prstGeom>
+          <a:noFill/>
+        </p:spPr>
+        <p:txBody>
+          <a:bodyPr wrap="square" rtlCol="0">
+            <a:spAutoFit/>
+          </a:bodyPr>
+          <a:lstStyle/>
+          <a:p>
+            <a:pPr algn="ctr"/>
+            <a:r>
+              <a:rPr lang="en-US" altLang="ja-JP" dirty="0">
+                <a:solidFill>
+                  <a:srgbClr val="C00000"/>
+                </a:solidFill>
+                <a:latin typeface="Arial" panose="020B0604020202020204" pitchFamily="34" charset="0"/>
+                <a:ea typeface="HGPｺﾞｼｯｸM" panose="020B0600000000000000" pitchFamily="50" charset="-128"/>
+                <a:cs typeface="Arial" panose="020B0604020202020204" pitchFamily="34" charset="0"/>
+              </a:rPr>
+              <a:t>Slack</a:t>
+            </a:r>
+            <a:r>
+              <a:rPr lang="ja-JP" altLang="en-US" dirty="0">
+                <a:solidFill>
+                  <a:srgbClr val="C00000"/>
+                </a:solidFill>
+                <a:latin typeface="Arial" panose="020B0604020202020204" pitchFamily="34" charset="0"/>
+                <a:ea typeface="HGPｺﾞｼｯｸM" panose="020B0600000000000000" pitchFamily="50" charset="-128"/>
+                <a:cs typeface="Arial" panose="020B0604020202020204" pitchFamily="34" charset="0"/>
+              </a:rPr>
+              <a:t>に寄せられた勤怠連絡</a:t>
+            </a:r>
+            <a:endParaRPr lang="en-US" altLang="ja-JP" dirty="0">
+              <a:solidFill>
+                <a:srgbClr val="C00000"/>
+              </a:solidFill>
+              <a:latin typeface="Arial" panose="020B0604020202020204" pitchFamily="34" charset="0"/>
+              <a:ea typeface="HGPｺﾞｼｯｸM" panose="020B0600000000000000" pitchFamily="50" charset="-128"/>
+              <a:cs typeface="Arial" panose="020B0604020202020204" pitchFamily="34" charset="0"/>
+            </a:endParaRPr>
+          </a:p>
+        </p:txBody>
+      </p:sp>
+    </p:spTree>
+    <p:extLst>
+      <p:ext uri="{BB962C8B-B14F-4D97-AF65-F5344CB8AC3E}">
+        <p14:creationId xmlns:p14="http://schemas.microsoft.com/office/powerpoint/2010/main" val="946837162"/>
+      </p:ext>
+    </p:extLst>
+  </p:cSld>
+  <p:clrMapOvr>
+    <a:masterClrMapping/>
+  </p:clrMapOvr>
+</p:sld>
+</file>
+
+<file path=ppt/slides/slide4.xml><?xml version="1.0" encoding="utf-8"?>
 <p:sld xmlns:a="http://schemas.openxmlformats.org/drawingml/2006/main" xmlns:r="http://schemas.openxmlformats.org/officeDocument/2006/relationships" xmlns:p="http://schemas.openxmlformats.org/presentationml/2006/main">
   <p:cSld>
     <p:spTree>
@@ -11193,7 +15858,7 @@
         </p:blipFill>
         <p:spPr>
           <a:xfrm>
-            <a:off x="1459196" y="1519741"/>
+            <a:off x="4573077" y="1519742"/>
             <a:ext cx="4172532" cy="619211"/>
           </a:xfrm>
           <a:prstGeom prst="rect">
